--- a/3- CSS3/CSS3.pptx
+++ b/3- CSS3/CSS3.pptx
@@ -8,7 +8,7 @@
     <p:sldMasterId id="2147483702" r:id="rId4"/>
   </p:sldMasterIdLst>
   <p:notesMasterIdLst>
-    <p:notesMasterId r:id="rId31"/>
+    <p:notesMasterId r:id="rId29"/>
   </p:notesMasterIdLst>
   <p:sldIdLst>
     <p:sldId id="256" r:id="rId5"/>
@@ -16,27 +16,25 @@
     <p:sldId id="258" r:id="rId7"/>
     <p:sldId id="270" r:id="rId8"/>
     <p:sldId id="271" r:id="rId9"/>
-    <p:sldId id="272" r:id="rId10"/>
-    <p:sldId id="273" r:id="rId11"/>
-    <p:sldId id="284" r:id="rId12"/>
-    <p:sldId id="274" r:id="rId13"/>
-    <p:sldId id="277" r:id="rId14"/>
-    <p:sldId id="278" r:id="rId15"/>
-    <p:sldId id="283" r:id="rId16"/>
-    <p:sldId id="279" r:id="rId17"/>
-    <p:sldId id="267" r:id="rId18"/>
-    <p:sldId id="287" r:id="rId19"/>
-    <p:sldId id="282" r:id="rId20"/>
-    <p:sldId id="268" r:id="rId21"/>
-    <p:sldId id="286" r:id="rId22"/>
-    <p:sldId id="281" r:id="rId23"/>
-    <p:sldId id="285" r:id="rId24"/>
-    <p:sldId id="269" r:id="rId25"/>
-    <p:sldId id="275" r:id="rId26"/>
-    <p:sldId id="280" r:id="rId27"/>
-    <p:sldId id="276" r:id="rId28"/>
-    <p:sldId id="263" r:id="rId29"/>
-    <p:sldId id="264" r:id="rId30"/>
+    <p:sldId id="284" r:id="rId10"/>
+    <p:sldId id="274" r:id="rId11"/>
+    <p:sldId id="277" r:id="rId12"/>
+    <p:sldId id="278" r:id="rId13"/>
+    <p:sldId id="283" r:id="rId14"/>
+    <p:sldId id="279" r:id="rId15"/>
+    <p:sldId id="267" r:id="rId16"/>
+    <p:sldId id="287" r:id="rId17"/>
+    <p:sldId id="282" r:id="rId18"/>
+    <p:sldId id="268" r:id="rId19"/>
+    <p:sldId id="286" r:id="rId20"/>
+    <p:sldId id="281" r:id="rId21"/>
+    <p:sldId id="285" r:id="rId22"/>
+    <p:sldId id="269" r:id="rId23"/>
+    <p:sldId id="275" r:id="rId24"/>
+    <p:sldId id="280" r:id="rId25"/>
+    <p:sldId id="276" r:id="rId26"/>
+    <p:sldId id="263" r:id="rId27"/>
+    <p:sldId id="264" r:id="rId28"/>
   </p:sldIdLst>
   <p:sldSz cx="9144000" cy="6858000" type="screen4x3"/>
   <p:notesSz cx="6858000" cy="9144000"/>
@@ -626,12 +624,8 @@
           <a:lstStyle/>
           <a:p>
             <a:r>
-              <a:rPr lang="en-US" dirty="0" smtClean="0"/>
-              <a:t>Custom data attributes are intended</a:t>
-            </a:r>
-            <a:r>
               <a:rPr lang="en-US" baseline="0" dirty="0" smtClean="0"/>
-              <a:t> to store custom data private to the page or application, for which there are no more appropriate attributes or elements. Intended to be used by scripts in the site.</a:t>
+              <a:t>SVG is an older graphics specification, but a powerful one. SVG, or Scalable Vector Graphics, is actually a family of specifications around providing an XML-based file-format for two-dimensional vector graphics. </a:t>
             </a:r>
           </a:p>
           <a:p>
@@ -640,44 +634,16 @@
           <a:p>
             <a:r>
               <a:rPr lang="en-US" baseline="0" dirty="0" smtClean="0"/>
-              <a:t>Common uses include:</a:t>
+              <a:t>SVG can be represented as a standalone .svg file or embedded as xml into your markup. Inline SVG gives you a powerful way to work with vector graphics on you page, and because it’s markup and not a binary image, you can manipulate and style anything in the SVG element and you can use script to interact with the element, much like you do with canvas.</a:t>
             </a:r>
           </a:p>
           <a:p>
             <a:endParaRPr lang="en-US" baseline="0" dirty="0" smtClean="0"/>
           </a:p>
           <a:p>
-            <a:pPr marL="171450" indent="-171450">
-              <a:buFontTx/>
-              <a:buChar char="-"/>
-            </a:pPr>
             <a:r>
               <a:rPr lang="en-US" baseline="0" dirty="0" smtClean="0"/>
-              <a:t>Unobtrusive Validation in ASP.NET MVC</a:t>
-            </a:r>
-          </a:p>
-          <a:p>
-            <a:pPr marL="171450" indent="-171450">
-              <a:buFontTx/>
-              <a:buChar char="-"/>
-            </a:pPr>
-            <a:r>
-              <a:rPr lang="en-US" baseline="0" dirty="0" err="1" smtClean="0"/>
-              <a:t>jQuery</a:t>
-            </a:r>
-            <a:r>
-              <a:rPr lang="en-US" baseline="0" dirty="0" smtClean="0"/>
-              <a:t> Mobile</a:t>
-            </a:r>
-          </a:p>
-          <a:p>
-            <a:pPr marL="171450" indent="-171450">
-              <a:buFontTx/>
-              <a:buChar char="-"/>
-            </a:pPr>
-            <a:r>
-              <a:rPr lang="en-US" baseline="0" dirty="0" smtClean="0"/>
-              <a:t>Knockout JS</a:t>
+              <a:t>[Image captured from my computer]</a:t>
             </a:r>
             <a:endParaRPr lang="en-US" dirty="0"/>
           </a:p>
@@ -698,18 +664,19 @@
           <a:bodyPr/>
           <a:lstStyle/>
           <a:p>
-            <a:fld id="{3CF65C51-ACD0-EB42-9E75-DB57B27F6178}" type="slidenum">
+            <a:fld id="{8B263312-38AA-4E1E-B2B5-0F8F122B24FE}" type="slidenum">
               <a:rPr lang="en-US" smtClean="0"/>
-              <a:t>18</a:t>
+              <a:pPr/>
+              <a:t>20</a:t>
             </a:fld>
-            <a:endParaRPr lang="en-US"/>
+            <a:endParaRPr lang="en-US" dirty="0"/>
           </a:p>
         </p:txBody>
       </p:sp>
     </p:spTree>
     <p:extLst>
       <p:ext uri="{BB962C8B-B14F-4D97-AF65-F5344CB8AC3E}">
-        <p14:creationId xmlns:p14="http://schemas.microsoft.com/office/powerpoint/2010/main" val="1703694169"/>
+        <p14:creationId xmlns:p14="http://schemas.microsoft.com/office/powerpoint/2010/main" val="3523283065"/>
       </p:ext>
     </p:extLst>
   </p:cSld>
@@ -763,127 +730,10 @@
           <a:bodyPr/>
           <a:lstStyle/>
           <a:p>
-            <a:pPr marL="228600" indent="-228600">
-              <a:buAutoNum type="arabicParenR"/>
-            </a:pPr>
             <a:r>
               <a:rPr lang="en-US" dirty="0" smtClean="0"/>
-              <a:t>Go to http://</a:t>
-            </a:r>
-            <a:r>
-              <a:rPr lang="en-US" dirty="0" err="1" smtClean="0"/>
-              <a:t>validator.nu</a:t>
-            </a:r>
-            <a:r>
-              <a:rPr lang="en-US" dirty="0" smtClean="0"/>
-              <a:t>/ and create a arbitrary</a:t>
-            </a:r>
-            <a:r>
-              <a:rPr lang="en-US" baseline="0" dirty="0" smtClean="0"/>
-              <a:t> attribute and try to validate the page</a:t>
-            </a:r>
-          </a:p>
-          <a:p>
-            <a:pPr marL="228600" indent="-228600">
-              <a:buAutoNum type="arabicParenR"/>
-            </a:pPr>
-            <a:r>
-              <a:rPr lang="en-US" baseline="0" dirty="0" smtClean="0"/>
-              <a:t>Append data- and attempt to validate again, it will work this time. </a:t>
-            </a:r>
-          </a:p>
-          <a:p>
-            <a:pPr marL="228600" indent="-228600">
-              <a:buAutoNum type="arabicParenR"/>
-            </a:pPr>
-            <a:endParaRPr lang="en-US" baseline="0" dirty="0" smtClean="0"/>
-          </a:p>
-          <a:p>
-            <a:pPr marL="228600" indent="-228600">
-              <a:buAutoNum type="arabicParenR"/>
-            </a:pPr>
-            <a:r>
-              <a:rPr lang="en-US" baseline="0" dirty="0" smtClean="0"/>
-              <a:t>Now let’s look at real-world uses of data-. </a:t>
-            </a:r>
-            <a:r>
-              <a:rPr lang="en-US" baseline="0" dirty="0" err="1" smtClean="0"/>
-              <a:t>jQuery</a:t>
-            </a:r>
-            <a:r>
-              <a:rPr lang="en-US" baseline="0" dirty="0" smtClean="0"/>
-              <a:t> mobile makes heavy use of Data- attributes, and we can take a look and how we can query these</a:t>
-            </a:r>
-          </a:p>
-          <a:p>
-            <a:pPr marL="228600" indent="-228600">
-              <a:buAutoNum type="arabicParenR"/>
-            </a:pPr>
-            <a:r>
-              <a:rPr lang="en-US" baseline="0" dirty="0" smtClean="0"/>
-              <a:t>Go to </a:t>
-            </a:r>
-            <a:r>
-              <a:rPr lang="en-US" baseline="0" dirty="0" err="1" smtClean="0"/>
-              <a:t>jQueryMobile.com</a:t>
-            </a:r>
-            <a:r>
-              <a:rPr lang="en-US" baseline="0" dirty="0" smtClean="0"/>
-              <a:t> and show the gallery</a:t>
-            </a:r>
-          </a:p>
-          <a:p>
-            <a:pPr marL="228600" indent="-228600">
-              <a:buAutoNum type="arabicParenR"/>
-            </a:pPr>
-            <a:r>
-              <a:rPr lang="en-US" baseline="0" dirty="0" smtClean="0"/>
-              <a:t>Go to http://</a:t>
-            </a:r>
-            <a:r>
-              <a:rPr lang="en-US" baseline="0" dirty="0" err="1" smtClean="0"/>
-              <a:t>www.slideshare.net</a:t>
-            </a:r>
-            <a:r>
-              <a:rPr lang="en-US" baseline="0" dirty="0" smtClean="0"/>
-              <a:t>/mobile or </a:t>
-            </a:r>
-            <a:r>
-              <a:rPr lang="en-US" baseline="0" dirty="0" err="1" smtClean="0"/>
-              <a:t>m.opentable.com</a:t>
-            </a:r>
-            <a:r>
-              <a:rPr lang="en-US" baseline="0" dirty="0" smtClean="0"/>
-              <a:t> and open the Chrome </a:t>
-            </a:r>
-            <a:r>
-              <a:rPr lang="en-US" baseline="0" dirty="0" err="1" smtClean="0"/>
-              <a:t>Dev</a:t>
-            </a:r>
-            <a:r>
-              <a:rPr lang="en-US" baseline="0" dirty="0" smtClean="0"/>
-              <a:t> tools</a:t>
-            </a:r>
-          </a:p>
-          <a:p>
-            <a:pPr marL="228600" indent="-228600">
-              <a:buAutoNum type="arabicParenR"/>
-            </a:pPr>
-            <a:r>
-              <a:rPr lang="en-US" baseline="0" dirty="0" smtClean="0"/>
-              <a:t>Open the console and select an element by ID to show working with Data-* attributes</a:t>
-            </a:r>
-          </a:p>
-          <a:p>
-            <a:pPr marL="228600" indent="-228600">
-              <a:buAutoNum type="arabicParenR"/>
-            </a:pPr>
-            <a:endParaRPr lang="en-US" baseline="0" smtClean="0"/>
-          </a:p>
-          <a:p>
-            <a:pPr marL="228600" indent="-228600">
-              <a:buAutoNum type="arabicParenR"/>
-            </a:pPr>
+              <a:t>Let’s take a look at canvas and svg in action. </a:t>
+            </a:r>
             <a:endParaRPr lang="en-US" dirty="0"/>
           </a:p>
         </p:txBody>
@@ -906,203 +756,7 @@
             <a:fld id="{8B263312-38AA-4E1E-B2B5-0F8F122B24FE}" type="slidenum">
               <a:rPr lang="en-US" smtClean="0"/>
               <a:pPr/>
-              <a:t>20</a:t>
-            </a:fld>
-            <a:endParaRPr lang="en-US" dirty="0"/>
-          </a:p>
-        </p:txBody>
-      </p:sp>
-    </p:spTree>
-    <p:extLst>
-      <p:ext uri="{BB962C8B-B14F-4D97-AF65-F5344CB8AC3E}">
-        <p14:creationId xmlns:p14="http://schemas.microsoft.com/office/powerpoint/2010/main" val="2785940683"/>
-      </p:ext>
-    </p:extLst>
-  </p:cSld>
-  <p:clrMapOvr>
-    <a:masterClrMapping/>
-  </p:clrMapOvr>
-</p:notes>
-</file>
-
-<file path=ppt/notesSlides/notesSlide12.xml><?xml version="1.0" encoding="utf-8"?>
-<p:notes xmlns:a="http://schemas.openxmlformats.org/drawingml/2006/main" xmlns:r="http://schemas.openxmlformats.org/officeDocument/2006/relationships" xmlns:p="http://schemas.openxmlformats.org/presentationml/2006/main">
-  <p:cSld>
-    <p:spTree>
-      <p:nvGrpSpPr>
-        <p:cNvPr id="1" name=""/>
-        <p:cNvGrpSpPr/>
-        <p:nvPr/>
-      </p:nvGrpSpPr>
-      <p:grpSpPr>
-        <a:xfrm>
-          <a:off x="0" y="0"/>
-          <a:ext cx="0" cy="0"/>
-          <a:chOff x="0" y="0"/>
-          <a:chExt cx="0" cy="0"/>
-        </a:xfrm>
-      </p:grpSpPr>
-      <p:sp>
-        <p:nvSpPr>
-          <p:cNvPr id="2" name="Slide Image Placeholder 1"/>
-          <p:cNvSpPr>
-            <a:spLocks noGrp="1" noRot="1" noChangeAspect="1"/>
-          </p:cNvSpPr>
-          <p:nvPr>
-            <p:ph type="sldImg"/>
-          </p:nvPr>
-        </p:nvSpPr>
-        <p:spPr/>
-      </p:sp>
-      <p:sp>
-        <p:nvSpPr>
-          <p:cNvPr id="3" name="Notes Placeholder 2"/>
-          <p:cNvSpPr>
-            <a:spLocks noGrp="1"/>
-          </p:cNvSpPr>
-          <p:nvPr>
-            <p:ph type="body" idx="1"/>
-          </p:nvPr>
-        </p:nvSpPr>
-        <p:spPr/>
-        <p:txBody>
-          <a:bodyPr/>
-          <a:lstStyle/>
-          <a:p>
-            <a:r>
-              <a:rPr lang="en-US" baseline="0" dirty="0" smtClean="0"/>
-              <a:t>SVG is an older graphics specification, but a powerful one. SVG, or Scalable Vector Graphics, is actually a family of specifications around providing an XML-based file-format for two-dimensional vector graphics. </a:t>
-            </a:r>
-          </a:p>
-          <a:p>
-            <a:endParaRPr lang="en-US" baseline="0" dirty="0" smtClean="0"/>
-          </a:p>
-          <a:p>
-            <a:r>
-              <a:rPr lang="en-US" baseline="0" dirty="0" smtClean="0"/>
-              <a:t>SVG can be represented as a standalone .svg file or embedded as xml into your markup. Inline SVG gives you a powerful way to work with vector graphics on you page, and because it’s markup and not a binary image, you can manipulate and style anything in the SVG element and you can use script to interact with the element, much like you do with canvas.</a:t>
-            </a:r>
-          </a:p>
-          <a:p>
-            <a:endParaRPr lang="en-US" baseline="0" dirty="0" smtClean="0"/>
-          </a:p>
-          <a:p>
-            <a:r>
-              <a:rPr lang="en-US" baseline="0" dirty="0" smtClean="0"/>
-              <a:t>[Image captured from my computer]</a:t>
-            </a:r>
-            <a:endParaRPr lang="en-US" dirty="0"/>
-          </a:p>
-        </p:txBody>
-      </p:sp>
-      <p:sp>
-        <p:nvSpPr>
-          <p:cNvPr id="4" name="Slide Number Placeholder 3"/>
-          <p:cNvSpPr>
-            <a:spLocks noGrp="1"/>
-          </p:cNvSpPr>
-          <p:nvPr>
-            <p:ph type="sldNum" sz="quarter" idx="10"/>
-          </p:nvPr>
-        </p:nvSpPr>
-        <p:spPr/>
-        <p:txBody>
-          <a:bodyPr/>
-          <a:lstStyle/>
-          <a:p>
-            <a:fld id="{8B263312-38AA-4E1E-B2B5-0F8F122B24FE}" type="slidenum">
-              <a:rPr lang="en-US" smtClean="0"/>
-              <a:pPr/>
               <a:t>22</a:t>
-            </a:fld>
-            <a:endParaRPr lang="en-US" dirty="0"/>
-          </a:p>
-        </p:txBody>
-      </p:sp>
-    </p:spTree>
-    <p:extLst>
-      <p:ext uri="{BB962C8B-B14F-4D97-AF65-F5344CB8AC3E}">
-        <p14:creationId xmlns:p14="http://schemas.microsoft.com/office/powerpoint/2010/main" val="3523283065"/>
-      </p:ext>
-    </p:extLst>
-  </p:cSld>
-  <p:clrMapOvr>
-    <a:masterClrMapping/>
-  </p:clrMapOvr>
-</p:notes>
-</file>
-
-<file path=ppt/notesSlides/notesSlide13.xml><?xml version="1.0" encoding="utf-8"?>
-<p:notes xmlns:a="http://schemas.openxmlformats.org/drawingml/2006/main" xmlns:r="http://schemas.openxmlformats.org/officeDocument/2006/relationships" xmlns:p="http://schemas.openxmlformats.org/presentationml/2006/main">
-  <p:cSld>
-    <p:spTree>
-      <p:nvGrpSpPr>
-        <p:cNvPr id="1" name=""/>
-        <p:cNvGrpSpPr/>
-        <p:nvPr/>
-      </p:nvGrpSpPr>
-      <p:grpSpPr>
-        <a:xfrm>
-          <a:off x="0" y="0"/>
-          <a:ext cx="0" cy="0"/>
-          <a:chOff x="0" y="0"/>
-          <a:chExt cx="0" cy="0"/>
-        </a:xfrm>
-      </p:grpSpPr>
-      <p:sp>
-        <p:nvSpPr>
-          <p:cNvPr id="2" name="Slide Image Placeholder 1"/>
-          <p:cNvSpPr>
-            <a:spLocks noGrp="1" noRot="1" noChangeAspect="1"/>
-          </p:cNvSpPr>
-          <p:nvPr>
-            <p:ph type="sldImg"/>
-          </p:nvPr>
-        </p:nvSpPr>
-        <p:spPr/>
-      </p:sp>
-      <p:sp>
-        <p:nvSpPr>
-          <p:cNvPr id="3" name="Notes Placeholder 2"/>
-          <p:cNvSpPr>
-            <a:spLocks noGrp="1"/>
-          </p:cNvSpPr>
-          <p:nvPr>
-            <p:ph type="body" idx="1"/>
-          </p:nvPr>
-        </p:nvSpPr>
-        <p:spPr/>
-        <p:txBody>
-          <a:bodyPr/>
-          <a:lstStyle/>
-          <a:p>
-            <a:r>
-              <a:rPr lang="en-US" dirty="0" smtClean="0"/>
-              <a:t>Let’s take a look at canvas and svg in action. </a:t>
-            </a:r>
-            <a:endParaRPr lang="en-US" dirty="0"/>
-          </a:p>
-        </p:txBody>
-      </p:sp>
-      <p:sp>
-        <p:nvSpPr>
-          <p:cNvPr id="4" name="Slide Number Placeholder 3"/>
-          <p:cNvSpPr>
-            <a:spLocks noGrp="1"/>
-          </p:cNvSpPr>
-          <p:nvPr>
-            <p:ph type="sldNum" sz="quarter" idx="10"/>
-          </p:nvPr>
-        </p:nvSpPr>
-        <p:spPr/>
-        <p:txBody>
-          <a:bodyPr/>
-          <a:lstStyle/>
-          <a:p>
-            <a:fld id="{8B263312-38AA-4E1E-B2B5-0F8F122B24FE}" type="slidenum">
-              <a:rPr lang="en-US" smtClean="0"/>
-              <a:pPr/>
-              <a:t>24</a:t>
             </a:fld>
             <a:endParaRPr lang="en-US" dirty="0"/>
           </a:p>
@@ -1284,22 +938,10 @@
               <a:defRPr/>
             </a:pPr>
             <a:r>
-              <a:rPr lang="en-US" dirty="0" smtClean="0"/>
-              <a:t>This is all you need to create a</a:t>
-            </a:r>
-            <a:r>
               <a:rPr lang="en-US" baseline="0" dirty="0" smtClean="0"/>
-              <a:t> valid</a:t>
-            </a:r>
-            <a:r>
-              <a:rPr lang="en-US" dirty="0" smtClean="0"/>
-              <a:t> HTML5 document.</a:t>
-            </a:r>
-            <a:r>
-              <a:rPr lang="en-US" baseline="0" dirty="0" smtClean="0"/>
-              <a:t> The Doctype and meta http-equiv tags been changed. It’s nice to get that cruft out of the way.</a:t>
-            </a:r>
-            <a:endParaRPr lang="en-US" dirty="0"/>
+              <a:t>Let’s take a look at some of these new elements now.</a:t>
+            </a:r>
+            <a:endParaRPr lang="en-US" dirty="0" smtClean="0"/>
           </a:p>
         </p:txBody>
       </p:sp>
@@ -1321,7 +963,7 @@
             <a:fld id="{8B263312-38AA-4E1E-B2B5-0F8F122B24FE}" type="slidenum">
               <a:rPr lang="en-US" smtClean="0"/>
               <a:pPr/>
-              <a:t>6</a:t>
+              <a:t>7</a:t>
             </a:fld>
             <a:endParaRPr lang="en-US" dirty="0"/>
           </a:p>
@@ -1330,7 +972,7 @@
     </p:spTree>
     <p:extLst>
       <p:ext uri="{BB962C8B-B14F-4D97-AF65-F5344CB8AC3E}">
-        <p14:creationId xmlns:p14="http://schemas.microsoft.com/office/powerpoint/2010/main" val="815945406"/>
+        <p14:creationId xmlns:p14="http://schemas.microsoft.com/office/powerpoint/2010/main" val="1746853180"/>
       </p:ext>
     </p:extLst>
   </p:cSld>
@@ -1386,24 +1028,13 @@
           <a:p>
             <a:r>
               <a:rPr lang="en-US" dirty="0" smtClean="0"/>
-              <a:t>So we’re gotten some cruft out of our markup. We’ve also added new elements.</a:t>
-            </a:r>
-          </a:p>
-          <a:p>
-            <a:endParaRPr lang="en-US" dirty="0" smtClean="0"/>
-          </a:p>
-          <a:p>
-            <a:r>
-              <a:rPr lang="en-US" dirty="0" smtClean="0"/>
-              <a:t>Here’s a list of all of the new markup</a:t>
+              <a:t>Next, we’ll look at two</a:t>
             </a:r>
             <a:r>
               <a:rPr lang="en-US" baseline="0" dirty="0" smtClean="0"/>
-              <a:t> elements defined in HTML5. I’m not going to cover most of these today, though I will briefly cover the highlighted items. There is tons of information about them available online and in great books like “HTML5 Up and Running” and “Introducing HTML5.” Remember that word “semantic?” The beautiful thing about this list is that most of these probably mean exactly what you think they mean. </a:t>
-            </a:r>
-          </a:p>
-          <a:p>
-            <a:endParaRPr lang="en-US" baseline="0" dirty="0" smtClean="0"/>
+              <a:t> related elements that standardize how rich media is presented to users through the browser.</a:t>
+            </a:r>
+            <a:endParaRPr lang="en-US" dirty="0"/>
           </a:p>
         </p:txBody>
       </p:sp>
@@ -1425,7 +1056,7 @@
             <a:fld id="{8B263312-38AA-4E1E-B2B5-0F8F122B24FE}" type="slidenum">
               <a:rPr lang="en-US" smtClean="0"/>
               <a:pPr/>
-              <a:t>7</a:t>
+              <a:t>8</a:t>
             </a:fld>
             <a:endParaRPr lang="en-US" dirty="0"/>
           </a:p>
@@ -1434,7 +1065,7 @@
     </p:spTree>
     <p:extLst>
       <p:ext uri="{BB962C8B-B14F-4D97-AF65-F5344CB8AC3E}">
-        <p14:creationId xmlns:p14="http://schemas.microsoft.com/office/powerpoint/2010/main" val="3969169851"/>
+        <p14:creationId xmlns:p14="http://schemas.microsoft.com/office/powerpoint/2010/main" val="651228101"/>
       </p:ext>
     </p:extLst>
   </p:cSld>
@@ -1488,28 +1119,24 @@
           <a:bodyPr/>
           <a:lstStyle/>
           <a:p>
-            <a:pPr marL="0" marR="0" indent="0" algn="l" defTabSz="914363" rtl="0" eaLnBrk="1" fontAlgn="auto" latinLnBrk="0" hangingPunct="1">
-              <a:lnSpc>
-                <a:spcPct val="90000"/>
-              </a:lnSpc>
-              <a:spcBef>
-                <a:spcPts val="0"/>
-              </a:spcBef>
-              <a:spcAft>
-                <a:spcPts val="333"/>
-              </a:spcAft>
-              <a:buClrTx/>
-              <a:buSzTx/>
-              <a:buFontTx/>
-              <a:buNone/>
-              <a:tabLst/>
-              <a:defRPr/>
-            </a:pPr>
+            <a:r>
+              <a:rPr lang="en-US" dirty="0" smtClean="0"/>
+              <a:t>Audio and Video are</a:t>
+            </a:r>
             <a:r>
               <a:rPr lang="en-US" baseline="0" dirty="0" smtClean="0"/>
-              <a:t>Let’s take a look at some of these new elements now.</a:t>
-            </a:r>
-            <a:endParaRPr lang="en-US" dirty="0" smtClean="0"/>
+              <a:t> some of the most talked about new elements and, on face, they are very easy to use. Practically though, Codecs complicate both audio and video because even though all browsers implement these new tags, not all agree on the proper Codecs to support. So using audio and video today is possible, but you should, as a best practice, provide at least 3 sources of video(WebM, MP4 and Ogg Vorbis) and 2 of Audio (mp3, Ogg Theora) and fallback to Silverlight or flash for browsers that don’t support Video and Audio tags.</a:t>
+            </a:r>
+          </a:p>
+          <a:p>
+            <a:endParaRPr lang="en-US" baseline="0" dirty="0" smtClean="0"/>
+          </a:p>
+          <a:p>
+            <a:r>
+              <a:rPr lang="en-US" baseline="0" dirty="0" smtClean="0"/>
+              <a:t>[Image captured from my computer]</a:t>
+            </a:r>
+            <a:endParaRPr lang="en-US" dirty="0"/>
           </a:p>
         </p:txBody>
       </p:sp>
@@ -1540,7 +1167,7 @@
     </p:spTree>
     <p:extLst>
       <p:ext uri="{BB962C8B-B14F-4D97-AF65-F5344CB8AC3E}">
-        <p14:creationId xmlns:p14="http://schemas.microsoft.com/office/powerpoint/2010/main" val="1746853180"/>
+        <p14:creationId xmlns:p14="http://schemas.microsoft.com/office/powerpoint/2010/main" val="3523283065"/>
       </p:ext>
     </p:extLst>
   </p:cSld>
@@ -1596,13 +1223,8 @@
           <a:p>
             <a:r>
               <a:rPr lang="en-US" dirty="0" smtClean="0"/>
-              <a:t>Next, we’ll look at two</a:t>
-            </a:r>
-            <a:r>
-              <a:rPr lang="en-US" baseline="0" dirty="0" smtClean="0"/>
-              <a:t> related elements that standardize how rich media is presented to users through the browser.</a:t>
-            </a:r>
-            <a:endParaRPr lang="en-US" dirty="0"/>
+              <a:t>Let’s take a look at using audio and video, and at how to provide fallback.</a:t>
+            </a:r>
           </a:p>
         </p:txBody>
       </p:sp>
@@ -1624,7 +1246,7 @@
             <a:fld id="{8B263312-38AA-4E1E-B2B5-0F8F122B24FE}" type="slidenum">
               <a:rPr lang="en-US" smtClean="0"/>
               <a:pPr/>
-              <a:t>10</a:t>
+              <a:t>11</a:t>
             </a:fld>
             <a:endParaRPr lang="en-US" dirty="0"/>
           </a:p>
@@ -1633,7 +1255,7 @@
     </p:spTree>
     <p:extLst>
       <p:ext uri="{BB962C8B-B14F-4D97-AF65-F5344CB8AC3E}">
-        <p14:creationId xmlns:p14="http://schemas.microsoft.com/office/powerpoint/2010/main" val="651228101"/>
+        <p14:creationId xmlns:p14="http://schemas.microsoft.com/office/powerpoint/2010/main" val="34506572"/>
       </p:ext>
     </p:extLst>
   </p:cSld>
@@ -1687,23 +1309,6 @@
           <a:bodyPr/>
           <a:lstStyle/>
           <a:p>
-            <a:r>
-              <a:rPr lang="en-US" dirty="0" smtClean="0"/>
-              <a:t>Audio and Video are</a:t>
-            </a:r>
-            <a:r>
-              <a:rPr lang="en-US" baseline="0" dirty="0" smtClean="0"/>
-              <a:t> some of the most talked about new elements and, on face, they are very easy to use. Practically though, Codecs complicate both audio and video because even though all browsers implement these new tags, not all agree on the proper Codecs to support. So using audio and video today is possible, but you should, as a best practice, provide at least 3 sources of video(WebM, MP4 and Ogg Vorbis) and 2 of Audio (mp3, Ogg Theora) and fallback to Silverlight or flash for browsers that don’t support Video and Audio tags.</a:t>
-            </a:r>
-          </a:p>
-          <a:p>
-            <a:endParaRPr lang="en-US" baseline="0" dirty="0" smtClean="0"/>
-          </a:p>
-          <a:p>
-            <a:r>
-              <a:rPr lang="en-US" baseline="0" dirty="0" smtClean="0"/>
-              <a:t>[Image captured from my computer]</a:t>
-            </a:r>
             <a:endParaRPr lang="en-US" dirty="0"/>
           </a:p>
         </p:txBody>
@@ -1723,19 +1328,18 @@
           <a:bodyPr/>
           <a:lstStyle/>
           <a:p>
-            <a:fld id="{8B263312-38AA-4E1E-B2B5-0F8F122B24FE}" type="slidenum">
+            <a:fld id="{3CF65C51-ACD0-EB42-9E75-DB57B27F6178}" type="slidenum">
               <a:rPr lang="en-US" smtClean="0"/>
-              <a:pPr/>
-              <a:t>11</a:t>
+              <a:t>13</a:t>
             </a:fld>
-            <a:endParaRPr lang="en-US" dirty="0"/>
+            <a:endParaRPr lang="en-US"/>
           </a:p>
         </p:txBody>
       </p:sp>
     </p:spTree>
     <p:extLst>
       <p:ext uri="{BB962C8B-B14F-4D97-AF65-F5344CB8AC3E}">
-        <p14:creationId xmlns:p14="http://schemas.microsoft.com/office/powerpoint/2010/main" val="3523283065"/>
+        <p14:creationId xmlns:p14="http://schemas.microsoft.com/office/powerpoint/2010/main" val="3471630040"/>
       </p:ext>
     </p:extLst>
   </p:cSld>
@@ -1791,8 +1395,59 @@
           <a:p>
             <a:r>
               <a:rPr lang="en-US" dirty="0" smtClean="0"/>
-              <a:t>Let’s take a look at using audio and video, and at how to provide fallback.</a:t>
-            </a:r>
+              <a:t>Custom data attributes are intended</a:t>
+            </a:r>
+            <a:r>
+              <a:rPr lang="en-US" baseline="0" dirty="0" smtClean="0"/>
+              <a:t> to store custom data private to the page or application, for which there are no more appropriate attributes or elements. Intended to be used by scripts in the site.</a:t>
+            </a:r>
+          </a:p>
+          <a:p>
+            <a:endParaRPr lang="en-US" baseline="0" dirty="0" smtClean="0"/>
+          </a:p>
+          <a:p>
+            <a:r>
+              <a:rPr lang="en-US" baseline="0" dirty="0" smtClean="0"/>
+              <a:t>Common uses include:</a:t>
+            </a:r>
+          </a:p>
+          <a:p>
+            <a:endParaRPr lang="en-US" baseline="0" dirty="0" smtClean="0"/>
+          </a:p>
+          <a:p>
+            <a:pPr marL="171450" indent="-171450">
+              <a:buFontTx/>
+              <a:buChar char="-"/>
+            </a:pPr>
+            <a:r>
+              <a:rPr lang="en-US" baseline="0" dirty="0" smtClean="0"/>
+              <a:t>Unobtrusive Validation in ASP.NET MVC</a:t>
+            </a:r>
+          </a:p>
+          <a:p>
+            <a:pPr marL="171450" indent="-171450">
+              <a:buFontTx/>
+              <a:buChar char="-"/>
+            </a:pPr>
+            <a:r>
+              <a:rPr lang="en-US" baseline="0" dirty="0" err="1" smtClean="0"/>
+              <a:t>jQuery</a:t>
+            </a:r>
+            <a:r>
+              <a:rPr lang="en-US" baseline="0" dirty="0" smtClean="0"/>
+              <a:t> Mobile</a:t>
+            </a:r>
+          </a:p>
+          <a:p>
+            <a:pPr marL="171450" indent="-171450">
+              <a:buFontTx/>
+              <a:buChar char="-"/>
+            </a:pPr>
+            <a:r>
+              <a:rPr lang="en-US" baseline="0" dirty="0" smtClean="0"/>
+              <a:t>Knockout JS</a:t>
+            </a:r>
+            <a:endParaRPr lang="en-US" dirty="0"/>
           </a:p>
         </p:txBody>
       </p:sp>
@@ -1811,19 +1466,18 @@
           <a:bodyPr/>
           <a:lstStyle/>
           <a:p>
-            <a:fld id="{8B263312-38AA-4E1E-B2B5-0F8F122B24FE}" type="slidenum">
+            <a:fld id="{3CF65C51-ACD0-EB42-9E75-DB57B27F6178}" type="slidenum">
               <a:rPr lang="en-US" smtClean="0"/>
-              <a:pPr/>
-              <a:t>13</a:t>
+              <a:t>16</a:t>
             </a:fld>
-            <a:endParaRPr lang="en-US" dirty="0"/>
+            <a:endParaRPr lang="en-US"/>
           </a:p>
         </p:txBody>
       </p:sp>
     </p:spTree>
     <p:extLst>
       <p:ext uri="{BB962C8B-B14F-4D97-AF65-F5344CB8AC3E}">
-        <p14:creationId xmlns:p14="http://schemas.microsoft.com/office/powerpoint/2010/main" val="34506572"/>
+        <p14:creationId xmlns:p14="http://schemas.microsoft.com/office/powerpoint/2010/main" val="1703694169"/>
       </p:ext>
     </p:extLst>
   </p:cSld>
@@ -1877,6 +1531,127 @@
           <a:bodyPr/>
           <a:lstStyle/>
           <a:p>
+            <a:pPr marL="228600" indent="-228600">
+              <a:buAutoNum type="arabicParenR"/>
+            </a:pPr>
+            <a:r>
+              <a:rPr lang="en-US" dirty="0" smtClean="0"/>
+              <a:t>Go to http://</a:t>
+            </a:r>
+            <a:r>
+              <a:rPr lang="en-US" dirty="0" err="1" smtClean="0"/>
+              <a:t>validator.nu</a:t>
+            </a:r>
+            <a:r>
+              <a:rPr lang="en-US" dirty="0" smtClean="0"/>
+              <a:t>/ and create a arbitrary</a:t>
+            </a:r>
+            <a:r>
+              <a:rPr lang="en-US" baseline="0" dirty="0" smtClean="0"/>
+              <a:t> attribute and try to validate the page</a:t>
+            </a:r>
+          </a:p>
+          <a:p>
+            <a:pPr marL="228600" indent="-228600">
+              <a:buAutoNum type="arabicParenR"/>
+            </a:pPr>
+            <a:r>
+              <a:rPr lang="en-US" baseline="0" dirty="0" smtClean="0"/>
+              <a:t>Append data- and attempt to validate again, it will work this time. </a:t>
+            </a:r>
+          </a:p>
+          <a:p>
+            <a:pPr marL="228600" indent="-228600">
+              <a:buAutoNum type="arabicParenR"/>
+            </a:pPr>
+            <a:endParaRPr lang="en-US" baseline="0" dirty="0" smtClean="0"/>
+          </a:p>
+          <a:p>
+            <a:pPr marL="228600" indent="-228600">
+              <a:buAutoNum type="arabicParenR"/>
+            </a:pPr>
+            <a:r>
+              <a:rPr lang="en-US" baseline="0" dirty="0" smtClean="0"/>
+              <a:t>Now let’s look at real-world uses of data-. </a:t>
+            </a:r>
+            <a:r>
+              <a:rPr lang="en-US" baseline="0" dirty="0" err="1" smtClean="0"/>
+              <a:t>jQuery</a:t>
+            </a:r>
+            <a:r>
+              <a:rPr lang="en-US" baseline="0" dirty="0" smtClean="0"/>
+              <a:t> mobile makes heavy use of Data- attributes, and we can take a look and how we can query these</a:t>
+            </a:r>
+          </a:p>
+          <a:p>
+            <a:pPr marL="228600" indent="-228600">
+              <a:buAutoNum type="arabicParenR"/>
+            </a:pPr>
+            <a:r>
+              <a:rPr lang="en-US" baseline="0" dirty="0" smtClean="0"/>
+              <a:t>Go to </a:t>
+            </a:r>
+            <a:r>
+              <a:rPr lang="en-US" baseline="0" dirty="0" err="1" smtClean="0"/>
+              <a:t>jQueryMobile.com</a:t>
+            </a:r>
+            <a:r>
+              <a:rPr lang="en-US" baseline="0" dirty="0" smtClean="0"/>
+              <a:t> and show the gallery</a:t>
+            </a:r>
+          </a:p>
+          <a:p>
+            <a:pPr marL="228600" indent="-228600">
+              <a:buAutoNum type="arabicParenR"/>
+            </a:pPr>
+            <a:r>
+              <a:rPr lang="en-US" baseline="0" dirty="0" smtClean="0"/>
+              <a:t>Go to http://</a:t>
+            </a:r>
+            <a:r>
+              <a:rPr lang="en-US" baseline="0" dirty="0" err="1" smtClean="0"/>
+              <a:t>www.slideshare.net</a:t>
+            </a:r>
+            <a:r>
+              <a:rPr lang="en-US" baseline="0" dirty="0" smtClean="0"/>
+              <a:t>/mobile or </a:t>
+            </a:r>
+            <a:r>
+              <a:rPr lang="en-US" baseline="0" dirty="0" err="1" smtClean="0"/>
+              <a:t>m.opentable.com</a:t>
+            </a:r>
+            <a:r>
+              <a:rPr lang="en-US" baseline="0" dirty="0" smtClean="0"/>
+              <a:t> and open the Chrome </a:t>
+            </a:r>
+            <a:r>
+              <a:rPr lang="en-US" baseline="0" dirty="0" err="1" smtClean="0"/>
+              <a:t>Dev</a:t>
+            </a:r>
+            <a:r>
+              <a:rPr lang="en-US" baseline="0" dirty="0" smtClean="0"/>
+              <a:t> tools</a:t>
+            </a:r>
+          </a:p>
+          <a:p>
+            <a:pPr marL="228600" indent="-228600">
+              <a:buAutoNum type="arabicParenR"/>
+            </a:pPr>
+            <a:r>
+              <a:rPr lang="en-US" baseline="0" dirty="0" smtClean="0"/>
+              <a:t>Open the console and select an element by ID to show working with Data-* attributes</a:t>
+            </a:r>
+          </a:p>
+          <a:p>
+            <a:pPr marL="228600" indent="-228600">
+              <a:buAutoNum type="arabicParenR"/>
+            </a:pPr>
+            <a:endParaRPr lang="en-US" baseline="0" smtClean="0"/>
+          </a:p>
+          <a:p>
+            <a:pPr marL="228600" indent="-228600">
+              <a:buAutoNum type="arabicParenR"/>
+            </a:pPr>
             <a:endParaRPr lang="en-US" dirty="0"/>
           </a:p>
         </p:txBody>
@@ -1896,18 +1671,19 @@
           <a:bodyPr/>
           <a:lstStyle/>
           <a:p>
-            <a:fld id="{3CF65C51-ACD0-EB42-9E75-DB57B27F6178}" type="slidenum">
+            <a:fld id="{8B263312-38AA-4E1E-B2B5-0F8F122B24FE}" type="slidenum">
               <a:rPr lang="en-US" smtClean="0"/>
-              <a:t>15</a:t>
+              <a:pPr/>
+              <a:t>18</a:t>
             </a:fld>
-            <a:endParaRPr lang="en-US"/>
+            <a:endParaRPr lang="en-US" dirty="0"/>
           </a:p>
         </p:txBody>
       </p:sp>
     </p:spTree>
     <p:extLst>
       <p:ext uri="{BB962C8B-B14F-4D97-AF65-F5344CB8AC3E}">
-        <p14:creationId xmlns:p14="http://schemas.microsoft.com/office/powerpoint/2010/main" val="3471630040"/>
+        <p14:creationId xmlns:p14="http://schemas.microsoft.com/office/powerpoint/2010/main" val="2785940683"/>
       </p:ext>
     </p:extLst>
   </p:cSld>
@@ -12550,556 +12326,6 @@
 </file>
 
 <file path=ppt/slides/slide10.xml><?xml version="1.0" encoding="utf-8"?>
-<p:sld xmlns:a="http://schemas.openxmlformats.org/drawingml/2006/main" xmlns:r="http://schemas.openxmlformats.org/officeDocument/2006/relationships" xmlns:p="http://schemas.openxmlformats.org/presentationml/2006/main">
-  <p:cSld>
-    <p:spTree>
-      <p:nvGrpSpPr>
-        <p:cNvPr id="1" name=""/>
-        <p:cNvGrpSpPr/>
-        <p:nvPr/>
-      </p:nvGrpSpPr>
-      <p:grpSpPr>
-        <a:xfrm>
-          <a:off x="0" y="0"/>
-          <a:ext cx="0" cy="0"/>
-          <a:chOff x="0" y="0"/>
-          <a:chExt cx="0" cy="0"/>
-        </a:xfrm>
-      </p:grpSpPr>
-      <p:sp>
-        <p:nvSpPr>
-          <p:cNvPr id="3" name="Title 2"/>
-          <p:cNvSpPr>
-            <a:spLocks noGrp="1"/>
-          </p:cNvSpPr>
-          <p:nvPr>
-            <p:ph type="ctrTitle"/>
-          </p:nvPr>
-        </p:nvSpPr>
-        <p:spPr/>
-        <p:txBody>
-          <a:bodyPr/>
-          <a:lstStyle/>
-          <a:p>
-            <a:r>
-              <a:rPr lang="en-US" sz="6000" dirty="0" smtClean="0"/>
-              <a:t>Audio and Video</a:t>
-            </a:r>
-            <a:r>
-              <a:rPr lang="en-US" sz="6000" baseline="30000" dirty="0"/>
-              <a:t>*</a:t>
-            </a:r>
-            <a:endParaRPr lang="en-US" sz="6000" dirty="0"/>
-          </a:p>
-        </p:txBody>
-      </p:sp>
-      <p:sp>
-        <p:nvSpPr>
-          <p:cNvPr id="5" name="Subtitle 4"/>
-          <p:cNvSpPr>
-            <a:spLocks noGrp="1"/>
-          </p:cNvSpPr>
-          <p:nvPr>
-            <p:ph type="subTitle" idx="1"/>
-          </p:nvPr>
-        </p:nvSpPr>
-        <p:spPr/>
-        <p:txBody>
-          <a:bodyPr/>
-          <a:lstStyle/>
-          <a:p>
-            <a:r>
-              <a:rPr lang="en-US" dirty="0">
-                <a:solidFill>
-                  <a:schemeClr val="accent1">
-                    <a:alpha val="99000"/>
-                  </a:schemeClr>
-                </a:solidFill>
-              </a:rPr>
-              <a:t>*Media without Plugins, but lots of Codecs</a:t>
-            </a:r>
-          </a:p>
-        </p:txBody>
-      </p:sp>
-    </p:spTree>
-    <p:extLst>
-      <p:ext uri="{BB962C8B-B14F-4D97-AF65-F5344CB8AC3E}">
-        <p14:creationId xmlns:p14="http://schemas.microsoft.com/office/powerpoint/2010/main" val="1609187189"/>
-      </p:ext>
-    </p:extLst>
-  </p:cSld>
-  <p:clrMapOvr>
-    <a:masterClrMapping/>
-  </p:clrMapOvr>
-  <p:transition xmlns:p14="http://schemas.microsoft.com/office/powerpoint/2010/main">
-    <p:fade/>
-  </p:transition>
-  <p:timing>
-    <p:tnLst>
-      <p:par>
-        <p:cTn xmlns:p14="http://schemas.microsoft.com/office/powerpoint/2010/main" id="1" dur="indefinite" restart="never" nodeType="tmRoot"/>
-      </p:par>
-    </p:tnLst>
-  </p:timing>
-</p:sld>
-</file>
-
-<file path=ppt/slides/slide11.xml><?xml version="1.0" encoding="utf-8"?>
-<p:sld xmlns:a="http://schemas.openxmlformats.org/drawingml/2006/main" xmlns:r="http://schemas.openxmlformats.org/officeDocument/2006/relationships" xmlns:p="http://schemas.openxmlformats.org/presentationml/2006/main">
-  <p:cSld>
-    <p:spTree>
-      <p:nvGrpSpPr>
-        <p:cNvPr id="1" name=""/>
-        <p:cNvGrpSpPr/>
-        <p:nvPr/>
-      </p:nvGrpSpPr>
-      <p:grpSpPr>
-        <a:xfrm>
-          <a:off x="0" y="0"/>
-          <a:ext cx="0" cy="0"/>
-          <a:chOff x="0" y="0"/>
-          <a:chExt cx="0" cy="0"/>
-        </a:xfrm>
-      </p:grpSpPr>
-      <p:sp>
-        <p:nvSpPr>
-          <p:cNvPr id="5" name="Title 4"/>
-          <p:cNvSpPr>
-            <a:spLocks noGrp="1"/>
-          </p:cNvSpPr>
-          <p:nvPr>
-            <p:ph type="title"/>
-          </p:nvPr>
-        </p:nvSpPr>
-        <p:spPr>
-          <a:xfrm>
-            <a:off x="389436" y="228602"/>
-            <a:ext cx="8363938" cy="451406"/>
-          </a:xfrm>
-        </p:spPr>
-        <p:txBody>
-          <a:bodyPr/>
-          <a:lstStyle/>
-          <a:p>
-            <a:r>
-              <a:rPr lang="en-US" sz="3200" dirty="0" smtClean="0"/>
-              <a:t>Media on Your Page… No Plugins Required.</a:t>
-            </a:r>
-            <a:endParaRPr lang="en-US" sz="3200" dirty="0"/>
-          </a:p>
-        </p:txBody>
-      </p:sp>
-      <p:sp>
-        <p:nvSpPr>
-          <p:cNvPr id="6" name="Text Placeholder 5"/>
-          <p:cNvSpPr>
-            <a:spLocks noGrp="1"/>
-          </p:cNvSpPr>
-          <p:nvPr>
-            <p:ph type="body" sz="quarter" idx="10"/>
-          </p:nvPr>
-        </p:nvSpPr>
-        <p:spPr>
-          <a:xfrm>
-            <a:off x="389437" y="1447801"/>
-            <a:ext cx="8363937" cy="3540456"/>
-          </a:xfrm>
-        </p:spPr>
-        <p:txBody>
-          <a:bodyPr/>
-          <a:lstStyle/>
-          <a:p>
-            <a:pPr marL="0" indent="0">
-              <a:buNone/>
-            </a:pPr>
-            <a:r>
-              <a:rPr lang="en-US" sz="2800" dirty="0">
-                <a:solidFill>
-                  <a:schemeClr val="bg1"/>
-                </a:solidFill>
-              </a:rPr>
-              <a:t>&lt;</a:t>
-            </a:r>
-            <a:r>
-              <a:rPr lang="en-US" sz="2800" b="1" dirty="0">
-                <a:solidFill>
-                  <a:srgbClr val="800000"/>
-                </a:solidFill>
-                <a:effectLst>
-                  <a:outerShdw blurRad="38100" dist="38100" dir="2700000" algn="tl">
-                    <a:srgbClr val="000000">
-                      <a:alpha val="43137"/>
-                    </a:srgbClr>
-                  </a:outerShdw>
-                </a:effectLst>
-              </a:rPr>
-              <a:t>video</a:t>
-            </a:r>
-            <a:r>
-              <a:rPr lang="en-US" sz="2800" dirty="0">
-                <a:solidFill>
-                  <a:srgbClr val="800000"/>
-                </a:solidFill>
-                <a:effectLst>
-                  <a:outerShdw blurRad="38100" dist="38100" dir="2700000" algn="tl">
-                    <a:srgbClr val="000000">
-                      <a:alpha val="43137"/>
-                    </a:srgbClr>
-                  </a:outerShdw>
-                </a:effectLst>
-              </a:rPr>
-              <a:t> </a:t>
-            </a:r>
-            <a:r>
-              <a:rPr lang="en-US" sz="2800" dirty="0">
-                <a:solidFill>
-                  <a:schemeClr val="bg1"/>
-                </a:solidFill>
-              </a:rPr>
-              <a:t>id</a:t>
-            </a:r>
-            <a:r>
-              <a:rPr lang="en-US" sz="2800" dirty="0" smtClean="0">
-                <a:solidFill>
-                  <a:schemeClr val="bg1"/>
-                </a:solidFill>
-              </a:rPr>
-              <a:t>=“video</a:t>
-            </a:r>
-            <a:r>
-              <a:rPr lang="en-US" sz="2800" dirty="0">
-                <a:solidFill>
-                  <a:schemeClr val="bg1"/>
-                </a:solidFill>
-              </a:rPr>
-              <a:t>" </a:t>
-            </a:r>
-            <a:r>
-              <a:rPr lang="en-US" sz="2800" b="1" dirty="0" smtClean="0">
-                <a:solidFill>
-                  <a:srgbClr val="800000"/>
-                </a:solidFill>
-                <a:effectLst>
-                  <a:outerShdw blurRad="38100" dist="38100" dir="2700000" algn="tl">
-                    <a:srgbClr val="000000">
-                      <a:alpha val="43137"/>
-                    </a:srgbClr>
-                  </a:outerShdw>
-                </a:effectLst>
-              </a:rPr>
-              <a:t>controls autoplay</a:t>
-            </a:r>
-            <a:r>
-              <a:rPr lang="en-US" sz="2800" dirty="0" smtClean="0">
-                <a:solidFill>
-                  <a:schemeClr val="bg1"/>
-                </a:solidFill>
-              </a:rPr>
-              <a:t>&gt;</a:t>
-            </a:r>
-            <a:endParaRPr lang="en-US" sz="2800" dirty="0">
-              <a:solidFill>
-                <a:schemeClr val="bg1"/>
-              </a:solidFill>
-            </a:endParaRPr>
-          </a:p>
-          <a:p>
-            <a:pPr marL="0" indent="0">
-              <a:buNone/>
-            </a:pPr>
-            <a:r>
-              <a:rPr lang="en-US" sz="2800" dirty="0" smtClean="0">
-                <a:solidFill>
-                  <a:schemeClr val="bg1"/>
-                </a:solidFill>
-              </a:rPr>
-              <a:t>   &lt;</a:t>
-            </a:r>
-            <a:r>
-              <a:rPr lang="en-US" sz="2800" dirty="0">
-                <a:solidFill>
-                  <a:schemeClr val="bg1"/>
-                </a:solidFill>
-              </a:rPr>
-              <a:t>source src</a:t>
-            </a:r>
-            <a:r>
-              <a:rPr lang="en-US" sz="2800" dirty="0" smtClean="0">
-                <a:solidFill>
-                  <a:schemeClr val="bg1"/>
-                </a:solidFill>
-              </a:rPr>
-              <a:t>="video.mp4</a:t>
-            </a:r>
-            <a:r>
-              <a:rPr lang="en-US" sz="2800" dirty="0">
-                <a:solidFill>
-                  <a:schemeClr val="bg1"/>
-                </a:solidFill>
-              </a:rPr>
-              <a:t>" type="</a:t>
-            </a:r>
-            <a:r>
-              <a:rPr lang="en-US" sz="2800" dirty="0" smtClean="0">
-                <a:solidFill>
-                  <a:schemeClr val="bg1"/>
-                </a:solidFill>
-              </a:rPr>
-              <a:t>video/mp4“ /&gt;</a:t>
-            </a:r>
-            <a:endParaRPr lang="en-US" sz="2800" dirty="0">
-              <a:solidFill>
-                <a:schemeClr val="bg1"/>
-              </a:solidFill>
-            </a:endParaRPr>
-          </a:p>
-          <a:p>
-            <a:pPr marL="0" indent="0">
-              <a:buNone/>
-            </a:pPr>
-            <a:r>
-              <a:rPr lang="en-US" sz="2800" dirty="0" smtClean="0">
-                <a:solidFill>
-                  <a:schemeClr val="bg1"/>
-                </a:solidFill>
-              </a:rPr>
-              <a:t>&lt;/</a:t>
-            </a:r>
-            <a:r>
-              <a:rPr lang="en-US" sz="2800" dirty="0">
-                <a:solidFill>
-                  <a:schemeClr val="bg1"/>
-                </a:solidFill>
-              </a:rPr>
-              <a:t>video</a:t>
-            </a:r>
-            <a:r>
-              <a:rPr lang="en-US" sz="2800" dirty="0" smtClean="0">
-                <a:solidFill>
-                  <a:schemeClr val="bg1"/>
-                </a:solidFill>
-              </a:rPr>
-              <a:t>&gt;</a:t>
-            </a:r>
-          </a:p>
-          <a:p>
-            <a:pPr marL="0" indent="0">
-              <a:buNone/>
-            </a:pPr>
-            <a:r>
-              <a:rPr lang="en-US" sz="2800" dirty="0">
-                <a:solidFill>
-                  <a:schemeClr val="bg1"/>
-                </a:solidFill>
-              </a:rPr>
-              <a:t>document.getElementById("video").</a:t>
-            </a:r>
-            <a:r>
-              <a:rPr lang="en-US" sz="2800" b="1" dirty="0">
-                <a:solidFill>
-                  <a:srgbClr val="800000"/>
-                </a:solidFill>
-                <a:effectLst>
-                  <a:outerShdw blurRad="38100" dist="38100" dir="2700000" algn="tl">
-                    <a:srgbClr val="000000">
-                      <a:alpha val="43137"/>
-                    </a:srgbClr>
-                  </a:outerShdw>
-                </a:effectLst>
-              </a:rPr>
-              <a:t>play</a:t>
-            </a:r>
-            <a:r>
-              <a:rPr lang="en-US" sz="2800" dirty="0" smtClean="0">
-                <a:solidFill>
-                  <a:schemeClr val="bg1"/>
-                </a:solidFill>
-              </a:rPr>
-              <a:t>();</a:t>
-            </a:r>
-          </a:p>
-          <a:p>
-            <a:pPr marL="0" indent="0">
-              <a:buNone/>
-            </a:pPr>
-            <a:endParaRPr lang="en-US" sz="2800" dirty="0">
-              <a:solidFill>
-                <a:schemeClr val="bg1"/>
-              </a:solidFill>
-            </a:endParaRPr>
-          </a:p>
-          <a:p>
-            <a:pPr marL="0" indent="0">
-              <a:buNone/>
-            </a:pPr>
-            <a:r>
-              <a:rPr lang="en-US" sz="2800" dirty="0">
-                <a:solidFill>
-                  <a:schemeClr val="bg1"/>
-                </a:solidFill>
-              </a:rPr>
-              <a:t>&lt;</a:t>
-            </a:r>
-            <a:r>
-              <a:rPr lang="en-US" sz="2800" b="1" dirty="0">
-                <a:solidFill>
-                  <a:srgbClr val="800000"/>
-                </a:solidFill>
-                <a:effectLst>
-                  <a:outerShdw blurRad="38100" dist="38100" dir="2700000" algn="tl">
-                    <a:srgbClr val="000000">
-                      <a:alpha val="43137"/>
-                    </a:srgbClr>
-                  </a:outerShdw>
-                </a:effectLst>
-              </a:rPr>
-              <a:t>audio</a:t>
-            </a:r>
-            <a:r>
-              <a:rPr lang="en-US" sz="2800" dirty="0">
-                <a:solidFill>
-                  <a:srgbClr val="800000"/>
-                </a:solidFill>
-                <a:effectLst>
-                  <a:outerShdw blurRad="38100" dist="38100" dir="2700000" algn="tl">
-                    <a:srgbClr val="000000">
-                      <a:alpha val="43137"/>
-                    </a:srgbClr>
-                  </a:outerShdw>
-                </a:effectLst>
-              </a:rPr>
-              <a:t> </a:t>
-            </a:r>
-            <a:r>
-              <a:rPr lang="en-US" sz="2800" dirty="0">
-                <a:solidFill>
-                  <a:schemeClr val="bg1"/>
-                </a:solidFill>
-              </a:rPr>
-              <a:t>id="audio" src="sound.mp3" controls&gt;&lt;/audio&gt;</a:t>
-            </a:r>
-            <a:br>
-              <a:rPr lang="en-US" sz="2800" dirty="0">
-                <a:solidFill>
-                  <a:schemeClr val="bg1"/>
-                </a:solidFill>
-              </a:rPr>
-            </a:br>
-            <a:r>
-              <a:rPr lang="en-US" sz="2800" dirty="0">
-                <a:solidFill>
-                  <a:schemeClr val="bg1"/>
-                </a:solidFill>
-              </a:rPr>
-              <a:t>document.getElementById("audio").</a:t>
-            </a:r>
-            <a:r>
-              <a:rPr lang="en-US" sz="2800" b="1" dirty="0">
-                <a:solidFill>
-                  <a:srgbClr val="800000"/>
-                </a:solidFill>
-                <a:effectLst>
-                  <a:outerShdw blurRad="38100" dist="38100" dir="2700000" algn="tl">
-                    <a:srgbClr val="000000">
-                      <a:alpha val="43137"/>
-                    </a:srgbClr>
-                  </a:outerShdw>
-                </a:effectLst>
-              </a:rPr>
-              <a:t>muted</a:t>
-            </a:r>
-            <a:r>
-              <a:rPr lang="en-US" sz="2800" dirty="0">
-                <a:solidFill>
-                  <a:srgbClr val="800000"/>
-                </a:solidFill>
-              </a:rPr>
-              <a:t> </a:t>
-            </a:r>
-            <a:r>
-              <a:rPr lang="en-US" sz="2800" dirty="0">
-                <a:solidFill>
-                  <a:schemeClr val="bg1"/>
-                </a:solidFill>
-              </a:rPr>
-              <a:t>= false;</a:t>
-            </a:r>
-          </a:p>
-        </p:txBody>
-      </p:sp>
-      <p:pic>
-        <p:nvPicPr>
-          <p:cNvPr id="2052" name="Picture 4" descr="C:\Users\brsatrom\AppData\Local\Temp\SNAGHTML472e749.PNG"/>
-          <p:cNvPicPr>
-            <a:picLocks noChangeAspect="1" noChangeArrowheads="1"/>
-          </p:cNvPicPr>
-          <p:nvPr/>
-        </p:nvPicPr>
-        <p:blipFill rotWithShape="1">
-          <a:blip r:embed="rId3">
-            <a:biLevel thresh="50000"/>
-            <a:extLst>
-              <a:ext uri="{BEBA8EAE-BF5A-486C-A8C5-ECC9F3942E4B}">
-                <a14:imgProps xmlns:a14="http://schemas.microsoft.com/office/drawing/2010/main">
-                  <a14:imgLayer r:embed="rId4">
-                    <a14:imgEffect>
-                      <a14:colorTemperature colorTemp="4700"/>
-                    </a14:imgEffect>
-                  </a14:imgLayer>
-                </a14:imgProps>
-              </a:ext>
-              <a:ext uri="{28A0092B-C50C-407E-A947-70E740481C1C}">
-                <a14:useLocalDpi xmlns:a14="http://schemas.microsoft.com/office/drawing/2010/main" val="0"/>
-              </a:ext>
-            </a:extLst>
-          </a:blip>
-          <a:srcRect l="1512" t="11862" r="2221" b="12524"/>
-          <a:stretch/>
-        </p:blipFill>
-        <p:spPr bwMode="auto">
-          <a:xfrm>
-            <a:off x="970008" y="5602811"/>
-            <a:ext cx="5285478" cy="558148"/>
-          </a:xfrm>
-          <a:prstGeom prst="rect">
-            <a:avLst/>
-          </a:prstGeom>
-          <a:noFill/>
-          <a:extLst>
-            <a:ext uri="{909E8E84-426E-40dd-AFC4-6F175D3DCCD1}">
-              <a14:hiddenFill xmlns:a14="http://schemas.microsoft.com/office/drawing/2010/main">
-                <a:solidFill>
-                  <a:srgbClr val="FFFFFF"/>
-                </a:solidFill>
-              </a14:hiddenFill>
-            </a:ext>
-          </a:extLst>
-        </p:spPr>
-      </p:pic>
-    </p:spTree>
-    <p:extLst>
-      <p:ext uri="{BB962C8B-B14F-4D97-AF65-F5344CB8AC3E}">
-        <p14:creationId xmlns:p14="http://schemas.microsoft.com/office/powerpoint/2010/main" val="3745125809"/>
-      </p:ext>
-    </p:extLst>
-  </p:cSld>
-  <p:clrMapOvr>
-    <a:masterClrMapping/>
-  </p:clrMapOvr>
-  <p:transition xmlns:p14="http://schemas.microsoft.com/office/powerpoint/2010/main">
-    <p:fade/>
-  </p:transition>
-  <p:timing>
-    <p:tnLst>
-      <p:par>
-        <p:cTn xmlns:p14="http://schemas.microsoft.com/office/powerpoint/2010/main" id="1" dur="indefinite" restart="never" nodeType="tmRoot"/>
-      </p:par>
-    </p:tnLst>
-  </p:timing>
-</p:sld>
-</file>
-
-<file path=ppt/slides/slide12.xml><?xml version="1.0" encoding="utf-8"?>
 <p:sld xmlns:a="http://schemas.openxmlformats.org/drawingml/2006/main" xmlns:r="http://schemas.openxmlformats.org/officeDocument/2006/relationships" xmlns:p="http://schemas.openxmlformats.org/presentationml/2006/main">
   <p:cSld>
     <p:spTree>
@@ -13813,7 +13039,7 @@
 </p:sld>
 </file>
 
-<file path=ppt/slides/slide13.xml><?xml version="1.0" encoding="utf-8"?>
+<file path=ppt/slides/slide11.xml><?xml version="1.0" encoding="utf-8"?>
 <p:sld xmlns:a="http://schemas.openxmlformats.org/drawingml/2006/main" xmlns:r="http://schemas.openxmlformats.org/officeDocument/2006/relationships" xmlns:p="http://schemas.openxmlformats.org/presentationml/2006/main">
   <p:cSld>
     <p:spTree>
@@ -13918,7 +13144,7 @@
 </p:sld>
 </file>
 
-<file path=ppt/slides/slide14.xml><?xml version="1.0" encoding="utf-8"?>
+<file path=ppt/slides/slide12.xml><?xml version="1.0" encoding="utf-8"?>
 <p:sld xmlns:a="http://schemas.openxmlformats.org/drawingml/2006/main" xmlns:r="http://schemas.openxmlformats.org/officeDocument/2006/relationships" xmlns:p="http://schemas.openxmlformats.org/presentationml/2006/main">
   <p:cSld>
     <p:spTree>
@@ -14041,7 +13267,7 @@
 </p:sld>
 </file>
 
-<file path=ppt/slides/slide15.xml><?xml version="1.0" encoding="utf-8"?>
+<file path=ppt/slides/slide13.xml><?xml version="1.0" encoding="utf-8"?>
 <p:sld xmlns:a="http://schemas.openxmlformats.org/drawingml/2006/main" xmlns:r="http://schemas.openxmlformats.org/officeDocument/2006/relationships" xmlns:p="http://schemas.openxmlformats.org/presentationml/2006/main">
   <p:cSld>
     <p:spTree>
@@ -14663,7 +13889,7 @@
 </p:sld>
 </file>
 
-<file path=ppt/slides/slide16.xml><?xml version="1.0" encoding="utf-8"?>
+<file path=ppt/slides/slide14.xml><?xml version="1.0" encoding="utf-8"?>
 <p:sld xmlns:a="http://schemas.openxmlformats.org/drawingml/2006/main" xmlns:r="http://schemas.openxmlformats.org/officeDocument/2006/relationships" xmlns:p="http://schemas.openxmlformats.org/presentationml/2006/main">
   <p:cSld>
     <p:spTree>
@@ -15381,7 +14607,7 @@
 </p:sld>
 </file>
 
-<file path=ppt/slides/slide17.xml><?xml version="1.0" encoding="utf-8"?>
+<file path=ppt/slides/slide15.xml><?xml version="1.0" encoding="utf-8"?>
 <p:sld xmlns:a="http://schemas.openxmlformats.org/drawingml/2006/main" xmlns:r="http://schemas.openxmlformats.org/officeDocument/2006/relationships" xmlns:p="http://schemas.openxmlformats.org/presentationml/2006/main">
   <p:cSld>
     <p:spTree>
@@ -15475,7 +14701,7 @@
 </p:sld>
 </file>
 
-<file path=ppt/slides/slide18.xml><?xml version="1.0" encoding="utf-8"?>
+<file path=ppt/slides/slide16.xml><?xml version="1.0" encoding="utf-8"?>
 <p:sld xmlns:a="http://schemas.openxmlformats.org/drawingml/2006/main" xmlns:r="http://schemas.openxmlformats.org/officeDocument/2006/relationships" xmlns:p="http://schemas.openxmlformats.org/presentationml/2006/main">
   <p:cSld>
     <p:spTree>
@@ -15765,7 +14991,7 @@
 </p:sld>
 </file>
 
-<file path=ppt/slides/slide19.xml><?xml version="1.0" encoding="utf-8"?>
+<file path=ppt/slides/slide17.xml><?xml version="1.0" encoding="utf-8"?>
 <p:sld xmlns:a="http://schemas.openxmlformats.org/drawingml/2006/main" xmlns:r="http://schemas.openxmlformats.org/officeDocument/2006/relationships" xmlns:p="http://schemas.openxmlformats.org/presentationml/2006/main">
   <p:cSld>
     <p:spTree>
@@ -16479,6 +15705,204 @@
 </p:sld>
 </file>
 
+<file path=ppt/slides/slide18.xml><?xml version="1.0" encoding="utf-8"?>
+<p:sld xmlns:a="http://schemas.openxmlformats.org/drawingml/2006/main" xmlns:r="http://schemas.openxmlformats.org/officeDocument/2006/relationships" xmlns:p="http://schemas.openxmlformats.org/presentationml/2006/main">
+  <p:cSld>
+    <p:spTree>
+      <p:nvGrpSpPr>
+        <p:cNvPr id="1" name=""/>
+        <p:cNvGrpSpPr/>
+        <p:nvPr/>
+      </p:nvGrpSpPr>
+      <p:grpSpPr>
+        <a:xfrm>
+          <a:off x="0" y="0"/>
+          <a:ext cx="0" cy="0"/>
+          <a:chOff x="0" y="0"/>
+          <a:chExt cx="0" cy="0"/>
+        </a:xfrm>
+      </p:grpSpPr>
+      <p:sp>
+        <p:nvSpPr>
+          <p:cNvPr id="2" name="Text Placeholder 1"/>
+          <p:cNvSpPr>
+            <a:spLocks noGrp="1"/>
+          </p:cNvSpPr>
+          <p:nvPr>
+            <p:ph type="body" sz="quarter" idx="10"/>
+          </p:nvPr>
+        </p:nvSpPr>
+        <p:spPr/>
+        <p:txBody>
+          <a:bodyPr/>
+          <a:lstStyle/>
+          <a:p>
+            <a:r>
+              <a:rPr lang="en-US" dirty="0" smtClean="0"/>
+              <a:t>demo</a:t>
+            </a:r>
+            <a:endParaRPr lang="en-US" dirty="0"/>
+          </a:p>
+        </p:txBody>
+      </p:sp>
+      <p:sp>
+        <p:nvSpPr>
+          <p:cNvPr id="3" name="Title 2"/>
+          <p:cNvSpPr>
+            <a:spLocks noGrp="1"/>
+          </p:cNvSpPr>
+          <p:nvPr>
+            <p:ph type="ctrTitle"/>
+          </p:nvPr>
+        </p:nvSpPr>
+        <p:spPr/>
+        <p:txBody>
+          <a:bodyPr/>
+          <a:lstStyle/>
+          <a:p>
+            <a:r>
+              <a:rPr lang="en-US" sz="6600" dirty="0" smtClean="0"/>
+              <a:t>“data-*”</a:t>
+            </a:r>
+            <a:endParaRPr lang="en-US" sz="6600" dirty="0"/>
+          </a:p>
+        </p:txBody>
+      </p:sp>
+    </p:spTree>
+    <p:extLst>
+      <p:ext uri="{BB962C8B-B14F-4D97-AF65-F5344CB8AC3E}">
+        <p14:creationId xmlns:p14="http://schemas.microsoft.com/office/powerpoint/2010/main" val="2515072600"/>
+      </p:ext>
+    </p:extLst>
+  </p:cSld>
+  <p:clrMapOvr>
+    <a:masterClrMapping/>
+  </p:clrMapOvr>
+  <p:transition xmlns:p14="http://schemas.microsoft.com/office/powerpoint/2010/main">
+    <p:fade/>
+  </p:transition>
+  <p:timing>
+    <p:tnLst>
+      <p:par>
+        <p:cTn xmlns:p14="http://schemas.microsoft.com/office/powerpoint/2010/main" id="1" dur="indefinite" restart="never" nodeType="tmRoot"/>
+      </p:par>
+    </p:tnLst>
+  </p:timing>
+</p:sld>
+</file>
+
+<file path=ppt/slides/slide19.xml><?xml version="1.0" encoding="utf-8"?>
+<p:sld xmlns:a="http://schemas.openxmlformats.org/drawingml/2006/main" xmlns:r="http://schemas.openxmlformats.org/officeDocument/2006/relationships" xmlns:p="http://schemas.openxmlformats.org/presentationml/2006/main">
+  <p:cSld>
+    <p:spTree>
+      <p:nvGrpSpPr>
+        <p:cNvPr id="1" name=""/>
+        <p:cNvGrpSpPr/>
+        <p:nvPr/>
+      </p:nvGrpSpPr>
+      <p:grpSpPr>
+        <a:xfrm>
+          <a:off x="0" y="0"/>
+          <a:ext cx="0" cy="0"/>
+          <a:chOff x="0" y="0"/>
+          <a:chExt cx="0" cy="0"/>
+        </a:xfrm>
+      </p:grpSpPr>
+      <p:sp>
+        <p:nvSpPr>
+          <p:cNvPr id="3" name="Title 2"/>
+          <p:cNvSpPr>
+            <a:spLocks noGrp="1"/>
+          </p:cNvSpPr>
+          <p:nvPr>
+            <p:ph type="ctrTitle"/>
+          </p:nvPr>
+        </p:nvSpPr>
+        <p:spPr/>
+        <p:txBody>
+          <a:bodyPr/>
+          <a:lstStyle/>
+          <a:p>
+            <a:r>
+              <a:rPr lang="en-US" dirty="0" smtClean="0"/>
+              <a:t>SVG*</a:t>
+            </a:r>
+            <a:endParaRPr lang="en-US" dirty="0"/>
+          </a:p>
+        </p:txBody>
+      </p:sp>
+      <p:sp>
+        <p:nvSpPr>
+          <p:cNvPr id="5" name="Subtitle 4"/>
+          <p:cNvSpPr>
+            <a:spLocks noGrp="1"/>
+          </p:cNvSpPr>
+          <p:nvPr>
+            <p:ph type="subTitle" idx="1"/>
+          </p:nvPr>
+        </p:nvSpPr>
+        <p:spPr/>
+        <p:txBody>
+          <a:bodyPr/>
+          <a:lstStyle/>
+          <a:p>
+            <a:r>
+              <a:rPr lang="en-US" dirty="0" smtClean="0">
+                <a:solidFill>
+                  <a:srgbClr val="FFC425"/>
+                </a:solidFill>
+              </a:rPr>
+              <a:t>*Canvas’ (</a:t>
+            </a:r>
+            <a:r>
+              <a:rPr lang="en-US" dirty="0" err="1" smtClean="0">
+                <a:solidFill>
+                  <a:srgbClr val="FFC425"/>
+                </a:solidFill>
+              </a:rPr>
+              <a:t>eXtensible</a:t>
+            </a:r>
+            <a:r>
+              <a:rPr lang="en-US" dirty="0" smtClean="0">
+                <a:solidFill>
+                  <a:srgbClr val="FFC425"/>
+                </a:solidFill>
+              </a:rPr>
+              <a:t>) Big Brother</a:t>
+            </a:r>
+          </a:p>
+          <a:p>
+            <a:endParaRPr lang="en-US" dirty="0">
+              <a:solidFill>
+                <a:srgbClr val="FFC425"/>
+              </a:solidFill>
+            </a:endParaRPr>
+          </a:p>
+        </p:txBody>
+      </p:sp>
+    </p:spTree>
+    <p:extLst>
+      <p:ext uri="{BB962C8B-B14F-4D97-AF65-F5344CB8AC3E}">
+        <p14:creationId xmlns:p14="http://schemas.microsoft.com/office/powerpoint/2010/main" val="3576756451"/>
+      </p:ext>
+    </p:extLst>
+  </p:cSld>
+  <p:clrMapOvr>
+    <a:masterClrMapping/>
+  </p:clrMapOvr>
+  <p:transition xmlns:p14="http://schemas.microsoft.com/office/powerpoint/2010/main">
+    <p:fade/>
+  </p:transition>
+  <p:timing>
+    <p:tnLst>
+      <p:par>
+        <p:cTn xmlns:p14="http://schemas.microsoft.com/office/powerpoint/2010/main" id="1" dur="indefinite" restart="never" nodeType="tmRoot"/>
+      </p:par>
+    </p:tnLst>
+  </p:timing>
+</p:sld>
+</file>
+
 <file path=ppt/slides/slide2.xml><?xml version="1.0" encoding="utf-8"?>
 <p:sld xmlns:a="http://schemas.openxmlformats.org/drawingml/2006/main" xmlns:r="http://schemas.openxmlformats.org/officeDocument/2006/relationships" xmlns:p="http://schemas.openxmlformats.org/presentationml/2006/main">
   <p:cSld>
@@ -16640,204 +16064,6 @@
       </p:grpSpPr>
       <p:sp>
         <p:nvSpPr>
-          <p:cNvPr id="2" name="Text Placeholder 1"/>
-          <p:cNvSpPr>
-            <a:spLocks noGrp="1"/>
-          </p:cNvSpPr>
-          <p:nvPr>
-            <p:ph type="body" sz="quarter" idx="10"/>
-          </p:nvPr>
-        </p:nvSpPr>
-        <p:spPr/>
-        <p:txBody>
-          <a:bodyPr/>
-          <a:lstStyle/>
-          <a:p>
-            <a:r>
-              <a:rPr lang="en-US" dirty="0" smtClean="0"/>
-              <a:t>demo</a:t>
-            </a:r>
-            <a:endParaRPr lang="en-US" dirty="0"/>
-          </a:p>
-        </p:txBody>
-      </p:sp>
-      <p:sp>
-        <p:nvSpPr>
-          <p:cNvPr id="3" name="Title 2"/>
-          <p:cNvSpPr>
-            <a:spLocks noGrp="1"/>
-          </p:cNvSpPr>
-          <p:nvPr>
-            <p:ph type="ctrTitle"/>
-          </p:nvPr>
-        </p:nvSpPr>
-        <p:spPr/>
-        <p:txBody>
-          <a:bodyPr/>
-          <a:lstStyle/>
-          <a:p>
-            <a:r>
-              <a:rPr lang="en-US" sz="6600" dirty="0" smtClean="0"/>
-              <a:t>“data-*”</a:t>
-            </a:r>
-            <a:endParaRPr lang="en-US" sz="6600" dirty="0"/>
-          </a:p>
-        </p:txBody>
-      </p:sp>
-    </p:spTree>
-    <p:extLst>
-      <p:ext uri="{BB962C8B-B14F-4D97-AF65-F5344CB8AC3E}">
-        <p14:creationId xmlns:p14="http://schemas.microsoft.com/office/powerpoint/2010/main" val="2515072600"/>
-      </p:ext>
-    </p:extLst>
-  </p:cSld>
-  <p:clrMapOvr>
-    <a:masterClrMapping/>
-  </p:clrMapOvr>
-  <p:transition xmlns:p14="http://schemas.microsoft.com/office/powerpoint/2010/main">
-    <p:fade/>
-  </p:transition>
-  <p:timing>
-    <p:tnLst>
-      <p:par>
-        <p:cTn xmlns:p14="http://schemas.microsoft.com/office/powerpoint/2010/main" id="1" dur="indefinite" restart="never" nodeType="tmRoot"/>
-      </p:par>
-    </p:tnLst>
-  </p:timing>
-</p:sld>
-</file>
-
-<file path=ppt/slides/slide21.xml><?xml version="1.0" encoding="utf-8"?>
-<p:sld xmlns:a="http://schemas.openxmlformats.org/drawingml/2006/main" xmlns:r="http://schemas.openxmlformats.org/officeDocument/2006/relationships" xmlns:p="http://schemas.openxmlformats.org/presentationml/2006/main">
-  <p:cSld>
-    <p:spTree>
-      <p:nvGrpSpPr>
-        <p:cNvPr id="1" name=""/>
-        <p:cNvGrpSpPr/>
-        <p:nvPr/>
-      </p:nvGrpSpPr>
-      <p:grpSpPr>
-        <a:xfrm>
-          <a:off x="0" y="0"/>
-          <a:ext cx="0" cy="0"/>
-          <a:chOff x="0" y="0"/>
-          <a:chExt cx="0" cy="0"/>
-        </a:xfrm>
-      </p:grpSpPr>
-      <p:sp>
-        <p:nvSpPr>
-          <p:cNvPr id="3" name="Title 2"/>
-          <p:cNvSpPr>
-            <a:spLocks noGrp="1"/>
-          </p:cNvSpPr>
-          <p:nvPr>
-            <p:ph type="ctrTitle"/>
-          </p:nvPr>
-        </p:nvSpPr>
-        <p:spPr/>
-        <p:txBody>
-          <a:bodyPr/>
-          <a:lstStyle/>
-          <a:p>
-            <a:r>
-              <a:rPr lang="en-US" dirty="0" smtClean="0"/>
-              <a:t>SVG*</a:t>
-            </a:r>
-            <a:endParaRPr lang="en-US" dirty="0"/>
-          </a:p>
-        </p:txBody>
-      </p:sp>
-      <p:sp>
-        <p:nvSpPr>
-          <p:cNvPr id="5" name="Subtitle 4"/>
-          <p:cNvSpPr>
-            <a:spLocks noGrp="1"/>
-          </p:cNvSpPr>
-          <p:nvPr>
-            <p:ph type="subTitle" idx="1"/>
-          </p:nvPr>
-        </p:nvSpPr>
-        <p:spPr/>
-        <p:txBody>
-          <a:bodyPr/>
-          <a:lstStyle/>
-          <a:p>
-            <a:r>
-              <a:rPr lang="en-US" dirty="0" smtClean="0">
-                <a:solidFill>
-                  <a:srgbClr val="FFC425"/>
-                </a:solidFill>
-              </a:rPr>
-              <a:t>*Canvas’ (</a:t>
-            </a:r>
-            <a:r>
-              <a:rPr lang="en-US" dirty="0" err="1" smtClean="0">
-                <a:solidFill>
-                  <a:srgbClr val="FFC425"/>
-                </a:solidFill>
-              </a:rPr>
-              <a:t>eXtensible</a:t>
-            </a:r>
-            <a:r>
-              <a:rPr lang="en-US" dirty="0" smtClean="0">
-                <a:solidFill>
-                  <a:srgbClr val="FFC425"/>
-                </a:solidFill>
-              </a:rPr>
-              <a:t>) Big Brother</a:t>
-            </a:r>
-          </a:p>
-          <a:p>
-            <a:endParaRPr lang="en-US" dirty="0">
-              <a:solidFill>
-                <a:srgbClr val="FFC425"/>
-              </a:solidFill>
-            </a:endParaRPr>
-          </a:p>
-        </p:txBody>
-      </p:sp>
-    </p:spTree>
-    <p:extLst>
-      <p:ext uri="{BB962C8B-B14F-4D97-AF65-F5344CB8AC3E}">
-        <p14:creationId xmlns:p14="http://schemas.microsoft.com/office/powerpoint/2010/main" val="3576756451"/>
-      </p:ext>
-    </p:extLst>
-  </p:cSld>
-  <p:clrMapOvr>
-    <a:masterClrMapping/>
-  </p:clrMapOvr>
-  <p:transition xmlns:p14="http://schemas.microsoft.com/office/powerpoint/2010/main">
-    <p:fade/>
-  </p:transition>
-  <p:timing>
-    <p:tnLst>
-      <p:par>
-        <p:cTn xmlns:p14="http://schemas.microsoft.com/office/powerpoint/2010/main" id="1" dur="indefinite" restart="never" nodeType="tmRoot"/>
-      </p:par>
-    </p:tnLst>
-  </p:timing>
-</p:sld>
-</file>
-
-<file path=ppt/slides/slide22.xml><?xml version="1.0" encoding="utf-8"?>
-<p:sld xmlns:a="http://schemas.openxmlformats.org/drawingml/2006/main" xmlns:r="http://schemas.openxmlformats.org/officeDocument/2006/relationships" xmlns:p="http://schemas.openxmlformats.org/presentationml/2006/main">
-  <p:cSld>
-    <p:spTree>
-      <p:nvGrpSpPr>
-        <p:cNvPr id="1" name=""/>
-        <p:cNvGrpSpPr/>
-        <p:nvPr/>
-      </p:nvGrpSpPr>
-      <p:grpSpPr>
-        <a:xfrm>
-          <a:off x="0" y="0"/>
-          <a:ext cx="0" cy="0"/>
-          <a:chOff x="0" y="0"/>
-          <a:chExt cx="0" cy="0"/>
-        </a:xfrm>
-      </p:grpSpPr>
-      <p:sp>
-        <p:nvSpPr>
           <p:cNvPr id="7" name="Text Placeholder 5"/>
           <p:cNvSpPr>
             <a:spLocks noGrp="1"/>
@@ -17296,7 +16522,7 @@
 </p:sld>
 </file>
 
-<file path=ppt/slides/slide23.xml><?xml version="1.0" encoding="utf-8"?>
+<file path=ppt/slides/slide21.xml><?xml version="1.0" encoding="utf-8"?>
 <p:sld xmlns:a="http://schemas.openxmlformats.org/drawingml/2006/main" xmlns:r="http://schemas.openxmlformats.org/officeDocument/2006/relationships" xmlns:p="http://schemas.openxmlformats.org/presentationml/2006/main">
   <p:cSld>
     <p:spTree>
@@ -18010,7 +17236,7 @@
 </p:sld>
 </file>
 
-<file path=ppt/slides/slide24.xml><?xml version="1.0" encoding="utf-8"?>
+<file path=ppt/slides/slide22.xml><?xml version="1.0" encoding="utf-8"?>
 <p:sld xmlns:a="http://schemas.openxmlformats.org/drawingml/2006/main" xmlns:r="http://schemas.openxmlformats.org/officeDocument/2006/relationships" xmlns:p="http://schemas.openxmlformats.org/presentationml/2006/main">
   <p:cSld>
     <p:spTree>
@@ -18104,7 +17330,7 @@
 </p:sld>
 </file>
 
-<file path=ppt/slides/slide25.xml><?xml version="1.0" encoding="utf-8"?>
+<file path=ppt/slides/slide23.xml><?xml version="1.0" encoding="utf-8"?>
 <p:sld xmlns:a="http://schemas.openxmlformats.org/drawingml/2006/main" xmlns:r="http://schemas.openxmlformats.org/officeDocument/2006/relationships" xmlns:p="http://schemas.openxmlformats.org/presentationml/2006/main">
   <p:cSld>
     <p:spTree>
@@ -18167,7 +17393,7 @@
 </p:sld>
 </file>
 
-<file path=ppt/slides/slide26.xml><?xml version="1.0" encoding="utf-8"?>
+<file path=ppt/slides/slide24.xml><?xml version="1.0" encoding="utf-8"?>
 <p:sld xmlns:a="http://schemas.openxmlformats.org/drawingml/2006/main" xmlns:r="http://schemas.openxmlformats.org/officeDocument/2006/relationships" xmlns:p="http://schemas.openxmlformats.org/presentationml/2006/main">
   <p:cSld>
     <p:spTree>
@@ -18375,18 +17601,10 @@
                   <a:schemeClr val="tx2"/>
                 </a:solidFill>
               </a:rPr>
-              <a:t> in the “3</a:t>
-            </a:r>
-            <a:r>
-              <a:rPr lang="en-US" smtClean="0">
-                <a:solidFill>
-                  <a:schemeClr val="tx2"/>
-                </a:solidFill>
-              </a:rPr>
-              <a:t>- </a:t>
-            </a:r>
-            <a:r>
-              <a:rPr lang="en-US" smtClean="0">
+              <a:t> in the “3- </a:t>
+            </a:r>
+            <a:r>
+              <a:rPr lang="en-US" dirty="0" smtClean="0">
                 <a:solidFill>
                   <a:schemeClr val="tx2"/>
                 </a:solidFill>
@@ -18613,7 +17831,7 @@
           <a:p>
             <a:r>
               <a:rPr lang="en-US" sz="6000" dirty="0" smtClean="0"/>
-              <a:t>Semantic Markup</a:t>
+              <a:t>Border-Radius</a:t>
             </a:r>
             <a:r>
               <a:rPr lang="en-US" sz="6000" baseline="30000" dirty="0" smtClean="0"/>
@@ -18633,20 +17851,45 @@
             <p:ph type="subTitle" idx="1"/>
           </p:nvPr>
         </p:nvSpPr>
-        <p:spPr/>
+        <p:spPr>
+          <a:xfrm>
+            <a:off x="463176" y="4703875"/>
+            <a:ext cx="8277412" cy="463255"/>
+          </a:xfrm>
+        </p:spPr>
         <p:txBody>
           <a:bodyPr/>
           <a:lstStyle/>
           <a:p>
             <a:r>
-              <a:rPr lang="en-US" dirty="0">
+              <a:rPr lang="en-US" dirty="0" smtClean="0">
                 <a:solidFill>
                   <a:schemeClr val="accent1">
                     <a:alpha val="99000"/>
                   </a:schemeClr>
                 </a:solidFill>
               </a:rPr>
-              <a:t>*Alas, poor &lt;div&gt;, I hardly knew ye.</a:t>
+              <a:t>*HTML5 *is* rounded corners, </a:t>
+            </a:r>
+            <a:r>
+              <a:rPr lang="en-US" dirty="0" err="1" smtClean="0">
+                <a:solidFill>
+                  <a:schemeClr val="accent1">
+                    <a:alpha val="99000"/>
+                  </a:schemeClr>
+                </a:solidFill>
+              </a:rPr>
+              <a:t>donchaknow</a:t>
+            </a:r>
+            <a:r>
+              <a:rPr lang="en-US" dirty="0" smtClean="0">
+                <a:solidFill>
+                  <a:schemeClr val="accent1">
+                    <a:alpha val="99000"/>
+                  </a:schemeClr>
+                </a:solidFill>
+              </a:rPr>
+              <a:t>?</a:t>
             </a:r>
             <a:endParaRPr lang="en-US" dirty="0"/>
           </a:p>
@@ -19478,2042 +18721,6 @@
 </file>
 
 <file path=ppt/slides/slide6.xml><?xml version="1.0" encoding="utf-8"?>
-<p:sld xmlns:a="http://schemas.openxmlformats.org/drawingml/2006/main" xmlns:r="http://schemas.openxmlformats.org/officeDocument/2006/relationships" xmlns:p="http://schemas.openxmlformats.org/presentationml/2006/main">
-  <p:cSld>
-    <p:spTree>
-      <p:nvGrpSpPr>
-        <p:cNvPr id="1" name=""/>
-        <p:cNvGrpSpPr/>
-        <p:nvPr/>
-      </p:nvGrpSpPr>
-      <p:grpSpPr>
-        <a:xfrm>
-          <a:off x="0" y="0"/>
-          <a:ext cx="0" cy="0"/>
-          <a:chOff x="0" y="0"/>
-          <a:chExt cx="0" cy="0"/>
-        </a:xfrm>
-      </p:grpSpPr>
-      <p:sp>
-        <p:nvSpPr>
-          <p:cNvPr id="5" name="Title 4"/>
-          <p:cNvSpPr>
-            <a:spLocks noGrp="1"/>
-          </p:cNvSpPr>
-          <p:nvPr>
-            <p:ph type="title"/>
-          </p:nvPr>
-        </p:nvSpPr>
-        <p:spPr/>
-        <p:txBody>
-          <a:bodyPr/>
-          <a:lstStyle/>
-          <a:p>
-            <a:r>
-              <a:rPr lang="en-US" dirty="0" smtClean="0"/>
-              <a:t>A Sample HTML5 Document</a:t>
-            </a:r>
-            <a:endParaRPr lang="en-US" dirty="0"/>
-          </a:p>
-        </p:txBody>
-      </p:sp>
-      <p:sp>
-        <p:nvSpPr>
-          <p:cNvPr id="8" name="Text Placeholder 5"/>
-          <p:cNvSpPr txBox="1">
-            <a:spLocks/>
-          </p:cNvSpPr>
-          <p:nvPr/>
-        </p:nvSpPr>
-        <p:spPr>
-          <a:xfrm>
-            <a:off x="390032" y="1447800"/>
-            <a:ext cx="8363937" cy="3994940"/>
-          </a:xfrm>
-          <a:prstGeom prst="rect">
-            <a:avLst/>
-          </a:prstGeom>
-        </p:spPr>
-        <p:txBody>
-          <a:bodyPr vert="horz" wrap="square" lIns="0" tIns="0" rIns="0" bIns="0" rtlCol="0">
-            <a:spAutoFit/>
-          </a:bodyPr>
-          <a:lstStyle>
-            <a:lvl1pPr marL="0" indent="0" algn="l" defTabSz="914363" rtl="0" eaLnBrk="1" latinLnBrk="0" hangingPunct="1">
-              <a:lnSpc>
-                <a:spcPct val="90000"/>
-              </a:lnSpc>
-              <a:spcBef>
-                <a:spcPct val="20000"/>
-              </a:spcBef>
-              <a:buFont typeface="Arial" pitchFamily="34" charset="0"/>
-              <a:buNone/>
-              <a:defRPr sz="3000" b="0" kern="1200">
-                <a:gradFill>
-                  <a:gsLst>
-                    <a:gs pos="0">
-                      <a:srgbClr val="000000"/>
-                    </a:gs>
-                    <a:gs pos="86000">
-                      <a:srgbClr val="000000"/>
-                    </a:gs>
-                  </a:gsLst>
-                  <a:lin ang="5400000" scaled="0"/>
-                </a:gradFill>
-                <a:latin typeface="Consolas" pitchFamily="49" charset="0"/>
-                <a:ea typeface="+mn-ea"/>
-                <a:cs typeface="Consolas" pitchFamily="49" charset="0"/>
-              </a:defRPr>
-            </a:lvl1pPr>
-            <a:lvl2pPr marL="384954" indent="-7937" algn="l" defTabSz="914363" rtl="0" eaLnBrk="1" latinLnBrk="0" hangingPunct="1">
-              <a:lnSpc>
-                <a:spcPct val="90000"/>
-              </a:lnSpc>
-              <a:spcBef>
-                <a:spcPct val="20000"/>
-              </a:spcBef>
-              <a:buFont typeface="Arial" pitchFamily="34" charset="0"/>
-              <a:buNone/>
-              <a:defRPr sz="2800" b="0" kern="1200">
-                <a:gradFill>
-                  <a:gsLst>
-                    <a:gs pos="0">
-                      <a:srgbClr val="000000"/>
-                    </a:gs>
-                    <a:gs pos="86000">
-                      <a:srgbClr val="000000"/>
-                    </a:gs>
-                  </a:gsLst>
-                  <a:lin ang="5400000" scaled="0"/>
-                </a:gradFill>
-                <a:latin typeface="Consolas" pitchFamily="49" charset="0"/>
-                <a:ea typeface="+mn-ea"/>
-                <a:cs typeface="Consolas" pitchFamily="49" charset="0"/>
-              </a:defRPr>
-            </a:lvl2pPr>
-            <a:lvl3pPr marL="761970" indent="-7937" algn="l" defTabSz="914363" rtl="0" eaLnBrk="1" latinLnBrk="0" hangingPunct="1">
-              <a:lnSpc>
-                <a:spcPct val="90000"/>
-              </a:lnSpc>
-              <a:spcBef>
-                <a:spcPct val="20000"/>
-              </a:spcBef>
-              <a:buFont typeface="Arial" pitchFamily="34" charset="0"/>
-              <a:buNone/>
-              <a:defRPr sz="2400" b="0" kern="1200">
-                <a:gradFill>
-                  <a:gsLst>
-                    <a:gs pos="0">
-                      <a:srgbClr val="000000"/>
-                    </a:gs>
-                    <a:gs pos="86000">
-                      <a:srgbClr val="000000"/>
-                    </a:gs>
-                  </a:gsLst>
-                  <a:lin ang="5400000" scaled="0"/>
-                </a:gradFill>
-                <a:latin typeface="Consolas" pitchFamily="49" charset="0"/>
-                <a:ea typeface="+mn-ea"/>
-                <a:cs typeface="Consolas" pitchFamily="49" charset="0"/>
-              </a:defRPr>
-            </a:lvl3pPr>
-            <a:lvl4pPr marL="1094009" indent="7937" algn="l" defTabSz="914363" rtl="0" eaLnBrk="1" latinLnBrk="0" hangingPunct="1">
-              <a:lnSpc>
-                <a:spcPct val="90000"/>
-              </a:lnSpc>
-              <a:spcBef>
-                <a:spcPct val="20000"/>
-              </a:spcBef>
-              <a:buFont typeface="Arial" pitchFamily="34" charset="0"/>
-              <a:buNone/>
-              <a:defRPr sz="2400" b="0" kern="1200">
-                <a:gradFill>
-                  <a:gsLst>
-                    <a:gs pos="0">
-                      <a:srgbClr val="000000"/>
-                    </a:gs>
-                    <a:gs pos="86000">
-                      <a:srgbClr val="000000"/>
-                    </a:gs>
-                  </a:gsLst>
-                  <a:lin ang="5400000" scaled="0"/>
-                </a:gradFill>
-                <a:latin typeface="Consolas" pitchFamily="49" charset="0"/>
-                <a:ea typeface="+mn-ea"/>
-                <a:cs typeface="Consolas" pitchFamily="49" charset="0"/>
-              </a:defRPr>
-            </a:lvl4pPr>
-            <a:lvl5pPr marL="1426047" indent="0" algn="l" defTabSz="914363" rtl="0" eaLnBrk="1" latinLnBrk="0" hangingPunct="1">
-              <a:lnSpc>
-                <a:spcPct val="90000"/>
-              </a:lnSpc>
-              <a:spcBef>
-                <a:spcPct val="20000"/>
-              </a:spcBef>
-              <a:buFont typeface="Arial" pitchFamily="34" charset="0"/>
-              <a:buNone/>
-              <a:defRPr sz="2400" b="0" kern="1200">
-                <a:gradFill>
-                  <a:gsLst>
-                    <a:gs pos="0">
-                      <a:srgbClr val="000000"/>
-                    </a:gs>
-                    <a:gs pos="86000">
-                      <a:srgbClr val="000000"/>
-                    </a:gs>
-                  </a:gsLst>
-                  <a:lin ang="5400000" scaled="0"/>
-                </a:gradFill>
-                <a:latin typeface="Consolas" pitchFamily="49" charset="0"/>
-                <a:ea typeface="+mn-ea"/>
-                <a:cs typeface="Consolas" pitchFamily="49" charset="0"/>
-              </a:defRPr>
-            </a:lvl5pPr>
-            <a:lvl6pPr marL="2514499" indent="-228591" algn="l" defTabSz="914363" rtl="0" eaLnBrk="1" latinLnBrk="0" hangingPunct="1">
-              <a:spcBef>
-                <a:spcPct val="20000"/>
-              </a:spcBef>
-              <a:buFont typeface="Arial" pitchFamily="34" charset="0"/>
-              <a:buChar char="•"/>
-              <a:defRPr sz="2000" kern="1200">
-                <a:solidFill>
-                  <a:schemeClr val="tx1"/>
-                </a:solidFill>
-                <a:latin typeface="+mn-lt"/>
-                <a:ea typeface="+mn-ea"/>
-                <a:cs typeface="+mn-cs"/>
-              </a:defRPr>
-            </a:lvl6pPr>
-            <a:lvl7pPr marL="2971681" indent="-228591" algn="l" defTabSz="914363" rtl="0" eaLnBrk="1" latinLnBrk="0" hangingPunct="1">
-              <a:spcBef>
-                <a:spcPct val="20000"/>
-              </a:spcBef>
-              <a:buFont typeface="Arial" pitchFamily="34" charset="0"/>
-              <a:buChar char="•"/>
-              <a:defRPr sz="2000" kern="1200">
-                <a:solidFill>
-                  <a:schemeClr val="tx1"/>
-                </a:solidFill>
-                <a:latin typeface="+mn-lt"/>
-                <a:ea typeface="+mn-ea"/>
-                <a:cs typeface="+mn-cs"/>
-              </a:defRPr>
-            </a:lvl7pPr>
-            <a:lvl8pPr marL="3428863" indent="-228591" algn="l" defTabSz="914363" rtl="0" eaLnBrk="1" latinLnBrk="0" hangingPunct="1">
-              <a:spcBef>
-                <a:spcPct val="20000"/>
-              </a:spcBef>
-              <a:buFont typeface="Arial" pitchFamily="34" charset="0"/>
-              <a:buChar char="•"/>
-              <a:defRPr sz="2000" kern="1200">
-                <a:solidFill>
-                  <a:schemeClr val="tx1"/>
-                </a:solidFill>
-                <a:latin typeface="+mn-lt"/>
-                <a:ea typeface="+mn-ea"/>
-                <a:cs typeface="+mn-cs"/>
-              </a:defRPr>
-            </a:lvl8pPr>
-            <a:lvl9pPr marL="3886045" indent="-228591" algn="l" defTabSz="914363" rtl="0" eaLnBrk="1" latinLnBrk="0" hangingPunct="1">
-              <a:spcBef>
-                <a:spcPct val="20000"/>
-              </a:spcBef>
-              <a:buFont typeface="Arial" pitchFamily="34" charset="0"/>
-              <a:buChar char="•"/>
-              <a:defRPr sz="2000" kern="1200">
-                <a:solidFill>
-                  <a:schemeClr val="tx1"/>
-                </a:solidFill>
-                <a:latin typeface="+mn-lt"/>
-                <a:ea typeface="+mn-ea"/>
-                <a:cs typeface="+mn-cs"/>
-              </a:defRPr>
-            </a:lvl9pPr>
-          </a:lstStyle>
-          <a:p>
-            <a:pPr marL="0" marR="0" lvl="0" indent="0" algn="l" defTabSz="914363" rtl="0" eaLnBrk="1" fontAlgn="auto" latinLnBrk="0" hangingPunct="1">
-              <a:lnSpc>
-                <a:spcPct val="90000"/>
-              </a:lnSpc>
-              <a:spcBef>
-                <a:spcPct val="20000"/>
-              </a:spcBef>
-              <a:spcAft>
-                <a:spcPts val="0"/>
-              </a:spcAft>
-              <a:buClrTx/>
-              <a:buSzTx/>
-              <a:buFont typeface="Arial" pitchFamily="34" charset="0"/>
-              <a:buNone/>
-              <a:tabLst/>
-              <a:defRPr/>
-            </a:pPr>
-            <a:r>
-              <a:rPr kumimoji="0" lang="en-US" sz="2400" b="1" i="0" u="none" strike="noStrike" kern="1200" cap="none" spc="0" normalizeH="0" baseline="0" noProof="0" dirty="0" smtClean="0">
-                <a:ln>
-                  <a:noFill/>
-                </a:ln>
-                <a:solidFill>
-                  <a:srgbClr val="F15C44">
-                    <a:lumMod val="50000"/>
-                  </a:srgbClr>
-                </a:solidFill>
-                <a:effectLst>
-                  <a:outerShdw blurRad="38100" dist="38100" dir="2700000" algn="tl">
-                    <a:srgbClr val="000000">
-                      <a:alpha val="43137"/>
-                    </a:srgbClr>
-                  </a:outerShdw>
-                </a:effectLst>
-                <a:uLnTx/>
-                <a:uFillTx/>
-                <a:latin typeface="Consolas" pitchFamily="49" charset="0"/>
-                <a:ea typeface="+mn-ea"/>
-                <a:cs typeface="Consolas" pitchFamily="49" charset="0"/>
-              </a:rPr>
-              <a:t>&lt;!DOCTYPE html&gt;</a:t>
-            </a:r>
-          </a:p>
-          <a:p>
-            <a:pPr marL="0" marR="0" lvl="0" indent="0" algn="l" defTabSz="914363" rtl="0" eaLnBrk="1" fontAlgn="auto" latinLnBrk="0" hangingPunct="1">
-              <a:lnSpc>
-                <a:spcPct val="90000"/>
-              </a:lnSpc>
-              <a:spcBef>
-                <a:spcPct val="20000"/>
-              </a:spcBef>
-              <a:spcAft>
-                <a:spcPts val="0"/>
-              </a:spcAft>
-              <a:buClrTx/>
-              <a:buSzTx/>
-              <a:buFont typeface="Arial" pitchFamily="34" charset="0"/>
-              <a:buNone/>
-              <a:tabLst/>
-              <a:defRPr/>
-            </a:pPr>
-            <a:r>
-              <a:rPr kumimoji="0" lang="en-US" sz="2400" b="0" i="0" u="none" strike="noStrike" kern="1200" cap="none" spc="0" normalizeH="0" baseline="0" noProof="0" dirty="0" smtClean="0">
-                <a:ln>
-                  <a:noFill/>
-                </a:ln>
-                <a:solidFill>
-                  <a:srgbClr val="000000"/>
-                </a:solidFill>
-                <a:effectLst/>
-                <a:uLnTx/>
-                <a:uFillTx/>
-                <a:latin typeface="Consolas" pitchFamily="49" charset="0"/>
-                <a:ea typeface="+mn-ea"/>
-                <a:cs typeface="Consolas" pitchFamily="49" charset="0"/>
-              </a:rPr>
-              <a:t>&lt;html&gt;</a:t>
-            </a:r>
-          </a:p>
-          <a:p>
-            <a:pPr marL="0" marR="0" lvl="0" indent="0" algn="l" defTabSz="914363" rtl="0" eaLnBrk="1" fontAlgn="auto" latinLnBrk="0" hangingPunct="1">
-              <a:lnSpc>
-                <a:spcPct val="90000"/>
-              </a:lnSpc>
-              <a:spcBef>
-                <a:spcPct val="20000"/>
-              </a:spcBef>
-              <a:spcAft>
-                <a:spcPts val="0"/>
-              </a:spcAft>
-              <a:buClrTx/>
-              <a:buSzTx/>
-              <a:buFont typeface="Arial" pitchFamily="34" charset="0"/>
-              <a:buNone/>
-              <a:tabLst/>
-              <a:defRPr/>
-            </a:pPr>
-            <a:r>
-              <a:rPr kumimoji="0" lang="en-US" sz="2400" b="0" i="0" u="none" strike="noStrike" kern="1200" cap="none" spc="0" normalizeH="0" baseline="0" noProof="0" dirty="0" smtClean="0">
-                <a:ln>
-                  <a:noFill/>
-                </a:ln>
-                <a:solidFill>
-                  <a:srgbClr val="000000"/>
-                </a:solidFill>
-                <a:effectLst/>
-                <a:uLnTx/>
-                <a:uFillTx/>
-                <a:latin typeface="Consolas" pitchFamily="49" charset="0"/>
-                <a:ea typeface="+mn-ea"/>
-                <a:cs typeface="Consolas" pitchFamily="49" charset="0"/>
-              </a:rPr>
-              <a:t>	&lt;head&gt;</a:t>
-            </a:r>
-          </a:p>
-          <a:p>
-            <a:pPr marL="0" marR="0" lvl="0" indent="0" algn="l" defTabSz="914363" rtl="0" eaLnBrk="1" fontAlgn="auto" latinLnBrk="0" hangingPunct="1">
-              <a:lnSpc>
-                <a:spcPct val="90000"/>
-              </a:lnSpc>
-              <a:spcBef>
-                <a:spcPct val="20000"/>
-              </a:spcBef>
-              <a:spcAft>
-                <a:spcPts val="0"/>
-              </a:spcAft>
-              <a:buClrTx/>
-              <a:buSzTx/>
-              <a:buFont typeface="Arial" pitchFamily="34" charset="0"/>
-              <a:buNone/>
-              <a:tabLst/>
-              <a:defRPr/>
-            </a:pPr>
-            <a:r>
-              <a:rPr kumimoji="0" lang="en-US" sz="2400" b="0" i="0" u="none" strike="noStrike" kern="1200" cap="none" spc="0" normalizeH="0" baseline="0" noProof="0" dirty="0" smtClean="0">
-                <a:ln>
-                  <a:noFill/>
-                </a:ln>
-                <a:gradFill>
-                  <a:gsLst>
-                    <a:gs pos="0">
-                      <a:srgbClr val="000000"/>
-                    </a:gs>
-                    <a:gs pos="86000">
-                      <a:srgbClr val="000000"/>
-                    </a:gs>
-                  </a:gsLst>
-                  <a:lin ang="5400000" scaled="0"/>
-                </a:gradFill>
-                <a:effectLst/>
-                <a:uLnTx/>
-                <a:uFillTx/>
-                <a:latin typeface="Consolas" pitchFamily="49" charset="0"/>
-                <a:ea typeface="+mn-ea"/>
-                <a:cs typeface="Consolas" pitchFamily="49" charset="0"/>
-              </a:rPr>
-              <a:t>		</a:t>
-            </a:r>
-            <a:r>
-              <a:rPr kumimoji="0" lang="en-US" sz="2400" b="1" i="0" u="none" strike="noStrike" kern="1200" cap="none" spc="0" normalizeH="0" baseline="0" noProof="0" dirty="0" smtClean="0">
-                <a:ln>
-                  <a:noFill/>
-                </a:ln>
-                <a:solidFill>
-                  <a:srgbClr val="F15C44">
-                    <a:lumMod val="50000"/>
-                  </a:srgbClr>
-                </a:solidFill>
-                <a:effectLst>
-                  <a:outerShdw blurRad="38100" dist="38100" dir="2700000" algn="tl">
-                    <a:srgbClr val="000000">
-                      <a:alpha val="43137"/>
-                    </a:srgbClr>
-                  </a:outerShdw>
-                </a:effectLst>
-                <a:uLnTx/>
-                <a:uFillTx/>
-                <a:latin typeface="Consolas" pitchFamily="49" charset="0"/>
-                <a:ea typeface="+mn-ea"/>
-                <a:cs typeface="Consolas" pitchFamily="49" charset="0"/>
-              </a:rPr>
-              <a:t>&lt;meta charset="utf-8"&gt;</a:t>
-            </a:r>
-          </a:p>
-          <a:p>
-            <a:pPr marL="0" marR="0" lvl="0" indent="0" algn="l" defTabSz="914363" rtl="0" eaLnBrk="1" fontAlgn="auto" latinLnBrk="0" hangingPunct="1">
-              <a:lnSpc>
-                <a:spcPct val="90000"/>
-              </a:lnSpc>
-              <a:spcBef>
-                <a:spcPct val="20000"/>
-              </a:spcBef>
-              <a:spcAft>
-                <a:spcPts val="0"/>
-              </a:spcAft>
-              <a:buClrTx/>
-              <a:buSzTx/>
-              <a:buFont typeface="Arial" pitchFamily="34" charset="0"/>
-              <a:buNone/>
-              <a:tabLst/>
-              <a:defRPr/>
-            </a:pPr>
-            <a:r>
-              <a:rPr kumimoji="0" lang="en-US" sz="2400" b="0" i="0" u="none" strike="noStrike" kern="1200" cap="none" spc="0" normalizeH="0" baseline="0" noProof="0" dirty="0" smtClean="0">
-                <a:ln>
-                  <a:noFill/>
-                </a:ln>
-                <a:gradFill>
-                  <a:gsLst>
-                    <a:gs pos="0">
-                      <a:srgbClr val="000000"/>
-                    </a:gs>
-                    <a:gs pos="86000">
-                      <a:srgbClr val="000000"/>
-                    </a:gs>
-                  </a:gsLst>
-                  <a:lin ang="5400000" scaled="0"/>
-                </a:gradFill>
-                <a:effectLst/>
-                <a:uLnTx/>
-                <a:uFillTx/>
-                <a:latin typeface="Consolas" pitchFamily="49" charset="0"/>
-                <a:ea typeface="+mn-ea"/>
-                <a:cs typeface="Consolas" pitchFamily="49" charset="0"/>
-              </a:rPr>
-              <a:t>		&lt;title&gt; Hello &lt;/title&gt;</a:t>
-            </a:r>
-          </a:p>
-          <a:p>
-            <a:pPr marL="0" marR="0" lvl="0" indent="0" algn="l" defTabSz="914363" rtl="0" eaLnBrk="1" fontAlgn="auto" latinLnBrk="0" hangingPunct="1">
-              <a:lnSpc>
-                <a:spcPct val="90000"/>
-              </a:lnSpc>
-              <a:spcBef>
-                <a:spcPct val="20000"/>
-              </a:spcBef>
-              <a:spcAft>
-                <a:spcPts val="0"/>
-              </a:spcAft>
-              <a:buClrTx/>
-              <a:buSzTx/>
-              <a:buFont typeface="Arial" pitchFamily="34" charset="0"/>
-              <a:buNone/>
-              <a:tabLst/>
-              <a:defRPr/>
-            </a:pPr>
-            <a:r>
-              <a:rPr kumimoji="0" lang="en-US" sz="2400" b="0" i="0" u="none" strike="noStrike" kern="1200" cap="none" spc="0" normalizeH="0" baseline="0" noProof="0" dirty="0" smtClean="0">
-                <a:ln>
-                  <a:noFill/>
-                </a:ln>
-                <a:gradFill>
-                  <a:gsLst>
-                    <a:gs pos="0">
-                      <a:srgbClr val="000000"/>
-                    </a:gs>
-                    <a:gs pos="86000">
-                      <a:srgbClr val="000000"/>
-                    </a:gs>
-                  </a:gsLst>
-                  <a:lin ang="5400000" scaled="0"/>
-                </a:gradFill>
-                <a:effectLst/>
-                <a:uLnTx/>
-                <a:uFillTx/>
-                <a:latin typeface="Consolas" pitchFamily="49" charset="0"/>
-                <a:ea typeface="+mn-ea"/>
-                <a:cs typeface="Consolas" pitchFamily="49" charset="0"/>
-              </a:rPr>
-              <a:t>	</a:t>
-            </a:r>
-            <a:r>
-              <a:rPr kumimoji="0" lang="en-US" sz="2400" b="0" i="0" u="none" strike="noStrike" kern="1200" cap="none" spc="0" normalizeH="0" baseline="0" noProof="0" dirty="0" smtClean="0">
-                <a:ln>
-                  <a:noFill/>
-                </a:ln>
-                <a:solidFill>
-                  <a:srgbClr val="000000"/>
-                </a:solidFill>
-                <a:effectLst/>
-                <a:uLnTx/>
-                <a:uFillTx/>
-                <a:latin typeface="Consolas" pitchFamily="49" charset="0"/>
-                <a:ea typeface="+mn-ea"/>
-                <a:cs typeface="Consolas" pitchFamily="49" charset="0"/>
-              </a:rPr>
-              <a:t>&lt;/head&gt;</a:t>
-            </a:r>
-          </a:p>
-          <a:p>
-            <a:pPr marL="0" marR="0" lvl="0" indent="0" algn="l" defTabSz="914363" rtl="0" eaLnBrk="1" fontAlgn="auto" latinLnBrk="0" hangingPunct="1">
-              <a:lnSpc>
-                <a:spcPct val="90000"/>
-              </a:lnSpc>
-              <a:spcBef>
-                <a:spcPct val="20000"/>
-              </a:spcBef>
-              <a:spcAft>
-                <a:spcPts val="0"/>
-              </a:spcAft>
-              <a:buClrTx/>
-              <a:buSzTx/>
-              <a:buFont typeface="Arial" pitchFamily="34" charset="0"/>
-              <a:buNone/>
-              <a:tabLst/>
-              <a:defRPr/>
-            </a:pPr>
-            <a:r>
-              <a:rPr kumimoji="0" lang="en-US" sz="2400" b="0" i="0" u="none" strike="noStrike" kern="1200" cap="none" spc="0" normalizeH="0" baseline="0" noProof="0" dirty="0" smtClean="0">
-                <a:ln>
-                  <a:noFill/>
-                </a:ln>
-                <a:solidFill>
-                  <a:srgbClr val="000000"/>
-                </a:solidFill>
-                <a:effectLst/>
-                <a:uLnTx/>
-                <a:uFillTx/>
-                <a:latin typeface="Consolas" pitchFamily="49" charset="0"/>
-                <a:ea typeface="+mn-ea"/>
-                <a:cs typeface="Consolas" pitchFamily="49" charset="0"/>
-              </a:rPr>
-              <a:t>	&lt;body&gt;</a:t>
-            </a:r>
-          </a:p>
-          <a:p>
-            <a:pPr marL="0" marR="0" lvl="0" indent="0" algn="l" defTabSz="914363" rtl="0" eaLnBrk="1" fontAlgn="auto" latinLnBrk="0" hangingPunct="1">
-              <a:lnSpc>
-                <a:spcPct val="90000"/>
-              </a:lnSpc>
-              <a:spcBef>
-                <a:spcPct val="20000"/>
-              </a:spcBef>
-              <a:spcAft>
-                <a:spcPts val="0"/>
-              </a:spcAft>
-              <a:buClrTx/>
-              <a:buSzTx/>
-              <a:buFont typeface="Arial" pitchFamily="34" charset="0"/>
-              <a:buNone/>
-              <a:tabLst/>
-              <a:defRPr/>
-            </a:pPr>
-            <a:r>
-              <a:rPr kumimoji="0" lang="en-US" sz="2400" b="0" i="0" u="none" strike="noStrike" kern="1200" cap="none" spc="0" normalizeH="0" baseline="0" noProof="0" dirty="0" smtClean="0">
-                <a:ln>
-                  <a:noFill/>
-                </a:ln>
-                <a:gradFill>
-                  <a:gsLst>
-                    <a:gs pos="0">
-                      <a:srgbClr val="000000"/>
-                    </a:gs>
-                    <a:gs pos="86000">
-                      <a:srgbClr val="000000"/>
-                    </a:gs>
-                  </a:gsLst>
-                  <a:lin ang="5400000" scaled="0"/>
-                </a:gradFill>
-                <a:effectLst/>
-                <a:uLnTx/>
-                <a:uFillTx/>
-                <a:latin typeface="Consolas" pitchFamily="49" charset="0"/>
-                <a:ea typeface="+mn-ea"/>
-                <a:cs typeface="Consolas" pitchFamily="49" charset="0"/>
-              </a:rPr>
-              <a:t>		&lt;p&gt; HTML5! &lt;/p&gt;</a:t>
-            </a:r>
-          </a:p>
-          <a:p>
-            <a:pPr marL="0" marR="0" lvl="0" indent="0" algn="l" defTabSz="914363" rtl="0" eaLnBrk="1" fontAlgn="auto" latinLnBrk="0" hangingPunct="1">
-              <a:lnSpc>
-                <a:spcPct val="90000"/>
-              </a:lnSpc>
-              <a:spcBef>
-                <a:spcPct val="20000"/>
-              </a:spcBef>
-              <a:spcAft>
-                <a:spcPts val="0"/>
-              </a:spcAft>
-              <a:buClrTx/>
-              <a:buSzTx/>
-              <a:buFont typeface="Arial" pitchFamily="34" charset="0"/>
-              <a:buNone/>
-              <a:tabLst/>
-              <a:defRPr/>
-            </a:pPr>
-            <a:r>
-              <a:rPr kumimoji="0" lang="en-US" sz="2400" b="0" i="0" u="none" strike="noStrike" kern="1200" cap="none" spc="0" normalizeH="0" baseline="0" noProof="0" dirty="0" smtClean="0">
-                <a:ln>
-                  <a:noFill/>
-                </a:ln>
-                <a:gradFill>
-                  <a:gsLst>
-                    <a:gs pos="0">
-                      <a:srgbClr val="000000"/>
-                    </a:gs>
-                    <a:gs pos="86000">
-                      <a:srgbClr val="000000"/>
-                    </a:gs>
-                  </a:gsLst>
-                  <a:lin ang="5400000" scaled="0"/>
-                </a:gradFill>
-                <a:effectLst/>
-                <a:uLnTx/>
-                <a:uFillTx/>
-                <a:latin typeface="Consolas" pitchFamily="49" charset="0"/>
-                <a:ea typeface="+mn-ea"/>
-                <a:cs typeface="Consolas" pitchFamily="49" charset="0"/>
-              </a:rPr>
-              <a:t>	</a:t>
-            </a:r>
-            <a:r>
-              <a:rPr kumimoji="0" lang="en-US" sz="2400" b="0" i="0" u="none" strike="noStrike" kern="1200" cap="none" spc="0" normalizeH="0" baseline="0" noProof="0" dirty="0" smtClean="0">
-                <a:ln>
-                  <a:noFill/>
-                </a:ln>
-                <a:solidFill>
-                  <a:srgbClr val="000000"/>
-                </a:solidFill>
-                <a:effectLst/>
-                <a:uLnTx/>
-                <a:uFillTx/>
-                <a:latin typeface="Consolas" pitchFamily="49" charset="0"/>
-                <a:ea typeface="+mn-ea"/>
-                <a:cs typeface="Consolas" pitchFamily="49" charset="0"/>
-              </a:rPr>
-              <a:t>&lt;/body&gt;</a:t>
-            </a:r>
-          </a:p>
-          <a:p>
-            <a:pPr marL="0" marR="0" lvl="0" indent="0" algn="l" defTabSz="914363" rtl="0" eaLnBrk="1" fontAlgn="auto" latinLnBrk="0" hangingPunct="1">
-              <a:lnSpc>
-                <a:spcPct val="90000"/>
-              </a:lnSpc>
-              <a:spcBef>
-                <a:spcPct val="20000"/>
-              </a:spcBef>
-              <a:spcAft>
-                <a:spcPts val="0"/>
-              </a:spcAft>
-              <a:buClrTx/>
-              <a:buSzTx/>
-              <a:buFont typeface="Arial" pitchFamily="34" charset="0"/>
-              <a:buNone/>
-              <a:tabLst/>
-              <a:defRPr/>
-            </a:pPr>
-            <a:r>
-              <a:rPr kumimoji="0" lang="en-US" sz="2400" b="0" i="0" u="none" strike="noStrike" kern="1200" cap="none" spc="0" normalizeH="0" baseline="0" noProof="0" dirty="0" smtClean="0">
-                <a:ln>
-                  <a:noFill/>
-                </a:ln>
-                <a:solidFill>
-                  <a:srgbClr val="000000"/>
-                </a:solidFill>
-                <a:effectLst/>
-                <a:uLnTx/>
-                <a:uFillTx/>
-                <a:latin typeface="Consolas" pitchFamily="49" charset="0"/>
-                <a:ea typeface="+mn-ea"/>
-                <a:cs typeface="Consolas" pitchFamily="49" charset="0"/>
-              </a:rPr>
-              <a:t>&lt;/html&gt;</a:t>
-            </a:r>
-            <a:endParaRPr kumimoji="0" lang="en-US" sz="2400" b="0" i="0" u="none" strike="noStrike" kern="1200" cap="none" spc="0" normalizeH="0" baseline="0" noProof="0" dirty="0">
-              <a:ln>
-                <a:noFill/>
-              </a:ln>
-              <a:solidFill>
-                <a:srgbClr val="000000"/>
-              </a:solidFill>
-              <a:effectLst/>
-              <a:uLnTx/>
-              <a:uFillTx/>
-              <a:latin typeface="Consolas" pitchFamily="49" charset="0"/>
-              <a:ea typeface="+mn-ea"/>
-              <a:cs typeface="Consolas" pitchFamily="49" charset="0"/>
-            </a:endParaRPr>
-          </a:p>
-        </p:txBody>
-      </p:sp>
-    </p:spTree>
-    <p:extLst>
-      <p:ext uri="{BB962C8B-B14F-4D97-AF65-F5344CB8AC3E}">
-        <p14:creationId xmlns:p14="http://schemas.microsoft.com/office/powerpoint/2010/main" val="2517758955"/>
-      </p:ext>
-    </p:extLst>
-  </p:cSld>
-  <p:clrMapOvr>
-    <a:masterClrMapping/>
-  </p:clrMapOvr>
-  <p:transition xmlns:p14="http://schemas.microsoft.com/office/powerpoint/2010/main" spd="slow">
-    <p:wipe/>
-  </p:transition>
-  <p:timing>
-    <p:tnLst>
-      <p:par>
-        <p:cTn xmlns:p14="http://schemas.microsoft.com/office/powerpoint/2010/main" id="1" dur="indefinite" restart="never" nodeType="tmRoot"/>
-      </p:par>
-    </p:tnLst>
-  </p:timing>
-</p:sld>
-</file>
-
-<file path=ppt/slides/slide7.xml><?xml version="1.0" encoding="utf-8"?>
-<p:sld xmlns:a="http://schemas.openxmlformats.org/drawingml/2006/main" xmlns:r="http://schemas.openxmlformats.org/officeDocument/2006/relationships" xmlns:p="http://schemas.openxmlformats.org/presentationml/2006/main">
-  <p:cSld>
-    <p:spTree>
-      <p:nvGrpSpPr>
-        <p:cNvPr id="1" name=""/>
-        <p:cNvGrpSpPr/>
-        <p:nvPr/>
-      </p:nvGrpSpPr>
-      <p:grpSpPr>
-        <a:xfrm>
-          <a:off x="0" y="0"/>
-          <a:ext cx="0" cy="0"/>
-          <a:chOff x="0" y="0"/>
-          <a:chExt cx="0" cy="0"/>
-        </a:xfrm>
-      </p:grpSpPr>
-      <p:graphicFrame>
-        <p:nvGraphicFramePr>
-          <p:cNvPr id="4" name="Table 3"/>
-          <p:cNvGraphicFramePr>
-            <a:graphicFrameLocks noGrp="1"/>
-          </p:cNvGraphicFramePr>
-          <p:nvPr>
-            <p:extLst>
-              <p:ext uri="{D42A27DB-BD31-4B8C-83A1-F6EECF244321}">
-                <p14:modId xmlns:p14="http://schemas.microsoft.com/office/powerpoint/2010/main" val="1797532565"/>
-              </p:ext>
-            </p:extLst>
-          </p:nvPr>
-        </p:nvGraphicFramePr>
-        <p:xfrm>
-          <a:off x="1013334" y="1355907"/>
-          <a:ext cx="6874041" cy="5212080"/>
-        </p:xfrm>
-        <a:graphic>
-          <a:graphicData uri="http://schemas.openxmlformats.org/drawingml/2006/table">
-            <a:tbl>
-              <a:tblPr firstRow="1" bandRow="1">
-                <a:tableStyleId>{2D5ABB26-0587-4C30-8999-92F81FD0307C}</a:tableStyleId>
-              </a:tblPr>
-              <a:tblGrid>
-                <a:gridCol w="2291347"/>
-                <a:gridCol w="2291347"/>
-                <a:gridCol w="2291347"/>
-              </a:tblGrid>
-              <a:tr h="449342">
-                <a:tc>
-                  <a:txBody>
-                    <a:bodyPr/>
-                    <a:lstStyle/>
-                    <a:p>
-                      <a:r>
-                        <a:rPr lang="en-US" sz="3200" dirty="0" smtClean="0">
-                          <a:solidFill>
-                            <a:schemeClr val="tx1"/>
-                          </a:solidFill>
-                        </a:rPr>
-                        <a:t>article</a:t>
-                      </a:r>
-                      <a:endParaRPr lang="en-US" sz="3200" dirty="0">
-                        <a:solidFill>
-                          <a:schemeClr val="tx1"/>
-                        </a:solidFill>
-                      </a:endParaRPr>
-                    </a:p>
-                  </a:txBody>
-                  <a:tcPr marL="68598" marR="68598"/>
-                </a:tc>
-                <a:tc>
-                  <a:txBody>
-                    <a:bodyPr/>
-                    <a:lstStyle/>
-                    <a:p>
-                      <a:r>
-                        <a:rPr lang="en-US" sz="3200" dirty="0" smtClean="0">
-                          <a:solidFill>
-                            <a:schemeClr val="tx1"/>
-                          </a:solidFill>
-                        </a:rPr>
-                        <a:t>footer</a:t>
-                      </a:r>
-                      <a:endParaRPr lang="en-US" sz="3200" dirty="0">
-                        <a:solidFill>
-                          <a:schemeClr val="tx1"/>
-                        </a:solidFill>
-                      </a:endParaRPr>
-                    </a:p>
-                  </a:txBody>
-                  <a:tcPr marL="68598" marR="68598"/>
-                </a:tc>
-                <a:tc>
-                  <a:txBody>
-                    <a:bodyPr/>
-                    <a:lstStyle/>
-                    <a:p>
-                      <a:r>
-                        <a:rPr lang="en-US" sz="3200" dirty="0" smtClean="0">
-                          <a:solidFill>
-                            <a:schemeClr val="tx1"/>
-                          </a:solidFill>
-                        </a:rPr>
-                        <a:t>rt</a:t>
-                      </a:r>
-                      <a:endParaRPr lang="en-US" sz="3200" dirty="0">
-                        <a:solidFill>
-                          <a:schemeClr val="tx1"/>
-                        </a:solidFill>
-                      </a:endParaRPr>
-                    </a:p>
-                  </a:txBody>
-                  <a:tcPr marL="68598" marR="68598"/>
-                </a:tc>
-              </a:tr>
-              <a:tr h="449342">
-                <a:tc>
-                  <a:txBody>
-                    <a:bodyPr/>
-                    <a:lstStyle/>
-                    <a:p>
-                      <a:r>
-                        <a:rPr lang="en-US" sz="3200" dirty="0" smtClean="0">
-                          <a:solidFill>
-                            <a:schemeClr val="tx1"/>
-                          </a:solidFill>
-                        </a:rPr>
-                        <a:t>aside</a:t>
-                      </a:r>
-                      <a:endParaRPr lang="en-US" sz="3200" dirty="0">
-                        <a:solidFill>
-                          <a:schemeClr val="tx1"/>
-                        </a:solidFill>
-                      </a:endParaRPr>
-                    </a:p>
-                  </a:txBody>
-                  <a:tcPr marL="68598" marR="68598"/>
-                </a:tc>
-                <a:tc>
-                  <a:txBody>
-                    <a:bodyPr/>
-                    <a:lstStyle/>
-                    <a:p>
-                      <a:r>
-                        <a:rPr lang="en-US" sz="3200" dirty="0" smtClean="0">
-                          <a:solidFill>
-                            <a:schemeClr val="tx1"/>
-                          </a:solidFill>
-                        </a:rPr>
-                        <a:t>header</a:t>
-                      </a:r>
-                      <a:endParaRPr lang="en-US" sz="3200" dirty="0">
-                        <a:solidFill>
-                          <a:schemeClr val="tx1"/>
-                        </a:solidFill>
-                      </a:endParaRPr>
-                    </a:p>
-                  </a:txBody>
-                  <a:tcPr marL="68598" marR="68598"/>
-                </a:tc>
-                <a:tc>
-                  <a:txBody>
-                    <a:bodyPr/>
-                    <a:lstStyle/>
-                    <a:p>
-                      <a:r>
-                        <a:rPr lang="en-US" sz="3200" dirty="0" smtClean="0">
-                          <a:solidFill>
-                            <a:schemeClr val="tx1"/>
-                          </a:solidFill>
-                        </a:rPr>
-                        <a:t>ruby</a:t>
-                      </a:r>
-                      <a:endParaRPr lang="en-US" sz="3200" dirty="0">
-                        <a:solidFill>
-                          <a:schemeClr val="tx1"/>
-                        </a:solidFill>
-                      </a:endParaRPr>
-                    </a:p>
-                  </a:txBody>
-                  <a:tcPr marL="68598" marR="68598"/>
-                </a:tc>
-              </a:tr>
-              <a:tr h="449342">
-                <a:tc>
-                  <a:txBody>
-                    <a:bodyPr/>
-                    <a:lstStyle/>
-                    <a:p>
-                      <a:r>
-                        <a:rPr lang="en-US" sz="3200" dirty="0" smtClean="0">
-                          <a:solidFill>
-                            <a:schemeClr val="tx1"/>
-                          </a:solidFill>
-                        </a:rPr>
-                        <a:t>audio</a:t>
-                      </a:r>
-                      <a:endParaRPr lang="en-US" sz="3200" dirty="0">
-                        <a:solidFill>
-                          <a:schemeClr val="tx1"/>
-                        </a:solidFill>
-                      </a:endParaRPr>
-                    </a:p>
-                  </a:txBody>
-                  <a:tcPr marL="68598" marR="68598"/>
-                </a:tc>
-                <a:tc>
-                  <a:txBody>
-                    <a:bodyPr/>
-                    <a:lstStyle/>
-                    <a:p>
-                      <a:r>
-                        <a:rPr lang="en-US" sz="3200" dirty="0" smtClean="0">
-                          <a:solidFill>
-                            <a:schemeClr val="tx1"/>
-                          </a:solidFill>
-                        </a:rPr>
-                        <a:t>hgroup</a:t>
-                      </a:r>
-                      <a:endParaRPr lang="en-US" sz="3200" dirty="0">
-                        <a:solidFill>
-                          <a:schemeClr val="tx1"/>
-                        </a:solidFill>
-                      </a:endParaRPr>
-                    </a:p>
-                  </a:txBody>
-                  <a:tcPr marL="68598" marR="68598"/>
-                </a:tc>
-                <a:tc>
-                  <a:txBody>
-                    <a:bodyPr/>
-                    <a:lstStyle/>
-                    <a:p>
-                      <a:r>
-                        <a:rPr lang="en-US" sz="3200" dirty="0" smtClean="0">
-                          <a:solidFill>
-                            <a:schemeClr val="tx1"/>
-                          </a:solidFill>
-                        </a:rPr>
-                        <a:t>section</a:t>
-                      </a:r>
-                      <a:endParaRPr lang="en-US" sz="3200" dirty="0">
-                        <a:solidFill>
-                          <a:schemeClr val="tx1"/>
-                        </a:solidFill>
-                      </a:endParaRPr>
-                    </a:p>
-                  </a:txBody>
-                  <a:tcPr marL="68598" marR="68598"/>
-                </a:tc>
-              </a:tr>
-              <a:tr h="449342">
-                <a:tc>
-                  <a:txBody>
-                    <a:bodyPr/>
-                    <a:lstStyle/>
-                    <a:p>
-                      <a:r>
-                        <a:rPr lang="en-US" sz="3200" dirty="0" smtClean="0">
-                          <a:solidFill>
-                            <a:schemeClr val="tx1"/>
-                          </a:solidFill>
-                        </a:rPr>
-                        <a:t>canvas</a:t>
-                      </a:r>
-                      <a:endParaRPr lang="en-US" sz="3200" dirty="0">
-                        <a:solidFill>
-                          <a:schemeClr val="tx1"/>
-                        </a:solidFill>
-                      </a:endParaRPr>
-                    </a:p>
-                  </a:txBody>
-                  <a:tcPr marL="68598" marR="68598"/>
-                </a:tc>
-                <a:tc>
-                  <a:txBody>
-                    <a:bodyPr/>
-                    <a:lstStyle/>
-                    <a:p>
-                      <a:r>
-                        <a:rPr lang="en-US" sz="3200" dirty="0" smtClean="0">
-                          <a:solidFill>
-                            <a:schemeClr val="tx1"/>
-                          </a:solidFill>
-                        </a:rPr>
-                        <a:t>keygen</a:t>
-                      </a:r>
-                      <a:endParaRPr lang="en-US" sz="3200" dirty="0">
-                        <a:solidFill>
-                          <a:schemeClr val="tx1"/>
-                        </a:solidFill>
-                      </a:endParaRPr>
-                    </a:p>
-                  </a:txBody>
-                  <a:tcPr marL="68598" marR="68598"/>
-                </a:tc>
-                <a:tc>
-                  <a:txBody>
-                    <a:bodyPr/>
-                    <a:lstStyle/>
-                    <a:p>
-                      <a:r>
-                        <a:rPr lang="en-US" sz="3200" dirty="0" smtClean="0">
-                          <a:solidFill>
-                            <a:schemeClr val="tx1"/>
-                          </a:solidFill>
-                        </a:rPr>
-                        <a:t>source</a:t>
-                      </a:r>
-                      <a:endParaRPr lang="en-US" sz="3200" dirty="0">
-                        <a:solidFill>
-                          <a:schemeClr val="tx1"/>
-                        </a:solidFill>
-                      </a:endParaRPr>
-                    </a:p>
-                  </a:txBody>
-                  <a:tcPr marL="68598" marR="68598"/>
-                </a:tc>
-              </a:tr>
-              <a:tr h="449342">
-                <a:tc>
-                  <a:txBody>
-                    <a:bodyPr/>
-                    <a:lstStyle/>
-                    <a:p>
-                      <a:r>
-                        <a:rPr lang="en-US" sz="3200" dirty="0" smtClean="0">
-                          <a:solidFill>
-                            <a:schemeClr val="tx1"/>
-                          </a:solidFill>
-                        </a:rPr>
-                        <a:t>command</a:t>
-                      </a:r>
-                      <a:endParaRPr lang="en-US" sz="3200" dirty="0">
-                        <a:solidFill>
-                          <a:schemeClr val="tx1"/>
-                        </a:solidFill>
-                      </a:endParaRPr>
-                    </a:p>
-                  </a:txBody>
-                  <a:tcPr marL="68598" marR="68598"/>
-                </a:tc>
-                <a:tc>
-                  <a:txBody>
-                    <a:bodyPr/>
-                    <a:lstStyle/>
-                    <a:p>
-                      <a:r>
-                        <a:rPr lang="en-US" sz="3200" dirty="0" smtClean="0">
-                          <a:solidFill>
-                            <a:schemeClr val="tx1"/>
-                          </a:solidFill>
-                        </a:rPr>
-                        <a:t>mark</a:t>
-                      </a:r>
-                      <a:endParaRPr lang="en-US" sz="3200" dirty="0">
-                        <a:solidFill>
-                          <a:schemeClr val="tx1"/>
-                        </a:solidFill>
-                      </a:endParaRPr>
-                    </a:p>
-                  </a:txBody>
-                  <a:tcPr marL="68598" marR="68598"/>
-                </a:tc>
-                <a:tc>
-                  <a:txBody>
-                    <a:bodyPr/>
-                    <a:lstStyle/>
-                    <a:p>
-                      <a:r>
-                        <a:rPr lang="en-US" sz="3200" dirty="0" smtClean="0">
-                          <a:solidFill>
-                            <a:schemeClr val="tx1"/>
-                          </a:solidFill>
-                        </a:rPr>
-                        <a:t>summary</a:t>
-                      </a:r>
-                      <a:endParaRPr lang="en-US" sz="3200" dirty="0">
-                        <a:solidFill>
-                          <a:schemeClr val="tx1"/>
-                        </a:solidFill>
-                      </a:endParaRPr>
-                    </a:p>
-                  </a:txBody>
-                  <a:tcPr marL="68598" marR="68598"/>
-                </a:tc>
-              </a:tr>
-              <a:tr h="449342">
-                <a:tc>
-                  <a:txBody>
-                    <a:bodyPr/>
-                    <a:lstStyle/>
-                    <a:p>
-                      <a:r>
-                        <a:rPr lang="en-US" sz="3200" dirty="0" smtClean="0">
-                          <a:solidFill>
-                            <a:schemeClr val="tx1"/>
-                          </a:solidFill>
-                        </a:rPr>
-                        <a:t>datalist</a:t>
-                      </a:r>
-                      <a:endParaRPr lang="en-US" sz="3200" dirty="0">
-                        <a:solidFill>
-                          <a:schemeClr val="tx1"/>
-                        </a:solidFill>
-                      </a:endParaRPr>
-                    </a:p>
-                  </a:txBody>
-                  <a:tcPr marL="68598" marR="68598"/>
-                </a:tc>
-                <a:tc>
-                  <a:txBody>
-                    <a:bodyPr/>
-                    <a:lstStyle/>
-                    <a:p>
-                      <a:r>
-                        <a:rPr lang="en-US" sz="3200" dirty="0" smtClean="0">
-                          <a:solidFill>
-                            <a:schemeClr val="tx1"/>
-                          </a:solidFill>
-                        </a:rPr>
-                        <a:t>meter</a:t>
-                      </a:r>
-                      <a:endParaRPr lang="en-US" sz="3200" dirty="0">
-                        <a:solidFill>
-                          <a:schemeClr val="tx1"/>
-                        </a:solidFill>
-                      </a:endParaRPr>
-                    </a:p>
-                  </a:txBody>
-                  <a:tcPr marL="68598" marR="68598"/>
-                </a:tc>
-                <a:tc>
-                  <a:txBody>
-                    <a:bodyPr/>
-                    <a:lstStyle/>
-                    <a:p>
-                      <a:r>
-                        <a:rPr lang="en-US" sz="3200" dirty="0" smtClean="0">
-                          <a:solidFill>
-                            <a:schemeClr val="tx1"/>
-                          </a:solidFill>
-                        </a:rPr>
-                        <a:t>time</a:t>
-                      </a:r>
-                      <a:endParaRPr lang="en-US" sz="3200" dirty="0">
-                        <a:solidFill>
-                          <a:schemeClr val="tx1"/>
-                        </a:solidFill>
-                      </a:endParaRPr>
-                    </a:p>
-                  </a:txBody>
-                  <a:tcPr marL="68598" marR="68598"/>
-                </a:tc>
-              </a:tr>
-              <a:tr h="449342">
-                <a:tc>
-                  <a:txBody>
-                    <a:bodyPr/>
-                    <a:lstStyle/>
-                    <a:p>
-                      <a:r>
-                        <a:rPr lang="en-US" sz="3200" dirty="0" smtClean="0">
-                          <a:solidFill>
-                            <a:schemeClr val="tx1"/>
-                          </a:solidFill>
-                        </a:rPr>
-                        <a:t>embed</a:t>
-                      </a:r>
-                      <a:endParaRPr lang="en-US" sz="3200" dirty="0">
-                        <a:solidFill>
-                          <a:schemeClr val="tx1"/>
-                        </a:solidFill>
-                      </a:endParaRPr>
-                    </a:p>
-                  </a:txBody>
-                  <a:tcPr marL="68598" marR="68598"/>
-                </a:tc>
-                <a:tc>
-                  <a:txBody>
-                    <a:bodyPr/>
-                    <a:lstStyle/>
-                    <a:p>
-                      <a:r>
-                        <a:rPr lang="en-US" sz="3200" dirty="0" smtClean="0">
-                          <a:solidFill>
-                            <a:schemeClr val="tx1"/>
-                          </a:solidFill>
-                        </a:rPr>
-                        <a:t>output</a:t>
-                      </a:r>
-                      <a:endParaRPr lang="en-US" sz="3200" dirty="0">
-                        <a:solidFill>
-                          <a:schemeClr val="tx1"/>
-                        </a:solidFill>
-                      </a:endParaRPr>
-                    </a:p>
-                  </a:txBody>
-                  <a:tcPr marL="68598" marR="68598"/>
-                </a:tc>
-                <a:tc>
-                  <a:txBody>
-                    <a:bodyPr/>
-                    <a:lstStyle/>
-                    <a:p>
-                      <a:r>
-                        <a:rPr lang="en-US" sz="3200" dirty="0" smtClean="0">
-                          <a:solidFill>
-                            <a:schemeClr val="tx1"/>
-                          </a:solidFill>
-                        </a:rPr>
-                        <a:t>wbr</a:t>
-                      </a:r>
-                      <a:endParaRPr lang="en-US" sz="3200" dirty="0">
-                        <a:solidFill>
-                          <a:schemeClr val="tx1"/>
-                        </a:solidFill>
-                      </a:endParaRPr>
-                    </a:p>
-                  </a:txBody>
-                  <a:tcPr marL="68598" marR="68598"/>
-                </a:tc>
-              </a:tr>
-              <a:tr h="449342">
-                <a:tc>
-                  <a:txBody>
-                    <a:bodyPr/>
-                    <a:lstStyle/>
-                    <a:p>
-                      <a:r>
-                        <a:rPr lang="en-US" sz="3200" dirty="0" smtClean="0">
-                          <a:solidFill>
-                            <a:schemeClr val="tx1"/>
-                          </a:solidFill>
-                        </a:rPr>
-                        <a:t>figcaption</a:t>
-                      </a:r>
-                      <a:endParaRPr lang="en-US" sz="3200" dirty="0">
-                        <a:solidFill>
-                          <a:schemeClr val="tx1"/>
-                        </a:solidFill>
-                      </a:endParaRPr>
-                    </a:p>
-                  </a:txBody>
-                  <a:tcPr marL="68598" marR="68598"/>
-                </a:tc>
-                <a:tc>
-                  <a:txBody>
-                    <a:bodyPr/>
-                    <a:lstStyle/>
-                    <a:p>
-                      <a:r>
-                        <a:rPr lang="en-US" sz="3200" dirty="0" smtClean="0">
-                          <a:solidFill>
-                            <a:schemeClr val="tx1"/>
-                          </a:solidFill>
-                        </a:rPr>
-                        <a:t>progress</a:t>
-                      </a:r>
-                      <a:endParaRPr lang="en-US" sz="3200" dirty="0">
-                        <a:solidFill>
-                          <a:schemeClr val="tx1"/>
-                        </a:solidFill>
-                      </a:endParaRPr>
-                    </a:p>
-                  </a:txBody>
-                  <a:tcPr marL="68598" marR="68598"/>
-                </a:tc>
-                <a:tc>
-                  <a:txBody>
-                    <a:bodyPr/>
-                    <a:lstStyle/>
-                    <a:p>
-                      <a:endParaRPr lang="en-US" sz="3200" dirty="0">
-                        <a:solidFill>
-                          <a:schemeClr val="tx1"/>
-                        </a:solidFill>
-                      </a:endParaRPr>
-                    </a:p>
-                  </a:txBody>
-                  <a:tcPr marL="68598" marR="68598"/>
-                </a:tc>
-              </a:tr>
-              <a:tr h="449342">
-                <a:tc>
-                  <a:txBody>
-                    <a:bodyPr/>
-                    <a:lstStyle/>
-                    <a:p>
-                      <a:r>
-                        <a:rPr lang="en-US" sz="3200" dirty="0" smtClean="0">
-                          <a:solidFill>
-                            <a:schemeClr val="tx1"/>
-                          </a:solidFill>
-                        </a:rPr>
-                        <a:t>figure</a:t>
-                      </a:r>
-                      <a:endParaRPr lang="en-US" sz="3200" dirty="0">
-                        <a:solidFill>
-                          <a:schemeClr val="tx1"/>
-                        </a:solidFill>
-                      </a:endParaRPr>
-                    </a:p>
-                  </a:txBody>
-                  <a:tcPr marL="68598" marR="68598"/>
-                </a:tc>
-                <a:tc>
-                  <a:txBody>
-                    <a:bodyPr/>
-                    <a:lstStyle/>
-                    <a:p>
-                      <a:r>
-                        <a:rPr lang="en-US" sz="3200" dirty="0" smtClean="0">
-                          <a:solidFill>
-                            <a:schemeClr val="tx1"/>
-                          </a:solidFill>
-                        </a:rPr>
-                        <a:t>rp</a:t>
-                      </a:r>
-                      <a:endParaRPr lang="en-US" sz="3200" dirty="0">
-                        <a:solidFill>
-                          <a:schemeClr val="tx1"/>
-                        </a:solidFill>
-                      </a:endParaRPr>
-                    </a:p>
-                  </a:txBody>
-                  <a:tcPr marL="68598" marR="68598"/>
-                </a:tc>
-                <a:tc>
-                  <a:txBody>
-                    <a:bodyPr/>
-                    <a:lstStyle/>
-                    <a:p>
-                      <a:endParaRPr lang="en-US" sz="3200" dirty="0">
-                        <a:solidFill>
-                          <a:schemeClr val="tx1"/>
-                        </a:solidFill>
-                      </a:endParaRPr>
-                    </a:p>
-                  </a:txBody>
-                  <a:tcPr marL="68598" marR="68598"/>
-                </a:tc>
-              </a:tr>
-            </a:tbl>
-          </a:graphicData>
-        </a:graphic>
-      </p:graphicFrame>
-      <p:sp>
-        <p:nvSpPr>
-          <p:cNvPr id="5" name="Title 4"/>
-          <p:cNvSpPr>
-            <a:spLocks noGrp="1"/>
-          </p:cNvSpPr>
-          <p:nvPr>
-            <p:ph type="title"/>
-          </p:nvPr>
-        </p:nvSpPr>
-        <p:spPr/>
-        <p:txBody>
-          <a:bodyPr/>
-          <a:lstStyle/>
-          <a:p>
-            <a:r>
-              <a:rPr lang="en-US" dirty="0" smtClean="0"/>
-              <a:t>28 New Elements</a:t>
-            </a:r>
-            <a:endParaRPr lang="en-US" dirty="0"/>
-          </a:p>
-        </p:txBody>
-      </p:sp>
-      <p:graphicFrame>
-        <p:nvGraphicFramePr>
-          <p:cNvPr id="7" name="Table 6"/>
-          <p:cNvGraphicFramePr>
-            <a:graphicFrameLocks noGrp="1"/>
-          </p:cNvGraphicFramePr>
-          <p:nvPr>
-            <p:extLst>
-              <p:ext uri="{D42A27DB-BD31-4B8C-83A1-F6EECF244321}">
-                <p14:modId xmlns:p14="http://schemas.microsoft.com/office/powerpoint/2010/main" val="2965944430"/>
-              </p:ext>
-            </p:extLst>
-          </p:nvPr>
-        </p:nvGraphicFramePr>
-        <p:xfrm>
-          <a:off x="1015248" y="1353312"/>
-          <a:ext cx="6874041" cy="5212080"/>
-        </p:xfrm>
-        <a:graphic>
-          <a:graphicData uri="http://schemas.openxmlformats.org/drawingml/2006/table">
-            <a:tbl>
-              <a:tblPr firstRow="1" bandRow="1">
-                <a:tableStyleId>{2D5ABB26-0587-4C30-8999-92F81FD0307C}</a:tableStyleId>
-              </a:tblPr>
-              <a:tblGrid>
-                <a:gridCol w="2291347"/>
-                <a:gridCol w="2291347"/>
-                <a:gridCol w="2291347"/>
-              </a:tblGrid>
-              <a:tr h="449342">
-                <a:tc>
-                  <a:txBody>
-                    <a:bodyPr/>
-                    <a:lstStyle/>
-                    <a:p>
-                      <a:r>
-                        <a:rPr lang="en-US" sz="3200" dirty="0" smtClean="0">
-                          <a:solidFill>
-                            <a:schemeClr val="accent1"/>
-                          </a:solidFill>
-                        </a:rPr>
-                        <a:t>article</a:t>
-                      </a:r>
-                      <a:endParaRPr lang="en-US" sz="3200" dirty="0">
-                        <a:solidFill>
-                          <a:schemeClr val="accent1"/>
-                        </a:solidFill>
-                      </a:endParaRPr>
-                    </a:p>
-                  </a:txBody>
-                  <a:tcPr marL="68598" marR="68598"/>
-                </a:tc>
-                <a:tc>
-                  <a:txBody>
-                    <a:bodyPr/>
-                    <a:lstStyle/>
-                    <a:p>
-                      <a:r>
-                        <a:rPr lang="en-US" sz="3200" dirty="0" smtClean="0">
-                          <a:solidFill>
-                            <a:schemeClr val="accent1"/>
-                          </a:solidFill>
-                        </a:rPr>
-                        <a:t>footer</a:t>
-                      </a:r>
-                      <a:endParaRPr lang="en-US" sz="3200" dirty="0">
-                        <a:solidFill>
-                          <a:schemeClr val="accent1"/>
-                        </a:solidFill>
-                      </a:endParaRPr>
-                    </a:p>
-                  </a:txBody>
-                  <a:tcPr marL="68598" marR="68598"/>
-                </a:tc>
-                <a:tc>
-                  <a:txBody>
-                    <a:bodyPr/>
-                    <a:lstStyle/>
-                    <a:p>
-                      <a:r>
-                        <a:rPr lang="en-US" sz="3200" dirty="0" smtClean="0"/>
-                        <a:t>rt</a:t>
-                      </a:r>
-                      <a:endParaRPr lang="en-US" sz="3200" dirty="0"/>
-                    </a:p>
-                  </a:txBody>
-                  <a:tcPr marL="68598" marR="68598"/>
-                </a:tc>
-              </a:tr>
-              <a:tr h="449342">
-                <a:tc>
-                  <a:txBody>
-                    <a:bodyPr/>
-                    <a:lstStyle/>
-                    <a:p>
-                      <a:r>
-                        <a:rPr lang="en-US" sz="3200" dirty="0" smtClean="0">
-                          <a:solidFill>
-                            <a:schemeClr val="accent1"/>
-                          </a:solidFill>
-                        </a:rPr>
-                        <a:t>aside</a:t>
-                      </a:r>
-                      <a:endParaRPr lang="en-US" sz="3200" dirty="0">
-                        <a:solidFill>
-                          <a:schemeClr val="accent1"/>
-                        </a:solidFill>
-                      </a:endParaRPr>
-                    </a:p>
-                  </a:txBody>
-                  <a:tcPr marL="68598" marR="68598"/>
-                </a:tc>
-                <a:tc>
-                  <a:txBody>
-                    <a:bodyPr/>
-                    <a:lstStyle/>
-                    <a:p>
-                      <a:r>
-                        <a:rPr lang="en-US" sz="3200" dirty="0" smtClean="0">
-                          <a:solidFill>
-                            <a:schemeClr val="accent1"/>
-                          </a:solidFill>
-                        </a:rPr>
-                        <a:t>header</a:t>
-                      </a:r>
-                      <a:endParaRPr lang="en-US" sz="3200" dirty="0">
-                        <a:solidFill>
-                          <a:schemeClr val="accent1"/>
-                        </a:solidFill>
-                      </a:endParaRPr>
-                    </a:p>
-                  </a:txBody>
-                  <a:tcPr marL="68598" marR="68598"/>
-                </a:tc>
-                <a:tc>
-                  <a:txBody>
-                    <a:bodyPr/>
-                    <a:lstStyle/>
-                    <a:p>
-                      <a:r>
-                        <a:rPr lang="en-US" sz="3200" dirty="0" smtClean="0"/>
-                        <a:t>ruby</a:t>
-                      </a:r>
-                      <a:endParaRPr lang="en-US" sz="3200" dirty="0"/>
-                    </a:p>
-                  </a:txBody>
-                  <a:tcPr marL="68598" marR="68598"/>
-                </a:tc>
-              </a:tr>
-              <a:tr h="449342">
-                <a:tc>
-                  <a:txBody>
-                    <a:bodyPr/>
-                    <a:lstStyle/>
-                    <a:p>
-                      <a:r>
-                        <a:rPr lang="en-US" sz="3200" dirty="0" smtClean="0">
-                          <a:solidFill>
-                            <a:schemeClr val="accent1"/>
-                          </a:solidFill>
-                        </a:rPr>
-                        <a:t>audio</a:t>
-                      </a:r>
-                      <a:endParaRPr lang="en-US" sz="3200" dirty="0">
-                        <a:solidFill>
-                          <a:schemeClr val="accent1"/>
-                        </a:solidFill>
-                      </a:endParaRPr>
-                    </a:p>
-                  </a:txBody>
-                  <a:tcPr marL="68598" marR="68598"/>
-                </a:tc>
-                <a:tc>
-                  <a:txBody>
-                    <a:bodyPr/>
-                    <a:lstStyle/>
-                    <a:p>
-                      <a:r>
-                        <a:rPr lang="en-US" sz="3200" dirty="0" smtClean="0"/>
-                        <a:t>hgroup</a:t>
-                      </a:r>
-                      <a:endParaRPr lang="en-US" sz="3200" dirty="0"/>
-                    </a:p>
-                  </a:txBody>
-                  <a:tcPr marL="68598" marR="68598"/>
-                </a:tc>
-                <a:tc>
-                  <a:txBody>
-                    <a:bodyPr/>
-                    <a:lstStyle/>
-                    <a:p>
-                      <a:r>
-                        <a:rPr lang="en-US" sz="3200" dirty="0" smtClean="0">
-                          <a:solidFill>
-                            <a:schemeClr val="accent1"/>
-                          </a:solidFill>
-                        </a:rPr>
-                        <a:t>section</a:t>
-                      </a:r>
-                      <a:endParaRPr lang="en-US" sz="3200" dirty="0">
-                        <a:solidFill>
-                          <a:schemeClr val="accent1"/>
-                        </a:solidFill>
-                      </a:endParaRPr>
-                    </a:p>
-                  </a:txBody>
-                  <a:tcPr marL="68598" marR="68598"/>
-                </a:tc>
-              </a:tr>
-              <a:tr h="449342">
-                <a:tc>
-                  <a:txBody>
-                    <a:bodyPr/>
-                    <a:lstStyle/>
-                    <a:p>
-                      <a:r>
-                        <a:rPr lang="en-US" sz="3200" dirty="0" smtClean="0">
-                          <a:solidFill>
-                            <a:schemeClr val="accent1"/>
-                          </a:solidFill>
-                        </a:rPr>
-                        <a:t>canvas</a:t>
-                      </a:r>
-                      <a:endParaRPr lang="en-US" sz="3200" dirty="0">
-                        <a:solidFill>
-                          <a:schemeClr val="accent1"/>
-                        </a:solidFill>
-                      </a:endParaRPr>
-                    </a:p>
-                  </a:txBody>
-                  <a:tcPr marL="68598" marR="68598"/>
-                </a:tc>
-                <a:tc>
-                  <a:txBody>
-                    <a:bodyPr/>
-                    <a:lstStyle/>
-                    <a:p>
-                      <a:r>
-                        <a:rPr lang="en-US" sz="3200" dirty="0" smtClean="0"/>
-                        <a:t>keygen</a:t>
-                      </a:r>
-                      <a:endParaRPr lang="en-US" sz="3200" dirty="0"/>
-                    </a:p>
-                  </a:txBody>
-                  <a:tcPr marL="68598" marR="68598"/>
-                </a:tc>
-                <a:tc>
-                  <a:txBody>
-                    <a:bodyPr/>
-                    <a:lstStyle/>
-                    <a:p>
-                      <a:r>
-                        <a:rPr lang="en-US" sz="3200" dirty="0" smtClean="0"/>
-                        <a:t>source</a:t>
-                      </a:r>
-                      <a:endParaRPr lang="en-US" sz="3200" dirty="0"/>
-                    </a:p>
-                  </a:txBody>
-                  <a:tcPr marL="68598" marR="68598"/>
-                </a:tc>
-              </a:tr>
-              <a:tr h="449342">
-                <a:tc>
-                  <a:txBody>
-                    <a:bodyPr/>
-                    <a:lstStyle/>
-                    <a:p>
-                      <a:r>
-                        <a:rPr lang="en-US" sz="3200" dirty="0" smtClean="0"/>
-                        <a:t>command</a:t>
-                      </a:r>
-                      <a:endParaRPr lang="en-US" sz="3200" dirty="0"/>
-                    </a:p>
-                  </a:txBody>
-                  <a:tcPr marL="68598" marR="68598"/>
-                </a:tc>
-                <a:tc>
-                  <a:txBody>
-                    <a:bodyPr/>
-                    <a:lstStyle/>
-                    <a:p>
-                      <a:r>
-                        <a:rPr lang="en-US" sz="3200" dirty="0" smtClean="0">
-                          <a:solidFill>
-                            <a:schemeClr val="accent1"/>
-                          </a:solidFill>
-                        </a:rPr>
-                        <a:t>mark</a:t>
-                      </a:r>
-                      <a:endParaRPr lang="en-US" sz="3200" dirty="0">
-                        <a:solidFill>
-                          <a:schemeClr val="accent1"/>
-                        </a:solidFill>
-                      </a:endParaRPr>
-                    </a:p>
-                  </a:txBody>
-                  <a:tcPr marL="68598" marR="68598"/>
-                </a:tc>
-                <a:tc>
-                  <a:txBody>
-                    <a:bodyPr/>
-                    <a:lstStyle/>
-                    <a:p>
-                      <a:r>
-                        <a:rPr lang="en-US" sz="3200" dirty="0" smtClean="0"/>
-                        <a:t>summary</a:t>
-                      </a:r>
-                      <a:endParaRPr lang="en-US" sz="3200" dirty="0"/>
-                    </a:p>
-                  </a:txBody>
-                  <a:tcPr marL="68598" marR="68598"/>
-                </a:tc>
-              </a:tr>
-              <a:tr h="449342">
-                <a:tc>
-                  <a:txBody>
-                    <a:bodyPr/>
-                    <a:lstStyle/>
-                    <a:p>
-                      <a:r>
-                        <a:rPr lang="en-US" sz="3200" dirty="0" smtClean="0"/>
-                        <a:t>datalist</a:t>
-                      </a:r>
-                      <a:endParaRPr lang="en-US" sz="3200" dirty="0"/>
-                    </a:p>
-                  </a:txBody>
-                  <a:tcPr marL="68598" marR="68598"/>
-                </a:tc>
-                <a:tc>
-                  <a:txBody>
-                    <a:bodyPr/>
-                    <a:lstStyle/>
-                    <a:p>
-                      <a:r>
-                        <a:rPr lang="en-US" sz="3200" dirty="0" smtClean="0"/>
-                        <a:t>meter</a:t>
-                      </a:r>
-                      <a:endParaRPr lang="en-US" sz="3200" dirty="0"/>
-                    </a:p>
-                  </a:txBody>
-                  <a:tcPr marL="68598" marR="68598"/>
-                </a:tc>
-                <a:tc>
-                  <a:txBody>
-                    <a:bodyPr/>
-                    <a:lstStyle/>
-                    <a:p>
-                      <a:r>
-                        <a:rPr lang="en-US" sz="3200" dirty="0" smtClean="0">
-                          <a:solidFill>
-                            <a:schemeClr val="accent1"/>
-                          </a:solidFill>
-                        </a:rPr>
-                        <a:t>time</a:t>
-                      </a:r>
-                      <a:endParaRPr lang="en-US" sz="3200" dirty="0">
-                        <a:solidFill>
-                          <a:schemeClr val="accent1"/>
-                        </a:solidFill>
-                      </a:endParaRPr>
-                    </a:p>
-                  </a:txBody>
-                  <a:tcPr marL="68598" marR="68598"/>
-                </a:tc>
-              </a:tr>
-              <a:tr h="449342">
-                <a:tc>
-                  <a:txBody>
-                    <a:bodyPr/>
-                    <a:lstStyle/>
-                    <a:p>
-                      <a:r>
-                        <a:rPr lang="en-US" sz="3200" dirty="0" smtClean="0"/>
-                        <a:t>embed</a:t>
-                      </a:r>
-                      <a:endParaRPr lang="en-US" sz="3200" dirty="0"/>
-                    </a:p>
-                  </a:txBody>
-                  <a:tcPr marL="68598" marR="68598"/>
-                </a:tc>
-                <a:tc>
-                  <a:txBody>
-                    <a:bodyPr/>
-                    <a:lstStyle/>
-                    <a:p>
-                      <a:r>
-                        <a:rPr lang="en-US" sz="3200" dirty="0" smtClean="0"/>
-                        <a:t>output</a:t>
-                      </a:r>
-                      <a:endParaRPr lang="en-US" sz="3200" dirty="0"/>
-                    </a:p>
-                  </a:txBody>
-                  <a:tcPr marL="68598" marR="68598"/>
-                </a:tc>
-                <a:tc>
-                  <a:txBody>
-                    <a:bodyPr/>
-                    <a:lstStyle/>
-                    <a:p>
-                      <a:r>
-                        <a:rPr lang="en-US" sz="3200" dirty="0" smtClean="0"/>
-                        <a:t>wbr</a:t>
-                      </a:r>
-                      <a:endParaRPr lang="en-US" sz="3200" dirty="0"/>
-                    </a:p>
-                  </a:txBody>
-                  <a:tcPr marL="68598" marR="68598"/>
-                </a:tc>
-              </a:tr>
-              <a:tr h="449342">
-                <a:tc>
-                  <a:txBody>
-                    <a:bodyPr/>
-                    <a:lstStyle/>
-                    <a:p>
-                      <a:r>
-                        <a:rPr lang="en-US" sz="3200" dirty="0" smtClean="0">
-                          <a:solidFill>
-                            <a:schemeClr val="accent1"/>
-                          </a:solidFill>
-                        </a:rPr>
-                        <a:t>figcaption</a:t>
-                      </a:r>
-                      <a:endParaRPr lang="en-US" sz="3200" dirty="0">
-                        <a:solidFill>
-                          <a:schemeClr val="accent1"/>
-                        </a:solidFill>
-                      </a:endParaRPr>
-                    </a:p>
-                  </a:txBody>
-                  <a:tcPr marL="68598" marR="68598"/>
-                </a:tc>
-                <a:tc>
-                  <a:txBody>
-                    <a:bodyPr/>
-                    <a:lstStyle/>
-                    <a:p>
-                      <a:r>
-                        <a:rPr lang="en-US" sz="3200" dirty="0" smtClean="0"/>
-                        <a:t>progress</a:t>
-                      </a:r>
-                      <a:endParaRPr lang="en-US" sz="3200" dirty="0"/>
-                    </a:p>
-                  </a:txBody>
-                  <a:tcPr marL="68598" marR="68598"/>
-                </a:tc>
-                <a:tc>
-                  <a:txBody>
-                    <a:bodyPr/>
-                    <a:lstStyle/>
-                    <a:p>
-                      <a:endParaRPr lang="en-US" sz="3200" dirty="0"/>
-                    </a:p>
-                  </a:txBody>
-                  <a:tcPr marL="68598" marR="68598"/>
-                </a:tc>
-              </a:tr>
-              <a:tr h="449342">
-                <a:tc>
-                  <a:txBody>
-                    <a:bodyPr/>
-                    <a:lstStyle/>
-                    <a:p>
-                      <a:r>
-                        <a:rPr lang="en-US" sz="3200" dirty="0" smtClean="0">
-                          <a:solidFill>
-                            <a:schemeClr val="accent1"/>
-                          </a:solidFill>
-                        </a:rPr>
-                        <a:t>figure</a:t>
-                      </a:r>
-                      <a:endParaRPr lang="en-US" sz="3200" dirty="0">
-                        <a:solidFill>
-                          <a:schemeClr val="accent1"/>
-                        </a:solidFill>
-                      </a:endParaRPr>
-                    </a:p>
-                  </a:txBody>
-                  <a:tcPr marL="68598" marR="68598"/>
-                </a:tc>
-                <a:tc>
-                  <a:txBody>
-                    <a:bodyPr/>
-                    <a:lstStyle/>
-                    <a:p>
-                      <a:r>
-                        <a:rPr lang="en-US" sz="3200" dirty="0" smtClean="0"/>
-                        <a:t>rp</a:t>
-                      </a:r>
-                      <a:endParaRPr lang="en-US" sz="3200" dirty="0"/>
-                    </a:p>
-                  </a:txBody>
-                  <a:tcPr marL="68598" marR="68598"/>
-                </a:tc>
-                <a:tc>
-                  <a:txBody>
-                    <a:bodyPr/>
-                    <a:lstStyle/>
-                    <a:p>
-                      <a:endParaRPr lang="en-US" sz="3200" dirty="0"/>
-                    </a:p>
-                  </a:txBody>
-                  <a:tcPr marL="68598" marR="68598"/>
-                </a:tc>
-              </a:tr>
-            </a:tbl>
-          </a:graphicData>
-        </a:graphic>
-      </p:graphicFrame>
-    </p:spTree>
-    <p:extLst>
-      <p:ext uri="{BB962C8B-B14F-4D97-AF65-F5344CB8AC3E}">
-        <p14:creationId xmlns:p14="http://schemas.microsoft.com/office/powerpoint/2010/main" val="3239227800"/>
-      </p:ext>
-    </p:extLst>
-  </p:cSld>
-  <p:clrMapOvr>
-    <a:masterClrMapping/>
-  </p:clrMapOvr>
-  <p:transition xmlns:p14="http://schemas.microsoft.com/office/powerpoint/2010/main">
-    <p:fade/>
-  </p:transition>
-  <p:timing>
-    <p:tnLst>
-      <p:par>
-        <p:cTn xmlns:p14="http://schemas.microsoft.com/office/powerpoint/2010/main" id="1" dur="indefinite" restart="never" nodeType="tmRoot">
-          <p:childTnLst>
-            <p:seq concurrent="1" nextAc="seek">
-              <p:cTn id="2" dur="indefinite" nodeType="mainSeq">
-                <p:childTnLst>
-                  <p:par>
-                    <p:cTn id="3" fill="hold">
-                      <p:stCondLst>
-                        <p:cond delay="indefinite"/>
-                      </p:stCondLst>
-                      <p:childTnLst>
-                        <p:par>
-                          <p:cTn id="4" fill="hold">
-                            <p:stCondLst>
-                              <p:cond delay="0"/>
-                            </p:stCondLst>
-                            <p:childTnLst>
-                              <p:par>
-                                <p:cTn id="5" presetID="10" presetClass="entr" presetSubtype="0" fill="hold" nodeType="clickEffect">
-                                  <p:stCondLst>
-                                    <p:cond delay="0"/>
-                                  </p:stCondLst>
-                                  <p:childTnLst>
-                                    <p:set>
-                                      <p:cBhvr>
-                                        <p:cTn id="6" dur="1" fill="hold">
-                                          <p:stCondLst>
-                                            <p:cond delay="0"/>
-                                          </p:stCondLst>
-                                        </p:cTn>
-                                        <p:tgtEl>
-                                          <p:spTgt spid="7"/>
-                                        </p:tgtEl>
-                                        <p:attrNameLst>
-                                          <p:attrName>style.visibility</p:attrName>
-                                        </p:attrNameLst>
-                                      </p:cBhvr>
-                                      <p:to>
-                                        <p:strVal val="visible"/>
-                                      </p:to>
-                                    </p:set>
-                                    <p:animEffect transition="in" filter="fade">
-                                      <p:cBhvr>
-                                        <p:cTn id="7" dur="500"/>
-                                        <p:tgtEl>
-                                          <p:spTgt spid="7"/>
-                                        </p:tgtEl>
-                                      </p:cBhvr>
-                                    </p:animEffect>
-                                  </p:childTnLst>
-                                </p:cTn>
-                              </p:par>
-                            </p:childTnLst>
-                          </p:cTn>
-                        </p:par>
-                      </p:childTnLst>
-                    </p:cTn>
-                  </p:par>
-                </p:childTnLst>
-              </p:cTn>
-              <p:prevCondLst>
-                <p:cond evt="onPrev" delay="0">
-                  <p:tgtEl>
-                    <p:sldTgt/>
-                  </p:tgtEl>
-                </p:cond>
-              </p:prevCondLst>
-              <p:nextCondLst>
-                <p:cond evt="onNext" delay="0">
-                  <p:tgtEl>
-                    <p:sldTgt/>
-                  </p:tgtEl>
-                </p:cond>
-              </p:nextCondLst>
-            </p:seq>
-          </p:childTnLst>
-        </p:cTn>
-      </p:par>
-    </p:tnLst>
-  </p:timing>
-</p:sld>
-</file>
-
-<file path=ppt/slides/slide8.xml><?xml version="1.0" encoding="utf-8"?>
 <p:sld xmlns:a="http://schemas.openxmlformats.org/drawingml/2006/main" xmlns:r="http://schemas.openxmlformats.org/officeDocument/2006/relationships" xmlns:p="http://schemas.openxmlformats.org/presentationml/2006/main">
   <p:cSld>
     <p:spTree>
@@ -22227,7 +19434,7 @@
 </p:sld>
 </file>
 
-<file path=ppt/slides/slide9.xml><?xml version="1.0" encoding="utf-8"?>
+<file path=ppt/slides/slide7.xml><?xml version="1.0" encoding="utf-8"?>
 <p:sld xmlns:a="http://schemas.openxmlformats.org/drawingml/2006/main" xmlns:r="http://schemas.openxmlformats.org/officeDocument/2006/relationships" xmlns:p="http://schemas.openxmlformats.org/presentationml/2006/main">
   <p:cSld>
     <p:spTree>
@@ -22284,7 +19491,11 @@
           <a:p>
             <a:r>
               <a:rPr lang="en-US" dirty="0" smtClean="0"/>
-              <a:t>Semantic Markup</a:t>
+              <a:t>Border</a:t>
+            </a:r>
+            <a:r>
+              <a:rPr lang="en-US" smtClean="0"/>
+              <a:t>-Radius</a:t>
             </a:r>
             <a:endParaRPr lang="en-US" dirty="0"/>
           </a:p>
@@ -22313,6 +19524,556 @@
     <p:extLst>
       <p:ext uri="{BB962C8B-B14F-4D97-AF65-F5344CB8AC3E}">
         <p14:creationId xmlns:p14="http://schemas.microsoft.com/office/powerpoint/2010/main" val="3280527337"/>
+      </p:ext>
+    </p:extLst>
+  </p:cSld>
+  <p:clrMapOvr>
+    <a:masterClrMapping/>
+  </p:clrMapOvr>
+  <p:transition xmlns:p14="http://schemas.microsoft.com/office/powerpoint/2010/main">
+    <p:fade/>
+  </p:transition>
+  <p:timing>
+    <p:tnLst>
+      <p:par>
+        <p:cTn xmlns:p14="http://schemas.microsoft.com/office/powerpoint/2010/main" id="1" dur="indefinite" restart="never" nodeType="tmRoot"/>
+      </p:par>
+    </p:tnLst>
+  </p:timing>
+</p:sld>
+</file>
+
+<file path=ppt/slides/slide8.xml><?xml version="1.0" encoding="utf-8"?>
+<p:sld xmlns:a="http://schemas.openxmlformats.org/drawingml/2006/main" xmlns:r="http://schemas.openxmlformats.org/officeDocument/2006/relationships" xmlns:p="http://schemas.openxmlformats.org/presentationml/2006/main">
+  <p:cSld>
+    <p:spTree>
+      <p:nvGrpSpPr>
+        <p:cNvPr id="1" name=""/>
+        <p:cNvGrpSpPr/>
+        <p:nvPr/>
+      </p:nvGrpSpPr>
+      <p:grpSpPr>
+        <a:xfrm>
+          <a:off x="0" y="0"/>
+          <a:ext cx="0" cy="0"/>
+          <a:chOff x="0" y="0"/>
+          <a:chExt cx="0" cy="0"/>
+        </a:xfrm>
+      </p:grpSpPr>
+      <p:sp>
+        <p:nvSpPr>
+          <p:cNvPr id="3" name="Title 2"/>
+          <p:cNvSpPr>
+            <a:spLocks noGrp="1"/>
+          </p:cNvSpPr>
+          <p:nvPr>
+            <p:ph type="ctrTitle"/>
+          </p:nvPr>
+        </p:nvSpPr>
+        <p:spPr/>
+        <p:txBody>
+          <a:bodyPr/>
+          <a:lstStyle/>
+          <a:p>
+            <a:r>
+              <a:rPr lang="en-US" sz="6000" dirty="0" smtClean="0"/>
+              <a:t>Audio and Video</a:t>
+            </a:r>
+            <a:r>
+              <a:rPr lang="en-US" sz="6000" baseline="30000" dirty="0"/>
+              <a:t>*</a:t>
+            </a:r>
+            <a:endParaRPr lang="en-US" sz="6000" dirty="0"/>
+          </a:p>
+        </p:txBody>
+      </p:sp>
+      <p:sp>
+        <p:nvSpPr>
+          <p:cNvPr id="5" name="Subtitle 4"/>
+          <p:cNvSpPr>
+            <a:spLocks noGrp="1"/>
+          </p:cNvSpPr>
+          <p:nvPr>
+            <p:ph type="subTitle" idx="1"/>
+          </p:nvPr>
+        </p:nvSpPr>
+        <p:spPr/>
+        <p:txBody>
+          <a:bodyPr/>
+          <a:lstStyle/>
+          <a:p>
+            <a:r>
+              <a:rPr lang="en-US" dirty="0">
+                <a:solidFill>
+                  <a:schemeClr val="accent1">
+                    <a:alpha val="99000"/>
+                  </a:schemeClr>
+                </a:solidFill>
+              </a:rPr>
+              <a:t>*Media without Plugins, but lots of Codecs</a:t>
+            </a:r>
+          </a:p>
+        </p:txBody>
+      </p:sp>
+    </p:spTree>
+    <p:extLst>
+      <p:ext uri="{BB962C8B-B14F-4D97-AF65-F5344CB8AC3E}">
+        <p14:creationId xmlns:p14="http://schemas.microsoft.com/office/powerpoint/2010/main" val="1609187189"/>
+      </p:ext>
+    </p:extLst>
+  </p:cSld>
+  <p:clrMapOvr>
+    <a:masterClrMapping/>
+  </p:clrMapOvr>
+  <p:transition xmlns:p14="http://schemas.microsoft.com/office/powerpoint/2010/main">
+    <p:fade/>
+  </p:transition>
+  <p:timing>
+    <p:tnLst>
+      <p:par>
+        <p:cTn xmlns:p14="http://schemas.microsoft.com/office/powerpoint/2010/main" id="1" dur="indefinite" restart="never" nodeType="tmRoot"/>
+      </p:par>
+    </p:tnLst>
+  </p:timing>
+</p:sld>
+</file>
+
+<file path=ppt/slides/slide9.xml><?xml version="1.0" encoding="utf-8"?>
+<p:sld xmlns:a="http://schemas.openxmlformats.org/drawingml/2006/main" xmlns:r="http://schemas.openxmlformats.org/officeDocument/2006/relationships" xmlns:p="http://schemas.openxmlformats.org/presentationml/2006/main">
+  <p:cSld>
+    <p:spTree>
+      <p:nvGrpSpPr>
+        <p:cNvPr id="1" name=""/>
+        <p:cNvGrpSpPr/>
+        <p:nvPr/>
+      </p:nvGrpSpPr>
+      <p:grpSpPr>
+        <a:xfrm>
+          <a:off x="0" y="0"/>
+          <a:ext cx="0" cy="0"/>
+          <a:chOff x="0" y="0"/>
+          <a:chExt cx="0" cy="0"/>
+        </a:xfrm>
+      </p:grpSpPr>
+      <p:sp>
+        <p:nvSpPr>
+          <p:cNvPr id="5" name="Title 4"/>
+          <p:cNvSpPr>
+            <a:spLocks noGrp="1"/>
+          </p:cNvSpPr>
+          <p:nvPr>
+            <p:ph type="title"/>
+          </p:nvPr>
+        </p:nvSpPr>
+        <p:spPr>
+          <a:xfrm>
+            <a:off x="389436" y="228602"/>
+            <a:ext cx="8363938" cy="451406"/>
+          </a:xfrm>
+        </p:spPr>
+        <p:txBody>
+          <a:bodyPr/>
+          <a:lstStyle/>
+          <a:p>
+            <a:r>
+              <a:rPr lang="en-US" sz="3200" dirty="0" smtClean="0"/>
+              <a:t>Media on Your Page… No Plugins Required.</a:t>
+            </a:r>
+            <a:endParaRPr lang="en-US" sz="3200" dirty="0"/>
+          </a:p>
+        </p:txBody>
+      </p:sp>
+      <p:sp>
+        <p:nvSpPr>
+          <p:cNvPr id="6" name="Text Placeholder 5"/>
+          <p:cNvSpPr>
+            <a:spLocks noGrp="1"/>
+          </p:cNvSpPr>
+          <p:nvPr>
+            <p:ph type="body" sz="quarter" idx="10"/>
+          </p:nvPr>
+        </p:nvSpPr>
+        <p:spPr>
+          <a:xfrm>
+            <a:off x="389437" y="1447801"/>
+            <a:ext cx="8363937" cy="3540456"/>
+          </a:xfrm>
+        </p:spPr>
+        <p:txBody>
+          <a:bodyPr/>
+          <a:lstStyle/>
+          <a:p>
+            <a:pPr marL="0" indent="0">
+              <a:buNone/>
+            </a:pPr>
+            <a:r>
+              <a:rPr lang="en-US" sz="2800" dirty="0">
+                <a:solidFill>
+                  <a:schemeClr val="bg1"/>
+                </a:solidFill>
+              </a:rPr>
+              <a:t>&lt;</a:t>
+            </a:r>
+            <a:r>
+              <a:rPr lang="en-US" sz="2800" b="1" dirty="0">
+                <a:solidFill>
+                  <a:srgbClr val="800000"/>
+                </a:solidFill>
+                <a:effectLst>
+                  <a:outerShdw blurRad="38100" dist="38100" dir="2700000" algn="tl">
+                    <a:srgbClr val="000000">
+                      <a:alpha val="43137"/>
+                    </a:srgbClr>
+                  </a:outerShdw>
+                </a:effectLst>
+              </a:rPr>
+              <a:t>video</a:t>
+            </a:r>
+            <a:r>
+              <a:rPr lang="en-US" sz="2800" dirty="0">
+                <a:solidFill>
+                  <a:srgbClr val="800000"/>
+                </a:solidFill>
+                <a:effectLst>
+                  <a:outerShdw blurRad="38100" dist="38100" dir="2700000" algn="tl">
+                    <a:srgbClr val="000000">
+                      <a:alpha val="43137"/>
+                    </a:srgbClr>
+                  </a:outerShdw>
+                </a:effectLst>
+              </a:rPr>
+              <a:t> </a:t>
+            </a:r>
+            <a:r>
+              <a:rPr lang="en-US" sz="2800" dirty="0">
+                <a:solidFill>
+                  <a:schemeClr val="bg1"/>
+                </a:solidFill>
+              </a:rPr>
+              <a:t>id</a:t>
+            </a:r>
+            <a:r>
+              <a:rPr lang="en-US" sz="2800" dirty="0" smtClean="0">
+                <a:solidFill>
+                  <a:schemeClr val="bg1"/>
+                </a:solidFill>
+              </a:rPr>
+              <a:t>=“video</a:t>
+            </a:r>
+            <a:r>
+              <a:rPr lang="en-US" sz="2800" dirty="0">
+                <a:solidFill>
+                  <a:schemeClr val="bg1"/>
+                </a:solidFill>
+              </a:rPr>
+              <a:t>" </a:t>
+            </a:r>
+            <a:r>
+              <a:rPr lang="en-US" sz="2800" b="1" dirty="0" smtClean="0">
+                <a:solidFill>
+                  <a:srgbClr val="800000"/>
+                </a:solidFill>
+                <a:effectLst>
+                  <a:outerShdw blurRad="38100" dist="38100" dir="2700000" algn="tl">
+                    <a:srgbClr val="000000">
+                      <a:alpha val="43137"/>
+                    </a:srgbClr>
+                  </a:outerShdw>
+                </a:effectLst>
+              </a:rPr>
+              <a:t>controls autoplay</a:t>
+            </a:r>
+            <a:r>
+              <a:rPr lang="en-US" sz="2800" dirty="0" smtClean="0">
+                <a:solidFill>
+                  <a:schemeClr val="bg1"/>
+                </a:solidFill>
+              </a:rPr>
+              <a:t>&gt;</a:t>
+            </a:r>
+            <a:endParaRPr lang="en-US" sz="2800" dirty="0">
+              <a:solidFill>
+                <a:schemeClr val="bg1"/>
+              </a:solidFill>
+            </a:endParaRPr>
+          </a:p>
+          <a:p>
+            <a:pPr marL="0" indent="0">
+              <a:buNone/>
+            </a:pPr>
+            <a:r>
+              <a:rPr lang="en-US" sz="2800" dirty="0" smtClean="0">
+                <a:solidFill>
+                  <a:schemeClr val="bg1"/>
+                </a:solidFill>
+              </a:rPr>
+              <a:t>   &lt;</a:t>
+            </a:r>
+            <a:r>
+              <a:rPr lang="en-US" sz="2800" dirty="0">
+                <a:solidFill>
+                  <a:schemeClr val="bg1"/>
+                </a:solidFill>
+              </a:rPr>
+              <a:t>source src</a:t>
+            </a:r>
+            <a:r>
+              <a:rPr lang="en-US" sz="2800" dirty="0" smtClean="0">
+                <a:solidFill>
+                  <a:schemeClr val="bg1"/>
+                </a:solidFill>
+              </a:rPr>
+              <a:t>="video.mp4</a:t>
+            </a:r>
+            <a:r>
+              <a:rPr lang="en-US" sz="2800" dirty="0">
+                <a:solidFill>
+                  <a:schemeClr val="bg1"/>
+                </a:solidFill>
+              </a:rPr>
+              <a:t>" type="</a:t>
+            </a:r>
+            <a:r>
+              <a:rPr lang="en-US" sz="2800" dirty="0" smtClean="0">
+                <a:solidFill>
+                  <a:schemeClr val="bg1"/>
+                </a:solidFill>
+              </a:rPr>
+              <a:t>video/mp4“ /&gt;</a:t>
+            </a:r>
+            <a:endParaRPr lang="en-US" sz="2800" dirty="0">
+              <a:solidFill>
+                <a:schemeClr val="bg1"/>
+              </a:solidFill>
+            </a:endParaRPr>
+          </a:p>
+          <a:p>
+            <a:pPr marL="0" indent="0">
+              <a:buNone/>
+            </a:pPr>
+            <a:r>
+              <a:rPr lang="en-US" sz="2800" dirty="0" smtClean="0">
+                <a:solidFill>
+                  <a:schemeClr val="bg1"/>
+                </a:solidFill>
+              </a:rPr>
+              <a:t>&lt;/</a:t>
+            </a:r>
+            <a:r>
+              <a:rPr lang="en-US" sz="2800" dirty="0">
+                <a:solidFill>
+                  <a:schemeClr val="bg1"/>
+                </a:solidFill>
+              </a:rPr>
+              <a:t>video</a:t>
+            </a:r>
+            <a:r>
+              <a:rPr lang="en-US" sz="2800" dirty="0" smtClean="0">
+                <a:solidFill>
+                  <a:schemeClr val="bg1"/>
+                </a:solidFill>
+              </a:rPr>
+              <a:t>&gt;</a:t>
+            </a:r>
+          </a:p>
+          <a:p>
+            <a:pPr marL="0" indent="0">
+              <a:buNone/>
+            </a:pPr>
+            <a:r>
+              <a:rPr lang="en-US" sz="2800" dirty="0">
+                <a:solidFill>
+                  <a:schemeClr val="bg1"/>
+                </a:solidFill>
+              </a:rPr>
+              <a:t>document.getElementById("video").</a:t>
+            </a:r>
+            <a:r>
+              <a:rPr lang="en-US" sz="2800" b="1" dirty="0">
+                <a:solidFill>
+                  <a:srgbClr val="800000"/>
+                </a:solidFill>
+                <a:effectLst>
+                  <a:outerShdw blurRad="38100" dist="38100" dir="2700000" algn="tl">
+                    <a:srgbClr val="000000">
+                      <a:alpha val="43137"/>
+                    </a:srgbClr>
+                  </a:outerShdw>
+                </a:effectLst>
+              </a:rPr>
+              <a:t>play</a:t>
+            </a:r>
+            <a:r>
+              <a:rPr lang="en-US" sz="2800" dirty="0" smtClean="0">
+                <a:solidFill>
+                  <a:schemeClr val="bg1"/>
+                </a:solidFill>
+              </a:rPr>
+              <a:t>();</a:t>
+            </a:r>
+          </a:p>
+          <a:p>
+            <a:pPr marL="0" indent="0">
+              <a:buNone/>
+            </a:pPr>
+            <a:endParaRPr lang="en-US" sz="2800" dirty="0">
+              <a:solidFill>
+                <a:schemeClr val="bg1"/>
+              </a:solidFill>
+            </a:endParaRPr>
+          </a:p>
+          <a:p>
+            <a:pPr marL="0" indent="0">
+              <a:buNone/>
+            </a:pPr>
+            <a:r>
+              <a:rPr lang="en-US" sz="2800" dirty="0">
+                <a:solidFill>
+                  <a:schemeClr val="bg1"/>
+                </a:solidFill>
+              </a:rPr>
+              <a:t>&lt;</a:t>
+            </a:r>
+            <a:r>
+              <a:rPr lang="en-US" sz="2800" b="1" dirty="0">
+                <a:solidFill>
+                  <a:srgbClr val="800000"/>
+                </a:solidFill>
+                <a:effectLst>
+                  <a:outerShdw blurRad="38100" dist="38100" dir="2700000" algn="tl">
+                    <a:srgbClr val="000000">
+                      <a:alpha val="43137"/>
+                    </a:srgbClr>
+                  </a:outerShdw>
+                </a:effectLst>
+              </a:rPr>
+              <a:t>audio</a:t>
+            </a:r>
+            <a:r>
+              <a:rPr lang="en-US" sz="2800" dirty="0">
+                <a:solidFill>
+                  <a:srgbClr val="800000"/>
+                </a:solidFill>
+                <a:effectLst>
+                  <a:outerShdw blurRad="38100" dist="38100" dir="2700000" algn="tl">
+                    <a:srgbClr val="000000">
+                      <a:alpha val="43137"/>
+                    </a:srgbClr>
+                  </a:outerShdw>
+                </a:effectLst>
+              </a:rPr>
+              <a:t> </a:t>
+            </a:r>
+            <a:r>
+              <a:rPr lang="en-US" sz="2800" dirty="0">
+                <a:solidFill>
+                  <a:schemeClr val="bg1"/>
+                </a:solidFill>
+              </a:rPr>
+              <a:t>id="audio" src="sound.mp3" controls&gt;&lt;/audio&gt;</a:t>
+            </a:r>
+            <a:br>
+              <a:rPr lang="en-US" sz="2800" dirty="0">
+                <a:solidFill>
+                  <a:schemeClr val="bg1"/>
+                </a:solidFill>
+              </a:rPr>
+            </a:br>
+            <a:r>
+              <a:rPr lang="en-US" sz="2800" dirty="0">
+                <a:solidFill>
+                  <a:schemeClr val="bg1"/>
+                </a:solidFill>
+              </a:rPr>
+              <a:t>document.getElementById("audio").</a:t>
+            </a:r>
+            <a:r>
+              <a:rPr lang="en-US" sz="2800" b="1" dirty="0">
+                <a:solidFill>
+                  <a:srgbClr val="800000"/>
+                </a:solidFill>
+                <a:effectLst>
+                  <a:outerShdw blurRad="38100" dist="38100" dir="2700000" algn="tl">
+                    <a:srgbClr val="000000">
+                      <a:alpha val="43137"/>
+                    </a:srgbClr>
+                  </a:outerShdw>
+                </a:effectLst>
+              </a:rPr>
+              <a:t>muted</a:t>
+            </a:r>
+            <a:r>
+              <a:rPr lang="en-US" sz="2800" dirty="0">
+                <a:solidFill>
+                  <a:srgbClr val="800000"/>
+                </a:solidFill>
+              </a:rPr>
+              <a:t> </a:t>
+            </a:r>
+            <a:r>
+              <a:rPr lang="en-US" sz="2800" dirty="0">
+                <a:solidFill>
+                  <a:schemeClr val="bg1"/>
+                </a:solidFill>
+              </a:rPr>
+              <a:t>= false;</a:t>
+            </a:r>
+          </a:p>
+        </p:txBody>
+      </p:sp>
+      <p:pic>
+        <p:nvPicPr>
+          <p:cNvPr id="2052" name="Picture 4" descr="C:\Users\brsatrom\AppData\Local\Temp\SNAGHTML472e749.PNG"/>
+          <p:cNvPicPr>
+            <a:picLocks noChangeAspect="1" noChangeArrowheads="1"/>
+          </p:cNvPicPr>
+          <p:nvPr/>
+        </p:nvPicPr>
+        <p:blipFill rotWithShape="1">
+          <a:blip r:embed="rId3">
+            <a:biLevel thresh="50000"/>
+            <a:extLst>
+              <a:ext uri="{BEBA8EAE-BF5A-486C-A8C5-ECC9F3942E4B}">
+                <a14:imgProps xmlns:a14="http://schemas.microsoft.com/office/drawing/2010/main">
+                  <a14:imgLayer r:embed="rId4">
+                    <a14:imgEffect>
+                      <a14:colorTemperature colorTemp="4700"/>
+                    </a14:imgEffect>
+                  </a14:imgLayer>
+                </a14:imgProps>
+              </a:ext>
+              <a:ext uri="{28A0092B-C50C-407E-A947-70E740481C1C}">
+                <a14:useLocalDpi xmlns:a14="http://schemas.microsoft.com/office/drawing/2010/main" val="0"/>
+              </a:ext>
+            </a:extLst>
+          </a:blip>
+          <a:srcRect l="1512" t="11862" r="2221" b="12524"/>
+          <a:stretch/>
+        </p:blipFill>
+        <p:spPr bwMode="auto">
+          <a:xfrm>
+            <a:off x="970008" y="5602811"/>
+            <a:ext cx="5285478" cy="558148"/>
+          </a:xfrm>
+          <a:prstGeom prst="rect">
+            <a:avLst/>
+          </a:prstGeom>
+          <a:noFill/>
+          <a:extLst>
+            <a:ext uri="{909E8E84-426E-40dd-AFC4-6F175D3DCCD1}">
+              <a14:hiddenFill xmlns:a14="http://schemas.microsoft.com/office/drawing/2010/main">
+                <a:solidFill>
+                  <a:srgbClr val="FFFFFF"/>
+                </a:solidFill>
+              </a14:hiddenFill>
+            </a:ext>
+          </a:extLst>
+        </p:spPr>
+      </p:pic>
+    </p:spTree>
+    <p:extLst>
+      <p:ext uri="{BB962C8B-B14F-4D97-AF65-F5344CB8AC3E}">
+        <p14:creationId xmlns:p14="http://schemas.microsoft.com/office/powerpoint/2010/main" val="3745125809"/>
       </p:ext>
     </p:extLst>
   </p:cSld>

--- a/3- CSS3/CSS3.pptx
+++ b/3- CSS3/CSS3.pptx
@@ -8,7 +8,7 @@
     <p:sldMasterId id="2147483702" r:id="rId4"/>
   </p:sldMasterIdLst>
   <p:notesMasterIdLst>
-    <p:notesMasterId r:id="rId29"/>
+    <p:notesMasterId r:id="rId36"/>
   </p:notesMasterIdLst>
   <p:sldIdLst>
     <p:sldId id="256" r:id="rId5"/>
@@ -21,20 +21,27 @@
     <p:sldId id="277" r:id="rId12"/>
     <p:sldId id="278" r:id="rId13"/>
     <p:sldId id="283" r:id="rId14"/>
-    <p:sldId id="279" r:id="rId15"/>
-    <p:sldId id="267" r:id="rId16"/>
-    <p:sldId id="287" r:id="rId17"/>
-    <p:sldId id="282" r:id="rId18"/>
-    <p:sldId id="268" r:id="rId19"/>
-    <p:sldId id="286" r:id="rId20"/>
-    <p:sldId id="281" r:id="rId21"/>
-    <p:sldId id="285" r:id="rId22"/>
-    <p:sldId id="269" r:id="rId23"/>
-    <p:sldId id="275" r:id="rId24"/>
-    <p:sldId id="280" r:id="rId25"/>
-    <p:sldId id="276" r:id="rId26"/>
-    <p:sldId id="263" r:id="rId27"/>
-    <p:sldId id="264" r:id="rId28"/>
+    <p:sldId id="288" r:id="rId15"/>
+    <p:sldId id="289" r:id="rId16"/>
+    <p:sldId id="290" r:id="rId17"/>
+    <p:sldId id="267" r:id="rId18"/>
+    <p:sldId id="287" r:id="rId19"/>
+    <p:sldId id="282" r:id="rId20"/>
+    <p:sldId id="279" r:id="rId21"/>
+    <p:sldId id="268" r:id="rId22"/>
+    <p:sldId id="286" r:id="rId23"/>
+    <p:sldId id="281" r:id="rId24"/>
+    <p:sldId id="285" r:id="rId25"/>
+    <p:sldId id="269" r:id="rId26"/>
+    <p:sldId id="275" r:id="rId27"/>
+    <p:sldId id="280" r:id="rId28"/>
+    <p:sldId id="276" r:id="rId29"/>
+    <p:sldId id="291" r:id="rId30"/>
+    <p:sldId id="292" r:id="rId31"/>
+    <p:sldId id="293" r:id="rId32"/>
+    <p:sldId id="294" r:id="rId33"/>
+    <p:sldId id="263" r:id="rId34"/>
+    <p:sldId id="264" r:id="rId35"/>
   </p:sldIdLst>
   <p:sldSz cx="9144000" cy="6858000" type="screen4x3"/>
   <p:notesSz cx="6858000" cy="9144000"/>
@@ -623,28 +630,6 @@
           <a:bodyPr/>
           <a:lstStyle/>
           <a:p>
-            <a:r>
-              <a:rPr lang="en-US" baseline="0" dirty="0" smtClean="0"/>
-              <a:t>SVG is an older graphics specification, but a powerful one. SVG, or Scalable Vector Graphics, is actually a family of specifications around providing an XML-based file-format for two-dimensional vector graphics. </a:t>
-            </a:r>
-          </a:p>
-          <a:p>
-            <a:endParaRPr lang="en-US" baseline="0" dirty="0" smtClean="0"/>
-          </a:p>
-          <a:p>
-            <a:r>
-              <a:rPr lang="en-US" baseline="0" dirty="0" smtClean="0"/>
-              <a:t>SVG can be represented as a standalone .svg file or embedded as xml into your markup. Inline SVG gives you a powerful way to work with vector graphics on you page, and because it’s markup and not a binary image, you can manipulate and style anything in the SVG element and you can use script to interact with the element, much like you do with canvas.</a:t>
-            </a:r>
-          </a:p>
-          <a:p>
-            <a:endParaRPr lang="en-US" baseline="0" dirty="0" smtClean="0"/>
-          </a:p>
-          <a:p>
-            <a:r>
-              <a:rPr lang="en-US" baseline="0" dirty="0" smtClean="0"/>
-              <a:t>[Image captured from my computer]</a:t>
-            </a:r>
             <a:endParaRPr lang="en-US" dirty="0"/>
           </a:p>
         </p:txBody>
@@ -664,19 +649,18 @@
           <a:bodyPr/>
           <a:lstStyle/>
           <a:p>
-            <a:fld id="{8B263312-38AA-4E1E-B2B5-0F8F122B24FE}" type="slidenum">
+            <a:fld id="{3CF65C51-ACD0-EB42-9E75-DB57B27F6178}" type="slidenum">
               <a:rPr lang="en-US" smtClean="0"/>
-              <a:pPr/>
-              <a:t>20</a:t>
+              <a:t>19</a:t>
             </a:fld>
-            <a:endParaRPr lang="en-US" dirty="0"/>
+            <a:endParaRPr lang="en-US"/>
           </a:p>
         </p:txBody>
       </p:sp>
     </p:spTree>
     <p:extLst>
       <p:ext uri="{BB962C8B-B14F-4D97-AF65-F5344CB8AC3E}">
-        <p14:creationId xmlns:p14="http://schemas.microsoft.com/office/powerpoint/2010/main" val="3523283065"/>
+        <p14:creationId xmlns:p14="http://schemas.microsoft.com/office/powerpoint/2010/main" val="1703694169"/>
       </p:ext>
     </p:extLst>
   </p:cSld>
@@ -730,10 +714,127 @@
           <a:bodyPr/>
           <a:lstStyle/>
           <a:p>
+            <a:pPr marL="228600" indent="-228600">
+              <a:buAutoNum type="arabicParenR"/>
+            </a:pPr>
             <a:r>
               <a:rPr lang="en-US" dirty="0" smtClean="0"/>
-              <a:t>Let’s take a look at canvas and svg in action. </a:t>
-            </a:r>
+              <a:t>Go to http://</a:t>
+            </a:r>
+            <a:r>
+              <a:rPr lang="en-US" dirty="0" err="1" smtClean="0"/>
+              <a:t>validator.nu</a:t>
+            </a:r>
+            <a:r>
+              <a:rPr lang="en-US" dirty="0" smtClean="0"/>
+              <a:t>/ and create a arbitrary</a:t>
+            </a:r>
+            <a:r>
+              <a:rPr lang="en-US" baseline="0" dirty="0" smtClean="0"/>
+              <a:t> attribute and try to validate the page</a:t>
+            </a:r>
+          </a:p>
+          <a:p>
+            <a:pPr marL="228600" indent="-228600">
+              <a:buAutoNum type="arabicParenR"/>
+            </a:pPr>
+            <a:r>
+              <a:rPr lang="en-US" baseline="0" dirty="0" smtClean="0"/>
+              <a:t>Append data- and attempt to validate again, it will work this time. </a:t>
+            </a:r>
+          </a:p>
+          <a:p>
+            <a:pPr marL="228600" indent="-228600">
+              <a:buAutoNum type="arabicParenR"/>
+            </a:pPr>
+            <a:endParaRPr lang="en-US" baseline="0" dirty="0" smtClean="0"/>
+          </a:p>
+          <a:p>
+            <a:pPr marL="228600" indent="-228600">
+              <a:buAutoNum type="arabicParenR"/>
+            </a:pPr>
+            <a:r>
+              <a:rPr lang="en-US" baseline="0" dirty="0" smtClean="0"/>
+              <a:t>Now let’s look at real-world uses of data-. </a:t>
+            </a:r>
+            <a:r>
+              <a:rPr lang="en-US" baseline="0" dirty="0" err="1" smtClean="0"/>
+              <a:t>jQuery</a:t>
+            </a:r>
+            <a:r>
+              <a:rPr lang="en-US" baseline="0" dirty="0" smtClean="0"/>
+              <a:t> mobile makes heavy use of Data- attributes, and we can take a look and how we can query these</a:t>
+            </a:r>
+          </a:p>
+          <a:p>
+            <a:pPr marL="228600" indent="-228600">
+              <a:buAutoNum type="arabicParenR"/>
+            </a:pPr>
+            <a:r>
+              <a:rPr lang="en-US" baseline="0" dirty="0" smtClean="0"/>
+              <a:t>Go to </a:t>
+            </a:r>
+            <a:r>
+              <a:rPr lang="en-US" baseline="0" dirty="0" err="1" smtClean="0"/>
+              <a:t>jQueryMobile.com</a:t>
+            </a:r>
+            <a:r>
+              <a:rPr lang="en-US" baseline="0" dirty="0" smtClean="0"/>
+              <a:t> and show the gallery</a:t>
+            </a:r>
+          </a:p>
+          <a:p>
+            <a:pPr marL="228600" indent="-228600">
+              <a:buAutoNum type="arabicParenR"/>
+            </a:pPr>
+            <a:r>
+              <a:rPr lang="en-US" baseline="0" dirty="0" smtClean="0"/>
+              <a:t>Go to http://</a:t>
+            </a:r>
+            <a:r>
+              <a:rPr lang="en-US" baseline="0" dirty="0" err="1" smtClean="0"/>
+              <a:t>www.slideshare.net</a:t>
+            </a:r>
+            <a:r>
+              <a:rPr lang="en-US" baseline="0" dirty="0" smtClean="0"/>
+              <a:t>/mobile or </a:t>
+            </a:r>
+            <a:r>
+              <a:rPr lang="en-US" baseline="0" dirty="0" err="1" smtClean="0"/>
+              <a:t>m.opentable.com</a:t>
+            </a:r>
+            <a:r>
+              <a:rPr lang="en-US" baseline="0" dirty="0" smtClean="0"/>
+              <a:t> and open the Chrome </a:t>
+            </a:r>
+            <a:r>
+              <a:rPr lang="en-US" baseline="0" dirty="0" err="1" smtClean="0"/>
+              <a:t>Dev</a:t>
+            </a:r>
+            <a:r>
+              <a:rPr lang="en-US" baseline="0" dirty="0" smtClean="0"/>
+              <a:t> tools</a:t>
+            </a:r>
+          </a:p>
+          <a:p>
+            <a:pPr marL="228600" indent="-228600">
+              <a:buAutoNum type="arabicParenR"/>
+            </a:pPr>
+            <a:r>
+              <a:rPr lang="en-US" baseline="0" dirty="0" smtClean="0"/>
+              <a:t>Open the console and select an element by ID to show working with Data-* attributes</a:t>
+            </a:r>
+          </a:p>
+          <a:p>
+            <a:pPr marL="228600" indent="-228600">
+              <a:buAutoNum type="arabicParenR"/>
+            </a:pPr>
+            <a:endParaRPr lang="en-US" baseline="0" smtClean="0"/>
+          </a:p>
+          <a:p>
+            <a:pPr marL="228600" indent="-228600">
+              <a:buAutoNum type="arabicParenR"/>
+            </a:pPr>
             <a:endParaRPr lang="en-US" dirty="0"/>
           </a:p>
         </p:txBody>
@@ -756,7 +857,355 @@
             <a:fld id="{8B263312-38AA-4E1E-B2B5-0F8F122B24FE}" type="slidenum">
               <a:rPr lang="en-US" smtClean="0"/>
               <a:pPr/>
-              <a:t>22</a:t>
+              <a:t>21</a:t>
+            </a:fld>
+            <a:endParaRPr lang="en-US" dirty="0"/>
+          </a:p>
+        </p:txBody>
+      </p:sp>
+    </p:spTree>
+    <p:extLst>
+      <p:ext uri="{BB962C8B-B14F-4D97-AF65-F5344CB8AC3E}">
+        <p14:creationId xmlns:p14="http://schemas.microsoft.com/office/powerpoint/2010/main" val="2785940683"/>
+      </p:ext>
+    </p:extLst>
+  </p:cSld>
+  <p:clrMapOvr>
+    <a:masterClrMapping/>
+  </p:clrMapOvr>
+</p:notes>
+</file>
+
+<file path=ppt/notesSlides/notesSlide12.xml><?xml version="1.0" encoding="utf-8"?>
+<p:notes xmlns:a="http://schemas.openxmlformats.org/drawingml/2006/main" xmlns:r="http://schemas.openxmlformats.org/officeDocument/2006/relationships" xmlns:p="http://schemas.openxmlformats.org/presentationml/2006/main">
+  <p:cSld>
+    <p:spTree>
+      <p:nvGrpSpPr>
+        <p:cNvPr id="1" name=""/>
+        <p:cNvGrpSpPr/>
+        <p:nvPr/>
+      </p:nvGrpSpPr>
+      <p:grpSpPr>
+        <a:xfrm>
+          <a:off x="0" y="0"/>
+          <a:ext cx="0" cy="0"/>
+          <a:chOff x="0" y="0"/>
+          <a:chExt cx="0" cy="0"/>
+        </a:xfrm>
+      </p:grpSpPr>
+      <p:sp>
+        <p:nvSpPr>
+          <p:cNvPr id="2" name="Slide Image Placeholder 1"/>
+          <p:cNvSpPr>
+            <a:spLocks noGrp="1" noRot="1" noChangeAspect="1"/>
+          </p:cNvSpPr>
+          <p:nvPr>
+            <p:ph type="sldImg"/>
+          </p:nvPr>
+        </p:nvSpPr>
+        <p:spPr/>
+      </p:sp>
+      <p:sp>
+        <p:nvSpPr>
+          <p:cNvPr id="3" name="Notes Placeholder 2"/>
+          <p:cNvSpPr>
+            <a:spLocks noGrp="1"/>
+          </p:cNvSpPr>
+          <p:nvPr>
+            <p:ph type="body" idx="1"/>
+          </p:nvPr>
+        </p:nvSpPr>
+        <p:spPr/>
+        <p:txBody>
+          <a:bodyPr/>
+          <a:lstStyle/>
+          <a:p>
+            <a:endParaRPr lang="en-US" dirty="0"/>
+          </a:p>
+        </p:txBody>
+      </p:sp>
+      <p:sp>
+        <p:nvSpPr>
+          <p:cNvPr id="4" name="Slide Number Placeholder 3"/>
+          <p:cNvSpPr>
+            <a:spLocks noGrp="1"/>
+          </p:cNvSpPr>
+          <p:nvPr>
+            <p:ph type="sldNum" sz="quarter" idx="10"/>
+          </p:nvPr>
+        </p:nvSpPr>
+        <p:spPr/>
+        <p:txBody>
+          <a:bodyPr/>
+          <a:lstStyle/>
+          <a:p>
+            <a:fld id="{8B263312-38AA-4E1E-B2B5-0F8F122B24FE}" type="slidenum">
+              <a:rPr lang="en-US" smtClean="0"/>
+              <a:pPr/>
+              <a:t>23</a:t>
+            </a:fld>
+            <a:endParaRPr lang="en-US" dirty="0"/>
+          </a:p>
+        </p:txBody>
+      </p:sp>
+    </p:spTree>
+    <p:extLst>
+      <p:ext uri="{BB962C8B-B14F-4D97-AF65-F5344CB8AC3E}">
+        <p14:creationId xmlns:p14="http://schemas.microsoft.com/office/powerpoint/2010/main" val="3523283065"/>
+      </p:ext>
+    </p:extLst>
+  </p:cSld>
+  <p:clrMapOvr>
+    <a:masterClrMapping/>
+  </p:clrMapOvr>
+</p:notes>
+</file>
+
+<file path=ppt/notesSlides/notesSlide13.xml><?xml version="1.0" encoding="utf-8"?>
+<p:notes xmlns:a="http://schemas.openxmlformats.org/drawingml/2006/main" xmlns:r="http://schemas.openxmlformats.org/officeDocument/2006/relationships" xmlns:p="http://schemas.openxmlformats.org/presentationml/2006/main">
+  <p:cSld>
+    <p:spTree>
+      <p:nvGrpSpPr>
+        <p:cNvPr id="1" name=""/>
+        <p:cNvGrpSpPr/>
+        <p:nvPr/>
+      </p:nvGrpSpPr>
+      <p:grpSpPr>
+        <a:xfrm>
+          <a:off x="0" y="0"/>
+          <a:ext cx="0" cy="0"/>
+          <a:chOff x="0" y="0"/>
+          <a:chExt cx="0" cy="0"/>
+        </a:xfrm>
+      </p:grpSpPr>
+      <p:sp>
+        <p:nvSpPr>
+          <p:cNvPr id="2" name="Slide Image Placeholder 1"/>
+          <p:cNvSpPr>
+            <a:spLocks noGrp="1" noRot="1" noChangeAspect="1"/>
+          </p:cNvSpPr>
+          <p:nvPr>
+            <p:ph type="sldImg"/>
+          </p:nvPr>
+        </p:nvSpPr>
+        <p:spPr/>
+      </p:sp>
+      <p:sp>
+        <p:nvSpPr>
+          <p:cNvPr id="3" name="Notes Placeholder 2"/>
+          <p:cNvSpPr>
+            <a:spLocks noGrp="1"/>
+          </p:cNvSpPr>
+          <p:nvPr>
+            <p:ph type="body" idx="1"/>
+          </p:nvPr>
+        </p:nvSpPr>
+        <p:spPr/>
+        <p:txBody>
+          <a:bodyPr/>
+          <a:lstStyle/>
+          <a:p>
+            <a:r>
+              <a:rPr lang="en-US" dirty="0" smtClean="0"/>
+              <a:t>Let’s take a look at canvas and svg in action. </a:t>
+            </a:r>
+            <a:endParaRPr lang="en-US" dirty="0"/>
+          </a:p>
+        </p:txBody>
+      </p:sp>
+      <p:sp>
+        <p:nvSpPr>
+          <p:cNvPr id="4" name="Slide Number Placeholder 3"/>
+          <p:cNvSpPr>
+            <a:spLocks noGrp="1"/>
+          </p:cNvSpPr>
+          <p:nvPr>
+            <p:ph type="sldNum" sz="quarter" idx="10"/>
+          </p:nvPr>
+        </p:nvSpPr>
+        <p:spPr/>
+        <p:txBody>
+          <a:bodyPr/>
+          <a:lstStyle/>
+          <a:p>
+            <a:fld id="{8B263312-38AA-4E1E-B2B5-0F8F122B24FE}" type="slidenum">
+              <a:rPr lang="en-US" smtClean="0"/>
+              <a:pPr/>
+              <a:t>25</a:t>
+            </a:fld>
+            <a:endParaRPr lang="en-US" dirty="0"/>
+          </a:p>
+        </p:txBody>
+      </p:sp>
+    </p:spTree>
+    <p:extLst>
+      <p:ext uri="{BB962C8B-B14F-4D97-AF65-F5344CB8AC3E}">
+        <p14:creationId xmlns:p14="http://schemas.microsoft.com/office/powerpoint/2010/main" val="2785940683"/>
+      </p:ext>
+    </p:extLst>
+  </p:cSld>
+  <p:clrMapOvr>
+    <a:masterClrMapping/>
+  </p:clrMapOvr>
+</p:notes>
+</file>
+
+<file path=ppt/notesSlides/notesSlide14.xml><?xml version="1.0" encoding="utf-8"?>
+<p:notes xmlns:a="http://schemas.openxmlformats.org/drawingml/2006/main" xmlns:r="http://schemas.openxmlformats.org/officeDocument/2006/relationships" xmlns:p="http://schemas.openxmlformats.org/presentationml/2006/main">
+  <p:cSld>
+    <p:spTree>
+      <p:nvGrpSpPr>
+        <p:cNvPr id="1" name=""/>
+        <p:cNvGrpSpPr/>
+        <p:nvPr/>
+      </p:nvGrpSpPr>
+      <p:grpSpPr>
+        <a:xfrm>
+          <a:off x="0" y="0"/>
+          <a:ext cx="0" cy="0"/>
+          <a:chOff x="0" y="0"/>
+          <a:chExt cx="0" cy="0"/>
+        </a:xfrm>
+      </p:grpSpPr>
+      <p:sp>
+        <p:nvSpPr>
+          <p:cNvPr id="2" name="Slide Image Placeholder 1"/>
+          <p:cNvSpPr>
+            <a:spLocks noGrp="1" noRot="1" noChangeAspect="1"/>
+          </p:cNvSpPr>
+          <p:nvPr>
+            <p:ph type="sldImg"/>
+          </p:nvPr>
+        </p:nvSpPr>
+        <p:spPr/>
+      </p:sp>
+      <p:sp>
+        <p:nvSpPr>
+          <p:cNvPr id="3" name="Notes Placeholder 2"/>
+          <p:cNvSpPr>
+            <a:spLocks noGrp="1"/>
+          </p:cNvSpPr>
+          <p:nvPr>
+            <p:ph type="body" idx="1"/>
+          </p:nvPr>
+        </p:nvSpPr>
+        <p:spPr/>
+        <p:txBody>
+          <a:bodyPr/>
+          <a:lstStyle/>
+          <a:p>
+            <a:endParaRPr lang="en-US" dirty="0"/>
+          </a:p>
+        </p:txBody>
+      </p:sp>
+      <p:sp>
+        <p:nvSpPr>
+          <p:cNvPr id="4" name="Slide Number Placeholder 3"/>
+          <p:cNvSpPr>
+            <a:spLocks noGrp="1"/>
+          </p:cNvSpPr>
+          <p:nvPr>
+            <p:ph type="sldNum" sz="quarter" idx="10"/>
+          </p:nvPr>
+        </p:nvSpPr>
+        <p:spPr/>
+        <p:txBody>
+          <a:bodyPr/>
+          <a:lstStyle/>
+          <a:p>
+            <a:fld id="{8B263312-38AA-4E1E-B2B5-0F8F122B24FE}" type="slidenum">
+              <a:rPr lang="en-US" smtClean="0"/>
+              <a:pPr/>
+              <a:t>27</a:t>
+            </a:fld>
+            <a:endParaRPr lang="en-US" dirty="0"/>
+          </a:p>
+        </p:txBody>
+      </p:sp>
+    </p:spTree>
+    <p:extLst>
+      <p:ext uri="{BB962C8B-B14F-4D97-AF65-F5344CB8AC3E}">
+        <p14:creationId xmlns:p14="http://schemas.microsoft.com/office/powerpoint/2010/main" val="3523283065"/>
+      </p:ext>
+    </p:extLst>
+  </p:cSld>
+  <p:clrMapOvr>
+    <a:masterClrMapping/>
+  </p:clrMapOvr>
+</p:notes>
+</file>
+
+<file path=ppt/notesSlides/notesSlide15.xml><?xml version="1.0" encoding="utf-8"?>
+<p:notes xmlns:a="http://schemas.openxmlformats.org/drawingml/2006/main" xmlns:r="http://schemas.openxmlformats.org/officeDocument/2006/relationships" xmlns:p="http://schemas.openxmlformats.org/presentationml/2006/main">
+  <p:cSld>
+    <p:spTree>
+      <p:nvGrpSpPr>
+        <p:cNvPr id="1" name=""/>
+        <p:cNvGrpSpPr/>
+        <p:nvPr/>
+      </p:nvGrpSpPr>
+      <p:grpSpPr>
+        <a:xfrm>
+          <a:off x="0" y="0"/>
+          <a:ext cx="0" cy="0"/>
+          <a:chOff x="0" y="0"/>
+          <a:chExt cx="0" cy="0"/>
+        </a:xfrm>
+      </p:grpSpPr>
+      <p:sp>
+        <p:nvSpPr>
+          <p:cNvPr id="2" name="Slide Image Placeholder 1"/>
+          <p:cNvSpPr>
+            <a:spLocks noGrp="1" noRot="1" noChangeAspect="1"/>
+          </p:cNvSpPr>
+          <p:nvPr>
+            <p:ph type="sldImg"/>
+          </p:nvPr>
+        </p:nvSpPr>
+        <p:spPr/>
+      </p:sp>
+      <p:sp>
+        <p:nvSpPr>
+          <p:cNvPr id="3" name="Notes Placeholder 2"/>
+          <p:cNvSpPr>
+            <a:spLocks noGrp="1"/>
+          </p:cNvSpPr>
+          <p:nvPr>
+            <p:ph type="body" idx="1"/>
+          </p:nvPr>
+        </p:nvSpPr>
+        <p:spPr/>
+        <p:txBody>
+          <a:bodyPr/>
+          <a:lstStyle/>
+          <a:p>
+            <a:r>
+              <a:rPr lang="en-US" dirty="0" smtClean="0"/>
+              <a:t>Let’s take a look at canvas and svg in action. </a:t>
+            </a:r>
+            <a:endParaRPr lang="en-US" dirty="0"/>
+          </a:p>
+        </p:txBody>
+      </p:sp>
+      <p:sp>
+        <p:nvSpPr>
+          <p:cNvPr id="4" name="Slide Number Placeholder 3"/>
+          <p:cNvSpPr>
+            <a:spLocks noGrp="1"/>
+          </p:cNvSpPr>
+          <p:nvPr>
+            <p:ph type="sldNum" sz="quarter" idx="10"/>
+          </p:nvPr>
+        </p:nvSpPr>
+        <p:spPr/>
+        <p:txBody>
+          <a:bodyPr/>
+          <a:lstStyle/>
+          <a:p>
+            <a:fld id="{8B263312-38AA-4E1E-B2B5-0F8F122B24FE}" type="slidenum">
+              <a:rPr lang="en-US" smtClean="0"/>
+              <a:pPr/>
+              <a:t>29</a:t>
             </a:fld>
             <a:endParaRPr lang="en-US" dirty="0"/>
           </a:p>
@@ -819,22 +1268,6 @@
           <a:bodyPr/>
           <a:lstStyle/>
           <a:p>
-            <a:r>
-              <a:rPr lang="en-US" dirty="0" smtClean="0"/>
-              <a:t>Let’s talk</a:t>
-            </a:r>
-            <a:r>
-              <a:rPr lang="en-US" baseline="0" dirty="0" smtClean="0"/>
-              <a:t> about unneeded cruft, first. </a:t>
-            </a:r>
-            <a:r>
-              <a:rPr lang="en-US" dirty="0" smtClean="0"/>
-              <a:t>You’ve seen this, no doubt. This is the smallest XHTML document</a:t>
-            </a:r>
-            <a:r>
-              <a:rPr lang="en-US" baseline="0" dirty="0" smtClean="0"/>
-              <a:t> that I could create, and it still barely fits in this slide. HTML5 changes this drastically, and you can use those changes today in any browser, even older ones. You pages will still render.</a:t>
-            </a:r>
             <a:endParaRPr lang="en-US" dirty="0"/>
           </a:p>
         </p:txBody>
@@ -1119,23 +1552,6 @@
           <a:bodyPr/>
           <a:lstStyle/>
           <a:p>
-            <a:r>
-              <a:rPr lang="en-US" dirty="0" smtClean="0"/>
-              <a:t>Audio and Video are</a:t>
-            </a:r>
-            <a:r>
-              <a:rPr lang="en-US" baseline="0" dirty="0" smtClean="0"/>
-              <a:t> some of the most talked about new elements and, on face, they are very easy to use. Practically though, Codecs complicate both audio and video because even though all browsers implement these new tags, not all agree on the proper Codecs to support. So using audio and video today is possible, but you should, as a best practice, provide at least 3 sources of video(WebM, MP4 and Ogg Vorbis) and 2 of Audio (mp3, Ogg Theora) and fallback to Silverlight or flash for browsers that don’t support Video and Audio tags.</a:t>
-            </a:r>
-          </a:p>
-          <a:p>
-            <a:endParaRPr lang="en-US" baseline="0" dirty="0" smtClean="0"/>
-          </a:p>
-          <a:p>
-            <a:r>
-              <a:rPr lang="en-US" baseline="0" dirty="0" smtClean="0"/>
-              <a:t>[Image captured from my computer]</a:t>
-            </a:r>
             <a:endParaRPr lang="en-US" dirty="0"/>
           </a:p>
         </p:txBody>
@@ -1221,10 +1637,7 @@
           <a:bodyPr/>
           <a:lstStyle/>
           <a:p>
-            <a:r>
-              <a:rPr lang="en-US" dirty="0" smtClean="0"/>
-              <a:t>Let’s take a look at using audio and video, and at how to provide fallback.</a:t>
-            </a:r>
+            <a:endParaRPr lang="en-US" dirty="0"/>
           </a:p>
         </p:txBody>
       </p:sp>
@@ -1255,7 +1668,7 @@
     </p:spTree>
     <p:extLst>
       <p:ext uri="{BB962C8B-B14F-4D97-AF65-F5344CB8AC3E}">
-        <p14:creationId xmlns:p14="http://schemas.microsoft.com/office/powerpoint/2010/main" val="34506572"/>
+        <p14:creationId xmlns:p14="http://schemas.microsoft.com/office/powerpoint/2010/main" val="3523283065"/>
       </p:ext>
     </p:extLst>
   </p:cSld>
@@ -1309,7 +1722,28 @@
           <a:bodyPr/>
           <a:lstStyle/>
           <a:p>
-            <a:endParaRPr lang="en-US" dirty="0"/>
+            <a:pPr marL="0" marR="0" indent="0" algn="l" defTabSz="914363" rtl="0" eaLnBrk="1" fontAlgn="auto" latinLnBrk="0" hangingPunct="1">
+              <a:lnSpc>
+                <a:spcPct val="90000"/>
+              </a:lnSpc>
+              <a:spcBef>
+                <a:spcPts val="0"/>
+              </a:spcBef>
+              <a:spcAft>
+                <a:spcPts val="333"/>
+              </a:spcAft>
+              <a:buClrTx/>
+              <a:buSzTx/>
+              <a:buFontTx/>
+              <a:buNone/>
+              <a:tabLst/>
+              <a:defRPr/>
+            </a:pPr>
+            <a:r>
+              <a:rPr lang="en-US" baseline="0" dirty="0" smtClean="0"/>
+              <a:t>Let’s take a look at some of these new elements now.</a:t>
+            </a:r>
+            <a:endParaRPr lang="en-US" dirty="0" smtClean="0"/>
           </a:p>
         </p:txBody>
       </p:sp>
@@ -1328,18 +1762,19 @@
           <a:bodyPr/>
           <a:lstStyle/>
           <a:p>
-            <a:fld id="{3CF65C51-ACD0-EB42-9E75-DB57B27F6178}" type="slidenum">
+            <a:fld id="{8B263312-38AA-4E1E-B2B5-0F8F122B24FE}" type="slidenum">
               <a:rPr lang="en-US" smtClean="0"/>
+              <a:pPr/>
               <a:t>13</a:t>
             </a:fld>
-            <a:endParaRPr lang="en-US"/>
+            <a:endParaRPr lang="en-US" dirty="0"/>
           </a:p>
         </p:txBody>
       </p:sp>
     </p:spTree>
     <p:extLst>
       <p:ext uri="{BB962C8B-B14F-4D97-AF65-F5344CB8AC3E}">
-        <p14:creationId xmlns:p14="http://schemas.microsoft.com/office/powerpoint/2010/main" val="3471630040"/>
+        <p14:creationId xmlns:p14="http://schemas.microsoft.com/office/powerpoint/2010/main" val="1746853180"/>
       </p:ext>
     </p:extLst>
   </p:cSld>
@@ -1393,60 +1828,6 @@
           <a:bodyPr/>
           <a:lstStyle/>
           <a:p>
-            <a:r>
-              <a:rPr lang="en-US" dirty="0" smtClean="0"/>
-              <a:t>Custom data attributes are intended</a:t>
-            </a:r>
-            <a:r>
-              <a:rPr lang="en-US" baseline="0" dirty="0" smtClean="0"/>
-              <a:t> to store custom data private to the page or application, for which there are no more appropriate attributes or elements. Intended to be used by scripts in the site.</a:t>
-            </a:r>
-          </a:p>
-          <a:p>
-            <a:endParaRPr lang="en-US" baseline="0" dirty="0" smtClean="0"/>
-          </a:p>
-          <a:p>
-            <a:r>
-              <a:rPr lang="en-US" baseline="0" dirty="0" smtClean="0"/>
-              <a:t>Common uses include:</a:t>
-            </a:r>
-          </a:p>
-          <a:p>
-            <a:endParaRPr lang="en-US" baseline="0" dirty="0" smtClean="0"/>
-          </a:p>
-          <a:p>
-            <a:pPr marL="171450" indent="-171450">
-              <a:buFontTx/>
-              <a:buChar char="-"/>
-            </a:pPr>
-            <a:r>
-              <a:rPr lang="en-US" baseline="0" dirty="0" smtClean="0"/>
-              <a:t>Unobtrusive Validation in ASP.NET MVC</a:t>
-            </a:r>
-          </a:p>
-          <a:p>
-            <a:pPr marL="171450" indent="-171450">
-              <a:buFontTx/>
-              <a:buChar char="-"/>
-            </a:pPr>
-            <a:r>
-              <a:rPr lang="en-US" baseline="0" dirty="0" err="1" smtClean="0"/>
-              <a:t>jQuery</a:t>
-            </a:r>
-            <a:r>
-              <a:rPr lang="en-US" baseline="0" dirty="0" smtClean="0"/>
-              <a:t> Mobile</a:t>
-            </a:r>
-          </a:p>
-          <a:p>
-            <a:pPr marL="171450" indent="-171450">
-              <a:buFontTx/>
-              <a:buChar char="-"/>
-            </a:pPr>
-            <a:r>
-              <a:rPr lang="en-US" baseline="0" dirty="0" smtClean="0"/>
-              <a:t>Knockout JS</a:t>
-            </a:r>
             <a:endParaRPr lang="en-US" dirty="0"/>
           </a:p>
         </p:txBody>
@@ -1468,7 +1849,7 @@
           <a:p>
             <a:fld id="{3CF65C51-ACD0-EB42-9E75-DB57B27F6178}" type="slidenum">
               <a:rPr lang="en-US" smtClean="0"/>
-              <a:t>16</a:t>
+              <a:t>15</a:t>
             </a:fld>
             <a:endParaRPr lang="en-US"/>
           </a:p>
@@ -1477,7 +1858,7 @@
     </p:spTree>
     <p:extLst>
       <p:ext uri="{BB962C8B-B14F-4D97-AF65-F5344CB8AC3E}">
-        <p14:creationId xmlns:p14="http://schemas.microsoft.com/office/powerpoint/2010/main" val="1703694169"/>
+        <p14:creationId xmlns:p14="http://schemas.microsoft.com/office/powerpoint/2010/main" val="3471630040"/>
       </p:ext>
     </p:extLst>
   </p:cSld>
@@ -1531,128 +1912,10 @@
           <a:bodyPr/>
           <a:lstStyle/>
           <a:p>
-            <a:pPr marL="228600" indent="-228600">
-              <a:buAutoNum type="arabicParenR"/>
-            </a:pPr>
             <a:r>
               <a:rPr lang="en-US" dirty="0" smtClean="0"/>
-              <a:t>Go to http://</a:t>
-            </a:r>
-            <a:r>
-              <a:rPr lang="en-US" dirty="0" err="1" smtClean="0"/>
-              <a:t>validator.nu</a:t>
-            </a:r>
-            <a:r>
-              <a:rPr lang="en-US" dirty="0" smtClean="0"/>
-              <a:t>/ and create a arbitrary</a:t>
-            </a:r>
-            <a:r>
-              <a:rPr lang="en-US" baseline="0" dirty="0" smtClean="0"/>
-              <a:t> attribute and try to validate the page</a:t>
-            </a:r>
-          </a:p>
-          <a:p>
-            <a:pPr marL="228600" indent="-228600">
-              <a:buAutoNum type="arabicParenR"/>
-            </a:pPr>
-            <a:r>
-              <a:rPr lang="en-US" baseline="0" dirty="0" smtClean="0"/>
-              <a:t>Append data- and attempt to validate again, it will work this time. </a:t>
-            </a:r>
-          </a:p>
-          <a:p>
-            <a:pPr marL="228600" indent="-228600">
-              <a:buAutoNum type="arabicParenR"/>
-            </a:pPr>
-            <a:endParaRPr lang="en-US" baseline="0" dirty="0" smtClean="0"/>
-          </a:p>
-          <a:p>
-            <a:pPr marL="228600" indent="-228600">
-              <a:buAutoNum type="arabicParenR"/>
-            </a:pPr>
-            <a:r>
-              <a:rPr lang="en-US" baseline="0" dirty="0" smtClean="0"/>
-              <a:t>Now let’s look at real-world uses of data-. </a:t>
-            </a:r>
-            <a:r>
-              <a:rPr lang="en-US" baseline="0" dirty="0" err="1" smtClean="0"/>
-              <a:t>jQuery</a:t>
-            </a:r>
-            <a:r>
-              <a:rPr lang="en-US" baseline="0" dirty="0" smtClean="0"/>
-              <a:t> mobile makes heavy use of Data- attributes, and we can take a look and how we can query these</a:t>
-            </a:r>
-          </a:p>
-          <a:p>
-            <a:pPr marL="228600" indent="-228600">
-              <a:buAutoNum type="arabicParenR"/>
-            </a:pPr>
-            <a:r>
-              <a:rPr lang="en-US" baseline="0" dirty="0" smtClean="0"/>
-              <a:t>Go to </a:t>
-            </a:r>
-            <a:r>
-              <a:rPr lang="en-US" baseline="0" dirty="0" err="1" smtClean="0"/>
-              <a:t>jQueryMobile.com</a:t>
-            </a:r>
-            <a:r>
-              <a:rPr lang="en-US" baseline="0" dirty="0" smtClean="0"/>
-              <a:t> and show the gallery</a:t>
-            </a:r>
-          </a:p>
-          <a:p>
-            <a:pPr marL="228600" indent="-228600">
-              <a:buAutoNum type="arabicParenR"/>
-            </a:pPr>
-            <a:r>
-              <a:rPr lang="en-US" baseline="0" dirty="0" smtClean="0"/>
-              <a:t>Go to http://</a:t>
-            </a:r>
-            <a:r>
-              <a:rPr lang="en-US" baseline="0" dirty="0" err="1" smtClean="0"/>
-              <a:t>www.slideshare.net</a:t>
-            </a:r>
-            <a:r>
-              <a:rPr lang="en-US" baseline="0" dirty="0" smtClean="0"/>
-              <a:t>/mobile or </a:t>
-            </a:r>
-            <a:r>
-              <a:rPr lang="en-US" baseline="0" dirty="0" err="1" smtClean="0"/>
-              <a:t>m.opentable.com</a:t>
-            </a:r>
-            <a:r>
-              <a:rPr lang="en-US" baseline="0" dirty="0" smtClean="0"/>
-              <a:t> and open the Chrome </a:t>
-            </a:r>
-            <a:r>
-              <a:rPr lang="en-US" baseline="0" dirty="0" err="1" smtClean="0"/>
-              <a:t>Dev</a:t>
-            </a:r>
-            <a:r>
-              <a:rPr lang="en-US" baseline="0" dirty="0" smtClean="0"/>
-              <a:t> tools</a:t>
-            </a:r>
-          </a:p>
-          <a:p>
-            <a:pPr marL="228600" indent="-228600">
-              <a:buAutoNum type="arabicParenR"/>
-            </a:pPr>
-            <a:r>
-              <a:rPr lang="en-US" baseline="0" dirty="0" smtClean="0"/>
-              <a:t>Open the console and select an element by ID to show working with Data-* attributes</a:t>
-            </a:r>
-          </a:p>
-          <a:p>
-            <a:pPr marL="228600" indent="-228600">
-              <a:buAutoNum type="arabicParenR"/>
-            </a:pPr>
-            <a:endParaRPr lang="en-US" baseline="0" smtClean="0"/>
-          </a:p>
-          <a:p>
-            <a:pPr marL="228600" indent="-228600">
-              <a:buAutoNum type="arabicParenR"/>
-            </a:pPr>
-            <a:endParaRPr lang="en-US" dirty="0"/>
+              <a:t>Let’s take a look at using audio and video, and at how to provide fallback.</a:t>
+            </a:r>
           </a:p>
         </p:txBody>
       </p:sp>
@@ -1674,7 +1937,7 @@
             <a:fld id="{8B263312-38AA-4E1E-B2B5-0F8F122B24FE}" type="slidenum">
               <a:rPr lang="en-US" smtClean="0"/>
               <a:pPr/>
-              <a:t>18</a:t>
+              <a:t>17</a:t>
             </a:fld>
             <a:endParaRPr lang="en-US" dirty="0"/>
           </a:p>
@@ -1683,7 +1946,7 @@
     </p:spTree>
     <p:extLst>
       <p:ext uri="{BB962C8B-B14F-4D97-AF65-F5344CB8AC3E}">
-        <p14:creationId xmlns:p14="http://schemas.microsoft.com/office/powerpoint/2010/main" val="2785940683"/>
+        <p14:creationId xmlns:p14="http://schemas.microsoft.com/office/powerpoint/2010/main" val="34506572"/>
       </p:ext>
     </p:extLst>
   </p:cSld>
@@ -12384,7 +12647,31 @@
                 <a:ea typeface="+mn-ea"/>
                 <a:cs typeface="Arial" charset="0"/>
               </a:rPr>
-              <a:t>Browser Support for Audio and Video	</a:t>
+              <a:t>Browser Support for </a:t>
+            </a:r>
+            <a:r>
+              <a:rPr lang="en-US" sz="4000" b="0" kern="1200" cap="none" spc="-100" baseline="0" dirty="0" smtClean="0">
+                <a:ln w="3175">
+                  <a:noFill/>
+                </a:ln>
+                <a:gradFill flip="none" rotWithShape="1">
+                  <a:gsLst>
+                    <a:gs pos="0">
+                      <a:schemeClr val="tx1"/>
+                    </a:gs>
+                    <a:gs pos="86000">
+                      <a:schemeClr val="tx1"/>
+                    </a:gs>
+                  </a:gsLst>
+                  <a:lin ang="5400000" scaled="0"/>
+                  <a:tileRect/>
+                </a:gradFill>
+                <a:effectLst/>
+                <a:latin typeface="+mj-lt"/>
+                <a:ea typeface="+mn-ea"/>
+                <a:cs typeface="Arial" charset="0"/>
+              </a:rPr>
+              <a:t>Box-Shadow</a:t>
             </a:r>
             <a:endParaRPr lang="en-US" sz="3600" dirty="0"/>
           </a:p>
@@ -12400,7 +12687,7 @@
             <p:ph idx="1"/>
             <p:extLst>
               <p:ext uri="{D42A27DB-BD31-4B8C-83A1-F6EECF244321}">
-                <p14:modId xmlns:p14="http://schemas.microsoft.com/office/powerpoint/2010/main" val="4115903511"/>
+                <p14:modId xmlns:p14="http://schemas.microsoft.com/office/powerpoint/2010/main" val="103697051"/>
               </p:ext>
             </p:extLst>
           </p:nvPr>
@@ -12739,7 +13026,7 @@
                             <a:srgbClr val="000000"/>
                           </a:solidFill>
                         </a:rPr>
-                        <a:t>4</a:t>
+                        <a:t>3.1</a:t>
                       </a:r>
                       <a:endParaRPr lang="en-US" sz="3200" b="1" dirty="0">
                         <a:solidFill>
@@ -12785,7 +13072,7 @@
                             <a:srgbClr val="000000"/>
                           </a:solidFill>
                         </a:rPr>
-                        <a:t>2.3</a:t>
+                        <a:t>2.1</a:t>
                       </a:r>
                       <a:endParaRPr lang="en-US" sz="2800" b="1" dirty="0">
                         <a:solidFill>
@@ -12808,7 +13095,7 @@
                             <a:srgbClr val="000000"/>
                           </a:solidFill>
                         </a:rPr>
-                        <a:t>4</a:t>
+                        <a:t>3.2</a:t>
                       </a:r>
                       <a:endParaRPr lang="en-US" sz="2800" b="1" dirty="0">
                         <a:solidFill>
@@ -13058,6 +13345,34 @@
       </p:grpSpPr>
       <p:sp>
         <p:nvSpPr>
+          <p:cNvPr id="5" name="Title 4"/>
+          <p:cNvSpPr>
+            <a:spLocks noGrp="1"/>
+          </p:cNvSpPr>
+          <p:nvPr>
+            <p:ph type="title"/>
+          </p:nvPr>
+        </p:nvSpPr>
+        <p:spPr>
+          <a:xfrm>
+            <a:off x="389436" y="228602"/>
+            <a:ext cx="8363938" cy="451406"/>
+          </a:xfrm>
+        </p:spPr>
+        <p:txBody>
+          <a:bodyPr/>
+          <a:lstStyle/>
+          <a:p>
+            <a:r>
+              <a:rPr lang="en-US" sz="3200" dirty="0" smtClean="0"/>
+              <a:t>Using Text-Shadow</a:t>
+            </a:r>
+            <a:endParaRPr lang="en-US" sz="3200" dirty="0"/>
+          </a:p>
+        </p:txBody>
+      </p:sp>
+      <p:sp>
+        <p:nvSpPr>
           <p:cNvPr id="2" name="Text Placeholder 1"/>
           <p:cNvSpPr>
             <a:spLocks noGrp="1"/>
@@ -13066,65 +13381,27 @@
             <p:ph type="body" sz="quarter" idx="10"/>
           </p:nvPr>
         </p:nvSpPr>
-        <p:spPr/>
+        <p:spPr>
+          <a:xfrm>
+            <a:off x="389438" y="1905003"/>
+            <a:ext cx="8363937" cy="451406"/>
+          </a:xfrm>
+        </p:spPr>
         <p:txBody>
           <a:bodyPr/>
           <a:lstStyle/>
           <a:p>
-            <a:r>
-              <a:rPr lang="en-US" smtClean="0"/>
-              <a:t>demo</a:t>
-            </a:r>
+            <a:pPr marL="0" indent="0">
+              <a:buNone/>
+            </a:pPr>
             <a:endParaRPr lang="en-US" dirty="0"/>
-          </a:p>
-        </p:txBody>
-      </p:sp>
-      <p:sp>
-        <p:nvSpPr>
-          <p:cNvPr id="3" name="Title 2"/>
-          <p:cNvSpPr>
-            <a:spLocks noGrp="1"/>
-          </p:cNvSpPr>
-          <p:nvPr>
-            <p:ph type="ctrTitle"/>
-          </p:nvPr>
-        </p:nvSpPr>
-        <p:spPr/>
-        <p:txBody>
-          <a:bodyPr/>
-          <a:lstStyle/>
-          <a:p>
-            <a:r>
-              <a:rPr lang="en-US" dirty="0" smtClean="0"/>
-              <a:t>&lt;audio&gt; and &lt;video&gt;</a:t>
-            </a:r>
-            <a:endParaRPr lang="en-US" dirty="0"/>
-          </a:p>
-        </p:txBody>
-      </p:sp>
-      <p:sp>
-        <p:nvSpPr>
-          <p:cNvPr id="6" name="Subtitle 5"/>
-          <p:cNvSpPr>
-            <a:spLocks noGrp="1"/>
-          </p:cNvSpPr>
-          <p:nvPr>
-            <p:ph type="subTitle" idx="1"/>
-          </p:nvPr>
-        </p:nvSpPr>
-        <p:spPr/>
-        <p:txBody>
-          <a:bodyPr/>
-          <a:lstStyle/>
-          <a:p>
-            <a:endParaRPr lang="en-US"/>
           </a:p>
         </p:txBody>
       </p:sp>
     </p:spTree>
     <p:extLst>
       <p:ext uri="{BB962C8B-B14F-4D97-AF65-F5344CB8AC3E}">
-        <p14:creationId xmlns:p14="http://schemas.microsoft.com/office/powerpoint/2010/main" val="3729628216"/>
+        <p14:creationId xmlns:p14="http://schemas.microsoft.com/office/powerpoint/2010/main" val="506365089"/>
       </p:ext>
     </p:extLst>
   </p:cSld>
@@ -13168,758 +13445,13 @@
             <a:spLocks noGrp="1"/>
           </p:cNvSpPr>
           <p:nvPr>
-            <p:ph type="ctrTitle"/>
-          </p:nvPr>
-        </p:nvSpPr>
-        <p:spPr/>
-        <p:txBody>
-          <a:bodyPr/>
-          <a:lstStyle/>
-          <a:p>
-            <a:r>
-              <a:rPr lang="en-US" dirty="0" smtClean="0"/>
-              <a:t>HTML5 Forms*</a:t>
-            </a:r>
-            <a:endParaRPr lang="en-US" dirty="0"/>
-          </a:p>
-        </p:txBody>
-      </p:sp>
-      <p:sp>
-        <p:nvSpPr>
-          <p:cNvPr id="5" name="Subtitle 4"/>
-          <p:cNvSpPr>
-            <a:spLocks noGrp="1"/>
-          </p:cNvSpPr>
-          <p:nvPr>
-            <p:ph type="subTitle" idx="1"/>
-          </p:nvPr>
-        </p:nvSpPr>
-        <p:spPr>
-          <a:xfrm>
-            <a:off x="727664" y="4703875"/>
-            <a:ext cx="7683914" cy="463255"/>
-          </a:xfrm>
-        </p:spPr>
-        <p:txBody>
-          <a:bodyPr/>
-          <a:lstStyle/>
-          <a:p>
-            <a:r>
-              <a:rPr lang="en-US" dirty="0" smtClean="0">
-                <a:solidFill>
-                  <a:schemeClr val="accent1"/>
-                </a:solidFill>
-              </a:rPr>
-              <a:t>*Finally, support for the data-entry we</a:t>
-            </a:r>
-            <a:r>
-              <a:rPr lang="fr-FR" dirty="0" smtClean="0">
-                <a:solidFill>
-                  <a:schemeClr val="accent1"/>
-                </a:solidFill>
-              </a:rPr>
-              <a:t>’</a:t>
-            </a:r>
-            <a:r>
-              <a:rPr lang="en-US" dirty="0" err="1" smtClean="0">
-                <a:solidFill>
-                  <a:schemeClr val="accent1"/>
-                </a:solidFill>
-              </a:rPr>
-              <a:t>ve</a:t>
-            </a:r>
-            <a:r>
-              <a:rPr lang="en-US" dirty="0" smtClean="0">
-                <a:solidFill>
-                  <a:schemeClr val="accent1"/>
-                </a:solidFill>
-              </a:rPr>
-              <a:t> been doing for 15 years</a:t>
-            </a:r>
-            <a:endParaRPr lang="en-US" dirty="0">
-              <a:solidFill>
-                <a:schemeClr val="accent1"/>
-              </a:solidFill>
-            </a:endParaRPr>
-          </a:p>
-        </p:txBody>
-      </p:sp>
-    </p:spTree>
-    <p:extLst>
-      <p:ext uri="{BB962C8B-B14F-4D97-AF65-F5344CB8AC3E}">
-        <p14:creationId xmlns:p14="http://schemas.microsoft.com/office/powerpoint/2010/main" val="2377827062"/>
-      </p:ext>
-    </p:extLst>
-  </p:cSld>
-  <p:clrMapOvr>
-    <a:masterClrMapping/>
-  </p:clrMapOvr>
-  <p:transition xmlns:p14="http://schemas.microsoft.com/office/powerpoint/2010/main">
-    <p:fade/>
-  </p:transition>
-  <p:timing>
-    <p:tnLst>
-      <p:par>
-        <p:cTn xmlns:p14="http://schemas.microsoft.com/office/powerpoint/2010/main" id="1" dur="indefinite" restart="never" nodeType="tmRoot"/>
-      </p:par>
-    </p:tnLst>
-  </p:timing>
-</p:sld>
-</file>
-
-<file path=ppt/slides/slide13.xml><?xml version="1.0" encoding="utf-8"?>
-<p:sld xmlns:a="http://schemas.openxmlformats.org/drawingml/2006/main" xmlns:r="http://schemas.openxmlformats.org/officeDocument/2006/relationships" xmlns:p="http://schemas.openxmlformats.org/presentationml/2006/main">
-  <p:cSld>
-    <p:spTree>
-      <p:nvGrpSpPr>
-        <p:cNvPr id="1" name=""/>
-        <p:cNvGrpSpPr/>
-        <p:nvPr/>
-      </p:nvGrpSpPr>
-      <p:grpSpPr>
-        <a:xfrm>
-          <a:off x="0" y="0"/>
-          <a:ext cx="0" cy="0"/>
-          <a:chOff x="0" y="0"/>
-          <a:chExt cx="0" cy="0"/>
-        </a:xfrm>
-      </p:grpSpPr>
-      <p:sp>
-        <p:nvSpPr>
-          <p:cNvPr id="5" name="Title 4"/>
-          <p:cNvSpPr>
-            <a:spLocks noGrp="1"/>
-          </p:cNvSpPr>
-          <p:nvPr>
-            <p:ph type="title"/>
-          </p:nvPr>
-        </p:nvSpPr>
-        <p:spPr/>
-        <p:txBody>
-          <a:bodyPr/>
-          <a:lstStyle/>
-          <a:p>
-            <a:endParaRPr lang="en-US"/>
-          </a:p>
-        </p:txBody>
-      </p:sp>
-      <p:sp>
-        <p:nvSpPr>
-          <p:cNvPr id="6" name="Text Placeholder 5"/>
-          <p:cNvSpPr>
-            <a:spLocks noGrp="1"/>
-          </p:cNvSpPr>
-          <p:nvPr>
-            <p:ph type="body" sz="quarter" idx="10"/>
-          </p:nvPr>
-        </p:nvSpPr>
-        <p:spPr>
-          <a:xfrm>
-            <a:off x="389436" y="1181311"/>
-            <a:ext cx="8363937" cy="3134705"/>
-          </a:xfrm>
-        </p:spPr>
-        <p:txBody>
-          <a:bodyPr/>
-          <a:lstStyle/>
-          <a:p>
-            <a:pPr marL="0" indent="0">
-              <a:buNone/>
-            </a:pPr>
-            <a:r>
-              <a:rPr lang="en-US" sz="1800" dirty="0" smtClean="0">
-                <a:solidFill>
-                  <a:srgbClr val="000000"/>
-                </a:solidFill>
-              </a:rPr>
-              <a:t>Name</a:t>
-            </a:r>
-            <a:r>
-              <a:rPr lang="en-US" sz="1800" dirty="0">
-                <a:solidFill>
-                  <a:srgbClr val="000000"/>
-                </a:solidFill>
-              </a:rPr>
-              <a:t>: &lt;input type="</a:t>
-            </a:r>
-            <a:r>
-              <a:rPr lang="en-US" sz="1800" dirty="0" smtClean="0">
-                <a:solidFill>
-                  <a:srgbClr val="000000"/>
-                </a:solidFill>
-              </a:rPr>
-              <a:t>text” id</a:t>
-            </a:r>
-            <a:r>
-              <a:rPr lang="en-US" sz="1800" dirty="0">
-                <a:solidFill>
-                  <a:srgbClr val="000000"/>
-                </a:solidFill>
-              </a:rPr>
-              <a:t>="</a:t>
-            </a:r>
-            <a:r>
-              <a:rPr lang="en-US" sz="1800" dirty="0" err="1">
-                <a:solidFill>
-                  <a:srgbClr val="000000"/>
-                </a:solidFill>
-              </a:rPr>
-              <a:t>orderName</a:t>
-            </a:r>
-            <a:r>
-              <a:rPr lang="en-US" sz="1800" dirty="0">
-                <a:solidFill>
-                  <a:srgbClr val="000000"/>
-                </a:solidFill>
-              </a:rPr>
-              <a:t>" </a:t>
-            </a:r>
-            <a:r>
-              <a:rPr lang="en-US" sz="1800" b="1" dirty="0">
-                <a:solidFill>
-                  <a:srgbClr val="800000"/>
-                </a:solidFill>
-              </a:rPr>
-              <a:t>required</a:t>
-            </a:r>
-            <a:r>
-              <a:rPr lang="en-US" sz="1800" dirty="0">
-                <a:solidFill>
-                  <a:srgbClr val="800000"/>
-                </a:solidFill>
-              </a:rPr>
-              <a:t> </a:t>
-            </a:r>
-            <a:r>
-              <a:rPr lang="en-US" sz="1800" b="1" dirty="0">
-                <a:solidFill>
-                  <a:srgbClr val="800000"/>
-                </a:solidFill>
-              </a:rPr>
-              <a:t>autofocus</a:t>
-            </a:r>
-            <a:r>
-              <a:rPr lang="en-US" sz="1800" dirty="0">
-                <a:solidFill>
-                  <a:srgbClr val="800000"/>
-                </a:solidFill>
-              </a:rPr>
-              <a:t> </a:t>
-            </a:r>
-            <a:r>
-              <a:rPr lang="en-US" sz="1800" b="1" dirty="0">
-                <a:solidFill>
-                  <a:srgbClr val="800000"/>
-                </a:solidFill>
-              </a:rPr>
-              <a:t>placeholder</a:t>
-            </a:r>
-            <a:r>
-              <a:rPr lang="en-US" sz="1800" dirty="0">
-                <a:solidFill>
-                  <a:srgbClr val="000000"/>
-                </a:solidFill>
-              </a:rPr>
-              <a:t>="ex. Hugo Reyes" /&gt; </a:t>
-            </a:r>
-            <a:endParaRPr lang="en-US" sz="1800" dirty="0" smtClean="0">
-              <a:solidFill>
-                <a:srgbClr val="000000"/>
-              </a:solidFill>
-            </a:endParaRPr>
-          </a:p>
-          <a:p>
-            <a:pPr marL="0" indent="0">
-              <a:buNone/>
-            </a:pPr>
-            <a:r>
-              <a:rPr lang="en-US" sz="1800" dirty="0" smtClean="0">
-                <a:solidFill>
-                  <a:srgbClr val="000000"/>
-                </a:solidFill>
-              </a:rPr>
-              <a:t>               </a:t>
-            </a:r>
-            <a:endParaRPr lang="en-US" sz="1800" dirty="0">
-              <a:solidFill>
-                <a:srgbClr val="000000"/>
-              </a:solidFill>
-            </a:endParaRPr>
-          </a:p>
-          <a:p>
-            <a:pPr marL="0" indent="0">
-              <a:buNone/>
-            </a:pPr>
-            <a:r>
-              <a:rPr lang="en-US" sz="1800" dirty="0" smtClean="0">
-                <a:solidFill>
-                  <a:srgbClr val="000000"/>
-                </a:solidFill>
-              </a:rPr>
-              <a:t>Email</a:t>
-            </a:r>
-            <a:r>
-              <a:rPr lang="en-US" sz="1800" dirty="0">
-                <a:solidFill>
-                  <a:srgbClr val="000000"/>
-                </a:solidFill>
-              </a:rPr>
-              <a:t>:&lt;input type="</a:t>
-            </a:r>
-            <a:r>
-              <a:rPr lang="en-US" sz="1800" b="1" dirty="0">
-                <a:solidFill>
-                  <a:srgbClr val="800000"/>
-                </a:solidFill>
-              </a:rPr>
-              <a:t>email</a:t>
-            </a:r>
-            <a:r>
-              <a:rPr lang="en-US" sz="1800" dirty="0">
-                <a:solidFill>
-                  <a:srgbClr val="000000"/>
-                </a:solidFill>
-              </a:rPr>
-              <a:t>"  </a:t>
-            </a:r>
-            <a:r>
-              <a:rPr lang="en-US" sz="1800" dirty="0" smtClean="0">
-                <a:solidFill>
-                  <a:srgbClr val="000000"/>
-                </a:solidFill>
-              </a:rPr>
-              <a:t>id</a:t>
-            </a:r>
-            <a:r>
-              <a:rPr lang="en-US" sz="1800" dirty="0">
-                <a:solidFill>
-                  <a:srgbClr val="000000"/>
-                </a:solidFill>
-              </a:rPr>
-              <a:t>="</a:t>
-            </a:r>
-            <a:r>
-              <a:rPr lang="en-US" sz="1800" dirty="0" err="1">
-                <a:solidFill>
-                  <a:srgbClr val="000000"/>
-                </a:solidFill>
-              </a:rPr>
-              <a:t>orderEmail</a:t>
-            </a:r>
-            <a:r>
-              <a:rPr lang="en-US" sz="1800" dirty="0">
-                <a:solidFill>
-                  <a:srgbClr val="000000"/>
-                </a:solidFill>
-              </a:rPr>
-              <a:t>" </a:t>
-            </a:r>
-            <a:r>
-              <a:rPr lang="en-US" sz="1800" b="1" dirty="0">
-                <a:solidFill>
-                  <a:srgbClr val="800000"/>
-                </a:solidFill>
-              </a:rPr>
-              <a:t>required</a:t>
-            </a:r>
-            <a:r>
-              <a:rPr lang="en-US" sz="1800" dirty="0">
-                <a:solidFill>
-                  <a:srgbClr val="800000"/>
-                </a:solidFill>
-              </a:rPr>
-              <a:t> </a:t>
-            </a:r>
-            <a:r>
-              <a:rPr lang="en-US" sz="1800" b="1" dirty="0">
-                <a:solidFill>
-                  <a:srgbClr val="800000"/>
-                </a:solidFill>
-              </a:rPr>
-              <a:t>placeholder</a:t>
-            </a:r>
-            <a:r>
-              <a:rPr lang="en-US" sz="1800" dirty="0">
-                <a:solidFill>
-                  <a:srgbClr val="000000"/>
-                </a:solidFill>
-              </a:rPr>
-              <a:t>="ex. </a:t>
-            </a:r>
-            <a:r>
-              <a:rPr lang="en-US" sz="1800" dirty="0" err="1">
-                <a:solidFill>
-                  <a:srgbClr val="000000"/>
-                </a:solidFill>
-              </a:rPr>
-              <a:t>name@domain.com</a:t>
-            </a:r>
-            <a:r>
-              <a:rPr lang="en-US" sz="1800" dirty="0">
-                <a:solidFill>
-                  <a:srgbClr val="000000"/>
-                </a:solidFill>
-              </a:rPr>
-              <a:t>" /</a:t>
-            </a:r>
-            <a:r>
-              <a:rPr lang="en-US" sz="1800" dirty="0" smtClean="0">
-                <a:solidFill>
-                  <a:srgbClr val="000000"/>
-                </a:solidFill>
-              </a:rPr>
-              <a:t>&gt;</a:t>
-            </a:r>
-          </a:p>
-          <a:p>
-            <a:pPr marL="0" indent="0">
-              <a:buNone/>
-            </a:pPr>
-            <a:endParaRPr lang="en-US" sz="1800" dirty="0">
-              <a:solidFill>
-                <a:srgbClr val="000000"/>
-              </a:solidFill>
-            </a:endParaRPr>
-          </a:p>
-          <a:p>
-            <a:pPr marL="0" indent="0">
-              <a:buNone/>
-            </a:pPr>
-            <a:r>
-              <a:rPr lang="en-US" sz="1800" dirty="0" smtClean="0">
-                <a:solidFill>
-                  <a:srgbClr val="000000"/>
-                </a:solidFill>
-              </a:rPr>
-              <a:t>Tel</a:t>
-            </a:r>
-            <a:r>
-              <a:rPr lang="en-US" sz="1800" dirty="0">
-                <a:solidFill>
-                  <a:srgbClr val="000000"/>
-                </a:solidFill>
-              </a:rPr>
-              <a:t>: &lt;input type="</a:t>
-            </a:r>
-            <a:r>
-              <a:rPr lang="en-US" sz="1800" b="1" dirty="0" err="1">
-                <a:solidFill>
-                  <a:srgbClr val="800000"/>
-                </a:solidFill>
-              </a:rPr>
-              <a:t>tel</a:t>
-            </a:r>
-            <a:r>
-              <a:rPr lang="en-US" sz="1800" dirty="0">
-                <a:solidFill>
-                  <a:srgbClr val="000000"/>
-                </a:solidFill>
-              </a:rPr>
-              <a:t>" id="</a:t>
-            </a:r>
-            <a:r>
-              <a:rPr lang="en-US" sz="1800" dirty="0" err="1">
-                <a:solidFill>
-                  <a:srgbClr val="000000"/>
-                </a:solidFill>
-              </a:rPr>
-              <a:t>orderTelephone</a:t>
-            </a:r>
-            <a:r>
-              <a:rPr lang="en-US" sz="1800" dirty="0">
-                <a:solidFill>
-                  <a:srgbClr val="000000"/>
-                </a:solidFill>
-              </a:rPr>
-              <a:t>"  </a:t>
-            </a:r>
-            <a:r>
-              <a:rPr lang="en-US" sz="1800" b="1" dirty="0" smtClean="0">
-                <a:solidFill>
-                  <a:srgbClr val="800000"/>
-                </a:solidFill>
-              </a:rPr>
-              <a:t>pattern</a:t>
-            </a:r>
-            <a:r>
-              <a:rPr lang="en-US" sz="1800" dirty="0">
-                <a:solidFill>
-                  <a:srgbClr val="000000"/>
-                </a:solidFill>
-              </a:rPr>
-              <a:t>="\(\d\d\d\) \d\d\d\-\d\d\d\d" title="(xxx) xxx-</a:t>
-            </a:r>
-            <a:r>
-              <a:rPr lang="en-US" sz="1800" dirty="0" err="1">
-                <a:solidFill>
-                  <a:srgbClr val="000000"/>
-                </a:solidFill>
-              </a:rPr>
-              <a:t>xxxx</a:t>
-            </a:r>
-            <a:r>
-              <a:rPr lang="en-US" sz="1800" dirty="0">
-                <a:solidFill>
-                  <a:srgbClr val="000000"/>
-                </a:solidFill>
-              </a:rPr>
-              <a:t>" /&gt;  </a:t>
-            </a:r>
-            <a:endParaRPr lang="en-US" sz="1800" dirty="0" smtClean="0">
-              <a:solidFill>
-                <a:srgbClr val="000000"/>
-              </a:solidFill>
-            </a:endParaRPr>
-          </a:p>
-          <a:p>
-            <a:pPr marL="0" indent="0">
-              <a:buNone/>
-            </a:pPr>
-            <a:r>
-              <a:rPr lang="en-US" sz="1800" dirty="0" smtClean="0">
-                <a:solidFill>
-                  <a:srgbClr val="000000"/>
-                </a:solidFill>
-              </a:rPr>
-              <a:t>     </a:t>
-            </a:r>
-            <a:r>
-              <a:rPr lang="en-US" sz="1800" dirty="0">
-                <a:solidFill>
-                  <a:srgbClr val="000000"/>
-                </a:solidFill>
-              </a:rPr>
-              <a:t>		</a:t>
-            </a:r>
-            <a:endParaRPr lang="en-US" sz="1800" dirty="0" smtClean="0">
-              <a:solidFill>
-                <a:srgbClr val="000000"/>
-              </a:solidFill>
-            </a:endParaRPr>
-          </a:p>
-          <a:p>
-            <a:pPr marL="0" indent="0">
-              <a:buNone/>
-            </a:pPr>
-            <a:r>
-              <a:rPr lang="en-US" sz="1800" dirty="0" smtClean="0">
-                <a:solidFill>
-                  <a:srgbClr val="000000"/>
-                </a:solidFill>
-              </a:rPr>
-              <a:t>&lt;</a:t>
-            </a:r>
-            <a:r>
-              <a:rPr lang="en-US" sz="1800" dirty="0">
-                <a:solidFill>
-                  <a:srgbClr val="000000"/>
-                </a:solidFill>
-              </a:rPr>
-              <a:t>input type="submit" value="Place Order" /&gt;</a:t>
-            </a:r>
-          </a:p>
-          <a:p>
-            <a:pPr marL="0" indent="0">
-              <a:buNone/>
-            </a:pPr>
-            <a:r>
-              <a:rPr lang="en-US" sz="1800" dirty="0" smtClean="0">
-                <a:solidFill>
-                  <a:srgbClr val="000000"/>
-                </a:solidFill>
-              </a:rPr>
-              <a:t>&lt;</a:t>
-            </a:r>
-            <a:r>
-              <a:rPr lang="en-US" sz="1800" dirty="0">
-                <a:solidFill>
-                  <a:srgbClr val="000000"/>
-                </a:solidFill>
-              </a:rPr>
-              <a:t>input type="submit" </a:t>
-            </a:r>
-            <a:r>
-              <a:rPr lang="en-US" sz="1800" b="1" dirty="0" err="1">
-                <a:solidFill>
-                  <a:srgbClr val="800000"/>
-                </a:solidFill>
-              </a:rPr>
-              <a:t>formnovalidate</a:t>
-            </a:r>
-            <a:r>
-              <a:rPr lang="en-US" sz="1800" dirty="0">
-                <a:solidFill>
-                  <a:srgbClr val="800000"/>
-                </a:solidFill>
-              </a:rPr>
-              <a:t> </a:t>
-            </a:r>
-            <a:r>
-              <a:rPr lang="en-US" sz="1800" dirty="0">
-                <a:solidFill>
-                  <a:srgbClr val="000000"/>
-                </a:solidFill>
-              </a:rPr>
-              <a:t>value="Save for Later" id="</a:t>
-            </a:r>
-            <a:r>
-              <a:rPr lang="en-US" sz="1800" dirty="0" err="1">
-                <a:solidFill>
-                  <a:srgbClr val="000000"/>
-                </a:solidFill>
-              </a:rPr>
-              <a:t>saveForLater</a:t>
-            </a:r>
-            <a:r>
-              <a:rPr lang="en-US" sz="1800" dirty="0">
-                <a:solidFill>
-                  <a:srgbClr val="000000"/>
-                </a:solidFill>
-              </a:rPr>
-              <a:t>" /</a:t>
-            </a:r>
-            <a:r>
-              <a:rPr lang="en-US" sz="1800" dirty="0" smtClean="0">
-                <a:solidFill>
-                  <a:srgbClr val="000000"/>
-                </a:solidFill>
-              </a:rPr>
-              <a:t>&gt;</a:t>
-            </a:r>
-            <a:endParaRPr lang="en-US" sz="1800" dirty="0">
-              <a:solidFill>
-                <a:srgbClr val="000000"/>
-              </a:solidFill>
-            </a:endParaRPr>
-          </a:p>
-        </p:txBody>
-      </p:sp>
-      <p:pic>
-        <p:nvPicPr>
-          <p:cNvPr id="7" name="Picture 6"/>
-          <p:cNvPicPr>
-            <a:picLocks noChangeAspect="1"/>
-          </p:cNvPicPr>
-          <p:nvPr/>
-        </p:nvPicPr>
-        <p:blipFill>
-          <a:blip r:embed="rId3"/>
-          <a:stretch>
-            <a:fillRect/>
-          </a:stretch>
-        </p:blipFill>
-        <p:spPr>
-          <a:xfrm>
-            <a:off x="5431755" y="4355066"/>
-            <a:ext cx="2269894" cy="2261640"/>
-          </a:xfrm>
-          <a:prstGeom prst="rect">
-            <a:avLst/>
-          </a:prstGeom>
-        </p:spPr>
-      </p:pic>
-      <p:pic>
-        <p:nvPicPr>
-          <p:cNvPr id="9" name="Picture 8"/>
-          <p:cNvPicPr>
-            <a:picLocks noChangeAspect="1"/>
-          </p:cNvPicPr>
-          <p:nvPr/>
-        </p:nvPicPr>
-        <p:blipFill>
-          <a:blip r:embed="rId4"/>
-          <a:stretch>
-            <a:fillRect/>
-          </a:stretch>
-        </p:blipFill>
-        <p:spPr>
-          <a:xfrm>
-            <a:off x="389436" y="4418314"/>
-            <a:ext cx="2312776" cy="2289415"/>
-          </a:xfrm>
-          <a:prstGeom prst="rect">
-            <a:avLst/>
-          </a:prstGeom>
-        </p:spPr>
-      </p:pic>
-      <p:pic>
-        <p:nvPicPr>
-          <p:cNvPr id="8" name="Picture 7"/>
-          <p:cNvPicPr>
-            <a:picLocks noChangeAspect="1"/>
-          </p:cNvPicPr>
-          <p:nvPr/>
-        </p:nvPicPr>
-        <p:blipFill>
-          <a:blip r:embed="rId5"/>
-          <a:stretch>
-            <a:fillRect/>
-          </a:stretch>
-        </p:blipFill>
-        <p:spPr>
-          <a:xfrm>
-            <a:off x="2263908" y="4560586"/>
-            <a:ext cx="2895600" cy="1028700"/>
-          </a:xfrm>
-          <a:prstGeom prst="rect">
-            <a:avLst/>
-          </a:prstGeom>
-        </p:spPr>
-      </p:pic>
-    </p:spTree>
-    <p:extLst>
-      <p:ext uri="{BB962C8B-B14F-4D97-AF65-F5344CB8AC3E}">
-        <p14:creationId xmlns:p14="http://schemas.microsoft.com/office/powerpoint/2010/main" val="1183026920"/>
-      </p:ext>
-    </p:extLst>
-  </p:cSld>
-  <p:clrMapOvr>
-    <a:masterClrMapping/>
-  </p:clrMapOvr>
-  <p:transition xmlns:p14="http://schemas.microsoft.com/office/powerpoint/2010/main">
-    <p:fade/>
-  </p:transition>
-  <p:timing>
-    <p:tnLst>
-      <p:par>
-        <p:cTn xmlns:p14="http://schemas.microsoft.com/office/powerpoint/2010/main" id="1" dur="indefinite" restart="never" nodeType="tmRoot"/>
-      </p:par>
-    </p:tnLst>
-  </p:timing>
-</p:sld>
-</file>
-
-<file path=ppt/slides/slide14.xml><?xml version="1.0" encoding="utf-8"?>
-<p:sld xmlns:a="http://schemas.openxmlformats.org/drawingml/2006/main" xmlns:r="http://schemas.openxmlformats.org/officeDocument/2006/relationships" xmlns:p="http://schemas.openxmlformats.org/presentationml/2006/main">
-  <p:cSld>
-    <p:spTree>
-      <p:nvGrpSpPr>
-        <p:cNvPr id="1" name=""/>
-        <p:cNvGrpSpPr/>
-        <p:nvPr/>
-      </p:nvGrpSpPr>
-      <p:grpSpPr>
-        <a:xfrm>
-          <a:off x="0" y="0"/>
-          <a:ext cx="0" cy="0"/>
-          <a:chOff x="0" y="0"/>
-          <a:chExt cx="0" cy="0"/>
-        </a:xfrm>
-      </p:grpSpPr>
-      <p:sp>
-        <p:nvSpPr>
-          <p:cNvPr id="3" name="Title 2"/>
-          <p:cNvSpPr>
-            <a:spLocks noGrp="1"/>
-          </p:cNvSpPr>
-          <p:nvPr>
             <p:ph type="title"/>
           </p:nvPr>
         </p:nvSpPr>
         <p:spPr>
           <a:xfrm>
             <a:off x="389436" y="228602"/>
-            <a:ext cx="8363938" cy="677108"/>
+            <a:ext cx="8363938" cy="564257"/>
           </a:xfrm>
         </p:spPr>
         <p:txBody>
@@ -13927,7 +13459,7 @@
           <a:lstStyle/>
           <a:p>
             <a:r>
-              <a:rPr lang="en-US" sz="4800" b="0" kern="1200" cap="none" spc="-100" baseline="0" dirty="0" smtClean="0">
+              <a:rPr lang="en-US" sz="4000" b="0" kern="1200" cap="none" spc="-100" baseline="0" dirty="0" smtClean="0">
                 <a:ln w="3175">
                   <a:noFill/>
                 </a:ln>
@@ -13948,13 +13480,33 @@
                 <a:ea typeface="+mn-ea"/>
                 <a:cs typeface="Arial" charset="0"/>
               </a:rPr>
-              <a:t>Browser Support for Form</a:t>
-            </a:r>
-            <a:r>
-              <a:rPr lang="en-US" sz="4800" dirty="0"/>
-              <a:t>s</a:t>
-            </a:r>
-            <a:endParaRPr lang="en-US" dirty="0"/>
+              <a:t>Browser Support for </a:t>
+            </a:r>
+            <a:r>
+              <a:rPr lang="en-US" sz="4000" b="0" kern="1200" cap="none" spc="-100" baseline="0" dirty="0" smtClean="0">
+                <a:ln w="3175">
+                  <a:noFill/>
+                </a:ln>
+                <a:gradFill flip="none" rotWithShape="1">
+                  <a:gsLst>
+                    <a:gs pos="0">
+                      <a:schemeClr val="tx1"/>
+                    </a:gs>
+                    <a:gs pos="86000">
+                      <a:schemeClr val="tx1"/>
+                    </a:gs>
+                  </a:gsLst>
+                  <a:lin ang="5400000" scaled="0"/>
+                  <a:tileRect/>
+                </a:gradFill>
+                <a:effectLst/>
+                <a:latin typeface="+mj-lt"/>
+                <a:ea typeface="+mn-ea"/>
+                <a:cs typeface="Arial" charset="0"/>
+              </a:rPr>
+              <a:t>Text-Shadow</a:t>
+            </a:r>
+            <a:endParaRPr lang="en-US" sz="3600" dirty="0"/>
           </a:p>
         </p:txBody>
       </p:sp>
@@ -13968,7 +13520,7 @@
             <p:ph idx="1"/>
             <p:extLst>
               <p:ext uri="{D42A27DB-BD31-4B8C-83A1-F6EECF244321}">
-                <p14:modId xmlns:p14="http://schemas.microsoft.com/office/powerpoint/2010/main" val="2150732251"/>
+                <p14:modId xmlns:p14="http://schemas.microsoft.com/office/powerpoint/2010/main" val="209882385"/>
               </p:ext>
             </p:extLst>
           </p:nvPr>
@@ -14261,7 +13813,1091 @@
                             <a:srgbClr val="000000"/>
                           </a:solidFill>
                         </a:rPr>
+                        <a:t>3.5</a:t>
+                      </a:r>
+                      <a:endParaRPr lang="en-US" sz="3200" b="1" dirty="0">
+                        <a:solidFill>
+                          <a:srgbClr val="000000"/>
+                        </a:solidFill>
+                      </a:endParaRPr>
+                    </a:p>
+                  </a:txBody>
+                  <a:tcPr/>
+                </a:tc>
+                <a:tc>
+                  <a:txBody>
+                    <a:bodyPr/>
+                    <a:lstStyle/>
+                    <a:p>
+                      <a:pPr algn="ctr"/>
+                      <a:r>
+                        <a:rPr lang="en-US" sz="3200" b="1" dirty="0" smtClean="0">
+                          <a:solidFill>
+                            <a:srgbClr val="000000"/>
+                          </a:solidFill>
+                        </a:rPr>
+                        <a:t>9.5</a:t>
+                      </a:r>
+                      <a:endParaRPr lang="en-US" sz="3200" b="1" dirty="0">
+                        <a:solidFill>
+                          <a:srgbClr val="000000"/>
+                        </a:solidFill>
+                      </a:endParaRPr>
+                    </a:p>
+                  </a:txBody>
+                  <a:tcPr/>
+                </a:tc>
+                <a:tc>
+                  <a:txBody>
+                    <a:bodyPr/>
+                    <a:lstStyle/>
+                    <a:p>
+                      <a:pPr algn="ctr"/>
+                      <a:r>
+                        <a:rPr lang="en-US" sz="3200" b="1" dirty="0" smtClean="0">
+                          <a:solidFill>
+                            <a:srgbClr val="000000"/>
+                          </a:solidFill>
+                        </a:rPr>
                         <a:t>4</a:t>
+                      </a:r>
+                      <a:endParaRPr lang="en-US" sz="3200" b="1" dirty="0">
+                        <a:solidFill>
+                          <a:srgbClr val="000000"/>
+                        </a:solidFill>
+                      </a:endParaRPr>
+                    </a:p>
+                  </a:txBody>
+                  <a:tcPr/>
+                </a:tc>
+                <a:tc>
+                  <a:txBody>
+                    <a:bodyPr/>
+                    <a:lstStyle/>
+                    <a:p>
+                      <a:pPr algn="ctr"/>
+                      <a:r>
+                        <a:rPr lang="en-US" sz="2800" b="1" dirty="0" smtClean="0">
+                          <a:solidFill>
+                            <a:srgbClr val="000000"/>
+                          </a:solidFill>
+                        </a:rPr>
+                        <a:t>?</a:t>
+                      </a:r>
+                      <a:endParaRPr lang="en-US" sz="2800" b="1" dirty="0">
+                        <a:solidFill>
+                          <a:srgbClr val="000000"/>
+                        </a:solidFill>
+                      </a:endParaRPr>
+                    </a:p>
+                  </a:txBody>
+                  <a:tcPr/>
+                </a:tc>
+                <a:tc>
+                  <a:txBody>
+                    <a:bodyPr/>
+                    <a:lstStyle/>
+                    <a:p>
+                      <a:pPr algn="ctr"/>
+                      <a:r>
+                        <a:rPr lang="en-US" sz="2800" b="1" dirty="0" smtClean="0">
+                          <a:solidFill>
+                            <a:srgbClr val="000000"/>
+                          </a:solidFill>
+                        </a:rPr>
+                        <a:t>2.1</a:t>
+                      </a:r>
+                      <a:endParaRPr lang="en-US" sz="2800" b="1" dirty="0">
+                        <a:solidFill>
+                          <a:srgbClr val="000000"/>
+                        </a:solidFill>
+                      </a:endParaRPr>
+                    </a:p>
+                  </a:txBody>
+                  <a:tcPr/>
+                </a:tc>
+                <a:tc>
+                  <a:txBody>
+                    <a:bodyPr/>
+                    <a:lstStyle/>
+                    <a:p>
+                      <a:pPr algn="ctr"/>
+                      <a:r>
+                        <a:rPr lang="en-US" sz="2800" b="1" dirty="0" smtClean="0">
+                          <a:solidFill>
+                            <a:srgbClr val="000000"/>
+                          </a:solidFill>
+                        </a:rPr>
+                        <a:t>3.2</a:t>
+                      </a:r>
+                      <a:endParaRPr lang="en-US" sz="2800" b="1" dirty="0">
+                        <a:solidFill>
+                          <a:srgbClr val="000000"/>
+                        </a:solidFill>
+                      </a:endParaRPr>
+                    </a:p>
+                  </a:txBody>
+                  <a:tcPr/>
+                </a:tc>
+              </a:tr>
+            </a:tbl>
+          </a:graphicData>
+        </a:graphic>
+      </p:graphicFrame>
+      <p:pic>
+        <p:nvPicPr>
+          <p:cNvPr id="9" name="Picture 8"/>
+          <p:cNvPicPr>
+            <a:picLocks noChangeAspect="1"/>
+          </p:cNvPicPr>
+          <p:nvPr/>
+        </p:nvPicPr>
+        <p:blipFill>
+          <a:blip r:embed="rId2"/>
+          <a:stretch>
+            <a:fillRect/>
+          </a:stretch>
+        </p:blipFill>
+        <p:spPr>
+          <a:xfrm>
+            <a:off x="716008" y="2574169"/>
+            <a:ext cx="1042309" cy="1042309"/>
+          </a:xfrm>
+          <a:prstGeom prst="rect">
+            <a:avLst/>
+          </a:prstGeom>
+        </p:spPr>
+      </p:pic>
+      <p:pic>
+        <p:nvPicPr>
+          <p:cNvPr id="18" name="Picture 17"/>
+          <p:cNvPicPr>
+            <a:picLocks noChangeAspect="1"/>
+          </p:cNvPicPr>
+          <p:nvPr/>
+        </p:nvPicPr>
+        <p:blipFill>
+          <a:blip r:embed="rId3"/>
+          <a:stretch>
+            <a:fillRect/>
+          </a:stretch>
+        </p:blipFill>
+        <p:spPr>
+          <a:xfrm>
+            <a:off x="3038324" y="2581882"/>
+            <a:ext cx="1037771" cy="1037771"/>
+          </a:xfrm>
+          <a:prstGeom prst="rect">
+            <a:avLst/>
+          </a:prstGeom>
+        </p:spPr>
+      </p:pic>
+      <p:pic>
+        <p:nvPicPr>
+          <p:cNvPr id="19" name="Picture 18"/>
+          <p:cNvPicPr>
+            <a:picLocks noChangeAspect="1"/>
+          </p:cNvPicPr>
+          <p:nvPr/>
+        </p:nvPicPr>
+        <p:blipFill>
+          <a:blip r:embed="rId4"/>
+          <a:stretch>
+            <a:fillRect/>
+          </a:stretch>
+        </p:blipFill>
+        <p:spPr>
+          <a:xfrm>
+            <a:off x="4171650" y="2578707"/>
+            <a:ext cx="956731" cy="1040946"/>
+          </a:xfrm>
+          <a:prstGeom prst="rect">
+            <a:avLst/>
+          </a:prstGeom>
+        </p:spPr>
+      </p:pic>
+      <p:pic>
+        <p:nvPicPr>
+          <p:cNvPr id="20" name="Picture 19"/>
+          <p:cNvPicPr>
+            <a:picLocks noChangeAspect="1"/>
+          </p:cNvPicPr>
+          <p:nvPr/>
+        </p:nvPicPr>
+        <p:blipFill>
+          <a:blip r:embed="rId5"/>
+          <a:stretch>
+            <a:fillRect/>
+          </a:stretch>
+        </p:blipFill>
+        <p:spPr>
+          <a:xfrm>
+            <a:off x="1880809" y="2570240"/>
+            <a:ext cx="1046238" cy="1046238"/>
+          </a:xfrm>
+          <a:prstGeom prst="rect">
+            <a:avLst/>
+          </a:prstGeom>
+        </p:spPr>
+      </p:pic>
+      <p:pic>
+        <p:nvPicPr>
+          <p:cNvPr id="21" name="Picture 20"/>
+          <p:cNvPicPr>
+            <a:picLocks noChangeAspect="1"/>
+          </p:cNvPicPr>
+          <p:nvPr/>
+        </p:nvPicPr>
+        <p:blipFill>
+          <a:blip r:embed="rId6"/>
+          <a:stretch>
+            <a:fillRect/>
+          </a:stretch>
+        </p:blipFill>
+        <p:spPr>
+          <a:xfrm>
+            <a:off x="5256591" y="2580672"/>
+            <a:ext cx="1038981" cy="1038981"/>
+          </a:xfrm>
+          <a:prstGeom prst="rect">
+            <a:avLst/>
+          </a:prstGeom>
+        </p:spPr>
+      </p:pic>
+      <p:pic>
+        <p:nvPicPr>
+          <p:cNvPr id="22" name="Picture 21"/>
+          <p:cNvPicPr>
+            <a:picLocks noChangeAspect="1"/>
+          </p:cNvPicPr>
+          <p:nvPr/>
+        </p:nvPicPr>
+        <p:blipFill>
+          <a:blip r:embed="rId7"/>
+          <a:stretch>
+            <a:fillRect/>
+          </a:stretch>
+        </p:blipFill>
+        <p:spPr>
+          <a:xfrm>
+            <a:off x="7027332" y="2914712"/>
+            <a:ext cx="701766" cy="701766"/>
+          </a:xfrm>
+          <a:prstGeom prst="rect">
+            <a:avLst/>
+          </a:prstGeom>
+        </p:spPr>
+      </p:pic>
+      <p:pic>
+        <p:nvPicPr>
+          <p:cNvPr id="23" name="Picture 22"/>
+          <p:cNvPicPr>
+            <a:picLocks noChangeAspect="1"/>
+          </p:cNvPicPr>
+          <p:nvPr/>
+        </p:nvPicPr>
+        <p:blipFill>
+          <a:blip r:embed="rId2"/>
+          <a:stretch>
+            <a:fillRect/>
+          </a:stretch>
+        </p:blipFill>
+        <p:spPr>
+          <a:xfrm>
+            <a:off x="6366931" y="2992362"/>
+            <a:ext cx="624116" cy="624116"/>
+          </a:xfrm>
+          <a:prstGeom prst="rect">
+            <a:avLst/>
+          </a:prstGeom>
+        </p:spPr>
+      </p:pic>
+      <p:pic>
+        <p:nvPicPr>
+          <p:cNvPr id="24" name="Picture 23"/>
+          <p:cNvPicPr>
+            <a:picLocks noChangeAspect="1"/>
+          </p:cNvPicPr>
+          <p:nvPr/>
+        </p:nvPicPr>
+        <p:blipFill>
+          <a:blip r:embed="rId6"/>
+          <a:stretch>
+            <a:fillRect/>
+          </a:stretch>
+        </p:blipFill>
+        <p:spPr>
+          <a:xfrm>
+            <a:off x="7789573" y="2992362"/>
+            <a:ext cx="639387" cy="639387"/>
+          </a:xfrm>
+          <a:prstGeom prst="rect">
+            <a:avLst/>
+          </a:prstGeom>
+        </p:spPr>
+      </p:pic>
+    </p:spTree>
+    <p:extLst>
+      <p:ext uri="{BB962C8B-B14F-4D97-AF65-F5344CB8AC3E}">
+        <p14:creationId xmlns:p14="http://schemas.microsoft.com/office/powerpoint/2010/main" val="411178340"/>
+      </p:ext>
+    </p:extLst>
+  </p:cSld>
+  <p:clrMapOvr>
+    <a:masterClrMapping/>
+  </p:clrMapOvr>
+  <p:transition xmlns:p14="http://schemas.microsoft.com/office/powerpoint/2010/main">
+    <p:fade/>
+  </p:transition>
+  <p:timing>
+    <p:tnLst>
+      <p:par>
+        <p:cTn xmlns:p14="http://schemas.microsoft.com/office/powerpoint/2010/main" id="1" dur="indefinite" restart="never" nodeType="tmRoot"/>
+      </p:par>
+    </p:tnLst>
+  </p:timing>
+</p:sld>
+</file>
+
+<file path=ppt/slides/slide13.xml><?xml version="1.0" encoding="utf-8"?>
+<p:sld xmlns:a="http://schemas.openxmlformats.org/drawingml/2006/main" xmlns:r="http://schemas.openxmlformats.org/officeDocument/2006/relationships" xmlns:p="http://schemas.openxmlformats.org/presentationml/2006/main">
+  <p:cSld>
+    <p:spTree>
+      <p:nvGrpSpPr>
+        <p:cNvPr id="1" name=""/>
+        <p:cNvGrpSpPr/>
+        <p:nvPr/>
+      </p:nvGrpSpPr>
+      <p:grpSpPr>
+        <a:xfrm>
+          <a:off x="0" y="0"/>
+          <a:ext cx="0" cy="0"/>
+          <a:chOff x="0" y="0"/>
+          <a:chExt cx="0" cy="0"/>
+        </a:xfrm>
+      </p:grpSpPr>
+      <p:sp>
+        <p:nvSpPr>
+          <p:cNvPr id="6" name="Text Placeholder 5"/>
+          <p:cNvSpPr>
+            <a:spLocks noGrp="1"/>
+          </p:cNvSpPr>
+          <p:nvPr>
+            <p:ph type="body" sz="quarter" idx="10"/>
+          </p:nvPr>
+        </p:nvSpPr>
+        <p:spPr/>
+        <p:txBody>
+          <a:bodyPr/>
+          <a:lstStyle/>
+          <a:p>
+            <a:r>
+              <a:rPr lang="en-US" dirty="0" smtClean="0"/>
+              <a:t>demo</a:t>
+            </a:r>
+            <a:endParaRPr lang="en-US" dirty="0"/>
+          </a:p>
+        </p:txBody>
+      </p:sp>
+      <p:sp>
+        <p:nvSpPr>
+          <p:cNvPr id="3" name="Title 2"/>
+          <p:cNvSpPr>
+            <a:spLocks noGrp="1"/>
+          </p:cNvSpPr>
+          <p:nvPr>
+            <p:ph type="ctrTitle"/>
+          </p:nvPr>
+        </p:nvSpPr>
+        <p:spPr/>
+        <p:txBody>
+          <a:bodyPr/>
+          <a:lstStyle/>
+          <a:p>
+            <a:r>
+              <a:rPr lang="en-US" sz="4000" dirty="0" smtClean="0"/>
+              <a:t>Box-Shadow and Text-Shadow</a:t>
+            </a:r>
+            <a:endParaRPr lang="en-US" sz="4000" dirty="0"/>
+          </a:p>
+        </p:txBody>
+      </p:sp>
+      <p:sp>
+        <p:nvSpPr>
+          <p:cNvPr id="7" name="Subtitle 6"/>
+          <p:cNvSpPr>
+            <a:spLocks noGrp="1"/>
+          </p:cNvSpPr>
+          <p:nvPr>
+            <p:ph type="subTitle" idx="1"/>
+          </p:nvPr>
+        </p:nvSpPr>
+        <p:spPr/>
+        <p:txBody>
+          <a:bodyPr/>
+          <a:lstStyle/>
+          <a:p>
+            <a:endParaRPr lang="en-US"/>
+          </a:p>
+        </p:txBody>
+      </p:sp>
+    </p:spTree>
+    <p:extLst>
+      <p:ext uri="{BB962C8B-B14F-4D97-AF65-F5344CB8AC3E}">
+        <p14:creationId xmlns:p14="http://schemas.microsoft.com/office/powerpoint/2010/main" val="1398732076"/>
+      </p:ext>
+    </p:extLst>
+  </p:cSld>
+  <p:clrMapOvr>
+    <a:masterClrMapping/>
+  </p:clrMapOvr>
+  <p:transition xmlns:p14="http://schemas.microsoft.com/office/powerpoint/2010/main">
+    <p:fade/>
+  </p:transition>
+  <p:timing>
+    <p:tnLst>
+      <p:par>
+        <p:cTn xmlns:p14="http://schemas.microsoft.com/office/powerpoint/2010/main" id="1" dur="indefinite" restart="never" nodeType="tmRoot"/>
+      </p:par>
+    </p:tnLst>
+  </p:timing>
+</p:sld>
+</file>
+
+<file path=ppt/slides/slide14.xml><?xml version="1.0" encoding="utf-8"?>
+<p:sld xmlns:a="http://schemas.openxmlformats.org/drawingml/2006/main" xmlns:r="http://schemas.openxmlformats.org/officeDocument/2006/relationships" xmlns:p="http://schemas.openxmlformats.org/presentationml/2006/main">
+  <p:cSld>
+    <p:spTree>
+      <p:nvGrpSpPr>
+        <p:cNvPr id="1" name=""/>
+        <p:cNvGrpSpPr/>
+        <p:nvPr/>
+      </p:nvGrpSpPr>
+      <p:grpSpPr>
+        <a:xfrm>
+          <a:off x="0" y="0"/>
+          <a:ext cx="0" cy="0"/>
+          <a:chOff x="0" y="0"/>
+          <a:chExt cx="0" cy="0"/>
+        </a:xfrm>
+      </p:grpSpPr>
+      <p:sp>
+        <p:nvSpPr>
+          <p:cNvPr id="3" name="Title 2"/>
+          <p:cNvSpPr>
+            <a:spLocks noGrp="1"/>
+          </p:cNvSpPr>
+          <p:nvPr>
+            <p:ph type="ctrTitle"/>
+          </p:nvPr>
+        </p:nvSpPr>
+        <p:spPr/>
+        <p:txBody>
+          <a:bodyPr/>
+          <a:lstStyle/>
+          <a:p>
+            <a:r>
+              <a:rPr lang="en-US" dirty="0" smtClean="0"/>
+              <a:t>Web Fonts*</a:t>
+            </a:r>
+            <a:endParaRPr lang="en-US" dirty="0"/>
+          </a:p>
+        </p:txBody>
+      </p:sp>
+      <p:sp>
+        <p:nvSpPr>
+          <p:cNvPr id="5" name="Subtitle 4"/>
+          <p:cNvSpPr>
+            <a:spLocks noGrp="1"/>
+          </p:cNvSpPr>
+          <p:nvPr>
+            <p:ph type="subTitle" idx="1"/>
+          </p:nvPr>
+        </p:nvSpPr>
+        <p:spPr>
+          <a:xfrm>
+            <a:off x="727664" y="4703875"/>
+            <a:ext cx="7683914" cy="463255"/>
+          </a:xfrm>
+        </p:spPr>
+        <p:txBody>
+          <a:bodyPr/>
+          <a:lstStyle/>
+          <a:p>
+            <a:r>
+              <a:rPr lang="en-US" dirty="0" smtClean="0">
+                <a:solidFill>
+                  <a:schemeClr val="accent1"/>
+                </a:solidFill>
+                <a:latin typeface="Comic Sans MS"/>
+                <a:cs typeface="Comic Sans MS"/>
+              </a:rPr>
+              <a:t>*Finally, </a:t>
+            </a:r>
+            <a:r>
+              <a:rPr lang="en-US" dirty="0" smtClean="0">
+                <a:solidFill>
+                  <a:schemeClr val="accent1"/>
+                </a:solidFill>
+                <a:latin typeface="Comic Sans MS"/>
+                <a:cs typeface="Comic Sans MS"/>
+              </a:rPr>
+              <a:t>Comic Sans is supported in the browser!</a:t>
+            </a:r>
+            <a:endParaRPr lang="en-US" dirty="0">
+              <a:solidFill>
+                <a:schemeClr val="accent1"/>
+              </a:solidFill>
+              <a:latin typeface="Comic Sans MS"/>
+              <a:cs typeface="Comic Sans MS"/>
+            </a:endParaRPr>
+          </a:p>
+        </p:txBody>
+      </p:sp>
+    </p:spTree>
+    <p:extLst>
+      <p:ext uri="{BB962C8B-B14F-4D97-AF65-F5344CB8AC3E}">
+        <p14:creationId xmlns:p14="http://schemas.microsoft.com/office/powerpoint/2010/main" val="2377827062"/>
+      </p:ext>
+    </p:extLst>
+  </p:cSld>
+  <p:clrMapOvr>
+    <a:masterClrMapping/>
+  </p:clrMapOvr>
+  <p:transition xmlns:p14="http://schemas.microsoft.com/office/powerpoint/2010/main">
+    <p:fade/>
+  </p:transition>
+  <p:timing>
+    <p:tnLst>
+      <p:par>
+        <p:cTn xmlns:p14="http://schemas.microsoft.com/office/powerpoint/2010/main" id="1" dur="indefinite" restart="never" nodeType="tmRoot"/>
+      </p:par>
+    </p:tnLst>
+  </p:timing>
+</p:sld>
+</file>
+
+<file path=ppt/slides/slide15.xml><?xml version="1.0" encoding="utf-8"?>
+<p:sld xmlns:a="http://schemas.openxmlformats.org/drawingml/2006/main" xmlns:r="http://schemas.openxmlformats.org/officeDocument/2006/relationships" xmlns:p="http://schemas.openxmlformats.org/presentationml/2006/main">
+  <p:cSld>
+    <p:spTree>
+      <p:nvGrpSpPr>
+        <p:cNvPr id="1" name=""/>
+        <p:cNvGrpSpPr/>
+        <p:nvPr/>
+      </p:nvGrpSpPr>
+      <p:grpSpPr>
+        <a:xfrm>
+          <a:off x="0" y="0"/>
+          <a:ext cx="0" cy="0"/>
+          <a:chOff x="0" y="0"/>
+          <a:chExt cx="0" cy="0"/>
+        </a:xfrm>
+      </p:grpSpPr>
+      <p:sp>
+        <p:nvSpPr>
+          <p:cNvPr id="5" name="Title 4"/>
+          <p:cNvSpPr>
+            <a:spLocks noGrp="1"/>
+          </p:cNvSpPr>
+          <p:nvPr>
+            <p:ph type="title"/>
+          </p:nvPr>
+        </p:nvSpPr>
+        <p:spPr/>
+        <p:txBody>
+          <a:bodyPr/>
+          <a:lstStyle/>
+          <a:p>
+            <a:r>
+              <a:rPr lang="en-US" dirty="0" smtClean="0"/>
+              <a:t>Using @font-face </a:t>
+            </a:r>
+            <a:endParaRPr lang="en-US" dirty="0"/>
+          </a:p>
+        </p:txBody>
+      </p:sp>
+      <p:sp>
+        <p:nvSpPr>
+          <p:cNvPr id="2" name="Text Placeholder 1"/>
+          <p:cNvSpPr>
+            <a:spLocks noGrp="1"/>
+          </p:cNvSpPr>
+          <p:nvPr>
+            <p:ph type="body" sz="quarter" idx="10"/>
+          </p:nvPr>
+        </p:nvSpPr>
+        <p:spPr/>
+        <p:txBody>
+          <a:bodyPr/>
+          <a:lstStyle/>
+          <a:p>
+            <a:endParaRPr lang="en-US"/>
+          </a:p>
+        </p:txBody>
+      </p:sp>
+    </p:spTree>
+    <p:extLst>
+      <p:ext uri="{BB962C8B-B14F-4D97-AF65-F5344CB8AC3E}">
+        <p14:creationId xmlns:p14="http://schemas.microsoft.com/office/powerpoint/2010/main" val="1183026920"/>
+      </p:ext>
+    </p:extLst>
+  </p:cSld>
+  <p:clrMapOvr>
+    <a:masterClrMapping/>
+  </p:clrMapOvr>
+  <p:transition xmlns:p14="http://schemas.microsoft.com/office/powerpoint/2010/main">
+    <p:fade/>
+  </p:transition>
+  <p:timing>
+    <p:tnLst>
+      <p:par>
+        <p:cTn xmlns:p14="http://schemas.microsoft.com/office/powerpoint/2010/main" id="1" dur="indefinite" restart="never" nodeType="tmRoot"/>
+      </p:par>
+    </p:tnLst>
+  </p:timing>
+</p:sld>
+</file>
+
+<file path=ppt/slides/slide16.xml><?xml version="1.0" encoding="utf-8"?>
+<p:sld xmlns:a="http://schemas.openxmlformats.org/drawingml/2006/main" xmlns:r="http://schemas.openxmlformats.org/officeDocument/2006/relationships" xmlns:p="http://schemas.openxmlformats.org/presentationml/2006/main">
+  <p:cSld>
+    <p:spTree>
+      <p:nvGrpSpPr>
+        <p:cNvPr id="1" name=""/>
+        <p:cNvGrpSpPr/>
+        <p:nvPr/>
+      </p:nvGrpSpPr>
+      <p:grpSpPr>
+        <a:xfrm>
+          <a:off x="0" y="0"/>
+          <a:ext cx="0" cy="0"/>
+          <a:chOff x="0" y="0"/>
+          <a:chExt cx="0" cy="0"/>
+        </a:xfrm>
+      </p:grpSpPr>
+      <p:sp>
+        <p:nvSpPr>
+          <p:cNvPr id="3" name="Title 2"/>
+          <p:cNvSpPr>
+            <a:spLocks noGrp="1"/>
+          </p:cNvSpPr>
+          <p:nvPr>
+            <p:ph type="title"/>
+          </p:nvPr>
+        </p:nvSpPr>
+        <p:spPr>
+          <a:xfrm>
+            <a:off x="389436" y="228602"/>
+            <a:ext cx="8363938" cy="677108"/>
+          </a:xfrm>
+        </p:spPr>
+        <p:txBody>
+          <a:bodyPr/>
+          <a:lstStyle/>
+          <a:p>
+            <a:r>
+              <a:rPr lang="en-US" sz="4800" b="0" kern="1200" cap="none" spc="-100" baseline="0" dirty="0" smtClean="0">
+                <a:ln w="3175">
+                  <a:noFill/>
+                </a:ln>
+                <a:gradFill flip="none" rotWithShape="1">
+                  <a:gsLst>
+                    <a:gs pos="0">
+                      <a:schemeClr val="tx1"/>
+                    </a:gs>
+                    <a:gs pos="86000">
+                      <a:schemeClr val="tx1"/>
+                    </a:gs>
+                  </a:gsLst>
+                  <a:lin ang="5400000" scaled="0"/>
+                  <a:tileRect/>
+                </a:gradFill>
+                <a:effectLst/>
+                <a:latin typeface="+mj-lt"/>
+                <a:ea typeface="+mn-ea"/>
+                <a:cs typeface="Arial" charset="0"/>
+              </a:rPr>
+              <a:t>Browser Support for </a:t>
+            </a:r>
+            <a:r>
+              <a:rPr lang="en-US" sz="4800" b="0" kern="1200" cap="none" spc="-100" baseline="0" dirty="0" smtClean="0">
+                <a:ln w="3175">
+                  <a:noFill/>
+                </a:ln>
+                <a:gradFill flip="none" rotWithShape="1">
+                  <a:gsLst>
+                    <a:gs pos="0">
+                      <a:schemeClr val="tx1"/>
+                    </a:gs>
+                    <a:gs pos="86000">
+                      <a:schemeClr val="tx1"/>
+                    </a:gs>
+                  </a:gsLst>
+                  <a:lin ang="5400000" scaled="0"/>
+                  <a:tileRect/>
+                </a:gradFill>
+                <a:effectLst/>
+                <a:latin typeface="+mj-lt"/>
+                <a:ea typeface="+mn-ea"/>
+                <a:cs typeface="Arial" charset="0"/>
+              </a:rPr>
+              <a:t>Web Fonts</a:t>
+            </a:r>
+            <a:endParaRPr lang="en-US" dirty="0"/>
+          </a:p>
+        </p:txBody>
+      </p:sp>
+      <p:graphicFrame>
+        <p:nvGraphicFramePr>
+          <p:cNvPr id="6" name="Content Placeholder 5"/>
+          <p:cNvGraphicFramePr>
+            <a:graphicFrameLocks noGrp="1"/>
+          </p:cNvGraphicFramePr>
+          <p:nvPr>
+            <p:ph idx="1"/>
+            <p:extLst>
+              <p:ext uri="{D42A27DB-BD31-4B8C-83A1-F6EECF244321}">
+                <p14:modId xmlns:p14="http://schemas.microsoft.com/office/powerpoint/2010/main" val="1832218648"/>
+              </p:ext>
+            </p:extLst>
+          </p:nvPr>
+        </p:nvGraphicFramePr>
+        <p:xfrm>
+          <a:off x="653147" y="2412276"/>
+          <a:ext cx="7836622" cy="1940558"/>
+        </p:xfrm>
+        <a:graphic>
+          <a:graphicData uri="http://schemas.openxmlformats.org/drawingml/2006/table">
+            <a:tbl>
+              <a:tblPr firstRow="1" bandCol="1">
+                <a:tableStyleId>{B301B821-A1FF-4177-AEE7-76D212191A09}</a:tableStyleId>
+              </a:tblPr>
+              <a:tblGrid>
+                <a:gridCol w="1161139"/>
+                <a:gridCol w="1185333"/>
+                <a:gridCol w="1100667"/>
+                <a:gridCol w="1112762"/>
+                <a:gridCol w="1124857"/>
+                <a:gridCol w="689428"/>
+                <a:gridCol w="701524"/>
+                <a:gridCol w="760912"/>
+              </a:tblGrid>
+              <a:tr h="405914">
+                <a:tc rowSpan="2">
+                  <a:txBody>
+                    <a:bodyPr/>
+                    <a:lstStyle/>
+                    <a:p>
+                      <a:endParaRPr lang="en-US" b="1" dirty="0">
+                        <a:solidFill>
+                          <a:srgbClr val="000000"/>
+                        </a:solidFill>
+                      </a:endParaRPr>
+                    </a:p>
+                  </a:txBody>
+                  <a:tcPr/>
+                </a:tc>
+                <a:tc rowSpan="2">
+                  <a:txBody>
+                    <a:bodyPr/>
+                    <a:lstStyle/>
+                    <a:p>
+                      <a:endParaRPr lang="en-US" b="1" dirty="0">
+                        <a:solidFill>
+                          <a:srgbClr val="000000"/>
+                        </a:solidFill>
+                      </a:endParaRPr>
+                    </a:p>
+                  </a:txBody>
+                  <a:tcPr/>
+                </a:tc>
+                <a:tc rowSpan="2">
+                  <a:txBody>
+                    <a:bodyPr/>
+                    <a:lstStyle/>
+                    <a:p>
+                      <a:endParaRPr lang="en-US" b="1" dirty="0">
+                        <a:solidFill>
+                          <a:srgbClr val="000000"/>
+                        </a:solidFill>
+                      </a:endParaRPr>
+                    </a:p>
+                  </a:txBody>
+                  <a:tcPr/>
+                </a:tc>
+                <a:tc rowSpan="2">
+                  <a:txBody>
+                    <a:bodyPr/>
+                    <a:lstStyle/>
+                    <a:p>
+                      <a:endParaRPr lang="en-US" b="1" dirty="0">
+                        <a:solidFill>
+                          <a:srgbClr val="000000"/>
+                        </a:solidFill>
+                      </a:endParaRPr>
+                    </a:p>
+                  </a:txBody>
+                  <a:tcPr/>
+                </a:tc>
+                <a:tc rowSpan="2">
+                  <a:txBody>
+                    <a:bodyPr/>
+                    <a:lstStyle/>
+                    <a:p>
+                      <a:endParaRPr lang="en-US" b="1" dirty="0">
+                        <a:solidFill>
+                          <a:srgbClr val="000000"/>
+                        </a:solidFill>
+                      </a:endParaRPr>
+                    </a:p>
+                  </a:txBody>
+                  <a:tcPr/>
+                </a:tc>
+                <a:tc gridSpan="3">
+                  <a:txBody>
+                    <a:bodyPr/>
+                    <a:lstStyle/>
+                    <a:p>
+                      <a:pPr algn="ctr"/>
+                      <a:r>
+                        <a:rPr lang="en-US" b="1" dirty="0" smtClean="0">
+                          <a:solidFill>
+                            <a:srgbClr val="000000"/>
+                          </a:solidFill>
+                        </a:rPr>
+                        <a:t>Mobile</a:t>
+                      </a:r>
+                      <a:endParaRPr lang="en-US" b="1" dirty="0">
+                        <a:solidFill>
+                          <a:srgbClr val="000000"/>
+                        </a:solidFill>
+                      </a:endParaRPr>
+                    </a:p>
+                  </a:txBody>
+                  <a:tcPr/>
+                </a:tc>
+                <a:tc hMerge="1">
+                  <a:txBody>
+                    <a:bodyPr/>
+                    <a:lstStyle/>
+                    <a:p>
+                      <a:endParaRPr lang="en-US" dirty="0"/>
+                    </a:p>
+                  </a:txBody>
+                  <a:tcPr/>
+                </a:tc>
+                <a:tc hMerge="1">
+                  <a:txBody>
+                    <a:bodyPr/>
+                    <a:lstStyle/>
+                    <a:p>
+                      <a:endParaRPr lang="en-US" dirty="0"/>
+                    </a:p>
+                  </a:txBody>
+                  <a:tcPr/>
+                </a:tc>
+              </a:tr>
+              <a:tr h="955524">
+                <a:tc vMerge="1">
+                  <a:txBody>
+                    <a:bodyPr/>
+                    <a:lstStyle/>
+                    <a:p>
+                      <a:endParaRPr lang="en-US" dirty="0"/>
+                    </a:p>
+                  </a:txBody>
+                  <a:tcPr/>
+                </a:tc>
+                <a:tc vMerge="1">
+                  <a:txBody>
+                    <a:bodyPr/>
+                    <a:lstStyle/>
+                    <a:p>
+                      <a:endParaRPr lang="en-US" dirty="0"/>
+                    </a:p>
+                  </a:txBody>
+                  <a:tcPr/>
+                </a:tc>
+                <a:tc vMerge="1">
+                  <a:txBody>
+                    <a:bodyPr/>
+                    <a:lstStyle/>
+                    <a:p>
+                      <a:endParaRPr lang="en-US" dirty="0"/>
+                    </a:p>
+                  </a:txBody>
+                  <a:tcPr/>
+                </a:tc>
+                <a:tc vMerge="1">
+                  <a:txBody>
+                    <a:bodyPr/>
+                    <a:lstStyle/>
+                    <a:p>
+                      <a:endParaRPr lang="en-US" dirty="0"/>
+                    </a:p>
+                  </a:txBody>
+                  <a:tcPr/>
+                </a:tc>
+                <a:tc vMerge="1">
+                  <a:txBody>
+                    <a:bodyPr/>
+                    <a:lstStyle/>
+                    <a:p>
+                      <a:endParaRPr lang="en-US" dirty="0"/>
+                    </a:p>
+                  </a:txBody>
+                  <a:tcPr/>
+                </a:tc>
+                <a:tc>
+                  <a:txBody>
+                    <a:bodyPr/>
+                    <a:lstStyle/>
+                    <a:p>
+                      <a:endParaRPr lang="en-US" b="1" dirty="0">
+                        <a:solidFill>
+                          <a:srgbClr val="000000"/>
+                        </a:solidFill>
+                      </a:endParaRPr>
+                    </a:p>
+                  </a:txBody>
+                  <a:tcPr/>
+                </a:tc>
+                <a:tc>
+                  <a:txBody>
+                    <a:bodyPr/>
+                    <a:lstStyle/>
+                    <a:p>
+                      <a:endParaRPr lang="en-US" b="1" dirty="0">
+                        <a:solidFill>
+                          <a:srgbClr val="000000"/>
+                        </a:solidFill>
+                      </a:endParaRPr>
+                    </a:p>
+                  </a:txBody>
+                  <a:tcPr/>
+                </a:tc>
+                <a:tc>
+                  <a:txBody>
+                    <a:bodyPr/>
+                    <a:lstStyle/>
+                    <a:p>
+                      <a:endParaRPr lang="en-US" b="1" dirty="0">
+                        <a:solidFill>
+                          <a:srgbClr val="000000"/>
+                        </a:solidFill>
+                      </a:endParaRPr>
+                    </a:p>
+                  </a:txBody>
+                  <a:tcPr/>
+                </a:tc>
+              </a:tr>
+              <a:tr h="370840">
+                <a:tc>
+                  <a:txBody>
+                    <a:bodyPr/>
+                    <a:lstStyle/>
+                    <a:p>
+                      <a:pPr algn="ctr"/>
+                      <a:r>
+                        <a:rPr lang="en-US" sz="3200" b="1" dirty="0" smtClean="0">
+                          <a:solidFill>
+                            <a:srgbClr val="000000"/>
+                          </a:solidFill>
+                        </a:rPr>
+                        <a:t>9</a:t>
+                      </a:r>
+                      <a:endParaRPr lang="en-US" sz="3200" b="1" dirty="0">
+                        <a:solidFill>
+                          <a:srgbClr val="000000"/>
+                        </a:solidFill>
+                      </a:endParaRPr>
+                    </a:p>
+                  </a:txBody>
+                  <a:tcPr/>
+                </a:tc>
+                <a:tc>
+                  <a:txBody>
+                    <a:bodyPr/>
+                    <a:lstStyle/>
+                    <a:p>
+                      <a:pPr algn="ctr"/>
+                      <a:r>
+                        <a:rPr lang="en-US" sz="3200" b="1" dirty="0" smtClean="0">
+                          <a:solidFill>
+                            <a:srgbClr val="000000"/>
+                          </a:solidFill>
+                        </a:rPr>
+                        <a:t>4</a:t>
+                      </a:r>
+                      <a:endParaRPr lang="en-US" sz="3200" b="1" dirty="0">
+                        <a:solidFill>
+                          <a:srgbClr val="000000"/>
+                        </a:solidFill>
+                      </a:endParaRPr>
+                    </a:p>
+                  </a:txBody>
+                  <a:tcPr/>
+                </a:tc>
+                <a:tc>
+                  <a:txBody>
+                    <a:bodyPr/>
+                    <a:lstStyle/>
+                    <a:p>
+                      <a:pPr algn="ctr"/>
+                      <a:r>
+                        <a:rPr lang="en-US" sz="3200" b="1" dirty="0" smtClean="0">
+                          <a:solidFill>
+                            <a:srgbClr val="000000"/>
+                          </a:solidFill>
+                        </a:rPr>
+                        <a:t>3.5</a:t>
+                      </a:r>
+                      <a:endParaRPr lang="en-US" sz="3200" b="1" dirty="0">
+                        <a:solidFill>
+                          <a:srgbClr val="000000"/>
+                        </a:solidFill>
+                      </a:endParaRPr>
+                    </a:p>
+                  </a:txBody>
+                  <a:tcPr/>
+                </a:tc>
+                <a:tc>
+                  <a:txBody>
+                    <a:bodyPr/>
+                    <a:lstStyle/>
+                    <a:p>
+                      <a:pPr algn="ctr"/>
+                      <a:r>
+                        <a:rPr lang="en-US" sz="3200" b="1" dirty="0" smtClean="0">
+                          <a:solidFill>
+                            <a:srgbClr val="000000"/>
+                          </a:solidFill>
+                        </a:rPr>
+                        <a:t>10</a:t>
+                      </a:r>
+                      <a:endParaRPr lang="en-US" sz="3200" b="1" dirty="0">
+                        <a:solidFill>
+                          <a:srgbClr val="000000"/>
+                        </a:solidFill>
+                      </a:endParaRPr>
+                    </a:p>
+                  </a:txBody>
+                  <a:tcPr/>
+                </a:tc>
+                <a:tc>
+                  <a:txBody>
+                    <a:bodyPr/>
+                    <a:lstStyle/>
+                    <a:p>
+                      <a:pPr algn="ctr"/>
+                      <a:r>
+                        <a:rPr lang="en-US" sz="3200" b="1" dirty="0" smtClean="0">
+                          <a:solidFill>
+                            <a:srgbClr val="000000"/>
+                          </a:solidFill>
+                        </a:rPr>
+                        <a:t>3.2</a:t>
                       </a:r>
                       <a:endParaRPr lang="en-US" sz="3200" b="1" dirty="0">
                         <a:solidFill>
@@ -14330,53 +14966,7 @@
                             <a:srgbClr val="000000"/>
                           </a:solidFill>
                         </a:rPr>
-                        <a:t>?</a:t>
-                      </a:r>
-                      <a:endParaRPr lang="en-US" sz="3200" b="1" dirty="0">
-                        <a:solidFill>
-                          <a:srgbClr val="000000"/>
-                        </a:solidFill>
-                      </a:endParaRPr>
-                    </a:p>
-                  </a:txBody>
-                  <a:tcPr/>
-                </a:tc>
-                <a:tc>
-                  <a:txBody>
-                    <a:bodyPr/>
-                    <a:lstStyle/>
-                    <a:p>
-                      <a:pPr algn="ctr"/>
-                      <a:r>
-                        <a:rPr lang="en-US" sz="3200" b="1" dirty="0" smtClean="0">
-                          <a:solidFill>
-                            <a:srgbClr val="000000"/>
-                          </a:solidFill>
-                        </a:rPr>
-                        <a:t>?</a:t>
-                      </a:r>
-                      <a:endParaRPr lang="en-US" sz="3200" b="1" dirty="0">
-                        <a:solidFill>
-                          <a:srgbClr val="000000"/>
-                        </a:solidFill>
-                      </a:endParaRPr>
-                    </a:p>
-                  </a:txBody>
-                  <a:tcPr/>
-                </a:tc>
-                <a:tc>
-                  <a:txBody>
-                    <a:bodyPr/>
-                    <a:lstStyle/>
-                    <a:p>
-                      <a:pPr algn="ctr"/>
-                      <a:r>
-                        <a:rPr lang="en-US" sz="3200" b="1" dirty="0" smtClean="0">
-                          <a:solidFill>
-                            <a:srgbClr val="000000"/>
-                          </a:solidFill>
-                        </a:rPr>
-                        <a:t>5</a:t>
+                        <a:t>4.2</a:t>
                       </a:r>
                       <a:endParaRPr lang="en-US" sz="3200" b="1" dirty="0">
                         <a:solidFill>
@@ -14607,7 +15197,112 @@
 </p:sld>
 </file>
 
-<file path=ppt/slides/slide15.xml><?xml version="1.0" encoding="utf-8"?>
+<file path=ppt/slides/slide17.xml><?xml version="1.0" encoding="utf-8"?>
+<p:sld xmlns:a="http://schemas.openxmlformats.org/drawingml/2006/main" xmlns:r="http://schemas.openxmlformats.org/officeDocument/2006/relationships" xmlns:p="http://schemas.openxmlformats.org/presentationml/2006/main">
+  <p:cSld>
+    <p:spTree>
+      <p:nvGrpSpPr>
+        <p:cNvPr id="1" name=""/>
+        <p:cNvGrpSpPr/>
+        <p:nvPr/>
+      </p:nvGrpSpPr>
+      <p:grpSpPr>
+        <a:xfrm>
+          <a:off x="0" y="0"/>
+          <a:ext cx="0" cy="0"/>
+          <a:chOff x="0" y="0"/>
+          <a:chExt cx="0" cy="0"/>
+        </a:xfrm>
+      </p:grpSpPr>
+      <p:sp>
+        <p:nvSpPr>
+          <p:cNvPr id="2" name="Text Placeholder 1"/>
+          <p:cNvSpPr>
+            <a:spLocks noGrp="1"/>
+          </p:cNvSpPr>
+          <p:nvPr>
+            <p:ph type="body" sz="quarter" idx="10"/>
+          </p:nvPr>
+        </p:nvSpPr>
+        <p:spPr/>
+        <p:txBody>
+          <a:bodyPr/>
+          <a:lstStyle/>
+          <a:p>
+            <a:r>
+              <a:rPr lang="en-US" smtClean="0"/>
+              <a:t>demo</a:t>
+            </a:r>
+            <a:endParaRPr lang="en-US" dirty="0"/>
+          </a:p>
+        </p:txBody>
+      </p:sp>
+      <p:sp>
+        <p:nvSpPr>
+          <p:cNvPr id="3" name="Title 2"/>
+          <p:cNvSpPr>
+            <a:spLocks noGrp="1"/>
+          </p:cNvSpPr>
+          <p:nvPr>
+            <p:ph type="ctrTitle"/>
+          </p:nvPr>
+        </p:nvSpPr>
+        <p:spPr/>
+        <p:txBody>
+          <a:bodyPr/>
+          <a:lstStyle/>
+          <a:p>
+            <a:r>
+              <a:rPr lang="en-US" dirty="0" smtClean="0"/>
+              <a:t>@font-face</a:t>
+            </a:r>
+            <a:endParaRPr lang="en-US" dirty="0"/>
+          </a:p>
+        </p:txBody>
+      </p:sp>
+      <p:sp>
+        <p:nvSpPr>
+          <p:cNvPr id="6" name="Subtitle 5"/>
+          <p:cNvSpPr>
+            <a:spLocks noGrp="1"/>
+          </p:cNvSpPr>
+          <p:nvPr>
+            <p:ph type="subTitle" idx="1"/>
+          </p:nvPr>
+        </p:nvSpPr>
+        <p:spPr/>
+        <p:txBody>
+          <a:bodyPr/>
+          <a:lstStyle/>
+          <a:p>
+            <a:endParaRPr lang="en-US"/>
+          </a:p>
+        </p:txBody>
+      </p:sp>
+    </p:spTree>
+    <p:extLst>
+      <p:ext uri="{BB962C8B-B14F-4D97-AF65-F5344CB8AC3E}">
+        <p14:creationId xmlns:p14="http://schemas.microsoft.com/office/powerpoint/2010/main" val="3729628216"/>
+      </p:ext>
+    </p:extLst>
+  </p:cSld>
+  <p:clrMapOvr>
+    <a:masterClrMapping/>
+  </p:clrMapOvr>
+  <p:transition xmlns:p14="http://schemas.microsoft.com/office/powerpoint/2010/main">
+    <p:fade/>
+  </p:transition>
+  <p:timing>
+    <p:tnLst>
+      <p:par>
+        <p:cTn xmlns:p14="http://schemas.microsoft.com/office/powerpoint/2010/main" id="1" dur="indefinite" restart="never" nodeType="tmRoot"/>
+      </p:par>
+    </p:tnLst>
+  </p:timing>
+</p:sld>
+</file>
+
+<file path=ppt/slides/slide18.xml><?xml version="1.0" encoding="utf-8"?>
 <p:sld xmlns:a="http://schemas.openxmlformats.org/drawingml/2006/main" xmlns:r="http://schemas.openxmlformats.org/officeDocument/2006/relationships" xmlns:p="http://schemas.openxmlformats.org/presentationml/2006/main">
   <p:cSld>
     <p:spTree>
@@ -14641,7 +15336,7 @@
           <a:p>
             <a:r>
               <a:rPr lang="en-US" dirty="0" smtClean="0"/>
-              <a:t>Custom Data Attributes*</a:t>
+              <a:t>Media Queries*</a:t>
             </a:r>
             <a:endParaRPr lang="en-US" dirty="0"/>
           </a:p>
@@ -14668,7 +15363,7 @@
                   <a:schemeClr val="accent1"/>
                 </a:solidFill>
               </a:rPr>
-              <a:t>*Roll Your Own (Valid) Markup</a:t>
+              <a:t>*Mobile Targeting made easy</a:t>
             </a:r>
             <a:endParaRPr lang="en-US" dirty="0">
               <a:solidFill>
@@ -14701,7 +15396,7 @@
 </p:sld>
 </file>
 
-<file path=ppt/slides/slide16.xml><?xml version="1.0" encoding="utf-8"?>
+<file path=ppt/slides/slide19.xml><?xml version="1.0" encoding="utf-8"?>
 <p:sld xmlns:a="http://schemas.openxmlformats.org/drawingml/2006/main" xmlns:r="http://schemas.openxmlformats.org/officeDocument/2006/relationships" xmlns:p="http://schemas.openxmlformats.org/presentationml/2006/main">
   <p:cSld>
     <p:spTree>
@@ -14740,7 +15435,7 @@
           <a:p>
             <a:r>
               <a:rPr lang="en-US" sz="4000" dirty="0" smtClean="0"/>
-              <a:t>Embed custom data with data-*</a:t>
+              <a:t>Working with Media Queries</a:t>
             </a:r>
             <a:endParaRPr lang="en-US" sz="4000" dirty="0"/>
           </a:p>
@@ -14748,7 +15443,7 @@
       </p:sp>
       <p:sp>
         <p:nvSpPr>
-          <p:cNvPr id="6" name="Text Placeholder 5"/>
+          <p:cNvPr id="2" name="Text Placeholder 1"/>
           <p:cNvSpPr>
             <a:spLocks noGrp="1"/>
           </p:cNvSpPr>
@@ -14756,218 +15451,15 @@
             <p:ph type="body" sz="quarter" idx="10"/>
           </p:nvPr>
         </p:nvSpPr>
-        <p:spPr>
-          <a:xfrm>
-            <a:off x="389438" y="1905003"/>
-            <a:ext cx="8363937" cy="2346283"/>
-          </a:xfrm>
-        </p:spPr>
+        <p:spPr/>
         <p:txBody>
           <a:bodyPr/>
           <a:lstStyle/>
           <a:p>
-            <a:pPr marL="0" indent="0">
-              <a:buNone/>
-            </a:pPr>
-            <a:r>
-              <a:rPr lang="en-US" dirty="0" smtClean="0">
-                <a:solidFill>
-                  <a:srgbClr val="000000"/>
-                </a:solidFill>
-              </a:rPr>
-              <a:t>    &lt;</a:t>
-            </a:r>
-            <a:r>
-              <a:rPr lang="en-US" dirty="0" err="1" smtClean="0">
-                <a:solidFill>
-                  <a:srgbClr val="000000"/>
-                </a:solidFill>
-              </a:rPr>
-              <a:t>ol</a:t>
-            </a:r>
-            <a:r>
-              <a:rPr lang="en-US" dirty="0" smtClean="0">
-                <a:solidFill>
-                  <a:srgbClr val="000000"/>
-                </a:solidFill>
-              </a:rPr>
-              <a:t> id=“songs” </a:t>
-            </a:r>
-            <a:r>
-              <a:rPr lang="en-US" b="1" dirty="0" smtClean="0">
-                <a:solidFill>
-                  <a:srgbClr val="800000"/>
-                </a:solidFill>
-              </a:rPr>
-              <a:t>data-</a:t>
-            </a:r>
-            <a:r>
-              <a:rPr lang="en-US" b="1" dirty="0" err="1" smtClean="0">
-                <a:solidFill>
-                  <a:srgbClr val="800000"/>
-                </a:solidFill>
-              </a:rPr>
-              <a:t>totaltime</a:t>
-            </a:r>
-            <a:r>
-              <a:rPr lang="en-US" dirty="0" smtClean="0">
-                <a:solidFill>
-                  <a:srgbClr val="000000"/>
-                </a:solidFill>
-              </a:rPr>
-              <a:t>=“34m23s”&gt;</a:t>
-            </a:r>
-          </a:p>
-          <a:p>
-            <a:pPr marL="460375" lvl="1" indent="0">
-              <a:buNone/>
-            </a:pPr>
-            <a:r>
-              <a:rPr lang="en-US" dirty="0" smtClean="0">
-                <a:solidFill>
-                  <a:srgbClr val="000000"/>
-                </a:solidFill>
-              </a:rPr>
-              <a:t>   &lt;li </a:t>
-            </a:r>
-            <a:r>
-              <a:rPr lang="en-US" b="1" dirty="0" smtClean="0">
-                <a:solidFill>
-                  <a:srgbClr val="800000"/>
-                </a:solidFill>
-              </a:rPr>
-              <a:t>data-length</a:t>
-            </a:r>
-            <a:r>
-              <a:rPr lang="en-US" dirty="0" smtClean="0">
-                <a:solidFill>
-                  <a:srgbClr val="000000"/>
-                </a:solidFill>
-              </a:rPr>
-              <a:t>=“2m11s”&gt;Beyond the Sea&lt;/li&gt;</a:t>
-            </a:r>
-          </a:p>
-          <a:p>
-            <a:pPr marL="460375" lvl="1" indent="0">
-              <a:buNone/>
-            </a:pPr>
-            <a:r>
-              <a:rPr lang="en-US" dirty="0">
-                <a:solidFill>
-                  <a:srgbClr val="000000"/>
-                </a:solidFill>
-              </a:rPr>
-              <a:t> </a:t>
-            </a:r>
-            <a:r>
-              <a:rPr lang="en-US" dirty="0" smtClean="0">
-                <a:solidFill>
-                  <a:srgbClr val="000000"/>
-                </a:solidFill>
-              </a:rPr>
-              <a:t>  …</a:t>
-            </a:r>
-          </a:p>
-          <a:p>
-            <a:pPr marL="460375" lvl="1" indent="0">
-              <a:buNone/>
-            </a:pPr>
-            <a:r>
-              <a:rPr lang="en-US" dirty="0" smtClean="0">
-                <a:solidFill>
-                  <a:srgbClr val="000000"/>
-                </a:solidFill>
-              </a:rPr>
-              <a:t>&lt;/</a:t>
-            </a:r>
-            <a:r>
-              <a:rPr lang="en-US" dirty="0" err="1" smtClean="0">
-                <a:solidFill>
-                  <a:srgbClr val="000000"/>
-                </a:solidFill>
-              </a:rPr>
-              <a:t>ol</a:t>
-            </a:r>
-            <a:r>
-              <a:rPr lang="en-US" dirty="0" smtClean="0">
-                <a:solidFill>
-                  <a:srgbClr val="000000"/>
-                </a:solidFill>
-              </a:rPr>
-              <a:t>&gt;</a:t>
-            </a:r>
-          </a:p>
-          <a:p>
-            <a:pPr marL="460375" lvl="1" indent="0">
-              <a:buNone/>
-            </a:pPr>
-            <a:r>
-              <a:rPr lang="en-US" dirty="0" smtClean="0">
-                <a:solidFill>
-                  <a:srgbClr val="000000"/>
-                </a:solidFill>
-              </a:rPr>
-              <a:t>$(‘songs’).</a:t>
-            </a:r>
-            <a:r>
-              <a:rPr lang="en-US" b="1" dirty="0" smtClean="0">
-                <a:solidFill>
-                  <a:srgbClr val="800000"/>
-                </a:solidFill>
-              </a:rPr>
-              <a:t>dataset</a:t>
-            </a:r>
-            <a:r>
-              <a:rPr lang="en-US" dirty="0" smtClean="0">
-                <a:solidFill>
-                  <a:srgbClr val="000000"/>
-                </a:solidFill>
-              </a:rPr>
-              <a:t>[‘</a:t>
-            </a:r>
-            <a:r>
-              <a:rPr lang="en-US" dirty="0" err="1" smtClean="0">
-                <a:solidFill>
-                  <a:srgbClr val="000000"/>
-                </a:solidFill>
-              </a:rPr>
-              <a:t>totaltime</a:t>
-            </a:r>
-            <a:r>
-              <a:rPr lang="en-US" dirty="0" smtClean="0">
-                <a:solidFill>
-                  <a:srgbClr val="000000"/>
-                </a:solidFill>
-              </a:rPr>
-              <a:t>’] // 34m23s</a:t>
-            </a:r>
+            <a:endParaRPr lang="en-US"/>
           </a:p>
         </p:txBody>
       </p:sp>
-      <p:pic>
-        <p:nvPicPr>
-          <p:cNvPr id="7" name="Picture 6"/>
-          <p:cNvPicPr>
-            <a:picLocks noChangeAspect="1"/>
-          </p:cNvPicPr>
-          <p:nvPr/>
-        </p:nvPicPr>
-        <p:blipFill>
-          <a:blip r:embed="rId3"/>
-          <a:stretch>
-            <a:fillRect/>
-          </a:stretch>
-        </p:blipFill>
-        <p:spPr>
-          <a:xfrm>
-            <a:off x="4016275" y="4475173"/>
-            <a:ext cx="4737100" cy="1968500"/>
-          </a:xfrm>
-          <a:prstGeom prst="rect">
-            <a:avLst/>
-          </a:prstGeom>
-        </p:spPr>
-      </p:pic>
     </p:spTree>
     <p:extLst>
       <p:ext uri="{BB962C8B-B14F-4D97-AF65-F5344CB8AC3E}">
@@ -14991,7 +15483,7 @@
 </p:sld>
 </file>
 
-<file path=ppt/slides/slide17.xml><?xml version="1.0" encoding="utf-8"?>
+<file path=ppt/slides/slide2.xml><?xml version="1.0" encoding="utf-8"?>
 <p:sld xmlns:a="http://schemas.openxmlformats.org/drawingml/2006/main" xmlns:r="http://schemas.openxmlformats.org/officeDocument/2006/relationships" xmlns:p="http://schemas.openxmlformats.org/presentationml/2006/main">
   <p:cSld>
     <p:spTree>
@@ -15050,7 +15542,174 @@
                 <a:ea typeface="+mn-ea"/>
                 <a:cs typeface="Arial" charset="0"/>
               </a:rPr>
-              <a:t>Browser Support for “Data-”</a:t>
+              <a:t>CSS3</a:t>
+            </a:r>
+            <a:endParaRPr lang="en-US" dirty="0"/>
+          </a:p>
+        </p:txBody>
+      </p:sp>
+      <p:sp>
+        <p:nvSpPr>
+          <p:cNvPr id="6" name="Text Placeholder 4"/>
+          <p:cNvSpPr>
+            <a:spLocks noGrp="1"/>
+          </p:cNvSpPr>
+          <p:nvPr>
+            <p:ph type="body" sz="quarter" idx="10"/>
+          </p:nvPr>
+        </p:nvSpPr>
+        <p:spPr>
+          <a:xfrm>
+            <a:off x="389436" y="1447802"/>
+            <a:ext cx="8363938" cy="2667397"/>
+          </a:xfrm>
+        </p:spPr>
+        <p:txBody>
+          <a:bodyPr/>
+          <a:lstStyle/>
+          <a:p>
+            <a:pPr marL="0" indent="0">
+              <a:buNone/>
+            </a:pPr>
+            <a:r>
+              <a:rPr lang="en-US" dirty="0" smtClean="0"/>
+              <a:t>CSS is a style sheet language used to describe the look and formatting for HTML documents. CSS3 is a large, single W3C specification that defines a series of new features (called modules) that extend CSS2, as well as adding new capabilities.</a:t>
+            </a:r>
+            <a:endParaRPr lang="en-US" dirty="0" smtClean="0"/>
+          </a:p>
+        </p:txBody>
+      </p:sp>
+      <p:pic>
+        <p:nvPicPr>
+          <p:cNvPr id="4" name="Picture 3"/>
+          <p:cNvPicPr>
+            <a:picLocks noChangeAspect="1"/>
+          </p:cNvPicPr>
+          <p:nvPr/>
+        </p:nvPicPr>
+        <p:blipFill>
+          <a:blip r:embed="rId2"/>
+          <a:stretch>
+            <a:fillRect/>
+          </a:stretch>
+        </p:blipFill>
+        <p:spPr>
+          <a:xfrm>
+            <a:off x="5555085" y="3661202"/>
+            <a:ext cx="3198289" cy="3198289"/>
+          </a:xfrm>
+          <a:prstGeom prst="rect">
+            <a:avLst/>
+          </a:prstGeom>
+        </p:spPr>
+      </p:pic>
+    </p:spTree>
+    <p:extLst>
+      <p:ext uri="{BB962C8B-B14F-4D97-AF65-F5344CB8AC3E}">
+        <p14:creationId xmlns:p14="http://schemas.microsoft.com/office/powerpoint/2010/main" val="130175412"/>
+      </p:ext>
+    </p:extLst>
+  </p:cSld>
+  <p:clrMapOvr>
+    <a:masterClrMapping/>
+  </p:clrMapOvr>
+  <p:transition xmlns:p14="http://schemas.microsoft.com/office/powerpoint/2010/main">
+    <p:fade/>
+  </p:transition>
+  <p:timing>
+    <p:tnLst>
+      <p:par>
+        <p:cTn xmlns:p14="http://schemas.microsoft.com/office/powerpoint/2010/main" id="1" dur="indefinite" restart="never" nodeType="tmRoot"/>
+      </p:par>
+    </p:tnLst>
+  </p:timing>
+</p:sld>
+</file>
+
+<file path=ppt/slides/slide20.xml><?xml version="1.0" encoding="utf-8"?>
+<p:sld xmlns:a="http://schemas.openxmlformats.org/drawingml/2006/main" xmlns:r="http://schemas.openxmlformats.org/officeDocument/2006/relationships" xmlns:p="http://schemas.openxmlformats.org/presentationml/2006/main">
+  <p:cSld>
+    <p:spTree>
+      <p:nvGrpSpPr>
+        <p:cNvPr id="1" name=""/>
+        <p:cNvGrpSpPr/>
+        <p:nvPr/>
+      </p:nvGrpSpPr>
+      <p:grpSpPr>
+        <a:xfrm>
+          <a:off x="0" y="0"/>
+          <a:ext cx="0" cy="0"/>
+          <a:chOff x="0" y="0"/>
+          <a:chExt cx="0" cy="0"/>
+        </a:xfrm>
+      </p:grpSpPr>
+      <p:sp>
+        <p:nvSpPr>
+          <p:cNvPr id="3" name="Title 2"/>
+          <p:cNvSpPr>
+            <a:spLocks noGrp="1"/>
+          </p:cNvSpPr>
+          <p:nvPr>
+            <p:ph type="title"/>
+          </p:nvPr>
+        </p:nvSpPr>
+        <p:spPr>
+          <a:xfrm>
+            <a:off x="389436" y="228602"/>
+            <a:ext cx="8363938" cy="1341906"/>
+          </a:xfrm>
+        </p:spPr>
+        <p:txBody>
+          <a:bodyPr/>
+          <a:lstStyle/>
+          <a:p>
+            <a:r>
+              <a:rPr lang="en-US" sz="4800" b="0" kern="1200" cap="none" spc="-100" baseline="0" dirty="0" smtClean="0">
+                <a:ln w="3175">
+                  <a:noFill/>
+                </a:ln>
+                <a:gradFill flip="none" rotWithShape="1">
+                  <a:gsLst>
+                    <a:gs pos="0">
+                      <a:schemeClr val="tx1"/>
+                    </a:gs>
+                    <a:gs pos="86000">
+                      <a:schemeClr val="tx1"/>
+                    </a:gs>
+                  </a:gsLst>
+                  <a:lin ang="5400000" scaled="0"/>
+                  <a:tileRect/>
+                </a:gradFill>
+                <a:effectLst/>
+                <a:latin typeface="+mj-lt"/>
+                <a:ea typeface="+mn-ea"/>
+                <a:cs typeface="Arial" charset="0"/>
+              </a:rPr>
+              <a:t>Browser Support for </a:t>
+            </a:r>
+            <a:r>
+              <a:rPr lang="en-US" sz="4800" b="0" kern="1200" cap="none" spc="-100" baseline="0" dirty="0" smtClean="0">
+                <a:ln w="3175">
+                  <a:noFill/>
+                </a:ln>
+                <a:gradFill flip="none" rotWithShape="1">
+                  <a:gsLst>
+                    <a:gs pos="0">
+                      <a:schemeClr val="tx1"/>
+                    </a:gs>
+                    <a:gs pos="86000">
+                      <a:schemeClr val="tx1"/>
+                    </a:gs>
+                  </a:gsLst>
+                  <a:lin ang="5400000" scaled="0"/>
+                  <a:tileRect/>
+                </a:gradFill>
+                <a:effectLst/>
+                <a:latin typeface="+mj-lt"/>
+                <a:ea typeface="+mn-ea"/>
+                <a:cs typeface="Arial" charset="0"/>
+              </a:rPr>
+              <a:t>Media Queries</a:t>
             </a:r>
             <a:endParaRPr lang="en-US" dirty="0"/>
           </a:p>
@@ -15066,7 +15725,7 @@
             <p:ph idx="1"/>
             <p:extLst>
               <p:ext uri="{D42A27DB-BD31-4B8C-83A1-F6EECF244321}">
-                <p14:modId xmlns:p14="http://schemas.microsoft.com/office/powerpoint/2010/main" val="2998290945"/>
+                <p14:modId xmlns:p14="http://schemas.microsoft.com/office/powerpoint/2010/main" val="1292377720"/>
               </p:ext>
             </p:extLst>
           </p:nvPr>
@@ -15336,7 +15995,7 @@
                             <a:schemeClr val="bg1"/>
                           </a:solidFill>
                         </a:rPr>
-                        <a:t>7</a:t>
+                        <a:t>4</a:t>
                       </a:r>
                       <a:endParaRPr lang="en-US" sz="3200" b="1" dirty="0">
                         <a:solidFill>
@@ -15359,7 +16018,7 @@
                             <a:schemeClr val="bg1"/>
                           </a:solidFill>
                         </a:rPr>
-                        <a:t>6</a:t>
+                        <a:t>3.5</a:t>
                       </a:r>
                       <a:endParaRPr lang="en-US" sz="3200" b="1" dirty="0">
                         <a:solidFill>
@@ -15382,7 +16041,7 @@
                             <a:schemeClr val="bg1"/>
                           </a:solidFill>
                         </a:rPr>
-                        <a:t>11</a:t>
+                        <a:t>9.5</a:t>
                       </a:r>
                       <a:endParaRPr lang="en-US" sz="3200" b="1" dirty="0">
                         <a:solidFill>
@@ -15405,7 +16064,7 @@
                             <a:schemeClr val="bg1"/>
                           </a:solidFill>
                         </a:rPr>
-                        <a:t>5.1</a:t>
+                        <a:t>4</a:t>
                       </a:r>
                       <a:endParaRPr lang="en-US" sz="3200" b="1" dirty="0">
                         <a:solidFill>
@@ -15451,7 +16110,7 @@
                             <a:schemeClr val="bg1"/>
                           </a:solidFill>
                         </a:rPr>
-                        <a:t>2.3</a:t>
+                        <a:t>2.1</a:t>
                       </a:r>
                       <a:endParaRPr lang="en-US" sz="2800" b="1" dirty="0">
                         <a:solidFill>
@@ -15474,7 +16133,7 @@
                             <a:schemeClr val="bg1"/>
                           </a:solidFill>
                         </a:rPr>
-                        <a:t>5</a:t>
+                        <a:t>3.2</a:t>
                       </a:r>
                       <a:endParaRPr lang="en-US" sz="2800" b="1" dirty="0">
                         <a:solidFill>
@@ -15705,7 +16364,7 @@
 </p:sld>
 </file>
 
-<file path=ppt/slides/slide18.xml><?xml version="1.0" encoding="utf-8"?>
+<file path=ppt/slides/slide21.xml><?xml version="1.0" encoding="utf-8"?>
 <p:sld xmlns:a="http://schemas.openxmlformats.org/drawingml/2006/main" xmlns:r="http://schemas.openxmlformats.org/officeDocument/2006/relationships" xmlns:p="http://schemas.openxmlformats.org/presentationml/2006/main">
   <p:cSld>
     <p:spTree>
@@ -15762,7 +16421,7 @@
           <a:p>
             <a:r>
               <a:rPr lang="en-US" sz="6600" dirty="0" smtClean="0"/>
-              <a:t>“data-*”</a:t>
+              <a:t>Media Queries</a:t>
             </a:r>
             <a:endParaRPr lang="en-US" sz="6600" dirty="0"/>
           </a:p>
@@ -15791,7 +16450,7 @@
 </p:sld>
 </file>
 
-<file path=ppt/slides/slide19.xml><?xml version="1.0" encoding="utf-8"?>
+<file path=ppt/slides/slide22.xml><?xml version="1.0" encoding="utf-8"?>
 <p:sld xmlns:a="http://schemas.openxmlformats.org/drawingml/2006/main" xmlns:r="http://schemas.openxmlformats.org/officeDocument/2006/relationships" xmlns:p="http://schemas.openxmlformats.org/presentationml/2006/main">
   <p:cSld>
     <p:spTree>
@@ -15825,7 +16484,7 @@
           <a:p>
             <a:r>
               <a:rPr lang="en-US" dirty="0" smtClean="0"/>
-              <a:t>SVG*</a:t>
+              <a:t>Transforms*</a:t>
             </a:r>
             <a:endParaRPr lang="en-US" dirty="0"/>
           </a:p>
@@ -15852,24 +16511,13 @@
                   <a:srgbClr val="FFC425"/>
                 </a:solidFill>
               </a:rPr>
-              <a:t>*Canvas’ (</a:t>
-            </a:r>
-            <a:r>
-              <a:rPr lang="en-US" dirty="0" err="1" smtClean="0">
-                <a:solidFill>
-                  <a:srgbClr val="FFC425"/>
-                </a:solidFill>
-              </a:rPr>
-              <a:t>eXtensible</a:t>
-            </a:r>
-            <a:r>
-              <a:rPr lang="en-US" dirty="0" smtClean="0">
-                <a:solidFill>
-                  <a:srgbClr val="FFC425"/>
-                </a:solidFill>
-              </a:rPr>
-              <a:t>) Big Brother</a:t>
-            </a:r>
+              <a:t>*CSS taking on some behavioral load</a:t>
+            </a:r>
+            <a:endParaRPr lang="en-US" dirty="0" smtClean="0">
+              <a:solidFill>
+                <a:srgbClr val="FFC425"/>
+              </a:solidFill>
+            </a:endParaRPr>
           </a:p>
           <a:p>
             <a:endParaRPr lang="en-US" dirty="0">
@@ -15903,7 +16551,1978 @@
 </p:sld>
 </file>
 
-<file path=ppt/slides/slide2.xml><?xml version="1.0" encoding="utf-8"?>
+<file path=ppt/slides/slide23.xml><?xml version="1.0" encoding="utf-8"?>
+<p:sld xmlns:a="http://schemas.openxmlformats.org/drawingml/2006/main" xmlns:r="http://schemas.openxmlformats.org/officeDocument/2006/relationships" xmlns:p="http://schemas.openxmlformats.org/presentationml/2006/main">
+  <p:cSld>
+    <p:spTree>
+      <p:nvGrpSpPr>
+        <p:cNvPr id="1" name=""/>
+        <p:cNvGrpSpPr/>
+        <p:nvPr/>
+      </p:nvGrpSpPr>
+      <p:grpSpPr>
+        <a:xfrm>
+          <a:off x="0" y="0"/>
+          <a:ext cx="0" cy="0"/>
+          <a:chOff x="0" y="0"/>
+          <a:chExt cx="0" cy="0"/>
+        </a:xfrm>
+      </p:grpSpPr>
+      <p:sp>
+        <p:nvSpPr>
+          <p:cNvPr id="5" name="Title 4"/>
+          <p:cNvSpPr>
+            <a:spLocks noGrp="1"/>
+          </p:cNvSpPr>
+          <p:nvPr>
+            <p:ph type="title"/>
+          </p:nvPr>
+        </p:nvSpPr>
+        <p:spPr>
+          <a:xfrm>
+            <a:off x="389436" y="228602"/>
+            <a:ext cx="8363938" cy="507831"/>
+          </a:xfrm>
+        </p:spPr>
+        <p:txBody>
+          <a:bodyPr/>
+          <a:lstStyle/>
+          <a:p>
+            <a:r>
+              <a:rPr lang="en-US" sz="3600" dirty="0" smtClean="0"/>
+              <a:t>Using CSS3 Transforms</a:t>
+            </a:r>
+            <a:endParaRPr lang="en-US" sz="3600" dirty="0"/>
+          </a:p>
+        </p:txBody>
+      </p:sp>
+      <p:sp>
+        <p:nvSpPr>
+          <p:cNvPr id="2" name="Text Placeholder 1"/>
+          <p:cNvSpPr>
+            <a:spLocks noGrp="1"/>
+          </p:cNvSpPr>
+          <p:nvPr>
+            <p:ph type="body" sz="quarter" idx="10"/>
+          </p:nvPr>
+        </p:nvSpPr>
+        <p:spPr/>
+        <p:txBody>
+          <a:bodyPr/>
+          <a:lstStyle/>
+          <a:p>
+            <a:endParaRPr lang="en-US"/>
+          </a:p>
+        </p:txBody>
+      </p:sp>
+    </p:spTree>
+    <p:extLst>
+      <p:ext uri="{BB962C8B-B14F-4D97-AF65-F5344CB8AC3E}">
+        <p14:creationId xmlns:p14="http://schemas.microsoft.com/office/powerpoint/2010/main" val="937076125"/>
+      </p:ext>
+    </p:extLst>
+  </p:cSld>
+  <p:clrMapOvr>
+    <a:masterClrMapping/>
+  </p:clrMapOvr>
+  <p:transition xmlns:p14="http://schemas.microsoft.com/office/powerpoint/2010/main">
+    <p:fade/>
+  </p:transition>
+  <p:timing>
+    <p:tnLst>
+      <p:par>
+        <p:cTn xmlns:p14="http://schemas.microsoft.com/office/powerpoint/2010/main" id="1" dur="indefinite" restart="never" nodeType="tmRoot"/>
+      </p:par>
+    </p:tnLst>
+  </p:timing>
+</p:sld>
+</file>
+
+<file path=ppt/slides/slide24.xml><?xml version="1.0" encoding="utf-8"?>
+<p:sld xmlns:a="http://schemas.openxmlformats.org/drawingml/2006/main" xmlns:r="http://schemas.openxmlformats.org/officeDocument/2006/relationships" xmlns:p="http://schemas.openxmlformats.org/presentationml/2006/main">
+  <p:cSld>
+    <p:spTree>
+      <p:nvGrpSpPr>
+        <p:cNvPr id="1" name=""/>
+        <p:cNvGrpSpPr/>
+        <p:nvPr/>
+      </p:nvGrpSpPr>
+      <p:grpSpPr>
+        <a:xfrm>
+          <a:off x="0" y="0"/>
+          <a:ext cx="0" cy="0"/>
+          <a:chOff x="0" y="0"/>
+          <a:chExt cx="0" cy="0"/>
+        </a:xfrm>
+      </p:grpSpPr>
+      <p:sp>
+        <p:nvSpPr>
+          <p:cNvPr id="3" name="Title 2"/>
+          <p:cNvSpPr>
+            <a:spLocks noGrp="1"/>
+          </p:cNvSpPr>
+          <p:nvPr>
+            <p:ph type="title"/>
+          </p:nvPr>
+        </p:nvSpPr>
+        <p:spPr>
+          <a:xfrm>
+            <a:off x="389436" y="228602"/>
+            <a:ext cx="8363938" cy="564257"/>
+          </a:xfrm>
+        </p:spPr>
+        <p:txBody>
+          <a:bodyPr/>
+          <a:lstStyle/>
+          <a:p>
+            <a:r>
+              <a:rPr lang="en-US" sz="4000" b="0" kern="1200" cap="none" spc="-100" baseline="0" dirty="0" smtClean="0">
+                <a:ln w="3175">
+                  <a:noFill/>
+                </a:ln>
+                <a:gradFill flip="none" rotWithShape="1">
+                  <a:gsLst>
+                    <a:gs pos="0">
+                      <a:schemeClr val="tx1"/>
+                    </a:gs>
+                    <a:gs pos="86000">
+                      <a:schemeClr val="tx1"/>
+                    </a:gs>
+                  </a:gsLst>
+                  <a:lin ang="5400000" scaled="0"/>
+                  <a:tileRect/>
+                </a:gradFill>
+                <a:effectLst/>
+                <a:latin typeface="+mj-lt"/>
+                <a:ea typeface="+mn-ea"/>
+                <a:cs typeface="Arial" charset="0"/>
+              </a:rPr>
+              <a:t>Browser Support for </a:t>
+            </a:r>
+            <a:r>
+              <a:rPr lang="en-US" sz="4000" b="0" kern="1200" cap="none" spc="-100" baseline="0" dirty="0" smtClean="0">
+                <a:ln w="3175">
+                  <a:noFill/>
+                </a:ln>
+                <a:gradFill flip="none" rotWithShape="1">
+                  <a:gsLst>
+                    <a:gs pos="0">
+                      <a:schemeClr val="tx1"/>
+                    </a:gs>
+                    <a:gs pos="86000">
+                      <a:schemeClr val="tx1"/>
+                    </a:gs>
+                  </a:gsLst>
+                  <a:lin ang="5400000" scaled="0"/>
+                  <a:tileRect/>
+                </a:gradFill>
+                <a:effectLst/>
+                <a:latin typeface="+mj-lt"/>
+                <a:ea typeface="+mn-ea"/>
+                <a:cs typeface="Arial" charset="0"/>
+              </a:rPr>
+              <a:t>Transforms</a:t>
+            </a:r>
+            <a:r>
+              <a:rPr lang="en-US" sz="4000" b="0" kern="1200" cap="none" spc="-100" baseline="0" dirty="0" smtClean="0">
+                <a:ln w="3175">
+                  <a:noFill/>
+                </a:ln>
+                <a:gradFill flip="none" rotWithShape="1">
+                  <a:gsLst>
+                    <a:gs pos="0">
+                      <a:schemeClr val="tx1"/>
+                    </a:gs>
+                    <a:gs pos="86000">
+                      <a:schemeClr val="tx1"/>
+                    </a:gs>
+                  </a:gsLst>
+                  <a:lin ang="5400000" scaled="0"/>
+                  <a:tileRect/>
+                </a:gradFill>
+                <a:effectLst/>
+                <a:latin typeface="+mj-lt"/>
+                <a:ea typeface="+mn-ea"/>
+                <a:cs typeface="Arial" charset="0"/>
+              </a:rPr>
+              <a:t>	</a:t>
+            </a:r>
+            <a:endParaRPr lang="en-US" sz="3600" dirty="0"/>
+          </a:p>
+        </p:txBody>
+      </p:sp>
+      <p:graphicFrame>
+        <p:nvGraphicFramePr>
+          <p:cNvPr id="6" name="Content Placeholder 5"/>
+          <p:cNvGraphicFramePr>
+            <a:graphicFrameLocks noGrp="1"/>
+          </p:cNvGraphicFramePr>
+          <p:nvPr>
+            <p:ph idx="1"/>
+            <p:extLst>
+              <p:ext uri="{D42A27DB-BD31-4B8C-83A1-F6EECF244321}">
+                <p14:modId xmlns:p14="http://schemas.microsoft.com/office/powerpoint/2010/main" val="472775281"/>
+              </p:ext>
+            </p:extLst>
+          </p:nvPr>
+        </p:nvGraphicFramePr>
+        <p:xfrm>
+          <a:off x="653147" y="2412276"/>
+          <a:ext cx="7836622" cy="1940558"/>
+        </p:xfrm>
+        <a:graphic>
+          <a:graphicData uri="http://schemas.openxmlformats.org/drawingml/2006/table">
+            <a:tbl>
+              <a:tblPr firstRow="1" bandCol="1">
+                <a:tableStyleId>{B301B821-A1FF-4177-AEE7-76D212191A09}</a:tableStyleId>
+              </a:tblPr>
+              <a:tblGrid>
+                <a:gridCol w="1161139"/>
+                <a:gridCol w="1185333"/>
+                <a:gridCol w="1100667"/>
+                <a:gridCol w="1112762"/>
+                <a:gridCol w="1124857"/>
+                <a:gridCol w="689428"/>
+                <a:gridCol w="701524"/>
+                <a:gridCol w="760912"/>
+              </a:tblGrid>
+              <a:tr h="405914">
+                <a:tc rowSpan="2">
+                  <a:txBody>
+                    <a:bodyPr/>
+                    <a:lstStyle/>
+                    <a:p>
+                      <a:endParaRPr lang="en-US" b="1" dirty="0">
+                        <a:solidFill>
+                          <a:schemeClr val="bg1"/>
+                        </a:solidFill>
+                      </a:endParaRPr>
+                    </a:p>
+                  </a:txBody>
+                  <a:tcPr/>
+                </a:tc>
+                <a:tc rowSpan="2">
+                  <a:txBody>
+                    <a:bodyPr/>
+                    <a:lstStyle/>
+                    <a:p>
+                      <a:endParaRPr lang="en-US" b="1" dirty="0">
+                        <a:solidFill>
+                          <a:schemeClr val="bg1"/>
+                        </a:solidFill>
+                      </a:endParaRPr>
+                    </a:p>
+                  </a:txBody>
+                  <a:tcPr/>
+                </a:tc>
+                <a:tc rowSpan="2">
+                  <a:txBody>
+                    <a:bodyPr/>
+                    <a:lstStyle/>
+                    <a:p>
+                      <a:endParaRPr lang="en-US" b="1" dirty="0">
+                        <a:solidFill>
+                          <a:schemeClr val="bg1"/>
+                        </a:solidFill>
+                      </a:endParaRPr>
+                    </a:p>
+                  </a:txBody>
+                  <a:tcPr/>
+                </a:tc>
+                <a:tc rowSpan="2">
+                  <a:txBody>
+                    <a:bodyPr/>
+                    <a:lstStyle/>
+                    <a:p>
+                      <a:endParaRPr lang="en-US" b="1" dirty="0">
+                        <a:solidFill>
+                          <a:schemeClr val="bg1"/>
+                        </a:solidFill>
+                      </a:endParaRPr>
+                    </a:p>
+                  </a:txBody>
+                  <a:tcPr/>
+                </a:tc>
+                <a:tc rowSpan="2">
+                  <a:txBody>
+                    <a:bodyPr/>
+                    <a:lstStyle/>
+                    <a:p>
+                      <a:endParaRPr lang="en-US" b="1" dirty="0">
+                        <a:solidFill>
+                          <a:schemeClr val="bg1"/>
+                        </a:solidFill>
+                      </a:endParaRPr>
+                    </a:p>
+                  </a:txBody>
+                  <a:tcPr/>
+                </a:tc>
+                <a:tc gridSpan="3">
+                  <a:txBody>
+                    <a:bodyPr/>
+                    <a:lstStyle/>
+                    <a:p>
+                      <a:pPr algn="ctr"/>
+                      <a:r>
+                        <a:rPr lang="en-US" b="1" dirty="0" smtClean="0">
+                          <a:solidFill>
+                            <a:schemeClr val="bg1"/>
+                          </a:solidFill>
+                        </a:rPr>
+                        <a:t>Mobile</a:t>
+                      </a:r>
+                      <a:endParaRPr lang="en-US" b="1" dirty="0">
+                        <a:solidFill>
+                          <a:schemeClr val="bg1"/>
+                        </a:solidFill>
+                      </a:endParaRPr>
+                    </a:p>
+                  </a:txBody>
+                  <a:tcPr/>
+                </a:tc>
+                <a:tc hMerge="1">
+                  <a:txBody>
+                    <a:bodyPr/>
+                    <a:lstStyle/>
+                    <a:p>
+                      <a:endParaRPr lang="en-US" dirty="0"/>
+                    </a:p>
+                  </a:txBody>
+                  <a:tcPr/>
+                </a:tc>
+                <a:tc hMerge="1">
+                  <a:txBody>
+                    <a:bodyPr/>
+                    <a:lstStyle/>
+                    <a:p>
+                      <a:endParaRPr lang="en-US" dirty="0"/>
+                    </a:p>
+                  </a:txBody>
+                  <a:tcPr/>
+                </a:tc>
+              </a:tr>
+              <a:tr h="955524">
+                <a:tc vMerge="1">
+                  <a:txBody>
+                    <a:bodyPr/>
+                    <a:lstStyle/>
+                    <a:p>
+                      <a:endParaRPr lang="en-US" dirty="0"/>
+                    </a:p>
+                  </a:txBody>
+                  <a:tcPr/>
+                </a:tc>
+                <a:tc vMerge="1">
+                  <a:txBody>
+                    <a:bodyPr/>
+                    <a:lstStyle/>
+                    <a:p>
+                      <a:endParaRPr lang="en-US" dirty="0"/>
+                    </a:p>
+                  </a:txBody>
+                  <a:tcPr/>
+                </a:tc>
+                <a:tc vMerge="1">
+                  <a:txBody>
+                    <a:bodyPr/>
+                    <a:lstStyle/>
+                    <a:p>
+                      <a:endParaRPr lang="en-US" dirty="0"/>
+                    </a:p>
+                  </a:txBody>
+                  <a:tcPr/>
+                </a:tc>
+                <a:tc vMerge="1">
+                  <a:txBody>
+                    <a:bodyPr/>
+                    <a:lstStyle/>
+                    <a:p>
+                      <a:endParaRPr lang="en-US" dirty="0"/>
+                    </a:p>
+                  </a:txBody>
+                  <a:tcPr/>
+                </a:tc>
+                <a:tc vMerge="1">
+                  <a:txBody>
+                    <a:bodyPr/>
+                    <a:lstStyle/>
+                    <a:p>
+                      <a:endParaRPr lang="en-US" dirty="0"/>
+                    </a:p>
+                  </a:txBody>
+                  <a:tcPr/>
+                </a:tc>
+                <a:tc>
+                  <a:txBody>
+                    <a:bodyPr/>
+                    <a:lstStyle/>
+                    <a:p>
+                      <a:endParaRPr lang="en-US" b="1" dirty="0">
+                        <a:solidFill>
+                          <a:schemeClr val="bg1"/>
+                        </a:solidFill>
+                      </a:endParaRPr>
+                    </a:p>
+                  </a:txBody>
+                  <a:tcPr/>
+                </a:tc>
+                <a:tc>
+                  <a:txBody>
+                    <a:bodyPr/>
+                    <a:lstStyle/>
+                    <a:p>
+                      <a:endParaRPr lang="en-US" b="1" dirty="0">
+                        <a:solidFill>
+                          <a:schemeClr val="bg1"/>
+                        </a:solidFill>
+                      </a:endParaRPr>
+                    </a:p>
+                  </a:txBody>
+                  <a:tcPr/>
+                </a:tc>
+                <a:tc>
+                  <a:txBody>
+                    <a:bodyPr/>
+                    <a:lstStyle/>
+                    <a:p>
+                      <a:endParaRPr lang="en-US" b="1" dirty="0">
+                        <a:solidFill>
+                          <a:schemeClr val="bg1"/>
+                        </a:solidFill>
+                      </a:endParaRPr>
+                    </a:p>
+                  </a:txBody>
+                  <a:tcPr/>
+                </a:tc>
+              </a:tr>
+              <a:tr h="370840">
+                <a:tc>
+                  <a:txBody>
+                    <a:bodyPr/>
+                    <a:lstStyle/>
+                    <a:p>
+                      <a:pPr algn="ctr"/>
+                      <a:r>
+                        <a:rPr lang="en-US" sz="3200" b="1" dirty="0" smtClean="0">
+                          <a:solidFill>
+                            <a:schemeClr val="bg1"/>
+                          </a:solidFill>
+                        </a:rPr>
+                        <a:t>9</a:t>
+                      </a:r>
+                      <a:endParaRPr lang="en-US" sz="3200" b="1" dirty="0">
+                        <a:solidFill>
+                          <a:schemeClr val="bg1"/>
+                        </a:solidFill>
+                      </a:endParaRPr>
+                    </a:p>
+                  </a:txBody>
+                  <a:tcPr/>
+                </a:tc>
+                <a:tc>
+                  <a:txBody>
+                    <a:bodyPr/>
+                    <a:lstStyle/>
+                    <a:p>
+                      <a:pPr algn="ctr"/>
+                      <a:r>
+                        <a:rPr lang="en-US" sz="3200" b="1" dirty="0" smtClean="0">
+                          <a:solidFill>
+                            <a:schemeClr val="bg1"/>
+                          </a:solidFill>
+                        </a:rPr>
+                        <a:t>4</a:t>
+                      </a:r>
+                      <a:endParaRPr lang="en-US" sz="3200" b="1" dirty="0">
+                        <a:solidFill>
+                          <a:schemeClr val="bg1"/>
+                        </a:solidFill>
+                      </a:endParaRPr>
+                    </a:p>
+                  </a:txBody>
+                  <a:tcPr/>
+                </a:tc>
+                <a:tc>
+                  <a:txBody>
+                    <a:bodyPr/>
+                    <a:lstStyle/>
+                    <a:p>
+                      <a:pPr algn="ctr"/>
+                      <a:r>
+                        <a:rPr lang="en-US" sz="3200" b="1" dirty="0" smtClean="0">
+                          <a:solidFill>
+                            <a:schemeClr val="bg1"/>
+                          </a:solidFill>
+                        </a:rPr>
+                        <a:t>3.5</a:t>
+                      </a:r>
+                      <a:endParaRPr lang="en-US" sz="3200" b="1" dirty="0">
+                        <a:solidFill>
+                          <a:schemeClr val="bg1"/>
+                        </a:solidFill>
+                      </a:endParaRPr>
+                    </a:p>
+                  </a:txBody>
+                  <a:tcPr/>
+                </a:tc>
+                <a:tc>
+                  <a:txBody>
+                    <a:bodyPr/>
+                    <a:lstStyle/>
+                    <a:p>
+                      <a:pPr algn="ctr"/>
+                      <a:r>
+                        <a:rPr lang="en-US" sz="3200" b="1" dirty="0" smtClean="0">
+                          <a:solidFill>
+                            <a:schemeClr val="bg1"/>
+                          </a:solidFill>
+                        </a:rPr>
+                        <a:t>10.5</a:t>
+                      </a:r>
+                      <a:endParaRPr lang="en-US" sz="3200" b="1" dirty="0">
+                        <a:solidFill>
+                          <a:schemeClr val="bg1"/>
+                        </a:solidFill>
+                      </a:endParaRPr>
+                    </a:p>
+                  </a:txBody>
+                  <a:tcPr/>
+                </a:tc>
+                <a:tc>
+                  <a:txBody>
+                    <a:bodyPr/>
+                    <a:lstStyle/>
+                    <a:p>
+                      <a:pPr algn="ctr"/>
+                      <a:r>
+                        <a:rPr lang="en-US" sz="3200" b="1" dirty="0" smtClean="0">
+                          <a:solidFill>
+                            <a:schemeClr val="bg1"/>
+                          </a:solidFill>
+                        </a:rPr>
+                        <a:t>3.1</a:t>
+                      </a:r>
+                      <a:endParaRPr lang="en-US" sz="3200" b="1" dirty="0">
+                        <a:solidFill>
+                          <a:schemeClr val="bg1"/>
+                        </a:solidFill>
+                      </a:endParaRPr>
+                    </a:p>
+                  </a:txBody>
+                  <a:tcPr/>
+                </a:tc>
+                <a:tc>
+                  <a:txBody>
+                    <a:bodyPr/>
+                    <a:lstStyle/>
+                    <a:p>
+                      <a:pPr algn="ctr"/>
+                      <a:r>
+                        <a:rPr lang="en-US" sz="2800" b="1" dirty="0" smtClean="0">
+                          <a:solidFill>
+                            <a:schemeClr val="bg1"/>
+                          </a:solidFill>
+                        </a:rPr>
+                        <a:t>9</a:t>
+                      </a:r>
+                      <a:endParaRPr lang="en-US" sz="2800" b="1" dirty="0">
+                        <a:solidFill>
+                          <a:schemeClr val="bg1"/>
+                        </a:solidFill>
+                      </a:endParaRPr>
+                    </a:p>
+                  </a:txBody>
+                  <a:tcPr/>
+                </a:tc>
+                <a:tc>
+                  <a:txBody>
+                    <a:bodyPr/>
+                    <a:lstStyle/>
+                    <a:p>
+                      <a:pPr algn="ctr"/>
+                      <a:r>
+                        <a:rPr lang="en-US" sz="2800" b="1" dirty="0" smtClean="0">
+                          <a:solidFill>
+                            <a:schemeClr val="bg1"/>
+                          </a:solidFill>
+                        </a:rPr>
+                        <a:t>2.1</a:t>
+                      </a:r>
+                      <a:endParaRPr lang="en-US" sz="2800" b="1" dirty="0">
+                        <a:solidFill>
+                          <a:schemeClr val="bg1"/>
+                        </a:solidFill>
+                      </a:endParaRPr>
+                    </a:p>
+                  </a:txBody>
+                  <a:tcPr/>
+                </a:tc>
+                <a:tc>
+                  <a:txBody>
+                    <a:bodyPr/>
+                    <a:lstStyle/>
+                    <a:p>
+                      <a:pPr algn="ctr"/>
+                      <a:r>
+                        <a:rPr lang="en-US" sz="2800" b="1" dirty="0" smtClean="0">
+                          <a:solidFill>
+                            <a:schemeClr val="bg1"/>
+                          </a:solidFill>
+                        </a:rPr>
+                        <a:t>3.2</a:t>
+                      </a:r>
+                      <a:endParaRPr lang="en-US" sz="2800" b="1" dirty="0">
+                        <a:solidFill>
+                          <a:schemeClr val="bg1"/>
+                        </a:solidFill>
+                      </a:endParaRPr>
+                    </a:p>
+                  </a:txBody>
+                  <a:tcPr/>
+                </a:tc>
+              </a:tr>
+            </a:tbl>
+          </a:graphicData>
+        </a:graphic>
+      </p:graphicFrame>
+      <p:pic>
+        <p:nvPicPr>
+          <p:cNvPr id="9" name="Picture 8"/>
+          <p:cNvPicPr>
+            <a:picLocks noChangeAspect="1"/>
+          </p:cNvPicPr>
+          <p:nvPr/>
+        </p:nvPicPr>
+        <p:blipFill>
+          <a:blip r:embed="rId2"/>
+          <a:stretch>
+            <a:fillRect/>
+          </a:stretch>
+        </p:blipFill>
+        <p:spPr>
+          <a:xfrm>
+            <a:off x="716008" y="2574169"/>
+            <a:ext cx="1042309" cy="1042309"/>
+          </a:xfrm>
+          <a:prstGeom prst="rect">
+            <a:avLst/>
+          </a:prstGeom>
+        </p:spPr>
+      </p:pic>
+      <p:pic>
+        <p:nvPicPr>
+          <p:cNvPr id="18" name="Picture 17"/>
+          <p:cNvPicPr>
+            <a:picLocks noChangeAspect="1"/>
+          </p:cNvPicPr>
+          <p:nvPr/>
+        </p:nvPicPr>
+        <p:blipFill>
+          <a:blip r:embed="rId3"/>
+          <a:stretch>
+            <a:fillRect/>
+          </a:stretch>
+        </p:blipFill>
+        <p:spPr>
+          <a:xfrm>
+            <a:off x="3038324" y="2581882"/>
+            <a:ext cx="1037771" cy="1037771"/>
+          </a:xfrm>
+          <a:prstGeom prst="rect">
+            <a:avLst/>
+          </a:prstGeom>
+        </p:spPr>
+      </p:pic>
+      <p:pic>
+        <p:nvPicPr>
+          <p:cNvPr id="19" name="Picture 18"/>
+          <p:cNvPicPr>
+            <a:picLocks noChangeAspect="1"/>
+          </p:cNvPicPr>
+          <p:nvPr/>
+        </p:nvPicPr>
+        <p:blipFill>
+          <a:blip r:embed="rId4"/>
+          <a:stretch>
+            <a:fillRect/>
+          </a:stretch>
+        </p:blipFill>
+        <p:spPr>
+          <a:xfrm>
+            <a:off x="4171650" y="2578707"/>
+            <a:ext cx="956731" cy="1040946"/>
+          </a:xfrm>
+          <a:prstGeom prst="rect">
+            <a:avLst/>
+          </a:prstGeom>
+        </p:spPr>
+      </p:pic>
+      <p:pic>
+        <p:nvPicPr>
+          <p:cNvPr id="20" name="Picture 19"/>
+          <p:cNvPicPr>
+            <a:picLocks noChangeAspect="1"/>
+          </p:cNvPicPr>
+          <p:nvPr/>
+        </p:nvPicPr>
+        <p:blipFill>
+          <a:blip r:embed="rId5"/>
+          <a:stretch>
+            <a:fillRect/>
+          </a:stretch>
+        </p:blipFill>
+        <p:spPr>
+          <a:xfrm>
+            <a:off x="1880809" y="2570240"/>
+            <a:ext cx="1046238" cy="1046238"/>
+          </a:xfrm>
+          <a:prstGeom prst="rect">
+            <a:avLst/>
+          </a:prstGeom>
+        </p:spPr>
+      </p:pic>
+      <p:pic>
+        <p:nvPicPr>
+          <p:cNvPr id="21" name="Picture 20"/>
+          <p:cNvPicPr>
+            <a:picLocks noChangeAspect="1"/>
+          </p:cNvPicPr>
+          <p:nvPr/>
+        </p:nvPicPr>
+        <p:blipFill>
+          <a:blip r:embed="rId6"/>
+          <a:stretch>
+            <a:fillRect/>
+          </a:stretch>
+        </p:blipFill>
+        <p:spPr>
+          <a:xfrm>
+            <a:off x="5256591" y="2580672"/>
+            <a:ext cx="1038981" cy="1038981"/>
+          </a:xfrm>
+          <a:prstGeom prst="rect">
+            <a:avLst/>
+          </a:prstGeom>
+        </p:spPr>
+      </p:pic>
+      <p:pic>
+        <p:nvPicPr>
+          <p:cNvPr id="22" name="Picture 21"/>
+          <p:cNvPicPr>
+            <a:picLocks noChangeAspect="1"/>
+          </p:cNvPicPr>
+          <p:nvPr/>
+        </p:nvPicPr>
+        <p:blipFill>
+          <a:blip r:embed="rId7"/>
+          <a:stretch>
+            <a:fillRect/>
+          </a:stretch>
+        </p:blipFill>
+        <p:spPr>
+          <a:xfrm>
+            <a:off x="7027332" y="2914712"/>
+            <a:ext cx="701766" cy="701766"/>
+          </a:xfrm>
+          <a:prstGeom prst="rect">
+            <a:avLst/>
+          </a:prstGeom>
+        </p:spPr>
+      </p:pic>
+      <p:pic>
+        <p:nvPicPr>
+          <p:cNvPr id="23" name="Picture 22"/>
+          <p:cNvPicPr>
+            <a:picLocks noChangeAspect="1"/>
+          </p:cNvPicPr>
+          <p:nvPr/>
+        </p:nvPicPr>
+        <p:blipFill>
+          <a:blip r:embed="rId2"/>
+          <a:stretch>
+            <a:fillRect/>
+          </a:stretch>
+        </p:blipFill>
+        <p:spPr>
+          <a:xfrm>
+            <a:off x="6366931" y="2992362"/>
+            <a:ext cx="624116" cy="624116"/>
+          </a:xfrm>
+          <a:prstGeom prst="rect">
+            <a:avLst/>
+          </a:prstGeom>
+        </p:spPr>
+      </p:pic>
+      <p:pic>
+        <p:nvPicPr>
+          <p:cNvPr id="24" name="Picture 23"/>
+          <p:cNvPicPr>
+            <a:picLocks noChangeAspect="1"/>
+          </p:cNvPicPr>
+          <p:nvPr/>
+        </p:nvPicPr>
+        <p:blipFill>
+          <a:blip r:embed="rId6"/>
+          <a:stretch>
+            <a:fillRect/>
+          </a:stretch>
+        </p:blipFill>
+        <p:spPr>
+          <a:xfrm>
+            <a:off x="7789573" y="2992362"/>
+            <a:ext cx="639387" cy="639387"/>
+          </a:xfrm>
+          <a:prstGeom prst="rect">
+            <a:avLst/>
+          </a:prstGeom>
+        </p:spPr>
+      </p:pic>
+    </p:spTree>
+    <p:extLst>
+      <p:ext uri="{BB962C8B-B14F-4D97-AF65-F5344CB8AC3E}">
+        <p14:creationId xmlns:p14="http://schemas.microsoft.com/office/powerpoint/2010/main" val="3389324371"/>
+      </p:ext>
+    </p:extLst>
+  </p:cSld>
+  <p:clrMapOvr>
+    <a:masterClrMapping/>
+  </p:clrMapOvr>
+  <p:transition xmlns:p14="http://schemas.microsoft.com/office/powerpoint/2010/main">
+    <p:fade/>
+  </p:transition>
+  <p:timing>
+    <p:tnLst>
+      <p:par>
+        <p:cTn xmlns:p14="http://schemas.microsoft.com/office/powerpoint/2010/main" id="1" dur="indefinite" restart="never" nodeType="tmRoot"/>
+      </p:par>
+    </p:tnLst>
+  </p:timing>
+</p:sld>
+</file>
+
+<file path=ppt/slides/slide25.xml><?xml version="1.0" encoding="utf-8"?>
+<p:sld xmlns:a="http://schemas.openxmlformats.org/drawingml/2006/main" xmlns:r="http://schemas.openxmlformats.org/officeDocument/2006/relationships" xmlns:p="http://schemas.openxmlformats.org/presentationml/2006/main">
+  <p:cSld>
+    <p:spTree>
+      <p:nvGrpSpPr>
+        <p:cNvPr id="1" name=""/>
+        <p:cNvGrpSpPr/>
+        <p:nvPr/>
+      </p:nvGrpSpPr>
+      <p:grpSpPr>
+        <a:xfrm>
+          <a:off x="0" y="0"/>
+          <a:ext cx="0" cy="0"/>
+          <a:chOff x="0" y="0"/>
+          <a:chExt cx="0" cy="0"/>
+        </a:xfrm>
+      </p:grpSpPr>
+      <p:sp>
+        <p:nvSpPr>
+          <p:cNvPr id="2" name="Text Placeholder 1"/>
+          <p:cNvSpPr>
+            <a:spLocks noGrp="1"/>
+          </p:cNvSpPr>
+          <p:nvPr>
+            <p:ph type="body" sz="quarter" idx="10"/>
+          </p:nvPr>
+        </p:nvSpPr>
+        <p:spPr/>
+        <p:txBody>
+          <a:bodyPr/>
+          <a:lstStyle/>
+          <a:p>
+            <a:r>
+              <a:rPr lang="en-US" dirty="0" smtClean="0"/>
+              <a:t>demo</a:t>
+            </a:r>
+            <a:endParaRPr lang="en-US" dirty="0"/>
+          </a:p>
+        </p:txBody>
+      </p:sp>
+      <p:sp>
+        <p:nvSpPr>
+          <p:cNvPr id="3" name="Title 2"/>
+          <p:cNvSpPr>
+            <a:spLocks noGrp="1"/>
+          </p:cNvSpPr>
+          <p:nvPr>
+            <p:ph type="ctrTitle"/>
+          </p:nvPr>
+        </p:nvSpPr>
+        <p:spPr/>
+        <p:txBody>
+          <a:bodyPr/>
+          <a:lstStyle/>
+          <a:p>
+            <a:r>
+              <a:rPr lang="en-US" sz="6600" dirty="0" smtClean="0"/>
+              <a:t>Transforms</a:t>
+            </a:r>
+            <a:endParaRPr lang="en-US" sz="6600" dirty="0"/>
+          </a:p>
+        </p:txBody>
+      </p:sp>
+    </p:spTree>
+    <p:extLst>
+      <p:ext uri="{BB962C8B-B14F-4D97-AF65-F5344CB8AC3E}">
+        <p14:creationId xmlns:p14="http://schemas.microsoft.com/office/powerpoint/2010/main" val="3224406431"/>
+      </p:ext>
+    </p:extLst>
+  </p:cSld>
+  <p:clrMapOvr>
+    <a:masterClrMapping/>
+  </p:clrMapOvr>
+  <p:transition xmlns:p14="http://schemas.microsoft.com/office/powerpoint/2010/main">
+    <p:fade/>
+  </p:transition>
+  <p:timing>
+    <p:tnLst>
+      <p:par>
+        <p:cTn xmlns:p14="http://schemas.microsoft.com/office/powerpoint/2010/main" id="1" dur="indefinite" restart="never" nodeType="tmRoot"/>
+      </p:par>
+    </p:tnLst>
+  </p:timing>
+</p:sld>
+</file>
+
+<file path=ppt/slides/slide26.xml><?xml version="1.0" encoding="utf-8"?>
+<p:sld xmlns:a="http://schemas.openxmlformats.org/drawingml/2006/main" xmlns:r="http://schemas.openxmlformats.org/officeDocument/2006/relationships" xmlns:p="http://schemas.openxmlformats.org/presentationml/2006/main">
+  <p:cSld>
+    <p:spTree>
+      <p:nvGrpSpPr>
+        <p:cNvPr id="1" name=""/>
+        <p:cNvGrpSpPr/>
+        <p:nvPr/>
+      </p:nvGrpSpPr>
+      <p:grpSpPr>
+        <a:xfrm>
+          <a:off x="0" y="0"/>
+          <a:ext cx="0" cy="0"/>
+          <a:chOff x="0" y="0"/>
+          <a:chExt cx="0" cy="0"/>
+        </a:xfrm>
+      </p:grpSpPr>
+      <p:sp>
+        <p:nvSpPr>
+          <p:cNvPr id="3" name="Title 2"/>
+          <p:cNvSpPr>
+            <a:spLocks noGrp="1"/>
+          </p:cNvSpPr>
+          <p:nvPr>
+            <p:ph type="ctrTitle"/>
+          </p:nvPr>
+        </p:nvSpPr>
+        <p:spPr/>
+        <p:txBody>
+          <a:bodyPr/>
+          <a:lstStyle/>
+          <a:p>
+            <a:r>
+              <a:rPr lang="en-US" dirty="0" smtClean="0"/>
+              <a:t>Transitions and Animations*</a:t>
+            </a:r>
+            <a:endParaRPr lang="en-US" dirty="0"/>
+          </a:p>
+        </p:txBody>
+      </p:sp>
+      <p:sp>
+        <p:nvSpPr>
+          <p:cNvPr id="5" name="Subtitle 4"/>
+          <p:cNvSpPr>
+            <a:spLocks noGrp="1"/>
+          </p:cNvSpPr>
+          <p:nvPr>
+            <p:ph type="subTitle" idx="1"/>
+          </p:nvPr>
+        </p:nvSpPr>
+        <p:spPr/>
+        <p:txBody>
+          <a:bodyPr/>
+          <a:lstStyle/>
+          <a:p>
+            <a:r>
+              <a:rPr lang="en-US" dirty="0" smtClean="0">
+                <a:solidFill>
+                  <a:srgbClr val="FFC425"/>
+                </a:solidFill>
+              </a:rPr>
+              <a:t>*CSS taking on even more behavioral load</a:t>
+            </a:r>
+            <a:endParaRPr lang="en-US" dirty="0" smtClean="0">
+              <a:solidFill>
+                <a:srgbClr val="FFC425"/>
+              </a:solidFill>
+            </a:endParaRPr>
+          </a:p>
+          <a:p>
+            <a:endParaRPr lang="en-US" dirty="0">
+              <a:solidFill>
+                <a:srgbClr val="FFC425"/>
+              </a:solidFill>
+            </a:endParaRPr>
+          </a:p>
+        </p:txBody>
+      </p:sp>
+    </p:spTree>
+    <p:extLst>
+      <p:ext uri="{BB962C8B-B14F-4D97-AF65-F5344CB8AC3E}">
+        <p14:creationId xmlns:p14="http://schemas.microsoft.com/office/powerpoint/2010/main" val="2561811206"/>
+      </p:ext>
+    </p:extLst>
+  </p:cSld>
+  <p:clrMapOvr>
+    <a:masterClrMapping/>
+  </p:clrMapOvr>
+  <p:transition xmlns:p14="http://schemas.microsoft.com/office/powerpoint/2010/main">
+    <p:fade/>
+  </p:transition>
+  <p:timing>
+    <p:tnLst>
+      <p:par>
+        <p:cTn xmlns:p14="http://schemas.microsoft.com/office/powerpoint/2010/main" id="1" dur="indefinite" restart="never" nodeType="tmRoot"/>
+      </p:par>
+    </p:tnLst>
+  </p:timing>
+</p:sld>
+</file>
+
+<file path=ppt/slides/slide27.xml><?xml version="1.0" encoding="utf-8"?>
+<p:sld xmlns:a="http://schemas.openxmlformats.org/drawingml/2006/main" xmlns:r="http://schemas.openxmlformats.org/officeDocument/2006/relationships" xmlns:p="http://schemas.openxmlformats.org/presentationml/2006/main">
+  <p:cSld>
+    <p:spTree>
+      <p:nvGrpSpPr>
+        <p:cNvPr id="1" name=""/>
+        <p:cNvGrpSpPr/>
+        <p:nvPr/>
+      </p:nvGrpSpPr>
+      <p:grpSpPr>
+        <a:xfrm>
+          <a:off x="0" y="0"/>
+          <a:ext cx="0" cy="0"/>
+          <a:chOff x="0" y="0"/>
+          <a:chExt cx="0" cy="0"/>
+        </a:xfrm>
+      </p:grpSpPr>
+      <p:sp>
+        <p:nvSpPr>
+          <p:cNvPr id="5" name="Title 4"/>
+          <p:cNvSpPr>
+            <a:spLocks noGrp="1"/>
+          </p:cNvSpPr>
+          <p:nvPr>
+            <p:ph type="title"/>
+          </p:nvPr>
+        </p:nvSpPr>
+        <p:spPr>
+          <a:xfrm>
+            <a:off x="389436" y="228602"/>
+            <a:ext cx="8363938" cy="507831"/>
+          </a:xfrm>
+        </p:spPr>
+        <p:txBody>
+          <a:bodyPr/>
+          <a:lstStyle/>
+          <a:p>
+            <a:r>
+              <a:rPr lang="en-US" sz="3600" dirty="0" smtClean="0"/>
+              <a:t>Using CSS3 Transitions and Animations</a:t>
+            </a:r>
+            <a:endParaRPr lang="en-US" sz="3600" dirty="0"/>
+          </a:p>
+        </p:txBody>
+      </p:sp>
+      <p:sp>
+        <p:nvSpPr>
+          <p:cNvPr id="2" name="Text Placeholder 1"/>
+          <p:cNvSpPr>
+            <a:spLocks noGrp="1"/>
+          </p:cNvSpPr>
+          <p:nvPr>
+            <p:ph type="body" sz="quarter" idx="10"/>
+          </p:nvPr>
+        </p:nvSpPr>
+        <p:spPr/>
+        <p:txBody>
+          <a:bodyPr/>
+          <a:lstStyle/>
+          <a:p>
+            <a:endParaRPr lang="en-US"/>
+          </a:p>
+        </p:txBody>
+      </p:sp>
+    </p:spTree>
+    <p:extLst>
+      <p:ext uri="{BB962C8B-B14F-4D97-AF65-F5344CB8AC3E}">
+        <p14:creationId xmlns:p14="http://schemas.microsoft.com/office/powerpoint/2010/main" val="3165237975"/>
+      </p:ext>
+    </p:extLst>
+  </p:cSld>
+  <p:clrMapOvr>
+    <a:masterClrMapping/>
+  </p:clrMapOvr>
+  <p:transition xmlns:p14="http://schemas.microsoft.com/office/powerpoint/2010/main">
+    <p:fade/>
+  </p:transition>
+  <p:timing>
+    <p:tnLst>
+      <p:par>
+        <p:cTn xmlns:p14="http://schemas.microsoft.com/office/powerpoint/2010/main" id="1" dur="indefinite" restart="never" nodeType="tmRoot"/>
+      </p:par>
+    </p:tnLst>
+  </p:timing>
+</p:sld>
+</file>
+
+<file path=ppt/slides/slide28.xml><?xml version="1.0" encoding="utf-8"?>
+<p:sld xmlns:a="http://schemas.openxmlformats.org/drawingml/2006/main" xmlns:r="http://schemas.openxmlformats.org/officeDocument/2006/relationships" xmlns:p="http://schemas.openxmlformats.org/presentationml/2006/main">
+  <p:cSld>
+    <p:spTree>
+      <p:nvGrpSpPr>
+        <p:cNvPr id="1" name=""/>
+        <p:cNvGrpSpPr/>
+        <p:nvPr/>
+      </p:nvGrpSpPr>
+      <p:grpSpPr>
+        <a:xfrm>
+          <a:off x="0" y="0"/>
+          <a:ext cx="0" cy="0"/>
+          <a:chOff x="0" y="0"/>
+          <a:chExt cx="0" cy="0"/>
+        </a:xfrm>
+      </p:grpSpPr>
+      <p:sp>
+        <p:nvSpPr>
+          <p:cNvPr id="3" name="Title 2"/>
+          <p:cNvSpPr>
+            <a:spLocks noGrp="1"/>
+          </p:cNvSpPr>
+          <p:nvPr>
+            <p:ph type="title"/>
+          </p:nvPr>
+        </p:nvSpPr>
+        <p:spPr>
+          <a:xfrm>
+            <a:off x="389436" y="228602"/>
+            <a:ext cx="8363938" cy="451406"/>
+          </a:xfrm>
+        </p:spPr>
+        <p:txBody>
+          <a:bodyPr/>
+          <a:lstStyle/>
+          <a:p>
+            <a:r>
+              <a:rPr lang="en-US" sz="3200" b="0" kern="1200" cap="none" spc="-100" baseline="0" dirty="0" smtClean="0">
+                <a:ln w="3175">
+                  <a:noFill/>
+                </a:ln>
+                <a:gradFill flip="none" rotWithShape="1">
+                  <a:gsLst>
+                    <a:gs pos="0">
+                      <a:schemeClr val="tx1"/>
+                    </a:gs>
+                    <a:gs pos="86000">
+                      <a:schemeClr val="tx1"/>
+                    </a:gs>
+                  </a:gsLst>
+                  <a:lin ang="5400000" scaled="0"/>
+                  <a:tileRect/>
+                </a:gradFill>
+                <a:effectLst/>
+                <a:latin typeface="+mj-lt"/>
+                <a:ea typeface="+mn-ea"/>
+                <a:cs typeface="Arial" charset="0"/>
+              </a:rPr>
+              <a:t>Browser Support for </a:t>
+            </a:r>
+            <a:r>
+              <a:rPr lang="en-US" sz="3200" b="0" kern="1200" cap="none" spc="-100" baseline="0" dirty="0" smtClean="0">
+                <a:ln w="3175">
+                  <a:noFill/>
+                </a:ln>
+                <a:gradFill flip="none" rotWithShape="1">
+                  <a:gsLst>
+                    <a:gs pos="0">
+                      <a:schemeClr val="tx1"/>
+                    </a:gs>
+                    <a:gs pos="86000">
+                      <a:schemeClr val="tx1"/>
+                    </a:gs>
+                  </a:gsLst>
+                  <a:lin ang="5400000" scaled="0"/>
+                  <a:tileRect/>
+                </a:gradFill>
+                <a:effectLst/>
+                <a:latin typeface="+mj-lt"/>
+                <a:ea typeface="+mn-ea"/>
+                <a:cs typeface="Arial" charset="0"/>
+              </a:rPr>
+              <a:t>Transitions and Animations</a:t>
+            </a:r>
+            <a:r>
+              <a:rPr lang="en-US" sz="3200" b="0" kern="1200" cap="none" spc="-100" baseline="0" dirty="0" smtClean="0">
+                <a:ln w="3175">
+                  <a:noFill/>
+                </a:ln>
+                <a:gradFill flip="none" rotWithShape="1">
+                  <a:gsLst>
+                    <a:gs pos="0">
+                      <a:schemeClr val="tx1"/>
+                    </a:gs>
+                    <a:gs pos="86000">
+                      <a:schemeClr val="tx1"/>
+                    </a:gs>
+                  </a:gsLst>
+                  <a:lin ang="5400000" scaled="0"/>
+                  <a:tileRect/>
+                </a:gradFill>
+                <a:effectLst/>
+                <a:latin typeface="+mj-lt"/>
+                <a:ea typeface="+mn-ea"/>
+                <a:cs typeface="Arial" charset="0"/>
+              </a:rPr>
+              <a:t>	</a:t>
+            </a:r>
+            <a:endParaRPr lang="en-US" sz="2800" dirty="0"/>
+          </a:p>
+        </p:txBody>
+      </p:sp>
+      <p:graphicFrame>
+        <p:nvGraphicFramePr>
+          <p:cNvPr id="6" name="Content Placeholder 5"/>
+          <p:cNvGraphicFramePr>
+            <a:graphicFrameLocks noGrp="1"/>
+          </p:cNvGraphicFramePr>
+          <p:nvPr>
+            <p:ph idx="1"/>
+            <p:extLst>
+              <p:ext uri="{D42A27DB-BD31-4B8C-83A1-F6EECF244321}">
+                <p14:modId xmlns:p14="http://schemas.microsoft.com/office/powerpoint/2010/main" val="4150454764"/>
+              </p:ext>
+            </p:extLst>
+          </p:nvPr>
+        </p:nvGraphicFramePr>
+        <p:xfrm>
+          <a:off x="653147" y="2412276"/>
+          <a:ext cx="7836622" cy="1879597"/>
+        </p:xfrm>
+        <a:graphic>
+          <a:graphicData uri="http://schemas.openxmlformats.org/drawingml/2006/table">
+            <a:tbl>
+              <a:tblPr firstRow="1" bandCol="1">
+                <a:tableStyleId>{B301B821-A1FF-4177-AEE7-76D212191A09}</a:tableStyleId>
+              </a:tblPr>
+              <a:tblGrid>
+                <a:gridCol w="1161139"/>
+                <a:gridCol w="1185333"/>
+                <a:gridCol w="1100667"/>
+                <a:gridCol w="1112762"/>
+                <a:gridCol w="1124857"/>
+                <a:gridCol w="689428"/>
+                <a:gridCol w="701524"/>
+                <a:gridCol w="760912"/>
+              </a:tblGrid>
+              <a:tr h="405914">
+                <a:tc rowSpan="2">
+                  <a:txBody>
+                    <a:bodyPr/>
+                    <a:lstStyle/>
+                    <a:p>
+                      <a:endParaRPr lang="en-US" b="1" dirty="0">
+                        <a:solidFill>
+                          <a:schemeClr val="bg1"/>
+                        </a:solidFill>
+                      </a:endParaRPr>
+                    </a:p>
+                  </a:txBody>
+                  <a:tcPr/>
+                </a:tc>
+                <a:tc rowSpan="2">
+                  <a:txBody>
+                    <a:bodyPr/>
+                    <a:lstStyle/>
+                    <a:p>
+                      <a:endParaRPr lang="en-US" b="1" dirty="0">
+                        <a:solidFill>
+                          <a:schemeClr val="bg1"/>
+                        </a:solidFill>
+                      </a:endParaRPr>
+                    </a:p>
+                  </a:txBody>
+                  <a:tcPr/>
+                </a:tc>
+                <a:tc rowSpan="2">
+                  <a:txBody>
+                    <a:bodyPr/>
+                    <a:lstStyle/>
+                    <a:p>
+                      <a:endParaRPr lang="en-US" b="1" dirty="0">
+                        <a:solidFill>
+                          <a:schemeClr val="bg1"/>
+                        </a:solidFill>
+                      </a:endParaRPr>
+                    </a:p>
+                  </a:txBody>
+                  <a:tcPr/>
+                </a:tc>
+                <a:tc rowSpan="2">
+                  <a:txBody>
+                    <a:bodyPr/>
+                    <a:lstStyle/>
+                    <a:p>
+                      <a:endParaRPr lang="en-US" b="1" dirty="0">
+                        <a:solidFill>
+                          <a:schemeClr val="bg1"/>
+                        </a:solidFill>
+                      </a:endParaRPr>
+                    </a:p>
+                  </a:txBody>
+                  <a:tcPr/>
+                </a:tc>
+                <a:tc rowSpan="2">
+                  <a:txBody>
+                    <a:bodyPr/>
+                    <a:lstStyle/>
+                    <a:p>
+                      <a:endParaRPr lang="en-US" b="1" dirty="0">
+                        <a:solidFill>
+                          <a:schemeClr val="bg1"/>
+                        </a:solidFill>
+                      </a:endParaRPr>
+                    </a:p>
+                  </a:txBody>
+                  <a:tcPr/>
+                </a:tc>
+                <a:tc gridSpan="3">
+                  <a:txBody>
+                    <a:bodyPr/>
+                    <a:lstStyle/>
+                    <a:p>
+                      <a:pPr algn="ctr"/>
+                      <a:r>
+                        <a:rPr lang="en-US" b="1" dirty="0" smtClean="0">
+                          <a:solidFill>
+                            <a:schemeClr val="bg1"/>
+                          </a:solidFill>
+                        </a:rPr>
+                        <a:t>Mobile</a:t>
+                      </a:r>
+                      <a:endParaRPr lang="en-US" b="1" dirty="0">
+                        <a:solidFill>
+                          <a:schemeClr val="bg1"/>
+                        </a:solidFill>
+                      </a:endParaRPr>
+                    </a:p>
+                  </a:txBody>
+                  <a:tcPr/>
+                </a:tc>
+                <a:tc hMerge="1">
+                  <a:txBody>
+                    <a:bodyPr/>
+                    <a:lstStyle/>
+                    <a:p>
+                      <a:endParaRPr lang="en-US" dirty="0"/>
+                    </a:p>
+                  </a:txBody>
+                  <a:tcPr/>
+                </a:tc>
+                <a:tc hMerge="1">
+                  <a:txBody>
+                    <a:bodyPr/>
+                    <a:lstStyle/>
+                    <a:p>
+                      <a:endParaRPr lang="en-US" dirty="0"/>
+                    </a:p>
+                  </a:txBody>
+                  <a:tcPr/>
+                </a:tc>
+              </a:tr>
+              <a:tr h="955524">
+                <a:tc vMerge="1">
+                  <a:txBody>
+                    <a:bodyPr/>
+                    <a:lstStyle/>
+                    <a:p>
+                      <a:endParaRPr lang="en-US" dirty="0"/>
+                    </a:p>
+                  </a:txBody>
+                  <a:tcPr/>
+                </a:tc>
+                <a:tc vMerge="1">
+                  <a:txBody>
+                    <a:bodyPr/>
+                    <a:lstStyle/>
+                    <a:p>
+                      <a:endParaRPr lang="en-US" dirty="0"/>
+                    </a:p>
+                  </a:txBody>
+                  <a:tcPr/>
+                </a:tc>
+                <a:tc vMerge="1">
+                  <a:txBody>
+                    <a:bodyPr/>
+                    <a:lstStyle/>
+                    <a:p>
+                      <a:endParaRPr lang="en-US" dirty="0"/>
+                    </a:p>
+                  </a:txBody>
+                  <a:tcPr/>
+                </a:tc>
+                <a:tc vMerge="1">
+                  <a:txBody>
+                    <a:bodyPr/>
+                    <a:lstStyle/>
+                    <a:p>
+                      <a:endParaRPr lang="en-US" dirty="0"/>
+                    </a:p>
+                  </a:txBody>
+                  <a:tcPr/>
+                </a:tc>
+                <a:tc vMerge="1">
+                  <a:txBody>
+                    <a:bodyPr/>
+                    <a:lstStyle/>
+                    <a:p>
+                      <a:endParaRPr lang="en-US" dirty="0"/>
+                    </a:p>
+                  </a:txBody>
+                  <a:tcPr/>
+                </a:tc>
+                <a:tc>
+                  <a:txBody>
+                    <a:bodyPr/>
+                    <a:lstStyle/>
+                    <a:p>
+                      <a:endParaRPr lang="en-US" b="1" dirty="0">
+                        <a:solidFill>
+                          <a:schemeClr val="bg1"/>
+                        </a:solidFill>
+                      </a:endParaRPr>
+                    </a:p>
+                  </a:txBody>
+                  <a:tcPr/>
+                </a:tc>
+                <a:tc>
+                  <a:txBody>
+                    <a:bodyPr/>
+                    <a:lstStyle/>
+                    <a:p>
+                      <a:endParaRPr lang="en-US" b="1" dirty="0">
+                        <a:solidFill>
+                          <a:schemeClr val="bg1"/>
+                        </a:solidFill>
+                      </a:endParaRPr>
+                    </a:p>
+                  </a:txBody>
+                  <a:tcPr/>
+                </a:tc>
+                <a:tc>
+                  <a:txBody>
+                    <a:bodyPr/>
+                    <a:lstStyle/>
+                    <a:p>
+                      <a:endParaRPr lang="en-US" b="1" dirty="0">
+                        <a:solidFill>
+                          <a:schemeClr val="bg1"/>
+                        </a:solidFill>
+                      </a:endParaRPr>
+                    </a:p>
+                  </a:txBody>
+                  <a:tcPr/>
+                </a:tc>
+              </a:tr>
+              <a:tr h="370840">
+                <a:tc>
+                  <a:txBody>
+                    <a:bodyPr/>
+                    <a:lstStyle/>
+                    <a:p>
+                      <a:pPr algn="ctr"/>
+                      <a:r>
+                        <a:rPr lang="en-US" sz="2400" b="1" dirty="0" smtClean="0">
+                          <a:solidFill>
+                            <a:schemeClr val="bg1"/>
+                          </a:solidFill>
+                        </a:rPr>
+                        <a:t>10</a:t>
+                      </a:r>
+                      <a:endParaRPr lang="en-US" sz="2400" b="1" dirty="0">
+                        <a:solidFill>
+                          <a:schemeClr val="bg1"/>
+                        </a:solidFill>
+                      </a:endParaRPr>
+                    </a:p>
+                  </a:txBody>
+                  <a:tcPr/>
+                </a:tc>
+                <a:tc>
+                  <a:txBody>
+                    <a:bodyPr/>
+                    <a:lstStyle/>
+                    <a:p>
+                      <a:pPr algn="ctr"/>
+                      <a:r>
+                        <a:rPr lang="en-US" sz="2400" b="1" dirty="0" smtClean="0">
+                          <a:solidFill>
+                            <a:schemeClr val="bg1"/>
+                          </a:solidFill>
+                        </a:rPr>
+                        <a:t>4</a:t>
+                      </a:r>
+                      <a:endParaRPr lang="en-US" sz="2400" b="1" dirty="0">
+                        <a:solidFill>
+                          <a:schemeClr val="bg1"/>
+                        </a:solidFill>
+                      </a:endParaRPr>
+                    </a:p>
+                  </a:txBody>
+                  <a:tcPr/>
+                </a:tc>
+                <a:tc>
+                  <a:txBody>
+                    <a:bodyPr/>
+                    <a:lstStyle/>
+                    <a:p>
+                      <a:pPr algn="ctr"/>
+                      <a:r>
+                        <a:rPr lang="en-US" sz="2400" b="1" dirty="0" smtClean="0">
+                          <a:solidFill>
+                            <a:schemeClr val="bg1"/>
+                          </a:solidFill>
+                        </a:rPr>
+                        <a:t>4/5</a:t>
+                      </a:r>
+                      <a:endParaRPr lang="en-US" sz="2400" b="1" dirty="0">
+                        <a:solidFill>
+                          <a:schemeClr val="bg1"/>
+                        </a:solidFill>
+                      </a:endParaRPr>
+                    </a:p>
+                  </a:txBody>
+                  <a:tcPr/>
+                </a:tc>
+                <a:tc>
+                  <a:txBody>
+                    <a:bodyPr/>
+                    <a:lstStyle/>
+                    <a:p>
+                      <a:pPr algn="ctr"/>
+                      <a:r>
+                        <a:rPr lang="en-US" sz="2400" b="1" dirty="0" smtClean="0">
+                          <a:solidFill>
+                            <a:schemeClr val="bg1"/>
+                          </a:solidFill>
+                        </a:rPr>
+                        <a:t>10.5/?</a:t>
+                      </a:r>
+                      <a:endParaRPr lang="en-US" sz="2400" b="1" dirty="0">
+                        <a:solidFill>
+                          <a:schemeClr val="bg1"/>
+                        </a:solidFill>
+                      </a:endParaRPr>
+                    </a:p>
+                  </a:txBody>
+                  <a:tcPr/>
+                </a:tc>
+                <a:tc>
+                  <a:txBody>
+                    <a:bodyPr/>
+                    <a:lstStyle/>
+                    <a:p>
+                      <a:pPr algn="ctr"/>
+                      <a:r>
+                        <a:rPr lang="en-US" sz="2400" b="1" dirty="0" smtClean="0">
+                          <a:solidFill>
+                            <a:schemeClr val="bg1"/>
+                          </a:solidFill>
+                        </a:rPr>
+                        <a:t>3.1/4</a:t>
+                      </a:r>
+                      <a:endParaRPr lang="en-US" sz="2400" b="1" dirty="0">
+                        <a:solidFill>
+                          <a:schemeClr val="bg1"/>
+                        </a:solidFill>
+                      </a:endParaRPr>
+                    </a:p>
+                  </a:txBody>
+                  <a:tcPr/>
+                </a:tc>
+                <a:tc>
+                  <a:txBody>
+                    <a:bodyPr/>
+                    <a:lstStyle/>
+                    <a:p>
+                      <a:pPr algn="ctr"/>
+                      <a:r>
+                        <a:rPr lang="en-US" sz="2800" b="1" dirty="0" smtClean="0">
+                          <a:solidFill>
+                            <a:schemeClr val="bg1"/>
+                          </a:solidFill>
+                        </a:rPr>
+                        <a:t>?</a:t>
+                      </a:r>
+                      <a:endParaRPr lang="en-US" sz="2800" b="1" dirty="0">
+                        <a:solidFill>
+                          <a:schemeClr val="bg1"/>
+                        </a:solidFill>
+                      </a:endParaRPr>
+                    </a:p>
+                  </a:txBody>
+                  <a:tcPr/>
+                </a:tc>
+                <a:tc>
+                  <a:txBody>
+                    <a:bodyPr/>
+                    <a:lstStyle/>
+                    <a:p>
+                      <a:pPr algn="ctr"/>
+                      <a:r>
+                        <a:rPr lang="en-US" sz="2800" b="1" dirty="0" smtClean="0">
+                          <a:solidFill>
+                            <a:schemeClr val="bg1"/>
+                          </a:solidFill>
+                        </a:rPr>
+                        <a:t>4</a:t>
+                      </a:r>
+                      <a:endParaRPr lang="en-US" sz="2800" b="1" dirty="0">
+                        <a:solidFill>
+                          <a:schemeClr val="bg1"/>
+                        </a:solidFill>
+                      </a:endParaRPr>
+                    </a:p>
+                  </a:txBody>
+                  <a:tcPr/>
+                </a:tc>
+                <a:tc>
+                  <a:txBody>
+                    <a:bodyPr/>
+                    <a:lstStyle/>
+                    <a:p>
+                      <a:pPr algn="ctr"/>
+                      <a:r>
+                        <a:rPr lang="en-US" sz="2800" b="1" dirty="0" smtClean="0">
+                          <a:solidFill>
+                            <a:schemeClr val="bg1"/>
+                          </a:solidFill>
+                        </a:rPr>
+                        <a:t>3.2</a:t>
+                      </a:r>
+                      <a:endParaRPr lang="en-US" sz="2800" b="1" dirty="0">
+                        <a:solidFill>
+                          <a:schemeClr val="bg1"/>
+                        </a:solidFill>
+                      </a:endParaRPr>
+                    </a:p>
+                  </a:txBody>
+                  <a:tcPr/>
+                </a:tc>
+              </a:tr>
+            </a:tbl>
+          </a:graphicData>
+        </a:graphic>
+      </p:graphicFrame>
+      <p:pic>
+        <p:nvPicPr>
+          <p:cNvPr id="9" name="Picture 8"/>
+          <p:cNvPicPr>
+            <a:picLocks noChangeAspect="1"/>
+          </p:cNvPicPr>
+          <p:nvPr/>
+        </p:nvPicPr>
+        <p:blipFill>
+          <a:blip r:embed="rId2"/>
+          <a:stretch>
+            <a:fillRect/>
+          </a:stretch>
+        </p:blipFill>
+        <p:spPr>
+          <a:xfrm>
+            <a:off x="716008" y="2574169"/>
+            <a:ext cx="1042309" cy="1042309"/>
+          </a:xfrm>
+          <a:prstGeom prst="rect">
+            <a:avLst/>
+          </a:prstGeom>
+        </p:spPr>
+      </p:pic>
+      <p:pic>
+        <p:nvPicPr>
+          <p:cNvPr id="18" name="Picture 17"/>
+          <p:cNvPicPr>
+            <a:picLocks noChangeAspect="1"/>
+          </p:cNvPicPr>
+          <p:nvPr/>
+        </p:nvPicPr>
+        <p:blipFill>
+          <a:blip r:embed="rId3"/>
+          <a:stretch>
+            <a:fillRect/>
+          </a:stretch>
+        </p:blipFill>
+        <p:spPr>
+          <a:xfrm>
+            <a:off x="3038324" y="2581882"/>
+            <a:ext cx="1037771" cy="1037771"/>
+          </a:xfrm>
+          <a:prstGeom prst="rect">
+            <a:avLst/>
+          </a:prstGeom>
+        </p:spPr>
+      </p:pic>
+      <p:pic>
+        <p:nvPicPr>
+          <p:cNvPr id="19" name="Picture 18"/>
+          <p:cNvPicPr>
+            <a:picLocks noChangeAspect="1"/>
+          </p:cNvPicPr>
+          <p:nvPr/>
+        </p:nvPicPr>
+        <p:blipFill>
+          <a:blip r:embed="rId4"/>
+          <a:stretch>
+            <a:fillRect/>
+          </a:stretch>
+        </p:blipFill>
+        <p:spPr>
+          <a:xfrm>
+            <a:off x="4171650" y="2578707"/>
+            <a:ext cx="956731" cy="1040946"/>
+          </a:xfrm>
+          <a:prstGeom prst="rect">
+            <a:avLst/>
+          </a:prstGeom>
+        </p:spPr>
+      </p:pic>
+      <p:pic>
+        <p:nvPicPr>
+          <p:cNvPr id="20" name="Picture 19"/>
+          <p:cNvPicPr>
+            <a:picLocks noChangeAspect="1"/>
+          </p:cNvPicPr>
+          <p:nvPr/>
+        </p:nvPicPr>
+        <p:blipFill>
+          <a:blip r:embed="rId5"/>
+          <a:stretch>
+            <a:fillRect/>
+          </a:stretch>
+        </p:blipFill>
+        <p:spPr>
+          <a:xfrm>
+            <a:off x="1880809" y="2570240"/>
+            <a:ext cx="1046238" cy="1046238"/>
+          </a:xfrm>
+          <a:prstGeom prst="rect">
+            <a:avLst/>
+          </a:prstGeom>
+        </p:spPr>
+      </p:pic>
+      <p:pic>
+        <p:nvPicPr>
+          <p:cNvPr id="21" name="Picture 20"/>
+          <p:cNvPicPr>
+            <a:picLocks noChangeAspect="1"/>
+          </p:cNvPicPr>
+          <p:nvPr/>
+        </p:nvPicPr>
+        <p:blipFill>
+          <a:blip r:embed="rId6"/>
+          <a:stretch>
+            <a:fillRect/>
+          </a:stretch>
+        </p:blipFill>
+        <p:spPr>
+          <a:xfrm>
+            <a:off x="5256591" y="2580672"/>
+            <a:ext cx="1038981" cy="1038981"/>
+          </a:xfrm>
+          <a:prstGeom prst="rect">
+            <a:avLst/>
+          </a:prstGeom>
+        </p:spPr>
+      </p:pic>
+      <p:pic>
+        <p:nvPicPr>
+          <p:cNvPr id="22" name="Picture 21"/>
+          <p:cNvPicPr>
+            <a:picLocks noChangeAspect="1"/>
+          </p:cNvPicPr>
+          <p:nvPr/>
+        </p:nvPicPr>
+        <p:blipFill>
+          <a:blip r:embed="rId7"/>
+          <a:stretch>
+            <a:fillRect/>
+          </a:stretch>
+        </p:blipFill>
+        <p:spPr>
+          <a:xfrm>
+            <a:off x="7027332" y="2914712"/>
+            <a:ext cx="701766" cy="701766"/>
+          </a:xfrm>
+          <a:prstGeom prst="rect">
+            <a:avLst/>
+          </a:prstGeom>
+        </p:spPr>
+      </p:pic>
+      <p:pic>
+        <p:nvPicPr>
+          <p:cNvPr id="23" name="Picture 22"/>
+          <p:cNvPicPr>
+            <a:picLocks noChangeAspect="1"/>
+          </p:cNvPicPr>
+          <p:nvPr/>
+        </p:nvPicPr>
+        <p:blipFill>
+          <a:blip r:embed="rId2"/>
+          <a:stretch>
+            <a:fillRect/>
+          </a:stretch>
+        </p:blipFill>
+        <p:spPr>
+          <a:xfrm>
+            <a:off x="6366931" y="2992362"/>
+            <a:ext cx="624116" cy="624116"/>
+          </a:xfrm>
+          <a:prstGeom prst="rect">
+            <a:avLst/>
+          </a:prstGeom>
+        </p:spPr>
+      </p:pic>
+      <p:pic>
+        <p:nvPicPr>
+          <p:cNvPr id="24" name="Picture 23"/>
+          <p:cNvPicPr>
+            <a:picLocks noChangeAspect="1"/>
+          </p:cNvPicPr>
+          <p:nvPr/>
+        </p:nvPicPr>
+        <p:blipFill>
+          <a:blip r:embed="rId6"/>
+          <a:stretch>
+            <a:fillRect/>
+          </a:stretch>
+        </p:blipFill>
+        <p:spPr>
+          <a:xfrm>
+            <a:off x="7789573" y="2992362"/>
+            <a:ext cx="639387" cy="639387"/>
+          </a:xfrm>
+          <a:prstGeom prst="rect">
+            <a:avLst/>
+          </a:prstGeom>
+        </p:spPr>
+      </p:pic>
+    </p:spTree>
+    <p:extLst>
+      <p:ext uri="{BB962C8B-B14F-4D97-AF65-F5344CB8AC3E}">
+        <p14:creationId xmlns:p14="http://schemas.microsoft.com/office/powerpoint/2010/main" val="1281773926"/>
+      </p:ext>
+    </p:extLst>
+  </p:cSld>
+  <p:clrMapOvr>
+    <a:masterClrMapping/>
+  </p:clrMapOvr>
+  <p:transition xmlns:p14="http://schemas.microsoft.com/office/powerpoint/2010/main">
+    <p:fade/>
+  </p:transition>
+  <p:timing>
+    <p:tnLst>
+      <p:par>
+        <p:cTn xmlns:p14="http://schemas.microsoft.com/office/powerpoint/2010/main" id="1" dur="indefinite" restart="never" nodeType="tmRoot"/>
+      </p:par>
+    </p:tnLst>
+  </p:timing>
+</p:sld>
+</file>
+
+<file path=ppt/slides/slide29.xml><?xml version="1.0" encoding="utf-8"?>
+<p:sld xmlns:a="http://schemas.openxmlformats.org/drawingml/2006/main" xmlns:r="http://schemas.openxmlformats.org/officeDocument/2006/relationships" xmlns:p="http://schemas.openxmlformats.org/presentationml/2006/main">
+  <p:cSld>
+    <p:spTree>
+      <p:nvGrpSpPr>
+        <p:cNvPr id="1" name=""/>
+        <p:cNvGrpSpPr/>
+        <p:nvPr/>
+      </p:nvGrpSpPr>
+      <p:grpSpPr>
+        <a:xfrm>
+          <a:off x="0" y="0"/>
+          <a:ext cx="0" cy="0"/>
+          <a:chOff x="0" y="0"/>
+          <a:chExt cx="0" cy="0"/>
+        </a:xfrm>
+      </p:grpSpPr>
+      <p:sp>
+        <p:nvSpPr>
+          <p:cNvPr id="2" name="Text Placeholder 1"/>
+          <p:cNvSpPr>
+            <a:spLocks noGrp="1"/>
+          </p:cNvSpPr>
+          <p:nvPr>
+            <p:ph type="body" sz="quarter" idx="10"/>
+          </p:nvPr>
+        </p:nvSpPr>
+        <p:spPr/>
+        <p:txBody>
+          <a:bodyPr/>
+          <a:lstStyle/>
+          <a:p>
+            <a:r>
+              <a:rPr lang="en-US" dirty="0" smtClean="0"/>
+              <a:t>demo</a:t>
+            </a:r>
+            <a:endParaRPr lang="en-US" dirty="0"/>
+          </a:p>
+        </p:txBody>
+      </p:sp>
+      <p:sp>
+        <p:nvSpPr>
+          <p:cNvPr id="3" name="Title 2"/>
+          <p:cNvSpPr>
+            <a:spLocks noGrp="1"/>
+          </p:cNvSpPr>
+          <p:nvPr>
+            <p:ph type="ctrTitle"/>
+          </p:nvPr>
+        </p:nvSpPr>
+        <p:spPr/>
+        <p:txBody>
+          <a:bodyPr/>
+          <a:lstStyle/>
+          <a:p>
+            <a:r>
+              <a:rPr lang="en-US" dirty="0" smtClean="0"/>
+              <a:t>Transitions and Animations</a:t>
+            </a:r>
+            <a:endParaRPr lang="en-US" dirty="0"/>
+          </a:p>
+        </p:txBody>
+      </p:sp>
+    </p:spTree>
+    <p:extLst>
+      <p:ext uri="{BB962C8B-B14F-4D97-AF65-F5344CB8AC3E}">
+        <p14:creationId xmlns:p14="http://schemas.microsoft.com/office/powerpoint/2010/main" val="3906481745"/>
+      </p:ext>
+    </p:extLst>
+  </p:cSld>
+  <p:clrMapOvr>
+    <a:masterClrMapping/>
+  </p:clrMapOvr>
+  <p:transition xmlns:p14="http://schemas.microsoft.com/office/powerpoint/2010/main">
+    <p:fade/>
+  </p:transition>
+  <p:timing>
+    <p:tnLst>
+      <p:par>
+        <p:cTn xmlns:p14="http://schemas.microsoft.com/office/powerpoint/2010/main" id="1" dur="indefinite" restart="never" nodeType="tmRoot"/>
+      </p:par>
+    </p:tnLst>
+  </p:timing>
+</p:sld>
+</file>
+
+<file path=ppt/slides/slide3.xml><?xml version="1.0" encoding="utf-8"?>
 <p:sld xmlns:a="http://schemas.openxmlformats.org/drawingml/2006/main" xmlns:r="http://schemas.openxmlformats.org/officeDocument/2006/relationships" xmlns:p="http://schemas.openxmlformats.org/presentationml/2006/main">
   <p:cSld>
     <p:spTree>
@@ -15962,7 +18581,7 @@
                 <a:ea typeface="+mn-ea"/>
                 <a:cs typeface="Arial" charset="0"/>
               </a:rPr>
-              <a:t>CSS3</a:t>
+              <a:t>Agenda</a:t>
             </a:r>
             <a:endParaRPr lang="en-US" dirty="0"/>
           </a:p>
@@ -15970,7 +18589,7 @@
       </p:sp>
       <p:sp>
         <p:nvSpPr>
-          <p:cNvPr id="6" name="Text Placeholder 4"/>
+          <p:cNvPr id="5" name="Text Placeholder 4"/>
           <p:cNvSpPr>
             <a:spLocks noGrp="1"/>
           </p:cNvSpPr>
@@ -15981,51 +18600,60 @@
         <p:spPr>
           <a:xfrm>
             <a:off x="389436" y="1447802"/>
-            <a:ext cx="8363938" cy="451406"/>
+            <a:ext cx="8363938" cy="3159839"/>
           </a:xfrm>
         </p:spPr>
         <p:txBody>
           <a:bodyPr/>
           <a:lstStyle/>
           <a:p>
-            <a:pPr marL="0" indent="0">
-              <a:buNone/>
-            </a:pPr>
             <a:r>
               <a:rPr lang="en-US" dirty="0" smtClean="0"/>
-              <a:t>Description</a:t>
-            </a:r>
+              <a:t>Border-Radius</a:t>
+            </a:r>
+          </a:p>
+          <a:p>
+            <a:r>
+              <a:rPr lang="en-US" dirty="0" smtClean="0"/>
+              <a:t>Box-</a:t>
+            </a:r>
+            <a:r>
+              <a:rPr lang="en-US" dirty="0" smtClean="0"/>
+              <a:t>Shadow &amp; Text-Shadow</a:t>
+            </a:r>
+          </a:p>
+          <a:p>
+            <a:r>
+              <a:rPr lang="en-US" dirty="0" smtClean="0"/>
+              <a:t>Web Fonts</a:t>
+            </a:r>
+            <a:endParaRPr lang="en-US" dirty="0"/>
+          </a:p>
+          <a:p>
+            <a:r>
+              <a:rPr lang="en-US" dirty="0" smtClean="0"/>
+              <a:t>Media Queries</a:t>
+            </a:r>
+          </a:p>
+          <a:p>
+            <a:r>
+              <a:rPr lang="en-US" dirty="0" smtClean="0"/>
+              <a:t>Transformations</a:t>
+            </a:r>
+          </a:p>
+          <a:p>
+            <a:r>
+              <a:rPr lang="en-US" dirty="0" smtClean="0"/>
+              <a:t>Transitions and Animations</a:t>
+            </a:r>
+            <a:endParaRPr lang="en-US" dirty="0"/>
           </a:p>
         </p:txBody>
       </p:sp>
-      <p:pic>
-        <p:nvPicPr>
-          <p:cNvPr id="4" name="Picture 3"/>
-          <p:cNvPicPr>
-            <a:picLocks noChangeAspect="1"/>
-          </p:cNvPicPr>
-          <p:nvPr/>
-        </p:nvPicPr>
-        <p:blipFill>
-          <a:blip r:embed="rId2"/>
-          <a:stretch>
-            <a:fillRect/>
-          </a:stretch>
-        </p:blipFill>
-        <p:spPr>
-          <a:xfrm>
-            <a:off x="5555085" y="3481910"/>
-            <a:ext cx="3198289" cy="3198289"/>
-          </a:xfrm>
-          <a:prstGeom prst="rect">
-            <a:avLst/>
-          </a:prstGeom>
-        </p:spPr>
-      </p:pic>
     </p:spTree>
     <p:extLst>
       <p:ext uri="{BB962C8B-B14F-4D97-AF65-F5344CB8AC3E}">
-        <p14:creationId xmlns:p14="http://schemas.microsoft.com/office/powerpoint/2010/main" val="130175412"/>
+        <p14:creationId xmlns:p14="http://schemas.microsoft.com/office/powerpoint/2010/main" val="2492801174"/>
       </p:ext>
     </p:extLst>
   </p:cSld>
@@ -16045,7 +18673,7 @@
 </p:sld>
 </file>
 
-<file path=ppt/slides/slide20.xml><?xml version="1.0" encoding="utf-8"?>
+<file path=ppt/slides/slide30.xml><?xml version="1.0" encoding="utf-8"?>
 <p:sld xmlns:a="http://schemas.openxmlformats.org/drawingml/2006/main" xmlns:r="http://schemas.openxmlformats.org/officeDocument/2006/relationships" xmlns:p="http://schemas.openxmlformats.org/presentationml/2006/main">
   <p:cSld>
     <p:spTree>
@@ -16064,7 +18692,7 @@
       </p:grpSpPr>
       <p:sp>
         <p:nvSpPr>
-          <p:cNvPr id="7" name="Text Placeholder 5"/>
+          <p:cNvPr id="8" name="Text Placeholder 7"/>
           <p:cNvSpPr>
             <a:spLocks noGrp="1"/>
           </p:cNvSpPr>
@@ -16072,437 +18700,23 @@
             <p:ph type="body" sz="quarter" idx="10"/>
           </p:nvPr>
         </p:nvSpPr>
-        <p:spPr>
-          <a:xfrm>
-            <a:off x="392036" y="1447800"/>
-            <a:ext cx="8363937" cy="3883114"/>
-          </a:xfrm>
-        </p:spPr>
+        <p:spPr/>
         <p:txBody>
           <a:bodyPr/>
           <a:lstStyle/>
           <a:p>
-            <a:pPr marL="0" indent="0">
-              <a:buNone/>
-            </a:pPr>
-            <a:r>
-              <a:rPr lang="en-US" sz="2000" dirty="0">
-                <a:solidFill>
-                  <a:schemeClr val="bg1"/>
-                </a:solidFill>
-              </a:rPr>
-              <a:t>&lt;</a:t>
-            </a:r>
-            <a:r>
-              <a:rPr lang="en-US" sz="2000" b="1" dirty="0">
-                <a:solidFill>
-                  <a:srgbClr val="800000"/>
-                </a:solidFill>
-                <a:effectLst>
-                  <a:outerShdw blurRad="38100" dist="38100" dir="2700000" algn="tl">
-                    <a:srgbClr val="000000">
-                      <a:alpha val="43137"/>
-                    </a:srgbClr>
-                  </a:outerShdw>
-                </a:effectLst>
-              </a:rPr>
-              <a:t>svg</a:t>
-            </a:r>
-            <a:r>
-              <a:rPr lang="en-US" sz="2000" dirty="0">
-                <a:solidFill>
-                  <a:srgbClr val="800000"/>
-                </a:solidFill>
-                <a:effectLst>
-                  <a:outerShdw blurRad="38100" dist="38100" dir="2700000" algn="tl">
-                    <a:srgbClr val="000000">
-                      <a:alpha val="43137"/>
-                    </a:srgbClr>
-                  </a:outerShdw>
-                </a:effectLst>
-              </a:rPr>
-              <a:t> </a:t>
-            </a:r>
-            <a:r>
-              <a:rPr lang="en-US" sz="2000" dirty="0">
-                <a:solidFill>
-                  <a:schemeClr val="bg1"/>
-                </a:solidFill>
-              </a:rPr>
-              <a:t>xmlns="http://www.w3.org/2000/svg" </a:t>
-            </a:r>
-            <a:r>
-              <a:rPr lang="en-US" sz="2000" dirty="0" smtClean="0">
-                <a:solidFill>
-                  <a:schemeClr val="bg1"/>
-                </a:solidFill>
-              </a:rPr>
-              <a:t>viewBox</a:t>
-            </a:r>
-            <a:r>
-              <a:rPr lang="en-US" sz="2000" dirty="0">
-                <a:solidFill>
-                  <a:schemeClr val="bg1"/>
-                </a:solidFill>
-              </a:rPr>
-              <a:t>="0 0 220.5 199.5"&gt;</a:t>
-            </a:r>
-          </a:p>
-          <a:p>
-            <a:pPr marL="0" indent="0">
-              <a:buNone/>
-            </a:pPr>
-            <a:r>
-              <a:rPr lang="en-US" sz="2000" dirty="0">
-                <a:solidFill>
-                  <a:schemeClr val="bg1"/>
-                </a:solidFill>
-              </a:rPr>
-              <a:t>   </a:t>
-            </a:r>
-            <a:r>
-              <a:rPr lang="en-US" sz="2000" dirty="0" smtClean="0">
-                <a:solidFill>
-                  <a:schemeClr val="bg1"/>
-                </a:solidFill>
-              </a:rPr>
-              <a:t>&lt;</a:t>
-            </a:r>
-            <a:r>
-              <a:rPr lang="en-US" sz="2000" dirty="0">
-                <a:solidFill>
-                  <a:schemeClr val="bg1"/>
-                </a:solidFill>
-              </a:rPr>
-              <a:t>title&gt;HTML5 CSS Styling Logo&lt;/title&gt;</a:t>
-            </a:r>
-          </a:p>
-          <a:p>
-            <a:pPr marL="0" indent="0">
-              <a:buNone/>
-            </a:pPr>
-            <a:r>
-              <a:rPr lang="en-US" sz="2000" dirty="0" smtClean="0">
-                <a:solidFill>
-                  <a:schemeClr val="bg1"/>
-                </a:solidFill>
-              </a:rPr>
-              <a:t>   &lt;</a:t>
-            </a:r>
-            <a:r>
-              <a:rPr lang="en-US" sz="2000" b="1" dirty="0">
-                <a:solidFill>
-                  <a:srgbClr val="800000"/>
-                </a:solidFill>
-                <a:effectLst>
-                  <a:outerShdw blurRad="38100" dist="38100" dir="2700000" algn="tl">
-                    <a:srgbClr val="000000">
-                      <a:alpha val="43137"/>
-                    </a:srgbClr>
-                  </a:outerShdw>
-                </a:effectLst>
-              </a:rPr>
-              <a:t>path</a:t>
-            </a:r>
-            <a:r>
-              <a:rPr lang="en-US" sz="2000" dirty="0">
-                <a:solidFill>
-                  <a:srgbClr val="800000"/>
-                </a:solidFill>
-                <a:effectLst>
-                  <a:outerShdw blurRad="38100" dist="38100" dir="2700000" algn="tl">
-                    <a:srgbClr val="000000">
-                      <a:alpha val="43137"/>
-                    </a:srgbClr>
-                  </a:outerShdw>
-                </a:effectLst>
-              </a:rPr>
-              <a:t> </a:t>
-            </a:r>
-            <a:r>
-              <a:rPr lang="en-US" sz="2000" dirty="0">
-                <a:solidFill>
-                  <a:schemeClr val="bg1"/>
-                </a:solidFill>
-              </a:rPr>
-              <a:t>d="M32.8,0L25.4,37.0 176.0,37.0 171.3,60.9 20.6,60.9 13.3,97.9 163.9,97.9 155.5,140.1 94.8,160.2 42.2,140.1 45.8,121.8 8.8,121.8 0,166.2 87.0,199.5 187.3,166.2 200.6,99.4 203.3,86.0 220.4,0z"/&gt;</a:t>
-            </a:r>
-          </a:p>
-          <a:p>
-            <a:pPr marL="0" indent="0">
-              <a:buNone/>
-            </a:pPr>
-            <a:r>
-              <a:rPr lang="en-US" sz="2000" dirty="0" smtClean="0">
-                <a:solidFill>
-                  <a:schemeClr val="bg1"/>
-                </a:solidFill>
-              </a:rPr>
-              <a:t>&lt;/</a:t>
-            </a:r>
-            <a:r>
-              <a:rPr lang="en-US" sz="2000" dirty="0">
-                <a:solidFill>
-                  <a:schemeClr val="bg1"/>
-                </a:solidFill>
-              </a:rPr>
-              <a:t>svg</a:t>
-            </a:r>
-            <a:r>
-              <a:rPr lang="en-US" sz="2000" dirty="0" smtClean="0">
-                <a:solidFill>
-                  <a:schemeClr val="bg1"/>
-                </a:solidFill>
-              </a:rPr>
-              <a:t>&gt;</a:t>
-            </a:r>
-          </a:p>
-          <a:p>
-            <a:pPr marL="0" indent="0">
-              <a:buNone/>
-            </a:pPr>
-            <a:endParaRPr lang="en-US" sz="2000" dirty="0">
-              <a:solidFill>
-                <a:schemeClr val="bg1"/>
-              </a:solidFill>
-            </a:endParaRPr>
-          </a:p>
-          <a:p>
-            <a:pPr marL="0" indent="0">
-              <a:buNone/>
-            </a:pPr>
-            <a:r>
-              <a:rPr lang="en-US" sz="2000" dirty="0" smtClean="0">
-                <a:solidFill>
-                  <a:schemeClr val="bg1"/>
-                </a:solidFill>
-              </a:rPr>
-              <a:t>&lt;style&gt;</a:t>
-            </a:r>
-          </a:p>
-          <a:p>
-            <a:pPr marL="0" indent="0">
-              <a:buNone/>
-            </a:pPr>
-            <a:r>
-              <a:rPr lang="en-US" sz="2000" dirty="0" smtClean="0">
-                <a:solidFill>
-                  <a:schemeClr val="bg1"/>
-                </a:solidFill>
-              </a:rPr>
-              <a:t>   </a:t>
-            </a:r>
-            <a:r>
-              <a:rPr lang="en-US" sz="2000" b="1" dirty="0" smtClean="0">
-                <a:solidFill>
-                  <a:srgbClr val="800000"/>
-                </a:solidFill>
-                <a:effectLst>
-                  <a:outerShdw blurRad="38100" dist="38100" dir="2700000" algn="tl">
-                    <a:srgbClr val="000000">
-                      <a:alpha val="43137"/>
-                    </a:srgbClr>
-                  </a:outerShdw>
-                </a:effectLst>
-              </a:rPr>
-              <a:t>svg path </a:t>
-            </a:r>
-            <a:r>
-              <a:rPr lang="en-US" sz="2000" dirty="0" smtClean="0">
-                <a:solidFill>
-                  <a:schemeClr val="bg1"/>
-                </a:solidFill>
-              </a:rPr>
-              <a:t>{</a:t>
-            </a:r>
-          </a:p>
-          <a:p>
-            <a:pPr marL="0" indent="0">
-              <a:buNone/>
-            </a:pPr>
-            <a:r>
-              <a:rPr lang="en-US" sz="2000" dirty="0" smtClean="0">
-                <a:solidFill>
-                  <a:schemeClr val="bg1"/>
-                </a:solidFill>
-              </a:rPr>
-              <a:t>   	</a:t>
-            </a:r>
-            <a:r>
-              <a:rPr lang="en-US" sz="2000" b="1" dirty="0" smtClean="0">
-                <a:solidFill>
-                  <a:srgbClr val="800000"/>
-                </a:solidFill>
-                <a:effectLst>
-                  <a:outerShdw blurRad="38100" dist="38100" dir="2700000" algn="tl">
-                    <a:srgbClr val="000000">
-                      <a:alpha val="43137"/>
-                    </a:srgbClr>
-                  </a:outerShdw>
-                </a:effectLst>
-              </a:rPr>
-              <a:t>fill</a:t>
-            </a:r>
-            <a:r>
-              <a:rPr lang="en-US" sz="2000" dirty="0" smtClean="0">
-                <a:solidFill>
-                  <a:schemeClr val="bg1"/>
-                </a:solidFill>
-              </a:rPr>
-              <a:t>: navy;</a:t>
-            </a:r>
-          </a:p>
-          <a:p>
-            <a:pPr marL="0" indent="0">
-              <a:buNone/>
-            </a:pPr>
-            <a:r>
-              <a:rPr lang="en-US" sz="2000" dirty="0" smtClean="0">
-                <a:solidFill>
-                  <a:schemeClr val="bg1"/>
-                </a:solidFill>
-              </a:rPr>
-              <a:t>   }</a:t>
-            </a:r>
-            <a:r>
-              <a:rPr lang="en-US" sz="2000" dirty="0">
-                <a:solidFill>
-                  <a:schemeClr val="bg1"/>
-                </a:solidFill>
-              </a:rPr>
-              <a:t>	</a:t>
-            </a:r>
-            <a:endParaRPr lang="en-US" sz="2000" dirty="0" smtClean="0">
-              <a:solidFill>
-                <a:schemeClr val="bg1"/>
-              </a:solidFill>
-            </a:endParaRPr>
-          </a:p>
-          <a:p>
-            <a:pPr marL="0" indent="0">
-              <a:buNone/>
-            </a:pPr>
-            <a:r>
-              <a:rPr lang="en-US" sz="2000" dirty="0" smtClean="0">
-                <a:solidFill>
-                  <a:schemeClr val="bg1"/>
-                </a:solidFill>
-              </a:rPr>
-              <a:t>&lt;/style&gt;</a:t>
-            </a:r>
-            <a:endParaRPr lang="en-US" sz="2000" dirty="0">
-              <a:solidFill>
-                <a:schemeClr val="bg1"/>
-              </a:solidFill>
-            </a:endParaRPr>
+            <a:r>
+              <a:rPr lang="en-US" dirty="0" smtClean="0"/>
+              <a:t>Questions?</a:t>
+            </a:r>
+            <a:endParaRPr lang="en-US" dirty="0"/>
           </a:p>
         </p:txBody>
       </p:sp>
-      <p:sp>
-        <p:nvSpPr>
-          <p:cNvPr id="5" name="Title 4"/>
-          <p:cNvSpPr>
-            <a:spLocks noGrp="1"/>
-          </p:cNvSpPr>
-          <p:nvPr>
-            <p:ph type="title"/>
-          </p:nvPr>
-        </p:nvSpPr>
-        <p:spPr>
-          <a:xfrm>
-            <a:off x="389436" y="228602"/>
-            <a:ext cx="8363938" cy="507831"/>
-          </a:xfrm>
-        </p:spPr>
-        <p:txBody>
-          <a:bodyPr/>
-          <a:lstStyle/>
-          <a:p>
-            <a:r>
-              <a:rPr lang="en-US" sz="3600" dirty="0" smtClean="0"/>
-              <a:t>&lt;svg&gt; + &lt;html&gt; = Stylable, Scriptable SVG</a:t>
-            </a:r>
-            <a:endParaRPr lang="en-US" sz="3600" dirty="0"/>
-          </a:p>
-        </p:txBody>
-      </p:sp>
-      <p:pic>
-        <p:nvPicPr>
-          <p:cNvPr id="1028" name="Picture 4"/>
-          <p:cNvPicPr>
-            <a:picLocks noChangeAspect="1" noChangeArrowheads="1"/>
-          </p:cNvPicPr>
-          <p:nvPr/>
-        </p:nvPicPr>
-        <p:blipFill>
-          <a:blip r:embed="rId3">
-            <a:extLst>
-              <a:ext uri="{BEBA8EAE-BF5A-486C-A8C5-ECC9F3942E4B}">
-                <a14:imgProps xmlns:a14="http://schemas.microsoft.com/office/drawing/2010/main">
-                  <a14:imgLayer r:embed="rId4">
-                    <a14:imgEffect>
-                      <a14:backgroundRemoval t="0" b="100000" l="0" r="100000"/>
-                    </a14:imgEffect>
-                  </a14:imgLayer>
-                </a14:imgProps>
-              </a:ext>
-              <a:ext uri="{28A0092B-C50C-407E-A947-70E740481C1C}">
-                <a14:useLocalDpi xmlns:a14="http://schemas.microsoft.com/office/drawing/2010/main" val="0"/>
-              </a:ext>
-            </a:extLst>
-          </a:blip>
-          <a:srcRect/>
-          <a:stretch>
-            <a:fillRect/>
-          </a:stretch>
-        </p:blipFill>
-        <p:spPr bwMode="auto">
-          <a:xfrm>
-            <a:off x="4132864" y="3618471"/>
-            <a:ext cx="2315178" cy="2752725"/>
-          </a:xfrm>
-          <a:prstGeom prst="rect">
-            <a:avLst/>
-          </a:prstGeom>
-          <a:noFill/>
-          <a:ln>
-            <a:noFill/>
-          </a:ln>
-          <a:effectLst/>
-          <a:extLst>
-            <a:ext uri="{909E8E84-426E-40dd-AFC4-6F175D3DCCD1}">
-              <a14:hiddenFill xmlns:a14="http://schemas.microsoft.com/office/drawing/2010/main">
-                <a:solidFill>
-                  <a:schemeClr val="accent1"/>
-                </a:solidFill>
-              </a14:hiddenFill>
-            </a:ext>
-            <a:ext uri="{91240B29-F687-4f45-9708-019B960494DF}">
-              <a14:hiddenLine xmlns:a14="http://schemas.microsoft.com/office/drawing/2010/main" w="9525">
-                <a:solidFill>
-                  <a:schemeClr val="tx1"/>
-                </a:solidFill>
-                <a:miter lim="800000"/>
-                <a:headEnd/>
-                <a:tailEnd/>
-              </a14:hiddenLine>
-            </a:ext>
-            <a:ext uri="{AF507438-7753-43e0-B8FC-AC1667EBCBE1}">
-              <a14:hiddenEffects xmlns:a14="http://schemas.microsoft.com/office/drawing/2010/main">
-                <a:effectLst>
-                  <a:outerShdw dist="35921" dir="2700000" algn="ctr" rotWithShape="0">
-                    <a:schemeClr val="bg2"/>
-                  </a:outerShdw>
-                </a:effectLst>
-              </a14:hiddenEffects>
-            </a:ext>
-          </a:extLst>
-        </p:spPr>
-      </p:pic>
     </p:spTree>
     <p:extLst>
       <p:ext uri="{BB962C8B-B14F-4D97-AF65-F5344CB8AC3E}">
-        <p14:creationId xmlns:p14="http://schemas.microsoft.com/office/powerpoint/2010/main" val="937076125"/>
+        <p14:creationId xmlns:p14="http://schemas.microsoft.com/office/powerpoint/2010/main" val="3170453128"/>
       </p:ext>
     </p:extLst>
   </p:cSld>
@@ -16522,7 +18736,7 @@
 </p:sld>
 </file>
 
-<file path=ppt/slides/slide21.xml><?xml version="1.0" encoding="utf-8"?>
+<file path=ppt/slides/slide31.xml><?xml version="1.0" encoding="utf-8"?>
 <p:sld xmlns:a="http://schemas.openxmlformats.org/drawingml/2006/main" xmlns:r="http://schemas.openxmlformats.org/officeDocument/2006/relationships" xmlns:p="http://schemas.openxmlformats.org/presentationml/2006/main">
   <p:cSld>
     <p:spTree>
@@ -16564,6 +18778,459 @@
                 <a:ln w="3175">
                   <a:noFill/>
                 </a:ln>
+                <a:solidFill>
+                  <a:schemeClr val="accent1"/>
+                </a:solidFill>
+                <a:effectLst/>
+              </a:rPr>
+              <a:t>Lab Instructions</a:t>
+            </a:r>
+            <a:endParaRPr lang="en-US" dirty="0">
+              <a:solidFill>
+                <a:schemeClr val="accent1"/>
+              </a:solidFill>
+            </a:endParaRPr>
+          </a:p>
+        </p:txBody>
+      </p:sp>
+      <p:sp>
+        <p:nvSpPr>
+          <p:cNvPr id="5" name="Text Placeholder 4"/>
+          <p:cNvSpPr>
+            <a:spLocks noGrp="1"/>
+          </p:cNvSpPr>
+          <p:nvPr>
+            <p:ph type="body" sz="quarter" idx="10"/>
+          </p:nvPr>
+        </p:nvSpPr>
+        <p:spPr>
+          <a:xfrm>
+            <a:off x="389438" y="1905003"/>
+            <a:ext cx="8363937" cy="3307572"/>
+          </a:xfrm>
+        </p:spPr>
+        <p:txBody>
+          <a:bodyPr/>
+          <a:lstStyle/>
+          <a:p>
+            <a:pPr marL="514350" indent="-514350">
+              <a:buFont typeface="+mj-ea"/>
+              <a:buAutoNum type="circleNumDbPlain"/>
+            </a:pPr>
+            <a:r>
+              <a:rPr lang="en-US" dirty="0" smtClean="0">
+                <a:solidFill>
+                  <a:schemeClr val="tx2"/>
+                </a:solidFill>
+              </a:rPr>
+              <a:t>Make sure you’ve cloned or downloaded the Labs </a:t>
+            </a:r>
+            <a:r>
+              <a:rPr lang="en-US" dirty="0">
+                <a:solidFill>
+                  <a:schemeClr val="tx2"/>
+                </a:solidFill>
+              </a:rPr>
+              <a:t>repo from </a:t>
+            </a:r>
+            <a:r>
+              <a:rPr lang="en-US" dirty="0" err="1" smtClean="0">
+                <a:solidFill>
+                  <a:srgbClr val="800000"/>
+                </a:solidFill>
+              </a:rPr>
+              <a:t>github.com</a:t>
+            </a:r>
+            <a:r>
+              <a:rPr lang="en-US" dirty="0">
+                <a:solidFill>
+                  <a:srgbClr val="800000"/>
+                </a:solidFill>
+              </a:rPr>
+              <a:t>/csell5/HTML5-</a:t>
+            </a:r>
+            <a:r>
+              <a:rPr lang="en-US" dirty="0" smtClean="0">
+                <a:solidFill>
+                  <a:srgbClr val="800000"/>
+                </a:solidFill>
+              </a:rPr>
+              <a:t>Compiler </a:t>
+            </a:r>
+            <a:endParaRPr lang="en-US" dirty="0">
+              <a:solidFill>
+                <a:srgbClr val="800000"/>
+              </a:solidFill>
+            </a:endParaRPr>
+          </a:p>
+          <a:p>
+            <a:pPr marL="514350" indent="-514350">
+              <a:buFont typeface="+mj-ea"/>
+              <a:buAutoNum type="circleNumDbPlain"/>
+            </a:pPr>
+            <a:r>
+              <a:rPr lang="en-US" dirty="0" smtClean="0">
+                <a:solidFill>
+                  <a:schemeClr val="tx2"/>
+                </a:solidFill>
+              </a:rPr>
+              <a:t>Go </a:t>
+            </a:r>
+            <a:r>
+              <a:rPr lang="en-US" dirty="0">
+                <a:solidFill>
+                  <a:schemeClr val="tx2"/>
+                </a:solidFill>
+              </a:rPr>
+              <a:t>to </a:t>
+            </a:r>
+            <a:r>
+              <a:rPr lang="en-US" dirty="0">
+                <a:solidFill>
+                  <a:srgbClr val="800000"/>
+                </a:solidFill>
+              </a:rPr>
+              <a:t>http://bit.ly/</a:t>
+            </a:r>
+            <a:r>
+              <a:rPr lang="en-US" dirty="0" smtClean="0">
+                <a:solidFill>
+                  <a:srgbClr val="800000"/>
+                </a:solidFill>
+              </a:rPr>
+              <a:t>x26I06</a:t>
+            </a:r>
+            <a:r>
+              <a:rPr lang="en-US" dirty="0">
+                <a:solidFill>
+                  <a:schemeClr val="tx2"/>
+                </a:solidFill>
+              </a:rPr>
+              <a:t> </a:t>
+            </a:r>
+            <a:r>
+              <a:rPr lang="en-US" dirty="0" smtClean="0">
+                <a:solidFill>
+                  <a:schemeClr val="tx2"/>
+                </a:solidFill>
+              </a:rPr>
+              <a:t>and follow the instructions from the readme </a:t>
+            </a:r>
+          </a:p>
+          <a:p>
+            <a:pPr marL="514350" indent="-514350">
+              <a:buFont typeface="+mj-ea"/>
+              <a:buAutoNum type="circleNumDbPlain"/>
+            </a:pPr>
+            <a:r>
+              <a:rPr lang="en-US" dirty="0" smtClean="0">
+                <a:solidFill>
+                  <a:schemeClr val="tx2"/>
+                </a:solidFill>
+              </a:rPr>
+              <a:t>Alternatively, open </a:t>
+            </a:r>
+            <a:r>
+              <a:rPr lang="en-US" dirty="0" err="1" smtClean="0">
+                <a:solidFill>
+                  <a:schemeClr val="tx2"/>
+                </a:solidFill>
+              </a:rPr>
+              <a:t>readme.md</a:t>
+            </a:r>
+            <a:r>
+              <a:rPr lang="en-US" dirty="0" smtClean="0">
+                <a:solidFill>
+                  <a:schemeClr val="tx2"/>
+                </a:solidFill>
+              </a:rPr>
+              <a:t> in the “3- </a:t>
+            </a:r>
+            <a:r>
+              <a:rPr lang="en-US" dirty="0" smtClean="0">
+                <a:solidFill>
+                  <a:schemeClr val="tx2"/>
+                </a:solidFill>
+              </a:rPr>
+              <a:t>CSS3” </a:t>
+            </a:r>
+            <a:r>
+              <a:rPr lang="en-US" dirty="0" smtClean="0">
+                <a:solidFill>
+                  <a:schemeClr val="tx2"/>
+                </a:solidFill>
+              </a:rPr>
+              <a:t>folder</a:t>
+            </a:r>
+            <a:endParaRPr lang="en-US" dirty="0">
+              <a:solidFill>
+                <a:schemeClr val="tx2"/>
+              </a:solidFill>
+            </a:endParaRPr>
+          </a:p>
+        </p:txBody>
+      </p:sp>
+    </p:spTree>
+    <p:extLst>
+      <p:ext uri="{BB962C8B-B14F-4D97-AF65-F5344CB8AC3E}">
+        <p14:creationId xmlns:p14="http://schemas.microsoft.com/office/powerpoint/2010/main" val="852116988"/>
+      </p:ext>
+    </p:extLst>
+  </p:cSld>
+  <p:clrMapOvr>
+    <a:masterClrMapping/>
+  </p:clrMapOvr>
+  <p:transition xmlns:p14="http://schemas.microsoft.com/office/powerpoint/2010/main">
+    <p:fade/>
+  </p:transition>
+  <p:timing>
+    <p:tnLst>
+      <p:par>
+        <p:cTn xmlns:p14="http://schemas.microsoft.com/office/powerpoint/2010/main" id="1" dur="indefinite" restart="never" nodeType="tmRoot"/>
+      </p:par>
+    </p:tnLst>
+  </p:timing>
+</p:sld>
+</file>
+
+<file path=ppt/slides/slide4.xml><?xml version="1.0" encoding="utf-8"?>
+<p:sld xmlns:a="http://schemas.openxmlformats.org/drawingml/2006/main" xmlns:r="http://schemas.openxmlformats.org/officeDocument/2006/relationships" xmlns:p="http://schemas.openxmlformats.org/presentationml/2006/main">
+  <p:cSld>
+    <p:spTree>
+      <p:nvGrpSpPr>
+        <p:cNvPr id="1" name=""/>
+        <p:cNvGrpSpPr/>
+        <p:nvPr/>
+      </p:nvGrpSpPr>
+      <p:grpSpPr>
+        <a:xfrm>
+          <a:off x="0" y="0"/>
+          <a:ext cx="0" cy="0"/>
+          <a:chOff x="0" y="0"/>
+          <a:chExt cx="0" cy="0"/>
+        </a:xfrm>
+      </p:grpSpPr>
+      <p:sp>
+        <p:nvSpPr>
+          <p:cNvPr id="3" name="Title 2"/>
+          <p:cNvSpPr>
+            <a:spLocks noGrp="1"/>
+          </p:cNvSpPr>
+          <p:nvPr>
+            <p:ph type="ctrTitle"/>
+          </p:nvPr>
+        </p:nvSpPr>
+        <p:spPr/>
+        <p:txBody>
+          <a:bodyPr/>
+          <a:lstStyle/>
+          <a:p>
+            <a:r>
+              <a:rPr lang="en-US" sz="6000" dirty="0" smtClean="0"/>
+              <a:t>Border-Radius</a:t>
+            </a:r>
+            <a:r>
+              <a:rPr lang="en-US" sz="6000" baseline="30000" dirty="0" smtClean="0"/>
+              <a:t>*</a:t>
+            </a:r>
+            <a:endParaRPr lang="en-US" sz="6000" baseline="30000" dirty="0"/>
+          </a:p>
+        </p:txBody>
+      </p:sp>
+      <p:sp>
+        <p:nvSpPr>
+          <p:cNvPr id="5" name="Subtitle 4"/>
+          <p:cNvSpPr>
+            <a:spLocks noGrp="1"/>
+          </p:cNvSpPr>
+          <p:nvPr>
+            <p:ph type="subTitle" idx="1"/>
+          </p:nvPr>
+        </p:nvSpPr>
+        <p:spPr>
+          <a:xfrm>
+            <a:off x="463176" y="4703875"/>
+            <a:ext cx="8277412" cy="463255"/>
+          </a:xfrm>
+        </p:spPr>
+        <p:txBody>
+          <a:bodyPr/>
+          <a:lstStyle/>
+          <a:p>
+            <a:r>
+              <a:rPr lang="en-US" dirty="0" smtClean="0">
+                <a:solidFill>
+                  <a:schemeClr val="accent1">
+                    <a:alpha val="99000"/>
+                  </a:schemeClr>
+                </a:solidFill>
+              </a:rPr>
+              <a:t>*HTML5 *is* rounded corners, </a:t>
+            </a:r>
+            <a:r>
+              <a:rPr lang="en-US" dirty="0" err="1" smtClean="0">
+                <a:solidFill>
+                  <a:schemeClr val="accent1">
+                    <a:alpha val="99000"/>
+                  </a:schemeClr>
+                </a:solidFill>
+              </a:rPr>
+              <a:t>donchaknow</a:t>
+            </a:r>
+            <a:r>
+              <a:rPr lang="en-US" dirty="0" smtClean="0">
+                <a:solidFill>
+                  <a:schemeClr val="accent1">
+                    <a:alpha val="99000"/>
+                  </a:schemeClr>
+                </a:solidFill>
+              </a:rPr>
+              <a:t>?</a:t>
+            </a:r>
+            <a:endParaRPr lang="en-US" dirty="0"/>
+          </a:p>
+          <a:p>
+            <a:endParaRPr lang="en-US" dirty="0"/>
+          </a:p>
+        </p:txBody>
+      </p:sp>
+    </p:spTree>
+    <p:extLst>
+      <p:ext uri="{BB962C8B-B14F-4D97-AF65-F5344CB8AC3E}">
+        <p14:creationId xmlns:p14="http://schemas.microsoft.com/office/powerpoint/2010/main" val="1090174037"/>
+      </p:ext>
+    </p:extLst>
+  </p:cSld>
+  <p:clrMapOvr>
+    <a:masterClrMapping/>
+  </p:clrMapOvr>
+  <p:transition xmlns:p14="http://schemas.microsoft.com/office/powerpoint/2010/main">
+    <p:fade/>
+  </p:transition>
+  <p:timing>
+    <p:tnLst>
+      <p:par>
+        <p:cTn xmlns:p14="http://schemas.microsoft.com/office/powerpoint/2010/main" id="1" dur="indefinite" restart="never" nodeType="tmRoot"/>
+      </p:par>
+    </p:tnLst>
+  </p:timing>
+</p:sld>
+</file>
+
+<file path=ppt/slides/slide5.xml><?xml version="1.0" encoding="utf-8"?>
+<p:sld xmlns:a="http://schemas.openxmlformats.org/drawingml/2006/main" xmlns:r="http://schemas.openxmlformats.org/officeDocument/2006/relationships" xmlns:p="http://schemas.openxmlformats.org/presentationml/2006/main">
+  <p:cSld>
+    <p:spTree>
+      <p:nvGrpSpPr>
+        <p:cNvPr id="1" name=""/>
+        <p:cNvGrpSpPr/>
+        <p:nvPr/>
+      </p:nvGrpSpPr>
+      <p:grpSpPr>
+        <a:xfrm>
+          <a:off x="0" y="0"/>
+          <a:ext cx="0" cy="0"/>
+          <a:chOff x="0" y="0"/>
+          <a:chExt cx="0" cy="0"/>
+        </a:xfrm>
+      </p:grpSpPr>
+      <p:sp>
+        <p:nvSpPr>
+          <p:cNvPr id="5" name="Title 4"/>
+          <p:cNvSpPr>
+            <a:spLocks noGrp="1"/>
+          </p:cNvSpPr>
+          <p:nvPr>
+            <p:ph type="title"/>
+          </p:nvPr>
+        </p:nvSpPr>
+        <p:spPr/>
+        <p:txBody>
+          <a:bodyPr/>
+          <a:lstStyle/>
+          <a:p>
+            <a:r>
+              <a:rPr lang="en-US" dirty="0" smtClean="0"/>
+              <a:t>Rounding those Corners…</a:t>
+            </a:r>
+            <a:endParaRPr lang="en-US" dirty="0"/>
+          </a:p>
+        </p:txBody>
+      </p:sp>
+    </p:spTree>
+    <p:extLst>
+      <p:ext uri="{BB962C8B-B14F-4D97-AF65-F5344CB8AC3E}">
+        <p14:creationId xmlns:p14="http://schemas.microsoft.com/office/powerpoint/2010/main" val="603890906"/>
+      </p:ext>
+    </p:extLst>
+  </p:cSld>
+  <p:clrMapOvr>
+    <a:masterClrMapping/>
+  </p:clrMapOvr>
+  <mc:AlternateContent xmlns:mc="http://schemas.openxmlformats.org/markup-compatibility/2006" xmlns:p14="http://schemas.microsoft.com/office/powerpoint/2010/main">
+    <mc:Choice Requires="p14">
+      <p:transition spd="med" p14:dur="700">
+        <p:fade/>
+      </p:transition>
+    </mc:Choice>
+    <mc:Fallback xmlns="">
+      <p:transition spd="med">
+        <p:fade/>
+      </p:transition>
+    </mc:Fallback>
+  </mc:AlternateContent>
+  <p:timing>
+    <p:tnLst>
+      <p:par>
+        <p:cTn xmlns:p14="http://schemas.microsoft.com/office/powerpoint/2010/main" id="1" dur="indefinite" restart="never" nodeType="tmRoot"/>
+      </p:par>
+    </p:tnLst>
+  </p:timing>
+</p:sld>
+</file>
+
+<file path=ppt/slides/slide6.xml><?xml version="1.0" encoding="utf-8"?>
+<p:sld xmlns:a="http://schemas.openxmlformats.org/drawingml/2006/main" xmlns:r="http://schemas.openxmlformats.org/officeDocument/2006/relationships" xmlns:p="http://schemas.openxmlformats.org/presentationml/2006/main">
+  <p:cSld>
+    <p:spTree>
+      <p:nvGrpSpPr>
+        <p:cNvPr id="1" name=""/>
+        <p:cNvGrpSpPr/>
+        <p:nvPr/>
+      </p:nvGrpSpPr>
+      <p:grpSpPr>
+        <a:xfrm>
+          <a:off x="0" y="0"/>
+          <a:ext cx="0" cy="0"/>
+          <a:chOff x="0" y="0"/>
+          <a:chExt cx="0" cy="0"/>
+        </a:xfrm>
+      </p:grpSpPr>
+      <p:sp>
+        <p:nvSpPr>
+          <p:cNvPr id="3" name="Title 2"/>
+          <p:cNvSpPr>
+            <a:spLocks noGrp="1"/>
+          </p:cNvSpPr>
+          <p:nvPr>
+            <p:ph type="title"/>
+          </p:nvPr>
+        </p:nvSpPr>
+        <p:spPr>
+          <a:xfrm>
+            <a:off x="389436" y="228602"/>
+            <a:ext cx="8363938" cy="564257"/>
+          </a:xfrm>
+        </p:spPr>
+        <p:txBody>
+          <a:bodyPr/>
+          <a:lstStyle/>
+          <a:p>
+            <a:r>
+              <a:rPr lang="en-US" sz="4000" b="0" kern="1200" cap="none" spc="-100" baseline="0" dirty="0" smtClean="0">
+                <a:ln w="3175">
+                  <a:noFill/>
+                </a:ln>
                 <a:gradFill flip="none" rotWithShape="1">
                   <a:gsLst>
                     <a:gs pos="0">
@@ -16581,9 +19248,33 @@
                 <a:ea typeface="+mn-ea"/>
                 <a:cs typeface="Arial" charset="0"/>
               </a:rPr>
-              <a:t>Browser Support for SVG	</a:t>
-            </a:r>
-            <a:endParaRPr lang="en-US" dirty="0"/>
+              <a:t>Browser Support for </a:t>
+            </a:r>
+            <a:r>
+              <a:rPr lang="en-US" sz="4000" b="0" kern="1200" cap="none" spc="-100" baseline="0" dirty="0" smtClean="0">
+                <a:ln w="3175">
+                  <a:noFill/>
+                </a:ln>
+                <a:gradFill flip="none" rotWithShape="1">
+                  <a:gsLst>
+                    <a:gs pos="0">
+                      <a:schemeClr val="tx1"/>
+                    </a:gs>
+                    <a:gs pos="86000">
+                      <a:schemeClr val="tx1"/>
+                    </a:gs>
+                  </a:gsLst>
+                  <a:lin ang="5400000" scaled="0"/>
+                  <a:tileRect/>
+                </a:gradFill>
+                <a:effectLst/>
+                <a:latin typeface="+mj-lt"/>
+                <a:ea typeface="+mn-ea"/>
+                <a:cs typeface="Arial" charset="0"/>
+              </a:rPr>
+              <a:t>Border Radius</a:t>
+            </a:r>
+            <a:endParaRPr lang="en-US" sz="3600" dirty="0"/>
           </a:p>
         </p:txBody>
       </p:sp>
@@ -16597,7 +19288,7 @@
             <p:ph idx="1"/>
             <p:extLst>
               <p:ext uri="{D42A27DB-BD31-4B8C-83A1-F6EECF244321}">
-                <p14:modId xmlns:p14="http://schemas.microsoft.com/office/powerpoint/2010/main" val="321298264"/>
+                <p14:modId xmlns:p14="http://schemas.microsoft.com/office/powerpoint/2010/main" val="2026528995"/>
               </p:ext>
             </p:extLst>
           </p:nvPr>
@@ -16913,7 +19604,7 @@
                             <a:schemeClr val="bg1"/>
                           </a:solidFill>
                         </a:rPr>
-                        <a:t>9</a:t>
+                        <a:t>10.5</a:t>
                       </a:r>
                       <a:endParaRPr lang="en-US" sz="3200" b="1" dirty="0">
                         <a:solidFill>
@@ -16936,7 +19627,7 @@
                             <a:schemeClr val="bg1"/>
                           </a:solidFill>
                         </a:rPr>
-                        <a:t>3.2</a:t>
+                        <a:t>3.1</a:t>
                       </a:r>
                       <a:endParaRPr lang="en-US" sz="3200" b="1" dirty="0">
                         <a:solidFill>
@@ -16982,7 +19673,7 @@
                             <a:schemeClr val="bg1"/>
                           </a:solidFill>
                         </a:rPr>
-                        <a:t>3</a:t>
+                        <a:t>2.1</a:t>
                       </a:r>
                       <a:endParaRPr lang="en-US" sz="2800" b="1" dirty="0">
                         <a:solidFill>
@@ -17006,2204 +19697,6 @@
                           </a:solidFill>
                         </a:rPr>
                         <a:t>3.2</a:t>
-                      </a:r>
-                      <a:endParaRPr lang="en-US" sz="2800" b="1" dirty="0">
-                        <a:solidFill>
-                          <a:schemeClr val="bg1"/>
-                        </a:solidFill>
-                      </a:endParaRPr>
-                    </a:p>
-                  </a:txBody>
-                  <a:tcPr/>
-                </a:tc>
-              </a:tr>
-            </a:tbl>
-          </a:graphicData>
-        </a:graphic>
-      </p:graphicFrame>
-      <p:pic>
-        <p:nvPicPr>
-          <p:cNvPr id="9" name="Picture 8"/>
-          <p:cNvPicPr>
-            <a:picLocks noChangeAspect="1"/>
-          </p:cNvPicPr>
-          <p:nvPr/>
-        </p:nvPicPr>
-        <p:blipFill>
-          <a:blip r:embed="rId2"/>
-          <a:stretch>
-            <a:fillRect/>
-          </a:stretch>
-        </p:blipFill>
-        <p:spPr>
-          <a:xfrm>
-            <a:off x="716008" y="2574169"/>
-            <a:ext cx="1042309" cy="1042309"/>
-          </a:xfrm>
-          <a:prstGeom prst="rect">
-            <a:avLst/>
-          </a:prstGeom>
-        </p:spPr>
-      </p:pic>
-      <p:pic>
-        <p:nvPicPr>
-          <p:cNvPr id="18" name="Picture 17"/>
-          <p:cNvPicPr>
-            <a:picLocks noChangeAspect="1"/>
-          </p:cNvPicPr>
-          <p:nvPr/>
-        </p:nvPicPr>
-        <p:blipFill>
-          <a:blip r:embed="rId3"/>
-          <a:stretch>
-            <a:fillRect/>
-          </a:stretch>
-        </p:blipFill>
-        <p:spPr>
-          <a:xfrm>
-            <a:off x="3038324" y="2581882"/>
-            <a:ext cx="1037771" cy="1037771"/>
-          </a:xfrm>
-          <a:prstGeom prst="rect">
-            <a:avLst/>
-          </a:prstGeom>
-        </p:spPr>
-      </p:pic>
-      <p:pic>
-        <p:nvPicPr>
-          <p:cNvPr id="19" name="Picture 18"/>
-          <p:cNvPicPr>
-            <a:picLocks noChangeAspect="1"/>
-          </p:cNvPicPr>
-          <p:nvPr/>
-        </p:nvPicPr>
-        <p:blipFill>
-          <a:blip r:embed="rId4"/>
-          <a:stretch>
-            <a:fillRect/>
-          </a:stretch>
-        </p:blipFill>
-        <p:spPr>
-          <a:xfrm>
-            <a:off x="4171650" y="2578707"/>
-            <a:ext cx="956731" cy="1040946"/>
-          </a:xfrm>
-          <a:prstGeom prst="rect">
-            <a:avLst/>
-          </a:prstGeom>
-        </p:spPr>
-      </p:pic>
-      <p:pic>
-        <p:nvPicPr>
-          <p:cNvPr id="20" name="Picture 19"/>
-          <p:cNvPicPr>
-            <a:picLocks noChangeAspect="1"/>
-          </p:cNvPicPr>
-          <p:nvPr/>
-        </p:nvPicPr>
-        <p:blipFill>
-          <a:blip r:embed="rId5"/>
-          <a:stretch>
-            <a:fillRect/>
-          </a:stretch>
-        </p:blipFill>
-        <p:spPr>
-          <a:xfrm>
-            <a:off x="1880809" y="2570240"/>
-            <a:ext cx="1046238" cy="1046238"/>
-          </a:xfrm>
-          <a:prstGeom prst="rect">
-            <a:avLst/>
-          </a:prstGeom>
-        </p:spPr>
-      </p:pic>
-      <p:pic>
-        <p:nvPicPr>
-          <p:cNvPr id="21" name="Picture 20"/>
-          <p:cNvPicPr>
-            <a:picLocks noChangeAspect="1"/>
-          </p:cNvPicPr>
-          <p:nvPr/>
-        </p:nvPicPr>
-        <p:blipFill>
-          <a:blip r:embed="rId6"/>
-          <a:stretch>
-            <a:fillRect/>
-          </a:stretch>
-        </p:blipFill>
-        <p:spPr>
-          <a:xfrm>
-            <a:off x="5256591" y="2580672"/>
-            <a:ext cx="1038981" cy="1038981"/>
-          </a:xfrm>
-          <a:prstGeom prst="rect">
-            <a:avLst/>
-          </a:prstGeom>
-        </p:spPr>
-      </p:pic>
-      <p:pic>
-        <p:nvPicPr>
-          <p:cNvPr id="22" name="Picture 21"/>
-          <p:cNvPicPr>
-            <a:picLocks noChangeAspect="1"/>
-          </p:cNvPicPr>
-          <p:nvPr/>
-        </p:nvPicPr>
-        <p:blipFill>
-          <a:blip r:embed="rId7"/>
-          <a:stretch>
-            <a:fillRect/>
-          </a:stretch>
-        </p:blipFill>
-        <p:spPr>
-          <a:xfrm>
-            <a:off x="7027332" y="2914712"/>
-            <a:ext cx="701766" cy="701766"/>
-          </a:xfrm>
-          <a:prstGeom prst="rect">
-            <a:avLst/>
-          </a:prstGeom>
-        </p:spPr>
-      </p:pic>
-      <p:pic>
-        <p:nvPicPr>
-          <p:cNvPr id="23" name="Picture 22"/>
-          <p:cNvPicPr>
-            <a:picLocks noChangeAspect="1"/>
-          </p:cNvPicPr>
-          <p:nvPr/>
-        </p:nvPicPr>
-        <p:blipFill>
-          <a:blip r:embed="rId2"/>
-          <a:stretch>
-            <a:fillRect/>
-          </a:stretch>
-        </p:blipFill>
-        <p:spPr>
-          <a:xfrm>
-            <a:off x="6366931" y="2992362"/>
-            <a:ext cx="624116" cy="624116"/>
-          </a:xfrm>
-          <a:prstGeom prst="rect">
-            <a:avLst/>
-          </a:prstGeom>
-        </p:spPr>
-      </p:pic>
-      <p:pic>
-        <p:nvPicPr>
-          <p:cNvPr id="24" name="Picture 23"/>
-          <p:cNvPicPr>
-            <a:picLocks noChangeAspect="1"/>
-          </p:cNvPicPr>
-          <p:nvPr/>
-        </p:nvPicPr>
-        <p:blipFill>
-          <a:blip r:embed="rId6"/>
-          <a:stretch>
-            <a:fillRect/>
-          </a:stretch>
-        </p:blipFill>
-        <p:spPr>
-          <a:xfrm>
-            <a:off x="7789573" y="2992362"/>
-            <a:ext cx="639387" cy="639387"/>
-          </a:xfrm>
-          <a:prstGeom prst="rect">
-            <a:avLst/>
-          </a:prstGeom>
-        </p:spPr>
-      </p:pic>
-    </p:spTree>
-    <p:extLst>
-      <p:ext uri="{BB962C8B-B14F-4D97-AF65-F5344CB8AC3E}">
-        <p14:creationId xmlns:p14="http://schemas.microsoft.com/office/powerpoint/2010/main" val="3389324371"/>
-      </p:ext>
-    </p:extLst>
-  </p:cSld>
-  <p:clrMapOvr>
-    <a:masterClrMapping/>
-  </p:clrMapOvr>
-  <p:transition xmlns:p14="http://schemas.microsoft.com/office/powerpoint/2010/main">
-    <p:fade/>
-  </p:transition>
-  <p:timing>
-    <p:tnLst>
-      <p:par>
-        <p:cTn xmlns:p14="http://schemas.microsoft.com/office/powerpoint/2010/main" id="1" dur="indefinite" restart="never" nodeType="tmRoot"/>
-      </p:par>
-    </p:tnLst>
-  </p:timing>
-</p:sld>
-</file>
-
-<file path=ppt/slides/slide22.xml><?xml version="1.0" encoding="utf-8"?>
-<p:sld xmlns:a="http://schemas.openxmlformats.org/drawingml/2006/main" xmlns:r="http://schemas.openxmlformats.org/officeDocument/2006/relationships" xmlns:p="http://schemas.openxmlformats.org/presentationml/2006/main">
-  <p:cSld>
-    <p:spTree>
-      <p:nvGrpSpPr>
-        <p:cNvPr id="1" name=""/>
-        <p:cNvGrpSpPr/>
-        <p:nvPr/>
-      </p:nvGrpSpPr>
-      <p:grpSpPr>
-        <a:xfrm>
-          <a:off x="0" y="0"/>
-          <a:ext cx="0" cy="0"/>
-          <a:chOff x="0" y="0"/>
-          <a:chExt cx="0" cy="0"/>
-        </a:xfrm>
-      </p:grpSpPr>
-      <p:sp>
-        <p:nvSpPr>
-          <p:cNvPr id="2" name="Text Placeholder 1"/>
-          <p:cNvSpPr>
-            <a:spLocks noGrp="1"/>
-          </p:cNvSpPr>
-          <p:nvPr>
-            <p:ph type="body" sz="quarter" idx="10"/>
-          </p:nvPr>
-        </p:nvSpPr>
-        <p:spPr/>
-        <p:txBody>
-          <a:bodyPr/>
-          <a:lstStyle/>
-          <a:p>
-            <a:r>
-              <a:rPr lang="en-US" dirty="0" smtClean="0"/>
-              <a:t>demo</a:t>
-            </a:r>
-            <a:endParaRPr lang="en-US" dirty="0"/>
-          </a:p>
-        </p:txBody>
-      </p:sp>
-      <p:sp>
-        <p:nvSpPr>
-          <p:cNvPr id="3" name="Title 2"/>
-          <p:cNvSpPr>
-            <a:spLocks noGrp="1"/>
-          </p:cNvSpPr>
-          <p:nvPr>
-            <p:ph type="ctrTitle"/>
-          </p:nvPr>
-        </p:nvSpPr>
-        <p:spPr/>
-        <p:txBody>
-          <a:bodyPr/>
-          <a:lstStyle/>
-          <a:p>
-            <a:r>
-              <a:rPr lang="en-US" sz="6600" dirty="0" smtClean="0"/>
-              <a:t>&lt;</a:t>
-            </a:r>
-            <a:r>
-              <a:rPr lang="en-US" sz="6600" dirty="0" err="1" smtClean="0"/>
-              <a:t>svg</a:t>
-            </a:r>
-            <a:r>
-              <a:rPr lang="en-US" sz="6600" dirty="0" smtClean="0"/>
-              <a:t>&gt;</a:t>
-            </a:r>
-            <a:endParaRPr lang="en-US" sz="6600" dirty="0"/>
-          </a:p>
-        </p:txBody>
-      </p:sp>
-    </p:spTree>
-    <p:extLst>
-      <p:ext uri="{BB962C8B-B14F-4D97-AF65-F5344CB8AC3E}">
-        <p14:creationId xmlns:p14="http://schemas.microsoft.com/office/powerpoint/2010/main" val="3224406431"/>
-      </p:ext>
-    </p:extLst>
-  </p:cSld>
-  <p:clrMapOvr>
-    <a:masterClrMapping/>
-  </p:clrMapOvr>
-  <p:transition xmlns:p14="http://schemas.microsoft.com/office/powerpoint/2010/main">
-    <p:fade/>
-  </p:transition>
-  <p:timing>
-    <p:tnLst>
-      <p:par>
-        <p:cTn xmlns:p14="http://schemas.microsoft.com/office/powerpoint/2010/main" id="1" dur="indefinite" restart="never" nodeType="tmRoot"/>
-      </p:par>
-    </p:tnLst>
-  </p:timing>
-</p:sld>
-</file>
-
-<file path=ppt/slides/slide23.xml><?xml version="1.0" encoding="utf-8"?>
-<p:sld xmlns:a="http://schemas.openxmlformats.org/drawingml/2006/main" xmlns:r="http://schemas.openxmlformats.org/officeDocument/2006/relationships" xmlns:p="http://schemas.openxmlformats.org/presentationml/2006/main">
-  <p:cSld>
-    <p:spTree>
-      <p:nvGrpSpPr>
-        <p:cNvPr id="1" name=""/>
-        <p:cNvGrpSpPr/>
-        <p:nvPr/>
-      </p:nvGrpSpPr>
-      <p:grpSpPr>
-        <a:xfrm>
-          <a:off x="0" y="0"/>
-          <a:ext cx="0" cy="0"/>
-          <a:chOff x="0" y="0"/>
-          <a:chExt cx="0" cy="0"/>
-        </a:xfrm>
-      </p:grpSpPr>
-      <p:sp>
-        <p:nvSpPr>
-          <p:cNvPr id="8" name="Text Placeholder 7"/>
-          <p:cNvSpPr>
-            <a:spLocks noGrp="1"/>
-          </p:cNvSpPr>
-          <p:nvPr>
-            <p:ph type="body" sz="quarter" idx="10"/>
-          </p:nvPr>
-        </p:nvSpPr>
-        <p:spPr/>
-        <p:txBody>
-          <a:bodyPr/>
-          <a:lstStyle/>
-          <a:p>
-            <a:r>
-              <a:rPr lang="en-US" dirty="0" smtClean="0"/>
-              <a:t>Questions?</a:t>
-            </a:r>
-            <a:endParaRPr lang="en-US" dirty="0"/>
-          </a:p>
-        </p:txBody>
-      </p:sp>
-    </p:spTree>
-    <p:extLst>
-      <p:ext uri="{BB962C8B-B14F-4D97-AF65-F5344CB8AC3E}">
-        <p14:creationId xmlns:p14="http://schemas.microsoft.com/office/powerpoint/2010/main" val="3170453128"/>
-      </p:ext>
-    </p:extLst>
-  </p:cSld>
-  <p:clrMapOvr>
-    <a:masterClrMapping/>
-  </p:clrMapOvr>
-  <p:transition xmlns:p14="http://schemas.microsoft.com/office/powerpoint/2010/main">
-    <p:fade/>
-  </p:transition>
-  <p:timing>
-    <p:tnLst>
-      <p:par>
-        <p:cTn xmlns:p14="http://schemas.microsoft.com/office/powerpoint/2010/main" id="1" dur="indefinite" restart="never" nodeType="tmRoot"/>
-      </p:par>
-    </p:tnLst>
-  </p:timing>
-</p:sld>
-</file>
-
-<file path=ppt/slides/slide24.xml><?xml version="1.0" encoding="utf-8"?>
-<p:sld xmlns:a="http://schemas.openxmlformats.org/drawingml/2006/main" xmlns:r="http://schemas.openxmlformats.org/officeDocument/2006/relationships" xmlns:p="http://schemas.openxmlformats.org/presentationml/2006/main">
-  <p:cSld>
-    <p:spTree>
-      <p:nvGrpSpPr>
-        <p:cNvPr id="1" name=""/>
-        <p:cNvGrpSpPr/>
-        <p:nvPr/>
-      </p:nvGrpSpPr>
-      <p:grpSpPr>
-        <a:xfrm>
-          <a:off x="0" y="0"/>
-          <a:ext cx="0" cy="0"/>
-          <a:chOff x="0" y="0"/>
-          <a:chExt cx="0" cy="0"/>
-        </a:xfrm>
-      </p:grpSpPr>
-      <p:sp>
-        <p:nvSpPr>
-          <p:cNvPr id="3" name="Title 2"/>
-          <p:cNvSpPr>
-            <a:spLocks noGrp="1"/>
-          </p:cNvSpPr>
-          <p:nvPr>
-            <p:ph type="title"/>
-          </p:nvPr>
-        </p:nvSpPr>
-        <p:spPr>
-          <a:xfrm>
-            <a:off x="389436" y="228602"/>
-            <a:ext cx="8363938" cy="677108"/>
-          </a:xfrm>
-        </p:spPr>
-        <p:txBody>
-          <a:bodyPr/>
-          <a:lstStyle/>
-          <a:p>
-            <a:r>
-              <a:rPr lang="en-US" sz="4800" b="0" kern="1200" cap="none" spc="-100" baseline="0" dirty="0" smtClean="0">
-                <a:ln w="3175">
-                  <a:noFill/>
-                </a:ln>
-                <a:solidFill>
-                  <a:schemeClr val="accent1"/>
-                </a:solidFill>
-                <a:effectLst/>
-              </a:rPr>
-              <a:t>Lab Instructions</a:t>
-            </a:r>
-            <a:endParaRPr lang="en-US" dirty="0">
-              <a:solidFill>
-                <a:schemeClr val="accent1"/>
-              </a:solidFill>
-            </a:endParaRPr>
-          </a:p>
-        </p:txBody>
-      </p:sp>
-      <p:sp>
-        <p:nvSpPr>
-          <p:cNvPr id="5" name="Text Placeholder 4"/>
-          <p:cNvSpPr>
-            <a:spLocks noGrp="1"/>
-          </p:cNvSpPr>
-          <p:nvPr>
-            <p:ph type="body" sz="quarter" idx="10"/>
-          </p:nvPr>
-        </p:nvSpPr>
-        <p:spPr>
-          <a:xfrm>
-            <a:off x="389438" y="1905003"/>
-            <a:ext cx="8363937" cy="3307572"/>
-          </a:xfrm>
-        </p:spPr>
-        <p:txBody>
-          <a:bodyPr/>
-          <a:lstStyle/>
-          <a:p>
-            <a:pPr marL="514350" indent="-514350">
-              <a:buFont typeface="+mj-ea"/>
-              <a:buAutoNum type="circleNumDbPlain"/>
-            </a:pPr>
-            <a:r>
-              <a:rPr lang="en-US" dirty="0" smtClean="0">
-                <a:solidFill>
-                  <a:schemeClr val="tx2"/>
-                </a:solidFill>
-              </a:rPr>
-              <a:t>Make sure you’ve cloned or downloaded the Labs </a:t>
-            </a:r>
-            <a:r>
-              <a:rPr lang="en-US" dirty="0">
-                <a:solidFill>
-                  <a:schemeClr val="tx2"/>
-                </a:solidFill>
-              </a:rPr>
-              <a:t>repo from </a:t>
-            </a:r>
-            <a:r>
-              <a:rPr lang="en-US" dirty="0" err="1" smtClean="0">
-                <a:solidFill>
-                  <a:srgbClr val="800000"/>
-                </a:solidFill>
-              </a:rPr>
-              <a:t>github.com</a:t>
-            </a:r>
-            <a:r>
-              <a:rPr lang="en-US" dirty="0">
-                <a:solidFill>
-                  <a:srgbClr val="800000"/>
-                </a:solidFill>
-              </a:rPr>
-              <a:t>/csell5/HTML5-</a:t>
-            </a:r>
-            <a:r>
-              <a:rPr lang="en-US" dirty="0" smtClean="0">
-                <a:solidFill>
-                  <a:srgbClr val="800000"/>
-                </a:solidFill>
-              </a:rPr>
-              <a:t>Compiler </a:t>
-            </a:r>
-            <a:endParaRPr lang="en-US" dirty="0">
-              <a:solidFill>
-                <a:srgbClr val="800000"/>
-              </a:solidFill>
-            </a:endParaRPr>
-          </a:p>
-          <a:p>
-            <a:pPr marL="514350" indent="-514350">
-              <a:buFont typeface="+mj-ea"/>
-              <a:buAutoNum type="circleNumDbPlain"/>
-            </a:pPr>
-            <a:r>
-              <a:rPr lang="en-US" dirty="0" smtClean="0">
-                <a:solidFill>
-                  <a:schemeClr val="tx2"/>
-                </a:solidFill>
-              </a:rPr>
-              <a:t>Go </a:t>
-            </a:r>
-            <a:r>
-              <a:rPr lang="en-US" dirty="0">
-                <a:solidFill>
-                  <a:schemeClr val="tx2"/>
-                </a:solidFill>
-              </a:rPr>
-              <a:t>to </a:t>
-            </a:r>
-            <a:r>
-              <a:rPr lang="en-US" dirty="0">
-                <a:solidFill>
-                  <a:srgbClr val="800000"/>
-                </a:solidFill>
-              </a:rPr>
-              <a:t>http://bit.ly/</a:t>
-            </a:r>
-            <a:r>
-              <a:rPr lang="en-US" dirty="0" smtClean="0">
-                <a:solidFill>
-                  <a:srgbClr val="800000"/>
-                </a:solidFill>
-              </a:rPr>
-              <a:t>x26I06</a:t>
-            </a:r>
-            <a:r>
-              <a:rPr lang="en-US" dirty="0">
-                <a:solidFill>
-                  <a:schemeClr val="tx2"/>
-                </a:solidFill>
-              </a:rPr>
-              <a:t> </a:t>
-            </a:r>
-            <a:r>
-              <a:rPr lang="en-US" dirty="0" smtClean="0">
-                <a:solidFill>
-                  <a:schemeClr val="tx2"/>
-                </a:solidFill>
-              </a:rPr>
-              <a:t>and follow the instructions from the readme </a:t>
-            </a:r>
-          </a:p>
-          <a:p>
-            <a:pPr marL="514350" indent="-514350">
-              <a:buFont typeface="+mj-ea"/>
-              <a:buAutoNum type="circleNumDbPlain"/>
-            </a:pPr>
-            <a:r>
-              <a:rPr lang="en-US" dirty="0" smtClean="0">
-                <a:solidFill>
-                  <a:schemeClr val="tx2"/>
-                </a:solidFill>
-              </a:rPr>
-              <a:t>Alternatively, open </a:t>
-            </a:r>
-            <a:r>
-              <a:rPr lang="en-US" dirty="0" err="1" smtClean="0">
-                <a:solidFill>
-                  <a:schemeClr val="tx2"/>
-                </a:solidFill>
-              </a:rPr>
-              <a:t>readme.md</a:t>
-            </a:r>
-            <a:r>
-              <a:rPr lang="en-US" dirty="0" smtClean="0">
-                <a:solidFill>
-                  <a:schemeClr val="tx2"/>
-                </a:solidFill>
-              </a:rPr>
-              <a:t> in the “3- </a:t>
-            </a:r>
-            <a:r>
-              <a:rPr lang="en-US" dirty="0" smtClean="0">
-                <a:solidFill>
-                  <a:schemeClr val="tx2"/>
-                </a:solidFill>
-              </a:rPr>
-              <a:t>CSS3” </a:t>
-            </a:r>
-            <a:r>
-              <a:rPr lang="en-US" dirty="0" smtClean="0">
-                <a:solidFill>
-                  <a:schemeClr val="tx2"/>
-                </a:solidFill>
-              </a:rPr>
-              <a:t>folder</a:t>
-            </a:r>
-            <a:endParaRPr lang="en-US" dirty="0">
-              <a:solidFill>
-                <a:schemeClr val="tx2"/>
-              </a:solidFill>
-            </a:endParaRPr>
-          </a:p>
-        </p:txBody>
-      </p:sp>
-    </p:spTree>
-    <p:extLst>
-      <p:ext uri="{BB962C8B-B14F-4D97-AF65-F5344CB8AC3E}">
-        <p14:creationId xmlns:p14="http://schemas.microsoft.com/office/powerpoint/2010/main" val="852116988"/>
-      </p:ext>
-    </p:extLst>
-  </p:cSld>
-  <p:clrMapOvr>
-    <a:masterClrMapping/>
-  </p:clrMapOvr>
-  <p:transition xmlns:p14="http://schemas.microsoft.com/office/powerpoint/2010/main">
-    <p:fade/>
-  </p:transition>
-  <p:timing>
-    <p:tnLst>
-      <p:par>
-        <p:cTn xmlns:p14="http://schemas.microsoft.com/office/powerpoint/2010/main" id="1" dur="indefinite" restart="never" nodeType="tmRoot"/>
-      </p:par>
-    </p:tnLst>
-  </p:timing>
-</p:sld>
-</file>
-
-<file path=ppt/slides/slide3.xml><?xml version="1.0" encoding="utf-8"?>
-<p:sld xmlns:a="http://schemas.openxmlformats.org/drawingml/2006/main" xmlns:r="http://schemas.openxmlformats.org/officeDocument/2006/relationships" xmlns:p="http://schemas.openxmlformats.org/presentationml/2006/main">
-  <p:cSld>
-    <p:spTree>
-      <p:nvGrpSpPr>
-        <p:cNvPr id="1" name=""/>
-        <p:cNvGrpSpPr/>
-        <p:nvPr/>
-      </p:nvGrpSpPr>
-      <p:grpSpPr>
-        <a:xfrm>
-          <a:off x="0" y="0"/>
-          <a:ext cx="0" cy="0"/>
-          <a:chOff x="0" y="0"/>
-          <a:chExt cx="0" cy="0"/>
-        </a:xfrm>
-      </p:grpSpPr>
-      <p:sp>
-        <p:nvSpPr>
-          <p:cNvPr id="3" name="Title 2"/>
-          <p:cNvSpPr>
-            <a:spLocks noGrp="1"/>
-          </p:cNvSpPr>
-          <p:nvPr>
-            <p:ph type="title"/>
-          </p:nvPr>
-        </p:nvSpPr>
-        <p:spPr>
-          <a:xfrm>
-            <a:off x="389436" y="228602"/>
-            <a:ext cx="8363938" cy="677108"/>
-          </a:xfrm>
-        </p:spPr>
-        <p:txBody>
-          <a:bodyPr/>
-          <a:lstStyle/>
-          <a:p>
-            <a:r>
-              <a:rPr lang="en-US" sz="4800" b="0" kern="1200" cap="none" spc="-100" baseline="0" dirty="0" smtClean="0">
-                <a:ln w="3175">
-                  <a:noFill/>
-                </a:ln>
-                <a:gradFill flip="none" rotWithShape="1">
-                  <a:gsLst>
-                    <a:gs pos="0">
-                      <a:schemeClr val="tx1"/>
-                    </a:gs>
-                    <a:gs pos="86000">
-                      <a:schemeClr val="tx1"/>
-                    </a:gs>
-                  </a:gsLst>
-                  <a:lin ang="5400000" scaled="0"/>
-                  <a:tileRect/>
-                </a:gradFill>
-                <a:effectLst/>
-                <a:latin typeface="+mj-lt"/>
-                <a:ea typeface="+mn-ea"/>
-                <a:cs typeface="Arial" charset="0"/>
-              </a:rPr>
-              <a:t>Agenda</a:t>
-            </a:r>
-            <a:endParaRPr lang="en-US" dirty="0"/>
-          </a:p>
-        </p:txBody>
-      </p:sp>
-      <p:sp>
-        <p:nvSpPr>
-          <p:cNvPr id="5" name="Text Placeholder 4"/>
-          <p:cNvSpPr>
-            <a:spLocks noGrp="1"/>
-          </p:cNvSpPr>
-          <p:nvPr>
-            <p:ph type="body" sz="quarter" idx="10"/>
-          </p:nvPr>
-        </p:nvSpPr>
-        <p:spPr>
-          <a:xfrm>
-            <a:off x="389436" y="1447802"/>
-            <a:ext cx="8363938" cy="3159839"/>
-          </a:xfrm>
-        </p:spPr>
-        <p:txBody>
-          <a:bodyPr/>
-          <a:lstStyle/>
-          <a:p>
-            <a:r>
-              <a:rPr lang="en-US" dirty="0" smtClean="0"/>
-              <a:t>Border-Radius</a:t>
-            </a:r>
-          </a:p>
-          <a:p>
-            <a:r>
-              <a:rPr lang="en-US" dirty="0" smtClean="0"/>
-              <a:t>Drop-Shadow &amp; Text-Shadow</a:t>
-            </a:r>
-          </a:p>
-          <a:p>
-            <a:r>
-              <a:rPr lang="en-US" dirty="0" smtClean="0"/>
-              <a:t>Web Fonts</a:t>
-            </a:r>
-            <a:endParaRPr lang="en-US" dirty="0"/>
-          </a:p>
-          <a:p>
-            <a:r>
-              <a:rPr lang="en-US" dirty="0" smtClean="0"/>
-              <a:t>Media Queries</a:t>
-            </a:r>
-          </a:p>
-          <a:p>
-            <a:r>
-              <a:rPr lang="en-US" dirty="0" smtClean="0"/>
-              <a:t>Transformations</a:t>
-            </a:r>
-          </a:p>
-          <a:p>
-            <a:r>
-              <a:rPr lang="en-US" dirty="0" smtClean="0"/>
-              <a:t>Transitions and Animations</a:t>
-            </a:r>
-            <a:endParaRPr lang="en-US" dirty="0"/>
-          </a:p>
-        </p:txBody>
-      </p:sp>
-    </p:spTree>
-    <p:extLst>
-      <p:ext uri="{BB962C8B-B14F-4D97-AF65-F5344CB8AC3E}">
-        <p14:creationId xmlns:p14="http://schemas.microsoft.com/office/powerpoint/2010/main" val="2492801174"/>
-      </p:ext>
-    </p:extLst>
-  </p:cSld>
-  <p:clrMapOvr>
-    <a:masterClrMapping/>
-  </p:clrMapOvr>
-  <p:transition xmlns:p14="http://schemas.microsoft.com/office/powerpoint/2010/main">
-    <p:fade/>
-  </p:transition>
-  <p:timing>
-    <p:tnLst>
-      <p:par>
-        <p:cTn xmlns:p14="http://schemas.microsoft.com/office/powerpoint/2010/main" id="1" dur="indefinite" restart="never" nodeType="tmRoot"/>
-      </p:par>
-    </p:tnLst>
-  </p:timing>
-</p:sld>
-</file>
-
-<file path=ppt/slides/slide4.xml><?xml version="1.0" encoding="utf-8"?>
-<p:sld xmlns:a="http://schemas.openxmlformats.org/drawingml/2006/main" xmlns:r="http://schemas.openxmlformats.org/officeDocument/2006/relationships" xmlns:p="http://schemas.openxmlformats.org/presentationml/2006/main">
-  <p:cSld>
-    <p:spTree>
-      <p:nvGrpSpPr>
-        <p:cNvPr id="1" name=""/>
-        <p:cNvGrpSpPr/>
-        <p:nvPr/>
-      </p:nvGrpSpPr>
-      <p:grpSpPr>
-        <a:xfrm>
-          <a:off x="0" y="0"/>
-          <a:ext cx="0" cy="0"/>
-          <a:chOff x="0" y="0"/>
-          <a:chExt cx="0" cy="0"/>
-        </a:xfrm>
-      </p:grpSpPr>
-      <p:sp>
-        <p:nvSpPr>
-          <p:cNvPr id="3" name="Title 2"/>
-          <p:cNvSpPr>
-            <a:spLocks noGrp="1"/>
-          </p:cNvSpPr>
-          <p:nvPr>
-            <p:ph type="ctrTitle"/>
-          </p:nvPr>
-        </p:nvSpPr>
-        <p:spPr/>
-        <p:txBody>
-          <a:bodyPr/>
-          <a:lstStyle/>
-          <a:p>
-            <a:r>
-              <a:rPr lang="en-US" sz="6000" dirty="0" smtClean="0"/>
-              <a:t>Border-Radius</a:t>
-            </a:r>
-            <a:r>
-              <a:rPr lang="en-US" sz="6000" baseline="30000" dirty="0" smtClean="0"/>
-              <a:t>*</a:t>
-            </a:r>
-            <a:endParaRPr lang="en-US" sz="6000" baseline="30000" dirty="0"/>
-          </a:p>
-        </p:txBody>
-      </p:sp>
-      <p:sp>
-        <p:nvSpPr>
-          <p:cNvPr id="5" name="Subtitle 4"/>
-          <p:cNvSpPr>
-            <a:spLocks noGrp="1"/>
-          </p:cNvSpPr>
-          <p:nvPr>
-            <p:ph type="subTitle" idx="1"/>
-          </p:nvPr>
-        </p:nvSpPr>
-        <p:spPr>
-          <a:xfrm>
-            <a:off x="463176" y="4703875"/>
-            <a:ext cx="8277412" cy="463255"/>
-          </a:xfrm>
-        </p:spPr>
-        <p:txBody>
-          <a:bodyPr/>
-          <a:lstStyle/>
-          <a:p>
-            <a:r>
-              <a:rPr lang="en-US" dirty="0" smtClean="0">
-                <a:solidFill>
-                  <a:schemeClr val="accent1">
-                    <a:alpha val="99000"/>
-                  </a:schemeClr>
-                </a:solidFill>
-              </a:rPr>
-              <a:t>*HTML5 *is* rounded corners, </a:t>
-            </a:r>
-            <a:r>
-              <a:rPr lang="en-US" dirty="0" err="1" smtClean="0">
-                <a:solidFill>
-                  <a:schemeClr val="accent1">
-                    <a:alpha val="99000"/>
-                  </a:schemeClr>
-                </a:solidFill>
-              </a:rPr>
-              <a:t>donchaknow</a:t>
-            </a:r>
-            <a:r>
-              <a:rPr lang="en-US" dirty="0" smtClean="0">
-                <a:solidFill>
-                  <a:schemeClr val="accent1">
-                    <a:alpha val="99000"/>
-                  </a:schemeClr>
-                </a:solidFill>
-              </a:rPr>
-              <a:t>?</a:t>
-            </a:r>
-            <a:endParaRPr lang="en-US" dirty="0"/>
-          </a:p>
-          <a:p>
-            <a:endParaRPr lang="en-US" dirty="0"/>
-          </a:p>
-        </p:txBody>
-      </p:sp>
-    </p:spTree>
-    <p:extLst>
-      <p:ext uri="{BB962C8B-B14F-4D97-AF65-F5344CB8AC3E}">
-        <p14:creationId xmlns:p14="http://schemas.microsoft.com/office/powerpoint/2010/main" val="1090174037"/>
-      </p:ext>
-    </p:extLst>
-  </p:cSld>
-  <p:clrMapOvr>
-    <a:masterClrMapping/>
-  </p:clrMapOvr>
-  <p:transition xmlns:p14="http://schemas.microsoft.com/office/powerpoint/2010/main">
-    <p:fade/>
-  </p:transition>
-  <p:timing>
-    <p:tnLst>
-      <p:par>
-        <p:cTn xmlns:p14="http://schemas.microsoft.com/office/powerpoint/2010/main" id="1" dur="indefinite" restart="never" nodeType="tmRoot"/>
-      </p:par>
-    </p:tnLst>
-  </p:timing>
-</p:sld>
-</file>
-
-<file path=ppt/slides/slide5.xml><?xml version="1.0" encoding="utf-8"?>
-<p:sld xmlns:a="http://schemas.openxmlformats.org/drawingml/2006/main" xmlns:r="http://schemas.openxmlformats.org/officeDocument/2006/relationships" xmlns:p="http://schemas.openxmlformats.org/presentationml/2006/main">
-  <p:cSld>
-    <p:spTree>
-      <p:nvGrpSpPr>
-        <p:cNvPr id="1" name=""/>
-        <p:cNvGrpSpPr/>
-        <p:nvPr/>
-      </p:nvGrpSpPr>
-      <p:grpSpPr>
-        <a:xfrm>
-          <a:off x="0" y="0"/>
-          <a:ext cx="0" cy="0"/>
-          <a:chOff x="0" y="0"/>
-          <a:chExt cx="0" cy="0"/>
-        </a:xfrm>
-      </p:grpSpPr>
-      <p:sp>
-        <p:nvSpPr>
-          <p:cNvPr id="5" name="Title 4"/>
-          <p:cNvSpPr>
-            <a:spLocks noGrp="1"/>
-          </p:cNvSpPr>
-          <p:nvPr>
-            <p:ph type="title"/>
-          </p:nvPr>
-        </p:nvSpPr>
-        <p:spPr/>
-        <p:txBody>
-          <a:bodyPr/>
-          <a:lstStyle/>
-          <a:p>
-            <a:r>
-              <a:rPr lang="en-US" dirty="0" smtClean="0"/>
-              <a:t>A Sample XHTML Document</a:t>
-            </a:r>
-            <a:endParaRPr lang="en-US" dirty="0"/>
-          </a:p>
-        </p:txBody>
-      </p:sp>
-      <p:sp>
-        <p:nvSpPr>
-          <p:cNvPr id="8" name="Text Placeholder 5"/>
-          <p:cNvSpPr txBox="1">
-            <a:spLocks/>
-          </p:cNvSpPr>
-          <p:nvPr/>
-        </p:nvSpPr>
-        <p:spPr>
-          <a:xfrm>
-            <a:off x="389436" y="1447800"/>
-            <a:ext cx="8363937" cy="4327338"/>
-          </a:xfrm>
-          <a:prstGeom prst="rect">
-            <a:avLst/>
-          </a:prstGeom>
-        </p:spPr>
-        <p:txBody>
-          <a:bodyPr vert="horz" wrap="square" lIns="0" tIns="0" rIns="0" bIns="0" rtlCol="0">
-            <a:spAutoFit/>
-          </a:bodyPr>
-          <a:lstStyle>
-            <a:lvl1pPr marL="0" indent="0" algn="l" defTabSz="914363" rtl="0" eaLnBrk="1" latinLnBrk="0" hangingPunct="1">
-              <a:lnSpc>
-                <a:spcPct val="90000"/>
-              </a:lnSpc>
-              <a:spcBef>
-                <a:spcPct val="20000"/>
-              </a:spcBef>
-              <a:buFont typeface="Arial" pitchFamily="34" charset="0"/>
-              <a:buNone/>
-              <a:defRPr sz="3000" b="0" kern="1200">
-                <a:gradFill>
-                  <a:gsLst>
-                    <a:gs pos="0">
-                      <a:srgbClr val="000000"/>
-                    </a:gs>
-                    <a:gs pos="86000">
-                      <a:srgbClr val="000000"/>
-                    </a:gs>
-                  </a:gsLst>
-                  <a:lin ang="5400000" scaled="0"/>
-                </a:gradFill>
-                <a:latin typeface="Consolas" pitchFamily="49" charset="0"/>
-                <a:ea typeface="+mn-ea"/>
-                <a:cs typeface="Consolas" pitchFamily="49" charset="0"/>
-              </a:defRPr>
-            </a:lvl1pPr>
-            <a:lvl2pPr marL="384954" indent="-7937" algn="l" defTabSz="914363" rtl="0" eaLnBrk="1" latinLnBrk="0" hangingPunct="1">
-              <a:lnSpc>
-                <a:spcPct val="90000"/>
-              </a:lnSpc>
-              <a:spcBef>
-                <a:spcPct val="20000"/>
-              </a:spcBef>
-              <a:buFont typeface="Arial" pitchFamily="34" charset="0"/>
-              <a:buNone/>
-              <a:defRPr sz="2800" b="0" kern="1200">
-                <a:gradFill>
-                  <a:gsLst>
-                    <a:gs pos="0">
-                      <a:srgbClr val="000000"/>
-                    </a:gs>
-                    <a:gs pos="86000">
-                      <a:srgbClr val="000000"/>
-                    </a:gs>
-                  </a:gsLst>
-                  <a:lin ang="5400000" scaled="0"/>
-                </a:gradFill>
-                <a:latin typeface="Consolas" pitchFamily="49" charset="0"/>
-                <a:ea typeface="+mn-ea"/>
-                <a:cs typeface="Consolas" pitchFamily="49" charset="0"/>
-              </a:defRPr>
-            </a:lvl2pPr>
-            <a:lvl3pPr marL="761970" indent="-7937" algn="l" defTabSz="914363" rtl="0" eaLnBrk="1" latinLnBrk="0" hangingPunct="1">
-              <a:lnSpc>
-                <a:spcPct val="90000"/>
-              </a:lnSpc>
-              <a:spcBef>
-                <a:spcPct val="20000"/>
-              </a:spcBef>
-              <a:buFont typeface="Arial" pitchFamily="34" charset="0"/>
-              <a:buNone/>
-              <a:defRPr sz="2400" b="0" kern="1200">
-                <a:gradFill>
-                  <a:gsLst>
-                    <a:gs pos="0">
-                      <a:srgbClr val="000000"/>
-                    </a:gs>
-                    <a:gs pos="86000">
-                      <a:srgbClr val="000000"/>
-                    </a:gs>
-                  </a:gsLst>
-                  <a:lin ang="5400000" scaled="0"/>
-                </a:gradFill>
-                <a:latin typeface="Consolas" pitchFamily="49" charset="0"/>
-                <a:ea typeface="+mn-ea"/>
-                <a:cs typeface="Consolas" pitchFamily="49" charset="0"/>
-              </a:defRPr>
-            </a:lvl3pPr>
-            <a:lvl4pPr marL="1094009" indent="7937" algn="l" defTabSz="914363" rtl="0" eaLnBrk="1" latinLnBrk="0" hangingPunct="1">
-              <a:lnSpc>
-                <a:spcPct val="90000"/>
-              </a:lnSpc>
-              <a:spcBef>
-                <a:spcPct val="20000"/>
-              </a:spcBef>
-              <a:buFont typeface="Arial" pitchFamily="34" charset="0"/>
-              <a:buNone/>
-              <a:defRPr sz="2400" b="0" kern="1200">
-                <a:gradFill>
-                  <a:gsLst>
-                    <a:gs pos="0">
-                      <a:srgbClr val="000000"/>
-                    </a:gs>
-                    <a:gs pos="86000">
-                      <a:srgbClr val="000000"/>
-                    </a:gs>
-                  </a:gsLst>
-                  <a:lin ang="5400000" scaled="0"/>
-                </a:gradFill>
-                <a:latin typeface="Consolas" pitchFamily="49" charset="0"/>
-                <a:ea typeface="+mn-ea"/>
-                <a:cs typeface="Consolas" pitchFamily="49" charset="0"/>
-              </a:defRPr>
-            </a:lvl4pPr>
-            <a:lvl5pPr marL="1426047" indent="0" algn="l" defTabSz="914363" rtl="0" eaLnBrk="1" latinLnBrk="0" hangingPunct="1">
-              <a:lnSpc>
-                <a:spcPct val="90000"/>
-              </a:lnSpc>
-              <a:spcBef>
-                <a:spcPct val="20000"/>
-              </a:spcBef>
-              <a:buFont typeface="Arial" pitchFamily="34" charset="0"/>
-              <a:buNone/>
-              <a:defRPr sz="2400" b="0" kern="1200">
-                <a:gradFill>
-                  <a:gsLst>
-                    <a:gs pos="0">
-                      <a:srgbClr val="000000"/>
-                    </a:gs>
-                    <a:gs pos="86000">
-                      <a:srgbClr val="000000"/>
-                    </a:gs>
-                  </a:gsLst>
-                  <a:lin ang="5400000" scaled="0"/>
-                </a:gradFill>
-                <a:latin typeface="Consolas" pitchFamily="49" charset="0"/>
-                <a:ea typeface="+mn-ea"/>
-                <a:cs typeface="Consolas" pitchFamily="49" charset="0"/>
-              </a:defRPr>
-            </a:lvl5pPr>
-            <a:lvl6pPr marL="2514499" indent="-228591" algn="l" defTabSz="914363" rtl="0" eaLnBrk="1" latinLnBrk="0" hangingPunct="1">
-              <a:spcBef>
-                <a:spcPct val="20000"/>
-              </a:spcBef>
-              <a:buFont typeface="Arial" pitchFamily="34" charset="0"/>
-              <a:buChar char="•"/>
-              <a:defRPr sz="2000" kern="1200">
-                <a:solidFill>
-                  <a:schemeClr val="tx1"/>
-                </a:solidFill>
-                <a:latin typeface="+mn-lt"/>
-                <a:ea typeface="+mn-ea"/>
-                <a:cs typeface="+mn-cs"/>
-              </a:defRPr>
-            </a:lvl6pPr>
-            <a:lvl7pPr marL="2971681" indent="-228591" algn="l" defTabSz="914363" rtl="0" eaLnBrk="1" latinLnBrk="0" hangingPunct="1">
-              <a:spcBef>
-                <a:spcPct val="20000"/>
-              </a:spcBef>
-              <a:buFont typeface="Arial" pitchFamily="34" charset="0"/>
-              <a:buChar char="•"/>
-              <a:defRPr sz="2000" kern="1200">
-                <a:solidFill>
-                  <a:schemeClr val="tx1"/>
-                </a:solidFill>
-                <a:latin typeface="+mn-lt"/>
-                <a:ea typeface="+mn-ea"/>
-                <a:cs typeface="+mn-cs"/>
-              </a:defRPr>
-            </a:lvl7pPr>
-            <a:lvl8pPr marL="3428863" indent="-228591" algn="l" defTabSz="914363" rtl="0" eaLnBrk="1" latinLnBrk="0" hangingPunct="1">
-              <a:spcBef>
-                <a:spcPct val="20000"/>
-              </a:spcBef>
-              <a:buFont typeface="Arial" pitchFamily="34" charset="0"/>
-              <a:buChar char="•"/>
-              <a:defRPr sz="2000" kern="1200">
-                <a:solidFill>
-                  <a:schemeClr val="tx1"/>
-                </a:solidFill>
-                <a:latin typeface="+mn-lt"/>
-                <a:ea typeface="+mn-ea"/>
-                <a:cs typeface="+mn-cs"/>
-              </a:defRPr>
-            </a:lvl8pPr>
-            <a:lvl9pPr marL="3886045" indent="-228591" algn="l" defTabSz="914363" rtl="0" eaLnBrk="1" latinLnBrk="0" hangingPunct="1">
-              <a:spcBef>
-                <a:spcPct val="20000"/>
-              </a:spcBef>
-              <a:buFont typeface="Arial" pitchFamily="34" charset="0"/>
-              <a:buChar char="•"/>
-              <a:defRPr sz="2000" kern="1200">
-                <a:solidFill>
-                  <a:schemeClr val="tx1"/>
-                </a:solidFill>
-                <a:latin typeface="+mn-lt"/>
-                <a:ea typeface="+mn-ea"/>
-                <a:cs typeface="+mn-cs"/>
-              </a:defRPr>
-            </a:lvl9pPr>
-          </a:lstStyle>
-          <a:p>
-            <a:pPr marL="0" marR="0" lvl="0" indent="0" algn="l" defTabSz="914363" rtl="0" eaLnBrk="1" fontAlgn="auto" latinLnBrk="0" hangingPunct="1">
-              <a:lnSpc>
-                <a:spcPct val="90000"/>
-              </a:lnSpc>
-              <a:spcBef>
-                <a:spcPts val="400"/>
-              </a:spcBef>
-              <a:spcAft>
-                <a:spcPts val="0"/>
-              </a:spcAft>
-              <a:buClrTx/>
-              <a:buSzTx/>
-              <a:buFont typeface="Arial" pitchFamily="34" charset="0"/>
-              <a:buNone/>
-              <a:tabLst/>
-              <a:defRPr/>
-            </a:pPr>
-            <a:r>
-              <a:rPr kumimoji="0" lang="en-US" sz="2400" b="0" i="0" u="none" strike="noStrike" kern="1200" cap="none" spc="0" normalizeH="0" baseline="0" noProof="0" dirty="0" smtClean="0">
-                <a:ln>
-                  <a:noFill/>
-                </a:ln>
-                <a:gradFill>
-                  <a:gsLst>
-                    <a:gs pos="0">
-                      <a:srgbClr val="000000"/>
-                    </a:gs>
-                    <a:gs pos="86000">
-                      <a:srgbClr val="000000"/>
-                    </a:gs>
-                  </a:gsLst>
-                  <a:lin ang="5400000" scaled="0"/>
-                </a:gradFill>
-                <a:effectLst/>
-                <a:uLnTx/>
-                <a:uFillTx/>
-                <a:latin typeface="Consolas" pitchFamily="49" charset="0"/>
-                <a:ea typeface="+mn-ea"/>
-                <a:cs typeface="Consolas" pitchFamily="49" charset="0"/>
-              </a:rPr>
-              <a:t>&lt;!DOCTYPE html PUBLIC "-//W3C//DTD XHTML 1.0 Strict//EN" "http://www.w3.org/TR/xhtml1/DTD/xhtml1-strict.dtd"&gt; </a:t>
-            </a:r>
-          </a:p>
-          <a:p>
-            <a:pPr marL="0" marR="0" lvl="0" indent="0" algn="l" defTabSz="914363" rtl="0" eaLnBrk="1" fontAlgn="auto" latinLnBrk="0" hangingPunct="1">
-              <a:lnSpc>
-                <a:spcPct val="90000"/>
-              </a:lnSpc>
-              <a:spcBef>
-                <a:spcPts val="0"/>
-              </a:spcBef>
-              <a:spcAft>
-                <a:spcPts val="0"/>
-              </a:spcAft>
-              <a:buClrTx/>
-              <a:buSzTx/>
-              <a:buFont typeface="Arial" pitchFamily="34" charset="0"/>
-              <a:buNone/>
-              <a:tabLst/>
-              <a:defRPr/>
-            </a:pPr>
-            <a:r>
-              <a:rPr kumimoji="0" lang="en-US" sz="2400" b="0" i="0" u="none" strike="noStrike" kern="1200" cap="none" spc="0" normalizeH="0" baseline="0" noProof="0" dirty="0" smtClean="0">
-                <a:ln>
-                  <a:noFill/>
-                </a:ln>
-                <a:gradFill>
-                  <a:gsLst>
-                    <a:gs pos="0">
-                      <a:srgbClr val="000000"/>
-                    </a:gs>
-                    <a:gs pos="86000">
-                      <a:srgbClr val="000000"/>
-                    </a:gs>
-                  </a:gsLst>
-                  <a:lin ang="5400000" scaled="0"/>
-                </a:gradFill>
-                <a:effectLst/>
-                <a:uLnTx/>
-                <a:uFillTx/>
-                <a:latin typeface="Consolas" pitchFamily="49" charset="0"/>
-                <a:ea typeface="+mn-ea"/>
-                <a:cs typeface="Consolas" pitchFamily="49" charset="0"/>
-              </a:rPr>
-              <a:t>&lt;html&gt;</a:t>
-            </a:r>
-          </a:p>
-          <a:p>
-            <a:pPr marL="0" marR="0" lvl="0" indent="0" algn="l" defTabSz="914363" rtl="0" eaLnBrk="1" fontAlgn="auto" latinLnBrk="0" hangingPunct="1">
-              <a:lnSpc>
-                <a:spcPct val="90000"/>
-              </a:lnSpc>
-              <a:spcBef>
-                <a:spcPts val="0"/>
-              </a:spcBef>
-              <a:spcAft>
-                <a:spcPts val="0"/>
-              </a:spcAft>
-              <a:buClrTx/>
-              <a:buSzTx/>
-              <a:buFont typeface="Arial" pitchFamily="34" charset="0"/>
-              <a:buNone/>
-              <a:tabLst/>
-              <a:defRPr/>
-            </a:pPr>
-            <a:r>
-              <a:rPr kumimoji="0" lang="en-US" sz="2400" b="0" i="0" u="none" strike="noStrike" kern="1200" cap="none" spc="0" normalizeH="0" baseline="0" noProof="0" dirty="0" smtClean="0">
-                <a:ln>
-                  <a:noFill/>
-                </a:ln>
-                <a:gradFill>
-                  <a:gsLst>
-                    <a:gs pos="0">
-                      <a:srgbClr val="000000"/>
-                    </a:gs>
-                    <a:gs pos="86000">
-                      <a:srgbClr val="000000"/>
-                    </a:gs>
-                  </a:gsLst>
-                  <a:lin ang="5400000" scaled="0"/>
-                </a:gradFill>
-                <a:effectLst/>
-                <a:uLnTx/>
-                <a:uFillTx/>
-                <a:latin typeface="Consolas" pitchFamily="49" charset="0"/>
-                <a:ea typeface="+mn-ea"/>
-                <a:cs typeface="Consolas" pitchFamily="49" charset="0"/>
-              </a:rPr>
-              <a:t>	&lt;head&gt;</a:t>
-            </a:r>
-          </a:p>
-          <a:p>
-            <a:pPr marL="0" marR="0" lvl="0" indent="0" algn="l" defTabSz="914363" rtl="0" eaLnBrk="1" fontAlgn="auto" latinLnBrk="0" hangingPunct="1">
-              <a:lnSpc>
-                <a:spcPct val="90000"/>
-              </a:lnSpc>
-              <a:spcBef>
-                <a:spcPts val="0"/>
-              </a:spcBef>
-              <a:spcAft>
-                <a:spcPts val="0"/>
-              </a:spcAft>
-              <a:buClrTx/>
-              <a:buSzTx/>
-              <a:buFont typeface="Arial" pitchFamily="34" charset="0"/>
-              <a:buNone/>
-              <a:tabLst/>
-              <a:defRPr/>
-            </a:pPr>
-            <a:r>
-              <a:rPr kumimoji="0" lang="en-US" sz="2400" b="0" i="0" u="none" strike="noStrike" kern="1200" cap="none" spc="0" normalizeH="0" baseline="0" noProof="0" dirty="0" smtClean="0">
-                <a:ln>
-                  <a:noFill/>
-                </a:ln>
-                <a:gradFill>
-                  <a:gsLst>
-                    <a:gs pos="0">
-                      <a:srgbClr val="000000"/>
-                    </a:gs>
-                    <a:gs pos="86000">
-                      <a:srgbClr val="000000"/>
-                    </a:gs>
-                  </a:gsLst>
-                  <a:lin ang="5400000" scaled="0"/>
-                </a:gradFill>
-                <a:effectLst/>
-                <a:uLnTx/>
-                <a:uFillTx/>
-                <a:latin typeface="Consolas" pitchFamily="49" charset="0"/>
-                <a:ea typeface="+mn-ea"/>
-                <a:cs typeface="Consolas" pitchFamily="49" charset="0"/>
-              </a:rPr>
-              <a:t>		&lt;meta http-</a:t>
-            </a:r>
-            <a:r>
-              <a:rPr kumimoji="0" lang="en-US" sz="2400" b="0" i="0" u="none" strike="noStrike" kern="1200" cap="none" spc="0" normalizeH="0" baseline="0" noProof="0" dirty="0" err="1" smtClean="0">
-                <a:ln>
-                  <a:noFill/>
-                </a:ln>
-                <a:gradFill>
-                  <a:gsLst>
-                    <a:gs pos="0">
-                      <a:srgbClr val="000000"/>
-                    </a:gs>
-                    <a:gs pos="86000">
-                      <a:srgbClr val="000000"/>
-                    </a:gs>
-                  </a:gsLst>
-                  <a:lin ang="5400000" scaled="0"/>
-                </a:gradFill>
-                <a:effectLst/>
-                <a:uLnTx/>
-                <a:uFillTx/>
-                <a:latin typeface="Consolas" pitchFamily="49" charset="0"/>
-                <a:ea typeface="+mn-ea"/>
-                <a:cs typeface="Consolas" pitchFamily="49" charset="0"/>
-              </a:rPr>
-              <a:t>equiv</a:t>
-            </a:r>
-            <a:r>
-              <a:rPr kumimoji="0" lang="en-US" sz="2400" b="0" i="0" u="none" strike="noStrike" kern="1200" cap="none" spc="0" normalizeH="0" baseline="0" noProof="0" dirty="0" smtClean="0">
-                <a:ln>
-                  <a:noFill/>
-                </a:ln>
-                <a:gradFill>
-                  <a:gsLst>
-                    <a:gs pos="0">
-                      <a:srgbClr val="000000"/>
-                    </a:gs>
-                    <a:gs pos="86000">
-                      <a:srgbClr val="000000"/>
-                    </a:gs>
-                  </a:gsLst>
-                  <a:lin ang="5400000" scaled="0"/>
-                </a:gradFill>
-                <a:effectLst/>
-                <a:uLnTx/>
-                <a:uFillTx/>
-                <a:latin typeface="Consolas" pitchFamily="49" charset="0"/>
-                <a:ea typeface="+mn-ea"/>
-                <a:cs typeface="Consolas" pitchFamily="49" charset="0"/>
-              </a:rPr>
-              <a:t>="content-type" 			  			content="text/html; </a:t>
-            </a:r>
-          </a:p>
-          <a:p>
-            <a:pPr marL="0" marR="0" lvl="0" indent="0" algn="l" defTabSz="914363" rtl="0" eaLnBrk="1" fontAlgn="auto" latinLnBrk="0" hangingPunct="1">
-              <a:lnSpc>
-                <a:spcPct val="90000"/>
-              </a:lnSpc>
-              <a:spcBef>
-                <a:spcPts val="0"/>
-              </a:spcBef>
-              <a:spcAft>
-                <a:spcPts val="0"/>
-              </a:spcAft>
-              <a:buClrTx/>
-              <a:buSzTx/>
-              <a:buFont typeface="Arial" pitchFamily="34" charset="0"/>
-              <a:buNone/>
-              <a:tabLst/>
-              <a:defRPr/>
-            </a:pPr>
-            <a:r>
-              <a:rPr kumimoji="0" lang="en-US" sz="2400" b="0" i="0" u="none" strike="noStrike" kern="1200" cap="none" spc="0" normalizeH="0" baseline="0" noProof="0" dirty="0" smtClean="0">
-                <a:ln>
-                  <a:noFill/>
-                </a:ln>
-                <a:gradFill>
-                  <a:gsLst>
-                    <a:gs pos="0">
-                      <a:srgbClr val="000000"/>
-                    </a:gs>
-                    <a:gs pos="86000">
-                      <a:srgbClr val="000000"/>
-                    </a:gs>
-                  </a:gsLst>
-                  <a:lin ang="5400000" scaled="0"/>
-                </a:gradFill>
-                <a:effectLst/>
-                <a:uLnTx/>
-                <a:uFillTx/>
-                <a:latin typeface="Consolas" pitchFamily="49" charset="0"/>
-                <a:ea typeface="+mn-ea"/>
-                <a:cs typeface="Consolas" pitchFamily="49" charset="0"/>
-              </a:rPr>
-              <a:t>			charset=utf-8"&gt;</a:t>
-            </a:r>
-          </a:p>
-          <a:p>
-            <a:pPr marL="0" marR="0" lvl="0" indent="0" algn="l" defTabSz="914363" rtl="0" eaLnBrk="1" fontAlgn="auto" latinLnBrk="0" hangingPunct="1">
-              <a:lnSpc>
-                <a:spcPct val="90000"/>
-              </a:lnSpc>
-              <a:spcBef>
-                <a:spcPts val="0"/>
-              </a:spcBef>
-              <a:spcAft>
-                <a:spcPts val="0"/>
-              </a:spcAft>
-              <a:buClrTx/>
-              <a:buSzTx/>
-              <a:buFont typeface="Arial" pitchFamily="34" charset="0"/>
-              <a:buNone/>
-              <a:tabLst/>
-              <a:defRPr/>
-            </a:pPr>
-            <a:r>
-              <a:rPr kumimoji="0" lang="en-US" sz="2400" b="0" i="0" u="none" strike="noStrike" kern="1200" cap="none" spc="0" normalizeH="0" baseline="0" noProof="0" dirty="0" smtClean="0">
-                <a:ln>
-                  <a:noFill/>
-                </a:ln>
-                <a:gradFill>
-                  <a:gsLst>
-                    <a:gs pos="0">
-                      <a:srgbClr val="000000"/>
-                    </a:gs>
-                    <a:gs pos="86000">
-                      <a:srgbClr val="000000"/>
-                    </a:gs>
-                  </a:gsLst>
-                  <a:lin ang="5400000" scaled="0"/>
-                </a:gradFill>
-                <a:effectLst/>
-                <a:uLnTx/>
-                <a:uFillTx/>
-                <a:latin typeface="Consolas" pitchFamily="49" charset="0"/>
-                <a:ea typeface="+mn-ea"/>
-                <a:cs typeface="Consolas" pitchFamily="49" charset="0"/>
-              </a:rPr>
-              <a:t>	&lt;/head&gt;</a:t>
-            </a:r>
-          </a:p>
-          <a:p>
-            <a:pPr marL="0" marR="0" lvl="0" indent="0" algn="l" defTabSz="914363" rtl="0" eaLnBrk="1" fontAlgn="auto" latinLnBrk="0" hangingPunct="1">
-              <a:lnSpc>
-                <a:spcPct val="90000"/>
-              </a:lnSpc>
-              <a:spcBef>
-                <a:spcPts val="0"/>
-              </a:spcBef>
-              <a:spcAft>
-                <a:spcPts val="0"/>
-              </a:spcAft>
-              <a:buClrTx/>
-              <a:buSzTx/>
-              <a:buFont typeface="Arial" pitchFamily="34" charset="0"/>
-              <a:buNone/>
-              <a:tabLst/>
-              <a:defRPr/>
-            </a:pPr>
-            <a:r>
-              <a:rPr kumimoji="0" lang="en-US" sz="2400" b="0" i="0" u="none" strike="noStrike" kern="1200" cap="none" spc="0" normalizeH="0" baseline="0" noProof="0" dirty="0" smtClean="0">
-                <a:ln>
-                  <a:noFill/>
-                </a:ln>
-                <a:gradFill>
-                  <a:gsLst>
-                    <a:gs pos="0">
-                      <a:srgbClr val="000000"/>
-                    </a:gs>
-                    <a:gs pos="86000">
-                      <a:srgbClr val="000000"/>
-                    </a:gs>
-                  </a:gsLst>
-                  <a:lin ang="5400000" scaled="0"/>
-                </a:gradFill>
-                <a:effectLst/>
-                <a:uLnTx/>
-                <a:uFillTx/>
-                <a:latin typeface="Consolas" pitchFamily="49" charset="0"/>
-                <a:ea typeface="+mn-ea"/>
-                <a:cs typeface="Consolas" pitchFamily="49" charset="0"/>
-              </a:rPr>
-              <a:t>	&lt;body&gt;</a:t>
-            </a:r>
-          </a:p>
-          <a:p>
-            <a:pPr marL="0" marR="0" lvl="0" indent="0" algn="l" defTabSz="914363" rtl="0" eaLnBrk="1" fontAlgn="auto" latinLnBrk="0" hangingPunct="1">
-              <a:lnSpc>
-                <a:spcPct val="90000"/>
-              </a:lnSpc>
-              <a:spcBef>
-                <a:spcPts val="0"/>
-              </a:spcBef>
-              <a:spcAft>
-                <a:spcPts val="0"/>
-              </a:spcAft>
-              <a:buClrTx/>
-              <a:buSzTx/>
-              <a:buFont typeface="Arial" pitchFamily="34" charset="0"/>
-              <a:buNone/>
-              <a:tabLst/>
-              <a:defRPr/>
-            </a:pPr>
-            <a:r>
-              <a:rPr kumimoji="0" lang="en-US" sz="2400" b="0" i="0" u="none" strike="noStrike" kern="1200" cap="none" spc="0" normalizeH="0" baseline="0" noProof="0" dirty="0" smtClean="0">
-                <a:ln>
-                  <a:noFill/>
-                </a:ln>
-                <a:gradFill>
-                  <a:gsLst>
-                    <a:gs pos="0">
-                      <a:srgbClr val="000000"/>
-                    </a:gs>
-                    <a:gs pos="86000">
-                      <a:srgbClr val="000000"/>
-                    </a:gs>
-                  </a:gsLst>
-                  <a:lin ang="5400000" scaled="0"/>
-                </a:gradFill>
-                <a:effectLst/>
-                <a:uLnTx/>
-                <a:uFillTx/>
-                <a:latin typeface="Consolas" pitchFamily="49" charset="0"/>
-                <a:ea typeface="+mn-ea"/>
-                <a:cs typeface="Consolas" pitchFamily="49" charset="0"/>
-              </a:rPr>
-              <a:t>		&lt;p&gt; XHTML :/ &lt;/p&gt;</a:t>
-            </a:r>
-          </a:p>
-          <a:p>
-            <a:pPr marL="0" marR="0" lvl="0" indent="0" algn="l" defTabSz="914363" rtl="0" eaLnBrk="1" fontAlgn="auto" latinLnBrk="0" hangingPunct="1">
-              <a:lnSpc>
-                <a:spcPct val="90000"/>
-              </a:lnSpc>
-              <a:spcBef>
-                <a:spcPts val="0"/>
-              </a:spcBef>
-              <a:spcAft>
-                <a:spcPts val="0"/>
-              </a:spcAft>
-              <a:buClrTx/>
-              <a:buSzTx/>
-              <a:buFont typeface="Arial" pitchFamily="34" charset="0"/>
-              <a:buNone/>
-              <a:tabLst/>
-              <a:defRPr/>
-            </a:pPr>
-            <a:r>
-              <a:rPr kumimoji="0" lang="en-US" sz="2400" b="0" i="0" u="none" strike="noStrike" kern="1200" cap="none" spc="0" normalizeH="0" baseline="0" noProof="0" dirty="0" smtClean="0">
-                <a:ln>
-                  <a:noFill/>
-                </a:ln>
-                <a:gradFill>
-                  <a:gsLst>
-                    <a:gs pos="0">
-                      <a:srgbClr val="000000"/>
-                    </a:gs>
-                    <a:gs pos="86000">
-                      <a:srgbClr val="000000"/>
-                    </a:gs>
-                  </a:gsLst>
-                  <a:lin ang="5400000" scaled="0"/>
-                </a:gradFill>
-                <a:effectLst/>
-                <a:uLnTx/>
-                <a:uFillTx/>
-                <a:latin typeface="Consolas" pitchFamily="49" charset="0"/>
-                <a:ea typeface="+mn-ea"/>
-                <a:cs typeface="Consolas" pitchFamily="49" charset="0"/>
-              </a:rPr>
-              <a:t>	&lt;/body&gt;</a:t>
-            </a:r>
-          </a:p>
-          <a:p>
-            <a:pPr marL="0" marR="0" lvl="0" indent="0" algn="l" defTabSz="914363" rtl="0" eaLnBrk="1" fontAlgn="auto" latinLnBrk="0" hangingPunct="1">
-              <a:lnSpc>
-                <a:spcPct val="90000"/>
-              </a:lnSpc>
-              <a:spcBef>
-                <a:spcPts val="0"/>
-              </a:spcBef>
-              <a:spcAft>
-                <a:spcPts val="0"/>
-              </a:spcAft>
-              <a:buClrTx/>
-              <a:buSzTx/>
-              <a:buFont typeface="Arial" pitchFamily="34" charset="0"/>
-              <a:buNone/>
-              <a:tabLst/>
-              <a:defRPr/>
-            </a:pPr>
-            <a:r>
-              <a:rPr kumimoji="0" lang="en-US" sz="2400" b="0" i="0" u="none" strike="noStrike" kern="1200" cap="none" spc="0" normalizeH="0" baseline="0" noProof="0" dirty="0" smtClean="0">
-                <a:ln>
-                  <a:noFill/>
-                </a:ln>
-                <a:gradFill>
-                  <a:gsLst>
-                    <a:gs pos="0">
-                      <a:srgbClr val="000000"/>
-                    </a:gs>
-                    <a:gs pos="86000">
-                      <a:srgbClr val="000000"/>
-                    </a:gs>
-                  </a:gsLst>
-                  <a:lin ang="5400000" scaled="0"/>
-                </a:gradFill>
-                <a:effectLst/>
-                <a:uLnTx/>
-                <a:uFillTx/>
-                <a:latin typeface="Consolas" pitchFamily="49" charset="0"/>
-                <a:ea typeface="+mn-ea"/>
-                <a:cs typeface="Consolas" pitchFamily="49" charset="0"/>
-              </a:rPr>
-              <a:t>&lt;/html&gt;</a:t>
-            </a:r>
-            <a:endParaRPr kumimoji="0" lang="en-US" sz="2400" b="0" i="0" u="none" strike="noStrike" kern="1200" cap="none" spc="0" normalizeH="0" baseline="0" noProof="0" dirty="0">
-              <a:ln>
-                <a:noFill/>
-              </a:ln>
-              <a:gradFill>
-                <a:gsLst>
-                  <a:gs pos="0">
-                    <a:srgbClr val="000000"/>
-                  </a:gs>
-                  <a:gs pos="86000">
-                    <a:srgbClr val="000000"/>
-                  </a:gs>
-                </a:gsLst>
-                <a:lin ang="5400000" scaled="0"/>
-              </a:gradFill>
-              <a:effectLst/>
-              <a:uLnTx/>
-              <a:uFillTx/>
-              <a:latin typeface="Consolas" pitchFamily="49" charset="0"/>
-              <a:ea typeface="+mn-ea"/>
-              <a:cs typeface="Consolas" pitchFamily="49" charset="0"/>
-            </a:endParaRPr>
-          </a:p>
-        </p:txBody>
-      </p:sp>
-    </p:spTree>
-    <p:extLst>
-      <p:ext uri="{BB962C8B-B14F-4D97-AF65-F5344CB8AC3E}">
-        <p14:creationId xmlns:p14="http://schemas.microsoft.com/office/powerpoint/2010/main" val="603890906"/>
-      </p:ext>
-    </p:extLst>
-  </p:cSld>
-  <p:clrMapOvr>
-    <a:masterClrMapping/>
-  </p:clrMapOvr>
-  <mc:AlternateContent xmlns:mc="http://schemas.openxmlformats.org/markup-compatibility/2006" xmlns:p14="http://schemas.microsoft.com/office/powerpoint/2010/main">
-    <mc:Choice Requires="p14">
-      <p:transition spd="med" p14:dur="700">
-        <p:fade/>
-      </p:transition>
-    </mc:Choice>
-    <mc:Fallback xmlns="">
-      <p:transition spd="med">
-        <p:fade/>
-      </p:transition>
-    </mc:Fallback>
-  </mc:AlternateContent>
-  <p:timing>
-    <p:tnLst>
-      <p:par>
-        <p:cTn xmlns:p14="http://schemas.microsoft.com/office/powerpoint/2010/main" id="1" dur="indefinite" restart="never" nodeType="tmRoot"/>
-      </p:par>
-    </p:tnLst>
-  </p:timing>
-</p:sld>
-</file>
-
-<file path=ppt/slides/slide6.xml><?xml version="1.0" encoding="utf-8"?>
-<p:sld xmlns:a="http://schemas.openxmlformats.org/drawingml/2006/main" xmlns:r="http://schemas.openxmlformats.org/officeDocument/2006/relationships" xmlns:p="http://schemas.openxmlformats.org/presentationml/2006/main">
-  <p:cSld>
-    <p:spTree>
-      <p:nvGrpSpPr>
-        <p:cNvPr id="1" name=""/>
-        <p:cNvGrpSpPr/>
-        <p:nvPr/>
-      </p:nvGrpSpPr>
-      <p:grpSpPr>
-        <a:xfrm>
-          <a:off x="0" y="0"/>
-          <a:ext cx="0" cy="0"/>
-          <a:chOff x="0" y="0"/>
-          <a:chExt cx="0" cy="0"/>
-        </a:xfrm>
-      </p:grpSpPr>
-      <p:sp>
-        <p:nvSpPr>
-          <p:cNvPr id="3" name="Title 2"/>
-          <p:cNvSpPr>
-            <a:spLocks noGrp="1"/>
-          </p:cNvSpPr>
-          <p:nvPr>
-            <p:ph type="title"/>
-          </p:nvPr>
-        </p:nvSpPr>
-        <p:spPr>
-          <a:xfrm>
-            <a:off x="389436" y="228602"/>
-            <a:ext cx="8363938" cy="564257"/>
-          </a:xfrm>
-        </p:spPr>
-        <p:txBody>
-          <a:bodyPr/>
-          <a:lstStyle/>
-          <a:p>
-            <a:r>
-              <a:rPr lang="en-US" sz="4000" b="0" kern="1200" cap="none" spc="-100" baseline="0" dirty="0" smtClean="0">
-                <a:ln w="3175">
-                  <a:noFill/>
-                </a:ln>
-                <a:gradFill flip="none" rotWithShape="1">
-                  <a:gsLst>
-                    <a:gs pos="0">
-                      <a:schemeClr val="tx1"/>
-                    </a:gs>
-                    <a:gs pos="86000">
-                      <a:schemeClr val="tx1"/>
-                    </a:gs>
-                  </a:gsLst>
-                  <a:lin ang="5400000" scaled="0"/>
-                  <a:tileRect/>
-                </a:gradFill>
-                <a:effectLst/>
-                <a:latin typeface="+mj-lt"/>
-                <a:ea typeface="+mn-ea"/>
-                <a:cs typeface="Arial" charset="0"/>
-              </a:rPr>
-              <a:t>Browser Support for Semantic Markup	</a:t>
-            </a:r>
-            <a:endParaRPr lang="en-US" sz="3600" dirty="0"/>
-          </a:p>
-        </p:txBody>
-      </p:sp>
-      <p:graphicFrame>
-        <p:nvGraphicFramePr>
-          <p:cNvPr id="6" name="Content Placeholder 5"/>
-          <p:cNvGraphicFramePr>
-            <a:graphicFrameLocks noGrp="1"/>
-          </p:cNvGraphicFramePr>
-          <p:nvPr>
-            <p:ph idx="1"/>
-            <p:extLst>
-              <p:ext uri="{D42A27DB-BD31-4B8C-83A1-F6EECF244321}">
-                <p14:modId xmlns:p14="http://schemas.microsoft.com/office/powerpoint/2010/main" val="2206379780"/>
-              </p:ext>
-            </p:extLst>
-          </p:nvPr>
-        </p:nvGraphicFramePr>
-        <p:xfrm>
-          <a:off x="653147" y="2412276"/>
-          <a:ext cx="7836622" cy="1940558"/>
-        </p:xfrm>
-        <a:graphic>
-          <a:graphicData uri="http://schemas.openxmlformats.org/drawingml/2006/table">
-            <a:tbl>
-              <a:tblPr firstRow="1" bandCol="1">
-                <a:tableStyleId>{B301B821-A1FF-4177-AEE7-76D212191A09}</a:tableStyleId>
-              </a:tblPr>
-              <a:tblGrid>
-                <a:gridCol w="1161139"/>
-                <a:gridCol w="1185333"/>
-                <a:gridCol w="1100667"/>
-                <a:gridCol w="1112762"/>
-                <a:gridCol w="1124857"/>
-                <a:gridCol w="689428"/>
-                <a:gridCol w="701524"/>
-                <a:gridCol w="760912"/>
-              </a:tblGrid>
-              <a:tr h="405914">
-                <a:tc rowSpan="2">
-                  <a:txBody>
-                    <a:bodyPr/>
-                    <a:lstStyle/>
-                    <a:p>
-                      <a:endParaRPr lang="en-US" b="1" dirty="0">
-                        <a:solidFill>
-                          <a:schemeClr val="bg1"/>
-                        </a:solidFill>
-                      </a:endParaRPr>
-                    </a:p>
-                  </a:txBody>
-                  <a:tcPr/>
-                </a:tc>
-                <a:tc rowSpan="2">
-                  <a:txBody>
-                    <a:bodyPr/>
-                    <a:lstStyle/>
-                    <a:p>
-                      <a:endParaRPr lang="en-US" b="1" dirty="0">
-                        <a:solidFill>
-                          <a:schemeClr val="bg1"/>
-                        </a:solidFill>
-                      </a:endParaRPr>
-                    </a:p>
-                  </a:txBody>
-                  <a:tcPr/>
-                </a:tc>
-                <a:tc rowSpan="2">
-                  <a:txBody>
-                    <a:bodyPr/>
-                    <a:lstStyle/>
-                    <a:p>
-                      <a:endParaRPr lang="en-US" b="1" dirty="0">
-                        <a:solidFill>
-                          <a:schemeClr val="bg1"/>
-                        </a:solidFill>
-                      </a:endParaRPr>
-                    </a:p>
-                  </a:txBody>
-                  <a:tcPr/>
-                </a:tc>
-                <a:tc rowSpan="2">
-                  <a:txBody>
-                    <a:bodyPr/>
-                    <a:lstStyle/>
-                    <a:p>
-                      <a:endParaRPr lang="en-US" b="1" dirty="0">
-                        <a:solidFill>
-                          <a:schemeClr val="bg1"/>
-                        </a:solidFill>
-                      </a:endParaRPr>
-                    </a:p>
-                  </a:txBody>
-                  <a:tcPr/>
-                </a:tc>
-                <a:tc rowSpan="2">
-                  <a:txBody>
-                    <a:bodyPr/>
-                    <a:lstStyle/>
-                    <a:p>
-                      <a:endParaRPr lang="en-US" b="1" dirty="0">
-                        <a:solidFill>
-                          <a:schemeClr val="bg1"/>
-                        </a:solidFill>
-                      </a:endParaRPr>
-                    </a:p>
-                  </a:txBody>
-                  <a:tcPr/>
-                </a:tc>
-                <a:tc gridSpan="3">
-                  <a:txBody>
-                    <a:bodyPr/>
-                    <a:lstStyle/>
-                    <a:p>
-                      <a:pPr algn="ctr"/>
-                      <a:r>
-                        <a:rPr lang="en-US" b="1" dirty="0" smtClean="0">
-                          <a:solidFill>
-                            <a:schemeClr val="bg1"/>
-                          </a:solidFill>
-                        </a:rPr>
-                        <a:t>Mobile</a:t>
-                      </a:r>
-                      <a:endParaRPr lang="en-US" b="1" dirty="0">
-                        <a:solidFill>
-                          <a:schemeClr val="bg1"/>
-                        </a:solidFill>
-                      </a:endParaRPr>
-                    </a:p>
-                  </a:txBody>
-                  <a:tcPr/>
-                </a:tc>
-                <a:tc hMerge="1">
-                  <a:txBody>
-                    <a:bodyPr/>
-                    <a:lstStyle/>
-                    <a:p>
-                      <a:endParaRPr lang="en-US" dirty="0"/>
-                    </a:p>
-                  </a:txBody>
-                  <a:tcPr/>
-                </a:tc>
-                <a:tc hMerge="1">
-                  <a:txBody>
-                    <a:bodyPr/>
-                    <a:lstStyle/>
-                    <a:p>
-                      <a:endParaRPr lang="en-US" dirty="0"/>
-                    </a:p>
-                  </a:txBody>
-                  <a:tcPr/>
-                </a:tc>
-              </a:tr>
-              <a:tr h="955524">
-                <a:tc vMerge="1">
-                  <a:txBody>
-                    <a:bodyPr/>
-                    <a:lstStyle/>
-                    <a:p>
-                      <a:endParaRPr lang="en-US" dirty="0"/>
-                    </a:p>
-                  </a:txBody>
-                  <a:tcPr/>
-                </a:tc>
-                <a:tc vMerge="1">
-                  <a:txBody>
-                    <a:bodyPr/>
-                    <a:lstStyle/>
-                    <a:p>
-                      <a:endParaRPr lang="en-US" dirty="0"/>
-                    </a:p>
-                  </a:txBody>
-                  <a:tcPr/>
-                </a:tc>
-                <a:tc vMerge="1">
-                  <a:txBody>
-                    <a:bodyPr/>
-                    <a:lstStyle/>
-                    <a:p>
-                      <a:endParaRPr lang="en-US" dirty="0"/>
-                    </a:p>
-                  </a:txBody>
-                  <a:tcPr/>
-                </a:tc>
-                <a:tc vMerge="1">
-                  <a:txBody>
-                    <a:bodyPr/>
-                    <a:lstStyle/>
-                    <a:p>
-                      <a:endParaRPr lang="en-US" dirty="0"/>
-                    </a:p>
-                  </a:txBody>
-                  <a:tcPr/>
-                </a:tc>
-                <a:tc vMerge="1">
-                  <a:txBody>
-                    <a:bodyPr/>
-                    <a:lstStyle/>
-                    <a:p>
-                      <a:endParaRPr lang="en-US" dirty="0"/>
-                    </a:p>
-                  </a:txBody>
-                  <a:tcPr/>
-                </a:tc>
-                <a:tc>
-                  <a:txBody>
-                    <a:bodyPr/>
-                    <a:lstStyle/>
-                    <a:p>
-                      <a:endParaRPr lang="en-US" b="1" dirty="0">
-                        <a:solidFill>
-                          <a:schemeClr val="bg1"/>
-                        </a:solidFill>
-                      </a:endParaRPr>
-                    </a:p>
-                  </a:txBody>
-                  <a:tcPr/>
-                </a:tc>
-                <a:tc>
-                  <a:txBody>
-                    <a:bodyPr/>
-                    <a:lstStyle/>
-                    <a:p>
-                      <a:endParaRPr lang="en-US" b="1" dirty="0">
-                        <a:solidFill>
-                          <a:schemeClr val="bg1"/>
-                        </a:solidFill>
-                      </a:endParaRPr>
-                    </a:p>
-                  </a:txBody>
-                  <a:tcPr/>
-                </a:tc>
-                <a:tc>
-                  <a:txBody>
-                    <a:bodyPr/>
-                    <a:lstStyle/>
-                    <a:p>
-                      <a:endParaRPr lang="en-US" b="1" dirty="0">
-                        <a:solidFill>
-                          <a:schemeClr val="bg1"/>
-                        </a:solidFill>
-                      </a:endParaRPr>
-                    </a:p>
-                  </a:txBody>
-                  <a:tcPr/>
-                </a:tc>
-              </a:tr>
-              <a:tr h="370840">
-                <a:tc>
-                  <a:txBody>
-                    <a:bodyPr/>
-                    <a:lstStyle/>
-                    <a:p>
-                      <a:pPr algn="ctr"/>
-                      <a:r>
-                        <a:rPr lang="en-US" sz="3200" b="1" dirty="0" smtClean="0">
-                          <a:solidFill>
-                            <a:schemeClr val="bg1"/>
-                          </a:solidFill>
-                        </a:rPr>
-                        <a:t>9</a:t>
-                      </a:r>
-                      <a:endParaRPr lang="en-US" sz="3200" b="1" dirty="0">
-                        <a:solidFill>
-                          <a:schemeClr val="bg1"/>
-                        </a:solidFill>
-                      </a:endParaRPr>
-                    </a:p>
-                  </a:txBody>
-                  <a:tcPr/>
-                </a:tc>
-                <a:tc>
-                  <a:txBody>
-                    <a:bodyPr/>
-                    <a:lstStyle/>
-                    <a:p>
-                      <a:pPr algn="ctr"/>
-                      <a:r>
-                        <a:rPr lang="en-US" sz="3200" b="1" dirty="0" smtClean="0">
-                          <a:solidFill>
-                            <a:schemeClr val="bg1"/>
-                          </a:solidFill>
-                        </a:rPr>
-                        <a:t>6</a:t>
-                      </a:r>
-                      <a:endParaRPr lang="en-US" sz="3200" b="1" dirty="0">
-                        <a:solidFill>
-                          <a:schemeClr val="bg1"/>
-                        </a:solidFill>
-                      </a:endParaRPr>
-                    </a:p>
-                  </a:txBody>
-                  <a:tcPr/>
-                </a:tc>
-                <a:tc>
-                  <a:txBody>
-                    <a:bodyPr/>
-                    <a:lstStyle/>
-                    <a:p>
-                      <a:pPr algn="ctr"/>
-                      <a:r>
-                        <a:rPr lang="en-US" sz="3200" b="1" dirty="0" smtClean="0">
-                          <a:solidFill>
-                            <a:schemeClr val="bg1"/>
-                          </a:solidFill>
-                        </a:rPr>
-                        <a:t>4</a:t>
-                      </a:r>
-                      <a:endParaRPr lang="en-US" sz="3200" b="1" dirty="0">
-                        <a:solidFill>
-                          <a:schemeClr val="bg1"/>
-                        </a:solidFill>
-                      </a:endParaRPr>
-                    </a:p>
-                  </a:txBody>
-                  <a:tcPr/>
-                </a:tc>
-                <a:tc>
-                  <a:txBody>
-                    <a:bodyPr/>
-                    <a:lstStyle/>
-                    <a:p>
-                      <a:pPr algn="ctr"/>
-                      <a:r>
-                        <a:rPr lang="en-US" sz="3200" b="1" dirty="0" smtClean="0">
-                          <a:solidFill>
-                            <a:schemeClr val="bg1"/>
-                          </a:solidFill>
-                        </a:rPr>
-                        <a:t>11.1</a:t>
-                      </a:r>
-                      <a:endParaRPr lang="en-US" sz="3200" b="1" dirty="0">
-                        <a:solidFill>
-                          <a:schemeClr val="bg1"/>
-                        </a:solidFill>
-                      </a:endParaRPr>
-                    </a:p>
-                  </a:txBody>
-                  <a:tcPr/>
-                </a:tc>
-                <a:tc>
-                  <a:txBody>
-                    <a:bodyPr/>
-                    <a:lstStyle/>
-                    <a:p>
-                      <a:pPr algn="ctr"/>
-                      <a:r>
-                        <a:rPr lang="en-US" sz="3200" b="1" dirty="0" smtClean="0">
-                          <a:solidFill>
-                            <a:schemeClr val="bg1"/>
-                          </a:solidFill>
-                        </a:rPr>
-                        <a:t>5</a:t>
-                      </a:r>
-                      <a:endParaRPr lang="en-US" sz="3200" b="1" dirty="0">
-                        <a:solidFill>
-                          <a:schemeClr val="bg1"/>
-                        </a:solidFill>
-                      </a:endParaRPr>
-                    </a:p>
-                  </a:txBody>
-                  <a:tcPr/>
-                </a:tc>
-                <a:tc>
-                  <a:txBody>
-                    <a:bodyPr/>
-                    <a:lstStyle/>
-                    <a:p>
-                      <a:pPr algn="ctr"/>
-                      <a:r>
-                        <a:rPr lang="en-US" sz="2800" b="1" dirty="0" smtClean="0">
-                          <a:solidFill>
-                            <a:schemeClr val="bg1"/>
-                          </a:solidFill>
-                        </a:rPr>
-                        <a:t>9</a:t>
-                      </a:r>
-                      <a:endParaRPr lang="en-US" sz="2800" b="1" dirty="0">
-                        <a:solidFill>
-                          <a:schemeClr val="bg1"/>
-                        </a:solidFill>
-                      </a:endParaRPr>
-                    </a:p>
-                  </a:txBody>
-                  <a:tcPr/>
-                </a:tc>
-                <a:tc>
-                  <a:txBody>
-                    <a:bodyPr/>
-                    <a:lstStyle/>
-                    <a:p>
-                      <a:pPr algn="ctr"/>
-                      <a:r>
-                        <a:rPr lang="en-US" sz="2800" b="1" dirty="0" smtClean="0">
-                          <a:solidFill>
-                            <a:schemeClr val="bg1"/>
-                          </a:solidFill>
-                        </a:rPr>
-                        <a:t>2.2</a:t>
-                      </a:r>
-                      <a:endParaRPr lang="en-US" sz="2800" b="1" dirty="0">
-                        <a:solidFill>
-                          <a:schemeClr val="bg1"/>
-                        </a:solidFill>
-                      </a:endParaRPr>
-                    </a:p>
-                  </a:txBody>
-                  <a:tcPr/>
-                </a:tc>
-                <a:tc>
-                  <a:txBody>
-                    <a:bodyPr/>
-                    <a:lstStyle/>
-                    <a:p>
-                      <a:pPr algn="ctr"/>
-                      <a:r>
-                        <a:rPr lang="en-US" sz="2800" b="1" dirty="0" smtClean="0">
-                          <a:solidFill>
-                            <a:schemeClr val="bg1"/>
-                          </a:solidFill>
-                        </a:rPr>
-                        <a:t>4</a:t>
                       </a:r>
                       <a:endParaRPr lang="en-US" sz="2800" b="1" dirty="0">
                         <a:solidFill>
@@ -19491,11 +19984,7 @@
           <a:p>
             <a:r>
               <a:rPr lang="en-US" dirty="0" smtClean="0"/>
-              <a:t>Border</a:t>
-            </a:r>
-            <a:r>
-              <a:rPr lang="en-US" smtClean="0"/>
-              <a:t>-Radius</a:t>
+              <a:t>Border-Radius</a:t>
             </a:r>
             <a:endParaRPr lang="en-US" dirty="0"/>
           </a:p>
@@ -19576,14 +20065,14 @@
           <a:lstStyle/>
           <a:p>
             <a:r>
-              <a:rPr lang="en-US" sz="6000" dirty="0" smtClean="0"/>
-              <a:t>Audio and Video</a:t>
-            </a:r>
-            <a:r>
-              <a:rPr lang="en-US" sz="6000" baseline="30000" dirty="0"/>
+              <a:rPr lang="en-US" sz="4400" dirty="0" smtClean="0"/>
+              <a:t>Box-Shadow and Text-Shadow</a:t>
+            </a:r>
+            <a:r>
+              <a:rPr lang="en-US" sz="4400" baseline="30000" dirty="0" smtClean="0"/>
               <a:t>*</a:t>
             </a:r>
-            <a:endParaRPr lang="en-US" sz="6000" dirty="0"/>
+            <a:endParaRPr lang="en-US" sz="4400" dirty="0"/>
           </a:p>
         </p:txBody>
       </p:sp>
@@ -19603,15 +20092,22 @@
           <a:lstStyle/>
           <a:p>
             <a:r>
-              <a:rPr lang="en-US" dirty="0">
+              <a:rPr lang="en-US" sz="2800" dirty="0" smtClean="0">
                 <a:solidFill>
                   <a:schemeClr val="accent1">
                     <a:alpha val="99000"/>
                   </a:schemeClr>
                 </a:solidFill>
               </a:rPr>
-              <a:t>*Media without Plugins, but lots of Codecs</a:t>
-            </a:r>
+              <a:t>*Rounded Corners and Shadows? Design Done!</a:t>
+            </a:r>
+            <a:endParaRPr lang="en-US" sz="2800" dirty="0">
+              <a:solidFill>
+                <a:schemeClr val="accent1">
+                  <a:alpha val="99000"/>
+                </a:schemeClr>
+              </a:solidFill>
+            </a:endParaRPr>
           </a:p>
         </p:txBody>
       </p:sp>
@@ -19677,7 +20173,7 @@
           <a:p>
             <a:r>
               <a:rPr lang="en-US" sz="3200" dirty="0" smtClean="0"/>
-              <a:t>Media on Your Page… No Plugins Required.</a:t>
+              <a:t>Using Box-Shadow</a:t>
             </a:r>
             <a:endParaRPr lang="en-US" sz="3200" dirty="0"/>
           </a:p>
@@ -19685,7 +20181,7 @@
       </p:sp>
       <p:sp>
         <p:nvSpPr>
-          <p:cNvPr id="6" name="Text Placeholder 5"/>
+          <p:cNvPr id="2" name="Text Placeholder 1"/>
           <p:cNvSpPr>
             <a:spLocks noGrp="1"/>
           </p:cNvSpPr>
@@ -19695,8 +20191,8 @@
         </p:nvSpPr>
         <p:spPr>
           <a:xfrm>
-            <a:off x="389437" y="1447801"/>
-            <a:ext cx="8363937" cy="3540456"/>
+            <a:off x="389438" y="1905003"/>
+            <a:ext cx="8363937" cy="451406"/>
           </a:xfrm>
         </p:spPr>
         <p:txBody>
@@ -19706,370 +20202,10 @@
             <a:pPr marL="0" indent="0">
               <a:buNone/>
             </a:pPr>
-            <a:r>
-              <a:rPr lang="en-US" sz="2800" dirty="0">
-                <a:solidFill>
-                  <a:schemeClr val="bg1"/>
-                </a:solidFill>
-              </a:rPr>
-              <a:t>&lt;</a:t>
-            </a:r>
-            <a:r>
-              <a:rPr lang="en-US" sz="2800" b="1" dirty="0">
-                <a:solidFill>
-                  <a:srgbClr val="800000"/>
-                </a:solidFill>
-                <a:effectLst>
-                  <a:outerShdw blurRad="38100" dist="38100" dir="2700000" algn="tl">
-                    <a:srgbClr val="000000">
-                      <a:alpha val="43137"/>
-                    </a:srgbClr>
-                  </a:outerShdw>
-                </a:effectLst>
-              </a:rPr>
-              <a:t>video</a:t>
-            </a:r>
-            <a:r>
-              <a:rPr lang="en-US" sz="2800" dirty="0">
-                <a:solidFill>
-                  <a:srgbClr val="800000"/>
-                </a:solidFill>
-                <a:effectLst>
-                  <a:outerShdw blurRad="38100" dist="38100" dir="2700000" algn="tl">
-                    <a:srgbClr val="000000">
-                      <a:alpha val="43137"/>
-                    </a:srgbClr>
-                  </a:outerShdw>
-                </a:effectLst>
-              </a:rPr>
-              <a:t> </a:t>
-            </a:r>
-            <a:r>
-              <a:rPr lang="en-US" sz="2800" dirty="0">
-                <a:solidFill>
-                  <a:schemeClr val="bg1"/>
-                </a:solidFill>
-              </a:rPr>
-              <a:t>id</a:t>
-            </a:r>
-            <a:r>
-              <a:rPr lang="en-US" sz="2800" dirty="0" smtClean="0">
-                <a:solidFill>
-                  <a:schemeClr val="bg1"/>
-                </a:solidFill>
-              </a:rPr>
-              <a:t>=“video</a:t>
-            </a:r>
-            <a:r>
-              <a:rPr lang="en-US" sz="2800" dirty="0">
-                <a:solidFill>
-                  <a:schemeClr val="bg1"/>
-                </a:solidFill>
-              </a:rPr>
-              <a:t>" </a:t>
-            </a:r>
-            <a:r>
-              <a:rPr lang="en-US" sz="2800" b="1" dirty="0" smtClean="0">
-                <a:solidFill>
-                  <a:srgbClr val="800000"/>
-                </a:solidFill>
-                <a:effectLst>
-                  <a:outerShdw blurRad="38100" dist="38100" dir="2700000" algn="tl">
-                    <a:srgbClr val="000000">
-                      <a:alpha val="43137"/>
-                    </a:srgbClr>
-                  </a:outerShdw>
-                </a:effectLst>
-              </a:rPr>
-              <a:t>controls autoplay</a:t>
-            </a:r>
-            <a:r>
-              <a:rPr lang="en-US" sz="2800" dirty="0" smtClean="0">
-                <a:solidFill>
-                  <a:schemeClr val="bg1"/>
-                </a:solidFill>
-              </a:rPr>
-              <a:t>&gt;</a:t>
-            </a:r>
-            <a:endParaRPr lang="en-US" sz="2800" dirty="0">
-              <a:solidFill>
-                <a:schemeClr val="bg1"/>
-              </a:solidFill>
-            </a:endParaRPr>
-          </a:p>
-          <a:p>
-            <a:pPr marL="0" indent="0">
-              <a:buNone/>
-            </a:pPr>
-            <a:r>
-              <a:rPr lang="en-US" sz="2800" dirty="0" smtClean="0">
-                <a:solidFill>
-                  <a:schemeClr val="bg1"/>
-                </a:solidFill>
-              </a:rPr>
-              <a:t>   &lt;</a:t>
-            </a:r>
-            <a:r>
-              <a:rPr lang="en-US" sz="2800" dirty="0">
-                <a:solidFill>
-                  <a:schemeClr val="bg1"/>
-                </a:solidFill>
-              </a:rPr>
-              <a:t>source src</a:t>
-            </a:r>
-            <a:r>
-              <a:rPr lang="en-US" sz="2800" dirty="0" smtClean="0">
-                <a:solidFill>
-                  <a:schemeClr val="bg1"/>
-                </a:solidFill>
-              </a:rPr>
-              <a:t>="video.mp4</a:t>
-            </a:r>
-            <a:r>
-              <a:rPr lang="en-US" sz="2800" dirty="0">
-                <a:solidFill>
-                  <a:schemeClr val="bg1"/>
-                </a:solidFill>
-              </a:rPr>
-              <a:t>" type="</a:t>
-            </a:r>
-            <a:r>
-              <a:rPr lang="en-US" sz="2800" dirty="0" smtClean="0">
-                <a:solidFill>
-                  <a:schemeClr val="bg1"/>
-                </a:solidFill>
-              </a:rPr>
-              <a:t>video/mp4“ /&gt;</a:t>
-            </a:r>
-            <a:endParaRPr lang="en-US" sz="2800" dirty="0">
-              <a:solidFill>
-                <a:schemeClr val="bg1"/>
-              </a:solidFill>
-            </a:endParaRPr>
-          </a:p>
-          <a:p>
-            <a:pPr marL="0" indent="0">
-              <a:buNone/>
-            </a:pPr>
-            <a:r>
-              <a:rPr lang="en-US" sz="2800" dirty="0" smtClean="0">
-                <a:solidFill>
-                  <a:schemeClr val="bg1"/>
-                </a:solidFill>
-              </a:rPr>
-              <a:t>&lt;/</a:t>
-            </a:r>
-            <a:r>
-              <a:rPr lang="en-US" sz="2800" dirty="0">
-                <a:solidFill>
-                  <a:schemeClr val="bg1"/>
-                </a:solidFill>
-              </a:rPr>
-              <a:t>video</a:t>
-            </a:r>
-            <a:r>
-              <a:rPr lang="en-US" sz="2800" dirty="0" smtClean="0">
-                <a:solidFill>
-                  <a:schemeClr val="bg1"/>
-                </a:solidFill>
-              </a:rPr>
-              <a:t>&gt;</a:t>
-            </a:r>
-          </a:p>
-          <a:p>
-            <a:pPr marL="0" indent="0">
-              <a:buNone/>
-            </a:pPr>
-            <a:r>
-              <a:rPr lang="en-US" sz="2800" dirty="0">
-                <a:solidFill>
-                  <a:schemeClr val="bg1"/>
-                </a:solidFill>
-              </a:rPr>
-              <a:t>document.getElementById("video").</a:t>
-            </a:r>
-            <a:r>
-              <a:rPr lang="en-US" sz="2800" b="1" dirty="0">
-                <a:solidFill>
-                  <a:srgbClr val="800000"/>
-                </a:solidFill>
-                <a:effectLst>
-                  <a:outerShdw blurRad="38100" dist="38100" dir="2700000" algn="tl">
-                    <a:srgbClr val="000000">
-                      <a:alpha val="43137"/>
-                    </a:srgbClr>
-                  </a:outerShdw>
-                </a:effectLst>
-              </a:rPr>
-              <a:t>play</a:t>
-            </a:r>
-            <a:r>
-              <a:rPr lang="en-US" sz="2800" dirty="0" smtClean="0">
-                <a:solidFill>
-                  <a:schemeClr val="bg1"/>
-                </a:solidFill>
-              </a:rPr>
-              <a:t>();</a:t>
-            </a:r>
-          </a:p>
-          <a:p>
-            <a:pPr marL="0" indent="0">
-              <a:buNone/>
-            </a:pPr>
-            <a:endParaRPr lang="en-US" sz="2800" dirty="0">
-              <a:solidFill>
-                <a:schemeClr val="bg1"/>
-              </a:solidFill>
-            </a:endParaRPr>
-          </a:p>
-          <a:p>
-            <a:pPr marL="0" indent="0">
-              <a:buNone/>
-            </a:pPr>
-            <a:r>
-              <a:rPr lang="en-US" sz="2800" dirty="0">
-                <a:solidFill>
-                  <a:schemeClr val="bg1"/>
-                </a:solidFill>
-              </a:rPr>
-              <a:t>&lt;</a:t>
-            </a:r>
-            <a:r>
-              <a:rPr lang="en-US" sz="2800" b="1" dirty="0">
-                <a:solidFill>
-                  <a:srgbClr val="800000"/>
-                </a:solidFill>
-                <a:effectLst>
-                  <a:outerShdw blurRad="38100" dist="38100" dir="2700000" algn="tl">
-                    <a:srgbClr val="000000">
-                      <a:alpha val="43137"/>
-                    </a:srgbClr>
-                  </a:outerShdw>
-                </a:effectLst>
-              </a:rPr>
-              <a:t>audio</a:t>
-            </a:r>
-            <a:r>
-              <a:rPr lang="en-US" sz="2800" dirty="0">
-                <a:solidFill>
-                  <a:srgbClr val="800000"/>
-                </a:solidFill>
-                <a:effectLst>
-                  <a:outerShdw blurRad="38100" dist="38100" dir="2700000" algn="tl">
-                    <a:srgbClr val="000000">
-                      <a:alpha val="43137"/>
-                    </a:srgbClr>
-                  </a:outerShdw>
-                </a:effectLst>
-              </a:rPr>
-              <a:t> </a:t>
-            </a:r>
-            <a:r>
-              <a:rPr lang="en-US" sz="2800" dirty="0">
-                <a:solidFill>
-                  <a:schemeClr val="bg1"/>
-                </a:solidFill>
-              </a:rPr>
-              <a:t>id="audio" src="sound.mp3" controls&gt;&lt;/audio&gt;</a:t>
-            </a:r>
-            <a:br>
-              <a:rPr lang="en-US" sz="2800" dirty="0">
-                <a:solidFill>
-                  <a:schemeClr val="bg1"/>
-                </a:solidFill>
-              </a:rPr>
-            </a:br>
-            <a:r>
-              <a:rPr lang="en-US" sz="2800" dirty="0">
-                <a:solidFill>
-                  <a:schemeClr val="bg1"/>
-                </a:solidFill>
-              </a:rPr>
-              <a:t>document.getElementById("audio").</a:t>
-            </a:r>
-            <a:r>
-              <a:rPr lang="en-US" sz="2800" b="1" dirty="0">
-                <a:solidFill>
-                  <a:srgbClr val="800000"/>
-                </a:solidFill>
-                <a:effectLst>
-                  <a:outerShdw blurRad="38100" dist="38100" dir="2700000" algn="tl">
-                    <a:srgbClr val="000000">
-                      <a:alpha val="43137"/>
-                    </a:srgbClr>
-                  </a:outerShdw>
-                </a:effectLst>
-              </a:rPr>
-              <a:t>muted</a:t>
-            </a:r>
-            <a:r>
-              <a:rPr lang="en-US" sz="2800" dirty="0">
-                <a:solidFill>
-                  <a:srgbClr val="800000"/>
-                </a:solidFill>
-              </a:rPr>
-              <a:t> </a:t>
-            </a:r>
-            <a:r>
-              <a:rPr lang="en-US" sz="2800" dirty="0">
-                <a:solidFill>
-                  <a:schemeClr val="bg1"/>
-                </a:solidFill>
-              </a:rPr>
-              <a:t>= false;</a:t>
-            </a:r>
+            <a:endParaRPr lang="en-US" dirty="0"/>
           </a:p>
         </p:txBody>
       </p:sp>
-      <p:pic>
-        <p:nvPicPr>
-          <p:cNvPr id="2052" name="Picture 4" descr="C:\Users\brsatrom\AppData\Local\Temp\SNAGHTML472e749.PNG"/>
-          <p:cNvPicPr>
-            <a:picLocks noChangeAspect="1" noChangeArrowheads="1"/>
-          </p:cNvPicPr>
-          <p:nvPr/>
-        </p:nvPicPr>
-        <p:blipFill rotWithShape="1">
-          <a:blip r:embed="rId3">
-            <a:biLevel thresh="50000"/>
-            <a:extLst>
-              <a:ext uri="{BEBA8EAE-BF5A-486C-A8C5-ECC9F3942E4B}">
-                <a14:imgProps xmlns:a14="http://schemas.microsoft.com/office/drawing/2010/main">
-                  <a14:imgLayer r:embed="rId4">
-                    <a14:imgEffect>
-                      <a14:colorTemperature colorTemp="4700"/>
-                    </a14:imgEffect>
-                  </a14:imgLayer>
-                </a14:imgProps>
-              </a:ext>
-              <a:ext uri="{28A0092B-C50C-407E-A947-70E740481C1C}">
-                <a14:useLocalDpi xmlns:a14="http://schemas.microsoft.com/office/drawing/2010/main" val="0"/>
-              </a:ext>
-            </a:extLst>
-          </a:blip>
-          <a:srcRect l="1512" t="11862" r="2221" b="12524"/>
-          <a:stretch/>
-        </p:blipFill>
-        <p:spPr bwMode="auto">
-          <a:xfrm>
-            <a:off x="970008" y="5602811"/>
-            <a:ext cx="5285478" cy="558148"/>
-          </a:xfrm>
-          <a:prstGeom prst="rect">
-            <a:avLst/>
-          </a:prstGeom>
-          <a:noFill/>
-          <a:extLst>
-            <a:ext uri="{909E8E84-426E-40dd-AFC4-6F175D3DCCD1}">
-              <a14:hiddenFill xmlns:a14="http://schemas.microsoft.com/office/drawing/2010/main">
-                <a:solidFill>
-                  <a:srgbClr val="FFFFFF"/>
-                </a:solidFill>
-              </a14:hiddenFill>
-            </a:ext>
-          </a:extLst>
-        </p:spPr>
-      </p:pic>
     </p:spTree>
     <p:extLst>
       <p:ext uri="{BB962C8B-B14F-4D97-AF65-F5344CB8AC3E}">
